--- a/模擬平台網頁_v2/教材簡報/課堂流程與研究目的_v2.pptx
+++ b/模擬平台網頁_v2/教材簡報/課堂流程與研究目的_v2.pptx
@@ -15,12 +15,13 @@
     <p:sldId id="270" r:id="rId9"/>
     <p:sldId id="303" r:id="rId10"/>
     <p:sldId id="305" r:id="rId11"/>
-    <p:sldId id="272" r:id="rId12"/>
-    <p:sldId id="291" r:id="rId13"/>
-    <p:sldId id="295" r:id="rId14"/>
-    <p:sldId id="297" r:id="rId15"/>
-    <p:sldId id="292" r:id="rId16"/>
-    <p:sldId id="293" r:id="rId17"/>
+    <p:sldId id="306" r:id="rId12"/>
+    <p:sldId id="272" r:id="rId13"/>
+    <p:sldId id="291" r:id="rId14"/>
+    <p:sldId id="295" r:id="rId15"/>
+    <p:sldId id="297" r:id="rId16"/>
+    <p:sldId id="292" r:id="rId17"/>
+    <p:sldId id="293" r:id="rId18"/>
   </p:sldIdLst>
   <p:sldSz cx="12192000" cy="6858000"/>
   <p:notesSz cx="6858000" cy="9144000"/>
@@ -5805,7 +5806,7 @@
           <p:cNvPr id="2" name="標題 1">
             <a:extLst>
               <a:ext uri="{FF2B5EF4-FFF2-40B4-BE49-F238E27FC236}">
-                <a16:creationId xmlns:a16="http://schemas.microsoft.com/office/drawing/2014/main" id="{326B8693-26E8-7B43-92A3-0CE9DA14AA5B}"/>
+                <a16:creationId xmlns:a16="http://schemas.microsoft.com/office/drawing/2014/main" id="{14F01D14-8629-BD47-B098-A57B2CB9825C}"/>
               </a:ext>
             </a:extLst>
           </p:cNvPr>
@@ -5826,8 +5827,12 @@
                 <a:latin typeface="Heiti SC Medium" pitchFamily="2" charset="-128"/>
                 <a:ea typeface="Heiti SC Medium" pitchFamily="2" charset="-128"/>
               </a:rPr>
-              <a:t>研究架構</a:t>
+              <a:t>學習單設計</a:t>
             </a:r>
+            <a:endParaRPr kumimoji="1" lang="zh-TW" altLang="en-US" dirty="0">
+              <a:latin typeface="Heiti SC Medium" pitchFamily="2" charset="-128"/>
+              <a:ea typeface="Heiti SC Medium" pitchFamily="2" charset="-128"/>
+            </a:endParaRPr>
           </a:p>
         </p:txBody>
       </p:sp>
@@ -5836,7 +5841,7 @@
           <p:cNvPr id="3" name="內容版面配置區 2">
             <a:extLst>
               <a:ext uri="{FF2B5EF4-FFF2-40B4-BE49-F238E27FC236}">
-                <a16:creationId xmlns:a16="http://schemas.microsoft.com/office/drawing/2014/main" id="{09DB6E19-9514-C441-A8F4-66A938FB35F8}"/>
+                <a16:creationId xmlns:a16="http://schemas.microsoft.com/office/drawing/2014/main" id="{2545E1DB-BF32-2647-904F-62C54DB394BC}"/>
               </a:ext>
             </a:extLst>
           </p:cNvPr>
@@ -5857,7 +5862,7 @@
                 <a:latin typeface="Heiti SC Medium" pitchFamily="2" charset="-128"/>
                 <a:ea typeface="Heiti SC Medium" pitchFamily="2" charset="-128"/>
               </a:rPr>
-              <a:t>研究目的</a:t>
+              <a:t>提問與引導</a:t>
             </a:r>
             <a:endParaRPr kumimoji="1" lang="en-US" altLang="zh-TW" dirty="0">
               <a:latin typeface="Heiti SC Medium" pitchFamily="2" charset="-128"/>
@@ -5870,7 +5875,7 @@
                 <a:latin typeface="Heiti SC Medium" pitchFamily="2" charset="-128"/>
                 <a:ea typeface="Heiti SC Medium" pitchFamily="2" charset="-128"/>
               </a:rPr>
-              <a:t>研究工具</a:t>
+              <a:t>操作與觀察</a:t>
             </a:r>
             <a:endParaRPr kumimoji="1" lang="en-US" altLang="zh-TW" dirty="0">
               <a:latin typeface="Heiti SC Medium" pitchFamily="2" charset="-128"/>
@@ -5879,13 +5884,34 @@
           </a:p>
           <a:p>
             <a:r>
-              <a:rPr kumimoji="1" lang="zh-TW" altLang="en-US">
+              <a:rPr kumimoji="1" lang="zh-TW" altLang="en-US" dirty="0">
                 <a:latin typeface="Heiti SC Medium" pitchFamily="2" charset="-128"/>
                 <a:ea typeface="Heiti SC Medium" pitchFamily="2" charset="-128"/>
               </a:rPr>
-              <a:t>實驗流程</a:t>
+              <a:t>反思與表達</a:t>
             </a:r>
-            <a:endParaRPr kumimoji="1" lang="en-US" altLang="zh-TW" dirty="0">
+            <a:r>
+              <a:rPr kumimoji="1" lang="en-US" altLang="zh-TW" dirty="0">
+                <a:latin typeface="Heiti SC Medium" pitchFamily="2" charset="-128"/>
+                <a:ea typeface="Heiti SC Medium" pitchFamily="2" charset="-128"/>
+              </a:rPr>
+              <a:t>(</a:t>
+            </a:r>
+            <a:r>
+              <a:rPr kumimoji="1" lang="zh-TW" altLang="en-US" dirty="0">
+                <a:latin typeface="Heiti SC Medium" pitchFamily="2" charset="-128"/>
+                <a:ea typeface="Heiti SC Medium" pitchFamily="2" charset="-128"/>
+              </a:rPr>
+              <a:t>？</a:t>
+            </a:r>
+            <a:r>
+              <a:rPr kumimoji="1" lang="en-US" altLang="zh-TW">
+                <a:latin typeface="Heiti SC Medium" pitchFamily="2" charset="-128"/>
+                <a:ea typeface="Heiti SC Medium" pitchFamily="2" charset="-128"/>
+              </a:rPr>
+              <a:t>)</a:t>
+            </a:r>
+            <a:endParaRPr kumimoji="1" lang="zh-TW" altLang="en-US" dirty="0">
               <a:latin typeface="Heiti SC Medium" pitchFamily="2" charset="-128"/>
               <a:ea typeface="Heiti SC Medium" pitchFamily="2" charset="-128"/>
             </a:endParaRPr>
@@ -5895,7 +5921,7 @@
     </p:spTree>
     <p:extLst>
       <p:ext uri="{BB962C8B-B14F-4D97-AF65-F5344CB8AC3E}">
-        <p14:creationId xmlns:p14="http://schemas.microsoft.com/office/powerpoint/2010/main" val="2987210929"/>
+        <p14:creationId xmlns:p14="http://schemas.microsoft.com/office/powerpoint/2010/main" val="1135980971"/>
       </p:ext>
     </p:extLst>
   </p:cSld>
@@ -5948,7 +5974,7 @@
                 <a:latin typeface="Heiti SC Medium" pitchFamily="2" charset="-128"/>
                 <a:ea typeface="Heiti SC Medium" pitchFamily="2" charset="-128"/>
               </a:rPr>
-              <a:t>研究目的</a:t>
+              <a:t>研究架構</a:t>
             </a:r>
           </a:p>
         </p:txBody>
@@ -5969,91 +5995,30 @@
             <p:ph idx="1"/>
           </p:nvPr>
         </p:nvSpPr>
-        <p:spPr>
-          <a:xfrm>
-            <a:off x="838200" y="1825624"/>
-            <a:ext cx="10515600" cy="4792889"/>
-          </a:xfrm>
-        </p:spPr>
+        <p:spPr/>
         <p:txBody>
-          <a:bodyPr>
-            <a:normAutofit/>
-          </a:bodyPr>
+          <a:bodyPr/>
           <a:lstStyle/>
           <a:p>
-            <a:pPr marL="0" indent="0">
-              <a:buNone/>
-            </a:pPr>
             <a:r>
               <a:rPr kumimoji="1" lang="zh-TW" altLang="en-US" dirty="0">
                 <a:latin typeface="Heiti SC Medium" pitchFamily="2" charset="-128"/>
                 <a:ea typeface="Heiti SC Medium" pitchFamily="2" charset="-128"/>
               </a:rPr>
-              <a:t>一、探究視覺化模擬輔助教學對人工智慧學習成就之影響。</a:t>
+              <a:t>研究目的</a:t>
             </a:r>
-          </a:p>
-          <a:p>
-            <a:pPr marL="0" indent="0">
-              <a:buNone/>
-            </a:pPr>
+            <a:endParaRPr kumimoji="1" lang="en-US" altLang="zh-TW" dirty="0">
+              <a:latin typeface="Heiti SC Medium" pitchFamily="2" charset="-128"/>
+              <a:ea typeface="Heiti SC Medium" pitchFamily="2" charset="-128"/>
+            </a:endParaRPr>
+          </a:p>
+          <a:p>
             <a:r>
               <a:rPr kumimoji="1" lang="zh-TW" altLang="en-US" dirty="0">
                 <a:latin typeface="Heiti SC Medium" pitchFamily="2" charset="-128"/>
                 <a:ea typeface="Heiti SC Medium" pitchFamily="2" charset="-128"/>
               </a:rPr>
-              <a:t>　</a:t>
-            </a:r>
-            <a:r>
-              <a:rPr kumimoji="1" lang="en-US" altLang="zh-TW" dirty="0">
-                <a:latin typeface="Heiti SC Medium" pitchFamily="2" charset="-128"/>
-                <a:ea typeface="Heiti SC Medium" pitchFamily="2" charset="-128"/>
-              </a:rPr>
-              <a:t>1. </a:t>
-            </a:r>
-            <a:r>
-              <a:rPr kumimoji="1" lang="zh-TW" altLang="en-US" dirty="0">
-                <a:latin typeface="Heiti SC Medium" pitchFamily="2" charset="-128"/>
-                <a:ea typeface="Heiti SC Medium" pitchFamily="2" charset="-128"/>
-              </a:rPr>
-              <a:t>對於人工智慧概念之影響。</a:t>
-            </a:r>
-          </a:p>
-          <a:p>
-            <a:pPr marL="0" indent="0">
-              <a:buNone/>
-            </a:pPr>
-            <a:r>
-              <a:rPr kumimoji="1" lang="zh-TW" altLang="en-US" dirty="0">
-                <a:latin typeface="Heiti SC Medium" pitchFamily="2" charset="-128"/>
-                <a:ea typeface="Heiti SC Medium" pitchFamily="2" charset="-128"/>
-              </a:rPr>
-              <a:t>　</a:t>
-            </a:r>
-            <a:r>
-              <a:rPr kumimoji="1" lang="en-US" altLang="zh-TW" dirty="0">
-                <a:latin typeface="Heiti SC Medium" pitchFamily="2" charset="-128"/>
-                <a:ea typeface="Heiti SC Medium" pitchFamily="2" charset="-128"/>
-              </a:rPr>
-              <a:t>2. </a:t>
-            </a:r>
-            <a:r>
-              <a:rPr kumimoji="1" lang="zh-TW" altLang="en-US" dirty="0">
-                <a:latin typeface="Heiti SC Medium" pitchFamily="2" charset="-128"/>
-                <a:ea typeface="Heiti SC Medium" pitchFamily="2" charset="-128"/>
-              </a:rPr>
-              <a:t>對於人工智慧演算法實作之影響。</a:t>
-            </a:r>
-          </a:p>
-          <a:p>
-            <a:pPr marL="0" indent="0">
-              <a:buNone/>
-            </a:pPr>
-            <a:r>
-              <a:rPr kumimoji="1" lang="zh-TW" altLang="en-US" dirty="0">
-                <a:latin typeface="Heiti SC Medium" pitchFamily="2" charset="-128"/>
-                <a:ea typeface="Heiti SC Medium" pitchFamily="2" charset="-128"/>
-              </a:rPr>
-              <a:t>二、探究視覺化模擬輔助教學對人工智慧學習態度之影響。</a:t>
+              <a:t>研究工具</a:t>
             </a:r>
             <a:endParaRPr kumimoji="1" lang="en-US" altLang="zh-TW" dirty="0">
               <a:latin typeface="Heiti SC Medium" pitchFamily="2" charset="-128"/>
@@ -6061,142 +6026,24 @@
             </a:endParaRPr>
           </a:p>
           <a:p>
-            <a:pPr marL="0" indent="0">
-              <a:buNone/>
-            </a:pPr>
             <a:r>
-              <a:rPr kumimoji="1" lang="zh-TW" altLang="en-US" dirty="0">
+              <a:rPr kumimoji="1" lang="zh-TW" altLang="en-US">
                 <a:latin typeface="Heiti SC Medium" pitchFamily="2" charset="-128"/>
                 <a:ea typeface="Heiti SC Medium" pitchFamily="2" charset="-128"/>
               </a:rPr>
-              <a:t>　</a:t>
-            </a:r>
-            <a:r>
-              <a:rPr kumimoji="1" lang="en-US" altLang="zh-TW" dirty="0">
-                <a:latin typeface="Heiti SC Medium" pitchFamily="2" charset="-128"/>
-                <a:ea typeface="Heiti SC Medium" pitchFamily="2" charset="-128"/>
-              </a:rPr>
-              <a:t>1. </a:t>
-            </a:r>
-            <a:r>
-              <a:rPr kumimoji="1" lang="zh-TW" altLang="en-US" dirty="0">
-                <a:latin typeface="Heiti SC Medium" pitchFamily="2" charset="-128"/>
-                <a:ea typeface="Heiti SC Medium" pitchFamily="2" charset="-128"/>
-              </a:rPr>
-              <a:t>電腦科學學習動機</a:t>
-            </a:r>
-          </a:p>
-          <a:p>
-            <a:pPr marL="0" indent="0">
-              <a:buNone/>
-            </a:pPr>
-            <a:r>
-              <a:rPr kumimoji="1" lang="zh-TW" altLang="en-US" dirty="0">
-                <a:latin typeface="Heiti SC Medium" pitchFamily="2" charset="-128"/>
-                <a:ea typeface="Heiti SC Medium" pitchFamily="2" charset="-128"/>
-              </a:rPr>
-              <a:t>　</a:t>
-            </a:r>
-            <a:r>
-              <a:rPr kumimoji="1" lang="en-US" altLang="zh-TW" dirty="0">
-                <a:latin typeface="Heiti SC Medium" pitchFamily="2" charset="-128"/>
-                <a:ea typeface="Heiti SC Medium" pitchFamily="2" charset="-128"/>
-              </a:rPr>
-              <a:t>2. </a:t>
-            </a:r>
-            <a:r>
-              <a:rPr kumimoji="1" lang="zh-TW" altLang="en-US" dirty="0">
-                <a:latin typeface="Heiti SC Medium" pitchFamily="2" charset="-128"/>
-                <a:ea typeface="Heiti SC Medium" pitchFamily="2" charset="-128"/>
-              </a:rPr>
-              <a:t>電腦科學自我效能</a:t>
-            </a:r>
-          </a:p>
-          <a:p>
-            <a:pPr marL="0" indent="0">
-              <a:buNone/>
-            </a:pPr>
-            <a:r>
-              <a:rPr kumimoji="1" lang="zh-TW" altLang="en-US" dirty="0">
-                <a:latin typeface="Heiti SC Medium" pitchFamily="2" charset="-128"/>
-                <a:ea typeface="Heiti SC Medium" pitchFamily="2" charset="-128"/>
-              </a:rPr>
-              <a:t>　</a:t>
-            </a:r>
-            <a:r>
-              <a:rPr kumimoji="1" lang="en-US" altLang="zh-TW" dirty="0">
-                <a:latin typeface="Heiti SC Medium" pitchFamily="2" charset="-128"/>
-                <a:ea typeface="Heiti SC Medium" pitchFamily="2" charset="-128"/>
-              </a:rPr>
-              <a:t>3.</a:t>
-            </a:r>
-            <a:r>
-              <a:rPr kumimoji="1" lang="zh-TW" altLang="en-US" dirty="0">
-                <a:latin typeface="Heiti SC Medium" pitchFamily="2" charset="-128"/>
-                <a:ea typeface="Heiti SC Medium" pitchFamily="2" charset="-128"/>
-              </a:rPr>
-              <a:t> 資訊科學抽象概念</a:t>
-            </a:r>
-            <a:r>
-              <a:rPr kumimoji="1" lang="en-US" altLang="zh-TW" dirty="0">
-                <a:latin typeface="Heiti SC Medium" pitchFamily="2" charset="-128"/>
-                <a:ea typeface="Heiti SC Medium" pitchFamily="2" charset="-128"/>
-              </a:rPr>
-              <a:t>/</a:t>
-            </a:r>
-            <a:r>
-              <a:rPr kumimoji="1" lang="zh-TW" altLang="en-US" dirty="0">
-                <a:latin typeface="Heiti SC Medium" pitchFamily="2" charset="-128"/>
-                <a:ea typeface="Heiti SC Medium" pitchFamily="2" charset="-128"/>
-              </a:rPr>
-              <a:t>程序之學習感受</a:t>
+              <a:t>實驗流程</a:t>
             </a:r>
             <a:endParaRPr kumimoji="1" lang="en-US" altLang="zh-TW" dirty="0">
               <a:latin typeface="Heiti SC Medium" pitchFamily="2" charset="-128"/>
               <a:ea typeface="Heiti SC Medium" pitchFamily="2" charset="-128"/>
             </a:endParaRPr>
           </a:p>
-          <a:p>
-            <a:pPr marL="0" indent="0">
-              <a:buNone/>
-            </a:pPr>
-            <a:r>
-              <a:rPr kumimoji="1" lang="zh-TW" altLang="en-US" dirty="0">
-                <a:latin typeface="Heiti SC Medium" pitchFamily="2" charset="-128"/>
-                <a:ea typeface="Heiti SC Medium" pitchFamily="2" charset="-128"/>
-              </a:rPr>
-              <a:t>　</a:t>
-            </a:r>
-            <a:r>
-              <a:rPr kumimoji="1" lang="en-US" altLang="zh-TW" dirty="0">
-                <a:latin typeface="Heiti SC Medium" pitchFamily="2" charset="-128"/>
-                <a:ea typeface="Heiti SC Medium" pitchFamily="2" charset="-128"/>
-              </a:rPr>
-              <a:t>4. </a:t>
-            </a:r>
-            <a:r>
-              <a:rPr kumimoji="1" lang="zh-TW" altLang="en-US" dirty="0">
-                <a:latin typeface="Heiti SC Medium" pitchFamily="2" charset="-128"/>
-                <a:ea typeface="Heiti SC Medium" pitchFamily="2" charset="-128"/>
-              </a:rPr>
-              <a:t>對於人工智慧學習自我評鑑</a:t>
-            </a:r>
-          </a:p>
-          <a:p>
-            <a:pPr marL="0" indent="0">
-              <a:buNone/>
-            </a:pPr>
-            <a:endParaRPr kumimoji="1" lang="zh-TW" altLang="en-US" dirty="0">
-              <a:latin typeface="Heiti SC Medium" pitchFamily="2" charset="-128"/>
-              <a:ea typeface="Heiti SC Medium" pitchFamily="2" charset="-128"/>
-            </a:endParaRPr>
-          </a:p>
         </p:txBody>
       </p:sp>
     </p:spTree>
     <p:extLst>
       <p:ext uri="{BB962C8B-B14F-4D97-AF65-F5344CB8AC3E}">
-        <p14:creationId xmlns:p14="http://schemas.microsoft.com/office/powerpoint/2010/main" val="2026056669"/>
+        <p14:creationId xmlns:p14="http://schemas.microsoft.com/office/powerpoint/2010/main" val="2987210929"/>
       </p:ext>
     </p:extLst>
   </p:cSld>
@@ -6270,6 +6117,307 @@
             <p:ph idx="1"/>
           </p:nvPr>
         </p:nvSpPr>
+        <p:spPr>
+          <a:xfrm>
+            <a:off x="838200" y="1825624"/>
+            <a:ext cx="10515600" cy="4792889"/>
+          </a:xfrm>
+        </p:spPr>
+        <p:txBody>
+          <a:bodyPr>
+            <a:normAutofit/>
+          </a:bodyPr>
+          <a:lstStyle/>
+          <a:p>
+            <a:pPr marL="0" indent="0">
+              <a:buNone/>
+            </a:pPr>
+            <a:r>
+              <a:rPr kumimoji="1" lang="zh-TW" altLang="en-US" dirty="0">
+                <a:latin typeface="Heiti SC Medium" pitchFamily="2" charset="-128"/>
+                <a:ea typeface="Heiti SC Medium" pitchFamily="2" charset="-128"/>
+              </a:rPr>
+              <a:t>一、探究視覺化模擬輔助教學對人工智慧學習成就之影響。</a:t>
+            </a:r>
+          </a:p>
+          <a:p>
+            <a:pPr marL="0" indent="0">
+              <a:buNone/>
+            </a:pPr>
+            <a:r>
+              <a:rPr kumimoji="1" lang="zh-TW" altLang="en-US" dirty="0">
+                <a:latin typeface="Heiti SC Medium" pitchFamily="2" charset="-128"/>
+                <a:ea typeface="Heiti SC Medium" pitchFamily="2" charset="-128"/>
+              </a:rPr>
+              <a:t>　</a:t>
+            </a:r>
+            <a:r>
+              <a:rPr kumimoji="1" lang="en-US" altLang="zh-TW" dirty="0">
+                <a:latin typeface="Heiti SC Medium" pitchFamily="2" charset="-128"/>
+                <a:ea typeface="Heiti SC Medium" pitchFamily="2" charset="-128"/>
+              </a:rPr>
+              <a:t>1. </a:t>
+            </a:r>
+            <a:r>
+              <a:rPr kumimoji="1" lang="zh-TW" altLang="en-US" dirty="0">
+                <a:latin typeface="Heiti SC Medium" pitchFamily="2" charset="-128"/>
+                <a:ea typeface="Heiti SC Medium" pitchFamily="2" charset="-128"/>
+              </a:rPr>
+              <a:t>對於人工智慧概念之影響。</a:t>
+            </a:r>
+          </a:p>
+          <a:p>
+            <a:pPr marL="0" indent="0">
+              <a:buNone/>
+            </a:pPr>
+            <a:r>
+              <a:rPr kumimoji="1" lang="zh-TW" altLang="en-US" dirty="0">
+                <a:latin typeface="Heiti SC Medium" pitchFamily="2" charset="-128"/>
+                <a:ea typeface="Heiti SC Medium" pitchFamily="2" charset="-128"/>
+              </a:rPr>
+              <a:t>　</a:t>
+            </a:r>
+            <a:r>
+              <a:rPr kumimoji="1" lang="en-US" altLang="zh-TW" dirty="0">
+                <a:latin typeface="Heiti SC Medium" pitchFamily="2" charset="-128"/>
+                <a:ea typeface="Heiti SC Medium" pitchFamily="2" charset="-128"/>
+              </a:rPr>
+              <a:t>2. </a:t>
+            </a:r>
+            <a:r>
+              <a:rPr kumimoji="1" lang="zh-TW" altLang="en-US" dirty="0">
+                <a:latin typeface="Heiti SC Medium" pitchFamily="2" charset="-128"/>
+                <a:ea typeface="Heiti SC Medium" pitchFamily="2" charset="-128"/>
+              </a:rPr>
+              <a:t>對於人工智慧演算法實作之影響。</a:t>
+            </a:r>
+          </a:p>
+          <a:p>
+            <a:pPr marL="0" indent="0">
+              <a:buNone/>
+            </a:pPr>
+            <a:r>
+              <a:rPr kumimoji="1" lang="zh-TW" altLang="en-US" dirty="0">
+                <a:latin typeface="Heiti SC Medium" pitchFamily="2" charset="-128"/>
+                <a:ea typeface="Heiti SC Medium" pitchFamily="2" charset="-128"/>
+              </a:rPr>
+              <a:t>二、探究視覺化模擬輔助教學對人工智慧學習態度之影響。</a:t>
+            </a:r>
+            <a:endParaRPr kumimoji="1" lang="en-US" altLang="zh-TW" dirty="0">
+              <a:latin typeface="Heiti SC Medium" pitchFamily="2" charset="-128"/>
+              <a:ea typeface="Heiti SC Medium" pitchFamily="2" charset="-128"/>
+            </a:endParaRPr>
+          </a:p>
+          <a:p>
+            <a:pPr marL="0" indent="0">
+              <a:buNone/>
+            </a:pPr>
+            <a:r>
+              <a:rPr kumimoji="1" lang="zh-TW" altLang="en-US" dirty="0">
+                <a:latin typeface="Heiti SC Medium" pitchFamily="2" charset="-128"/>
+                <a:ea typeface="Heiti SC Medium" pitchFamily="2" charset="-128"/>
+              </a:rPr>
+              <a:t>　</a:t>
+            </a:r>
+            <a:r>
+              <a:rPr kumimoji="1" lang="en-US" altLang="zh-TW" dirty="0">
+                <a:latin typeface="Heiti SC Medium" pitchFamily="2" charset="-128"/>
+                <a:ea typeface="Heiti SC Medium" pitchFamily="2" charset="-128"/>
+              </a:rPr>
+              <a:t>1. </a:t>
+            </a:r>
+            <a:r>
+              <a:rPr kumimoji="1" lang="zh-TW" altLang="en-US" dirty="0">
+                <a:latin typeface="Heiti SC Medium" pitchFamily="2" charset="-128"/>
+                <a:ea typeface="Heiti SC Medium" pitchFamily="2" charset="-128"/>
+              </a:rPr>
+              <a:t>電腦科學學習動機</a:t>
+            </a:r>
+          </a:p>
+          <a:p>
+            <a:pPr marL="0" indent="0">
+              <a:buNone/>
+            </a:pPr>
+            <a:r>
+              <a:rPr kumimoji="1" lang="zh-TW" altLang="en-US" dirty="0">
+                <a:latin typeface="Heiti SC Medium" pitchFamily="2" charset="-128"/>
+                <a:ea typeface="Heiti SC Medium" pitchFamily="2" charset="-128"/>
+              </a:rPr>
+              <a:t>　</a:t>
+            </a:r>
+            <a:r>
+              <a:rPr kumimoji="1" lang="en-US" altLang="zh-TW" dirty="0">
+                <a:latin typeface="Heiti SC Medium" pitchFamily="2" charset="-128"/>
+                <a:ea typeface="Heiti SC Medium" pitchFamily="2" charset="-128"/>
+              </a:rPr>
+              <a:t>2. </a:t>
+            </a:r>
+            <a:r>
+              <a:rPr kumimoji="1" lang="zh-TW" altLang="en-US" dirty="0">
+                <a:latin typeface="Heiti SC Medium" pitchFamily="2" charset="-128"/>
+                <a:ea typeface="Heiti SC Medium" pitchFamily="2" charset="-128"/>
+              </a:rPr>
+              <a:t>電腦科學自我效能</a:t>
+            </a:r>
+          </a:p>
+          <a:p>
+            <a:pPr marL="0" indent="0">
+              <a:buNone/>
+            </a:pPr>
+            <a:r>
+              <a:rPr kumimoji="1" lang="zh-TW" altLang="en-US" dirty="0">
+                <a:latin typeface="Heiti SC Medium" pitchFamily="2" charset="-128"/>
+                <a:ea typeface="Heiti SC Medium" pitchFamily="2" charset="-128"/>
+              </a:rPr>
+              <a:t>　</a:t>
+            </a:r>
+            <a:r>
+              <a:rPr kumimoji="1" lang="en-US" altLang="zh-TW" dirty="0">
+                <a:latin typeface="Heiti SC Medium" pitchFamily="2" charset="-128"/>
+                <a:ea typeface="Heiti SC Medium" pitchFamily="2" charset="-128"/>
+              </a:rPr>
+              <a:t>3.</a:t>
+            </a:r>
+            <a:r>
+              <a:rPr kumimoji="1" lang="zh-TW" altLang="en-US" dirty="0">
+                <a:latin typeface="Heiti SC Medium" pitchFamily="2" charset="-128"/>
+                <a:ea typeface="Heiti SC Medium" pitchFamily="2" charset="-128"/>
+              </a:rPr>
+              <a:t> 資訊科學抽象概念</a:t>
+            </a:r>
+            <a:r>
+              <a:rPr kumimoji="1" lang="en-US" altLang="zh-TW" dirty="0">
+                <a:latin typeface="Heiti SC Medium" pitchFamily="2" charset="-128"/>
+                <a:ea typeface="Heiti SC Medium" pitchFamily="2" charset="-128"/>
+              </a:rPr>
+              <a:t>/</a:t>
+            </a:r>
+            <a:r>
+              <a:rPr kumimoji="1" lang="zh-TW" altLang="en-US" dirty="0">
+                <a:latin typeface="Heiti SC Medium" pitchFamily="2" charset="-128"/>
+                <a:ea typeface="Heiti SC Medium" pitchFamily="2" charset="-128"/>
+              </a:rPr>
+              <a:t>程序之學習感受</a:t>
+            </a:r>
+            <a:endParaRPr kumimoji="1" lang="en-US" altLang="zh-TW" dirty="0">
+              <a:latin typeface="Heiti SC Medium" pitchFamily="2" charset="-128"/>
+              <a:ea typeface="Heiti SC Medium" pitchFamily="2" charset="-128"/>
+            </a:endParaRPr>
+          </a:p>
+          <a:p>
+            <a:pPr marL="0" indent="0">
+              <a:buNone/>
+            </a:pPr>
+            <a:r>
+              <a:rPr kumimoji="1" lang="zh-TW" altLang="en-US" dirty="0">
+                <a:latin typeface="Heiti SC Medium" pitchFamily="2" charset="-128"/>
+                <a:ea typeface="Heiti SC Medium" pitchFamily="2" charset="-128"/>
+              </a:rPr>
+              <a:t>　</a:t>
+            </a:r>
+            <a:r>
+              <a:rPr kumimoji="1" lang="en-US" altLang="zh-TW" dirty="0">
+                <a:latin typeface="Heiti SC Medium" pitchFamily="2" charset="-128"/>
+                <a:ea typeface="Heiti SC Medium" pitchFamily="2" charset="-128"/>
+              </a:rPr>
+              <a:t>4. </a:t>
+            </a:r>
+            <a:r>
+              <a:rPr kumimoji="1" lang="zh-TW" altLang="en-US" dirty="0">
+                <a:latin typeface="Heiti SC Medium" pitchFamily="2" charset="-128"/>
+                <a:ea typeface="Heiti SC Medium" pitchFamily="2" charset="-128"/>
+              </a:rPr>
+              <a:t>對於人工智慧學習自我評鑑</a:t>
+            </a:r>
+          </a:p>
+          <a:p>
+            <a:pPr marL="0" indent="0">
+              <a:buNone/>
+            </a:pPr>
+            <a:endParaRPr kumimoji="1" lang="zh-TW" altLang="en-US" dirty="0">
+              <a:latin typeface="Heiti SC Medium" pitchFamily="2" charset="-128"/>
+              <a:ea typeface="Heiti SC Medium" pitchFamily="2" charset="-128"/>
+            </a:endParaRPr>
+          </a:p>
+        </p:txBody>
+      </p:sp>
+    </p:spTree>
+    <p:extLst>
+      <p:ext uri="{BB962C8B-B14F-4D97-AF65-F5344CB8AC3E}">
+        <p14:creationId xmlns:p14="http://schemas.microsoft.com/office/powerpoint/2010/main" val="2026056669"/>
+      </p:ext>
+    </p:extLst>
+  </p:cSld>
+  <p:clrMapOvr>
+    <a:masterClrMapping/>
+  </p:clrMapOvr>
+</p:sld>
+</file>
+
+<file path=ppt/slides/slide14.xml><?xml version="1.0" encoding="utf-8"?>
+<p:sld xmlns:a="http://schemas.openxmlformats.org/drawingml/2006/main" xmlns:r="http://schemas.openxmlformats.org/officeDocument/2006/relationships" xmlns:p="http://schemas.openxmlformats.org/presentationml/2006/main">
+  <p:cSld>
+    <p:spTree>
+      <p:nvGrpSpPr>
+        <p:cNvPr id="1" name=""/>
+        <p:cNvGrpSpPr/>
+        <p:nvPr/>
+      </p:nvGrpSpPr>
+      <p:grpSpPr>
+        <a:xfrm>
+          <a:off x="0" y="0"/>
+          <a:ext cx="0" cy="0"/>
+          <a:chOff x="0" y="0"/>
+          <a:chExt cx="0" cy="0"/>
+        </a:xfrm>
+      </p:grpSpPr>
+      <p:sp>
+        <p:nvSpPr>
+          <p:cNvPr id="2" name="標題 1">
+            <a:extLst>
+              <a:ext uri="{FF2B5EF4-FFF2-40B4-BE49-F238E27FC236}">
+                <a16:creationId xmlns:a16="http://schemas.microsoft.com/office/drawing/2014/main" id="{326B8693-26E8-7B43-92A3-0CE9DA14AA5B}"/>
+              </a:ext>
+            </a:extLst>
+          </p:cNvPr>
+          <p:cNvSpPr>
+            <a:spLocks noGrp="1"/>
+          </p:cNvSpPr>
+          <p:nvPr>
+            <p:ph type="title"/>
+          </p:nvPr>
+        </p:nvSpPr>
+        <p:spPr/>
+        <p:txBody>
+          <a:bodyPr/>
+          <a:lstStyle/>
+          <a:p>
+            <a:r>
+              <a:rPr kumimoji="1" lang="zh-TW" altLang="en-US" dirty="0">
+                <a:latin typeface="Heiti SC Medium" pitchFamily="2" charset="-128"/>
+                <a:ea typeface="Heiti SC Medium" pitchFamily="2" charset="-128"/>
+              </a:rPr>
+              <a:t>研究目的</a:t>
+            </a:r>
+          </a:p>
+        </p:txBody>
+      </p:sp>
+      <p:sp>
+        <p:nvSpPr>
+          <p:cNvPr id="3" name="內容版面配置區 2">
+            <a:extLst>
+              <a:ext uri="{FF2B5EF4-FFF2-40B4-BE49-F238E27FC236}">
+                <a16:creationId xmlns:a16="http://schemas.microsoft.com/office/drawing/2014/main" id="{09DB6E19-9514-C441-A8F4-66A938FB35F8}"/>
+              </a:ext>
+            </a:extLst>
+          </p:cNvPr>
+          <p:cNvSpPr>
+            <a:spLocks noGrp="1"/>
+          </p:cNvSpPr>
+          <p:nvPr>
+            <p:ph idx="1"/>
+          </p:nvPr>
+        </p:nvSpPr>
         <p:spPr/>
         <p:txBody>
           <a:bodyPr/>
@@ -6434,7 +6582,7 @@
 </p:sld>
 </file>
 
-<file path=ppt/slides/slide14.xml><?xml version="1.0" encoding="utf-8"?>
+<file path=ppt/slides/slide15.xml><?xml version="1.0" encoding="utf-8"?>
 <p:sld xmlns:a="http://schemas.openxmlformats.org/drawingml/2006/main" xmlns:r="http://schemas.openxmlformats.org/officeDocument/2006/relationships" xmlns:p="http://schemas.openxmlformats.org/presentationml/2006/main">
   <p:cSld>
     <p:spTree>
@@ -7180,7 +7328,7 @@
 </p:sld>
 </file>
 
-<file path=ppt/slides/slide15.xml><?xml version="1.0" encoding="utf-8"?>
+<file path=ppt/slides/slide16.xml><?xml version="1.0" encoding="utf-8"?>
 <p:sld xmlns:a="http://schemas.openxmlformats.org/drawingml/2006/main" xmlns:r="http://schemas.openxmlformats.org/officeDocument/2006/relationships" xmlns:p="http://schemas.openxmlformats.org/presentationml/2006/main">
   <p:cSld>
     <p:spTree>
@@ -7369,7 +7517,7 @@
 </p:sld>
 </file>
 
-<file path=ppt/slides/slide16.xml><?xml version="1.0" encoding="utf-8"?>
+<file path=ppt/slides/slide17.xml><?xml version="1.0" encoding="utf-8"?>
 <p:sld xmlns:a="http://schemas.openxmlformats.org/drawingml/2006/main" xmlns:r="http://schemas.openxmlformats.org/officeDocument/2006/relationships" xmlns:p="http://schemas.openxmlformats.org/presentationml/2006/main">
   <p:cSld>
     <p:spTree>
@@ -8981,6 +9129,19 @@
               </a:rPr>
               <a:t>課堂流程設計</a:t>
             </a:r>
+            <a:endParaRPr kumimoji="1" lang="en-US" altLang="zh-TW" dirty="0">
+              <a:latin typeface="Heiti SC Medium" pitchFamily="2" charset="-128"/>
+              <a:ea typeface="Heiti SC Medium" pitchFamily="2" charset="-128"/>
+            </a:endParaRPr>
+          </a:p>
+          <a:p>
+            <a:r>
+              <a:rPr kumimoji="1" lang="zh-TW" altLang="en-US" dirty="0">
+                <a:latin typeface="Heiti SC Medium" pitchFamily="2" charset="-128"/>
+                <a:ea typeface="Heiti SC Medium" pitchFamily="2" charset="-128"/>
+              </a:rPr>
+              <a:t>學習單設計</a:t>
+            </a:r>
           </a:p>
         </p:txBody>
       </p:sp>
@@ -9559,15 +9720,6 @@
               </a:rPr>
               <a:t>反思</a:t>
             </a:r>
-            <a:endParaRPr kumimoji="1" lang="zh-TW" altLang="en-US" sz="2400" dirty="0">
-              <a:solidFill>
-                <a:schemeClr val="bg2">
-                  <a:lumMod val="75000"/>
-                </a:schemeClr>
-              </a:solidFill>
-              <a:latin typeface="Heiti SC Medium" pitchFamily="2" charset="-128"/>
-              <a:ea typeface="Heiti SC Medium" pitchFamily="2" charset="-128"/>
-            </a:endParaRPr>
           </a:p>
         </p:txBody>
       </p:sp>
@@ -9635,15 +9787,6 @@
               </a:rPr>
               <a:t>應用</a:t>
             </a:r>
-            <a:endParaRPr kumimoji="1" lang="zh-TW" altLang="en-US" sz="2400" dirty="0">
-              <a:solidFill>
-                <a:schemeClr val="bg2">
-                  <a:lumMod val="75000"/>
-                </a:schemeClr>
-              </a:solidFill>
-              <a:latin typeface="Heiti SC Medium" pitchFamily="2" charset="-128"/>
-              <a:ea typeface="Heiti SC Medium" pitchFamily="2" charset="-128"/>
-            </a:endParaRPr>
           </a:p>
         </p:txBody>
       </p:sp>
@@ -9711,15 +9854,6 @@
               </a:rPr>
               <a:t>應用</a:t>
             </a:r>
-            <a:endParaRPr kumimoji="1" lang="zh-TW" altLang="en-US" sz="2400" dirty="0">
-              <a:solidFill>
-                <a:schemeClr val="bg2">
-                  <a:lumMod val="75000"/>
-                </a:schemeClr>
-              </a:solidFill>
-              <a:latin typeface="Heiti SC Medium" pitchFamily="2" charset="-128"/>
-              <a:ea typeface="Heiti SC Medium" pitchFamily="2" charset="-128"/>
-            </a:endParaRPr>
           </a:p>
         </p:txBody>
       </p:sp>

--- a/模擬平台網頁_v2/教材簡報/課堂流程與研究目的_v2.pptx
+++ b/模擬平台網頁_v2/教材簡報/課堂流程與研究目的_v2.pptx
@@ -15,13 +15,12 @@
     <p:sldId id="270" r:id="rId9"/>
     <p:sldId id="303" r:id="rId10"/>
     <p:sldId id="305" r:id="rId11"/>
-    <p:sldId id="306" r:id="rId12"/>
-    <p:sldId id="272" r:id="rId13"/>
-    <p:sldId id="291" r:id="rId14"/>
-    <p:sldId id="295" r:id="rId15"/>
-    <p:sldId id="297" r:id="rId16"/>
-    <p:sldId id="292" r:id="rId17"/>
-    <p:sldId id="293" r:id="rId18"/>
+    <p:sldId id="272" r:id="rId12"/>
+    <p:sldId id="291" r:id="rId13"/>
+    <p:sldId id="295" r:id="rId14"/>
+    <p:sldId id="297" r:id="rId15"/>
+    <p:sldId id="292" r:id="rId16"/>
+    <p:sldId id="293" r:id="rId17"/>
   </p:sldIdLst>
   <p:sldSz cx="12192000" cy="6858000"/>
   <p:notesSz cx="6858000" cy="9144000"/>
@@ -5806,7 +5805,7 @@
           <p:cNvPr id="2" name="標題 1">
             <a:extLst>
               <a:ext uri="{FF2B5EF4-FFF2-40B4-BE49-F238E27FC236}">
-                <a16:creationId xmlns:a16="http://schemas.microsoft.com/office/drawing/2014/main" id="{14F01D14-8629-BD47-B098-A57B2CB9825C}"/>
+                <a16:creationId xmlns:a16="http://schemas.microsoft.com/office/drawing/2014/main" id="{326B8693-26E8-7B43-92A3-0CE9DA14AA5B}"/>
               </a:ext>
             </a:extLst>
           </p:cNvPr>
@@ -5827,12 +5826,8 @@
                 <a:latin typeface="Heiti SC Medium" pitchFamily="2" charset="-128"/>
                 <a:ea typeface="Heiti SC Medium" pitchFamily="2" charset="-128"/>
               </a:rPr>
-              <a:t>學習單設計</a:t>
+              <a:t>研究架構</a:t>
             </a:r>
-            <a:endParaRPr kumimoji="1" lang="zh-TW" altLang="en-US" dirty="0">
-              <a:latin typeface="Heiti SC Medium" pitchFamily="2" charset="-128"/>
-              <a:ea typeface="Heiti SC Medium" pitchFamily="2" charset="-128"/>
-            </a:endParaRPr>
           </a:p>
         </p:txBody>
       </p:sp>
@@ -5841,7 +5836,7 @@
           <p:cNvPr id="3" name="內容版面配置區 2">
             <a:extLst>
               <a:ext uri="{FF2B5EF4-FFF2-40B4-BE49-F238E27FC236}">
-                <a16:creationId xmlns:a16="http://schemas.microsoft.com/office/drawing/2014/main" id="{2545E1DB-BF32-2647-904F-62C54DB394BC}"/>
+                <a16:creationId xmlns:a16="http://schemas.microsoft.com/office/drawing/2014/main" id="{09DB6E19-9514-C441-A8F4-66A938FB35F8}"/>
               </a:ext>
             </a:extLst>
           </p:cNvPr>
@@ -5862,7 +5857,7 @@
                 <a:latin typeface="Heiti SC Medium" pitchFamily="2" charset="-128"/>
                 <a:ea typeface="Heiti SC Medium" pitchFamily="2" charset="-128"/>
               </a:rPr>
-              <a:t>提問與引導</a:t>
+              <a:t>研究目的</a:t>
             </a:r>
             <a:endParaRPr kumimoji="1" lang="en-US" altLang="zh-TW" dirty="0">
               <a:latin typeface="Heiti SC Medium" pitchFamily="2" charset="-128"/>
@@ -5875,7 +5870,7 @@
                 <a:latin typeface="Heiti SC Medium" pitchFamily="2" charset="-128"/>
                 <a:ea typeface="Heiti SC Medium" pitchFamily="2" charset="-128"/>
               </a:rPr>
-              <a:t>操作與觀察</a:t>
+              <a:t>研究工具</a:t>
             </a:r>
             <a:endParaRPr kumimoji="1" lang="en-US" altLang="zh-TW" dirty="0">
               <a:latin typeface="Heiti SC Medium" pitchFamily="2" charset="-128"/>
@@ -5884,34 +5879,13 @@
           </a:p>
           <a:p>
             <a:r>
-              <a:rPr kumimoji="1" lang="zh-TW" altLang="en-US" dirty="0">
+              <a:rPr kumimoji="1" lang="zh-TW" altLang="en-US">
                 <a:latin typeface="Heiti SC Medium" pitchFamily="2" charset="-128"/>
                 <a:ea typeface="Heiti SC Medium" pitchFamily="2" charset="-128"/>
               </a:rPr>
-              <a:t>反思與表達</a:t>
+              <a:t>實驗流程</a:t>
             </a:r>
-            <a:r>
-              <a:rPr kumimoji="1" lang="en-US" altLang="zh-TW" dirty="0">
-                <a:latin typeface="Heiti SC Medium" pitchFamily="2" charset="-128"/>
-                <a:ea typeface="Heiti SC Medium" pitchFamily="2" charset="-128"/>
-              </a:rPr>
-              <a:t>(</a:t>
-            </a:r>
-            <a:r>
-              <a:rPr kumimoji="1" lang="zh-TW" altLang="en-US" dirty="0">
-                <a:latin typeface="Heiti SC Medium" pitchFamily="2" charset="-128"/>
-                <a:ea typeface="Heiti SC Medium" pitchFamily="2" charset="-128"/>
-              </a:rPr>
-              <a:t>？</a:t>
-            </a:r>
-            <a:r>
-              <a:rPr kumimoji="1" lang="en-US" altLang="zh-TW">
-                <a:latin typeface="Heiti SC Medium" pitchFamily="2" charset="-128"/>
-                <a:ea typeface="Heiti SC Medium" pitchFamily="2" charset="-128"/>
-              </a:rPr>
-              <a:t>)</a:t>
-            </a:r>
-            <a:endParaRPr kumimoji="1" lang="zh-TW" altLang="en-US" dirty="0">
+            <a:endParaRPr kumimoji="1" lang="en-US" altLang="zh-TW" dirty="0">
               <a:latin typeface="Heiti SC Medium" pitchFamily="2" charset="-128"/>
               <a:ea typeface="Heiti SC Medium" pitchFamily="2" charset="-128"/>
             </a:endParaRPr>
@@ -5921,7 +5895,7 @@
     </p:spTree>
     <p:extLst>
       <p:ext uri="{BB962C8B-B14F-4D97-AF65-F5344CB8AC3E}">
-        <p14:creationId xmlns:p14="http://schemas.microsoft.com/office/powerpoint/2010/main" val="1135980971"/>
+        <p14:creationId xmlns:p14="http://schemas.microsoft.com/office/powerpoint/2010/main" val="2987210929"/>
       </p:ext>
     </p:extLst>
   </p:cSld>
@@ -5974,7 +5948,7 @@
                 <a:latin typeface="Heiti SC Medium" pitchFamily="2" charset="-128"/>
                 <a:ea typeface="Heiti SC Medium" pitchFamily="2" charset="-128"/>
               </a:rPr>
-              <a:t>研究架構</a:t>
+              <a:t>研究目的</a:t>
             </a:r>
           </a:p>
         </p:txBody>
@@ -5995,17 +5969,91 @@
             <p:ph idx="1"/>
           </p:nvPr>
         </p:nvSpPr>
-        <p:spPr/>
+        <p:spPr>
+          <a:xfrm>
+            <a:off x="838200" y="1825624"/>
+            <a:ext cx="10515600" cy="4792889"/>
+          </a:xfrm>
+        </p:spPr>
         <p:txBody>
-          <a:bodyPr/>
+          <a:bodyPr>
+            <a:normAutofit/>
+          </a:bodyPr>
           <a:lstStyle/>
           <a:p>
+            <a:pPr marL="0" indent="0">
+              <a:buNone/>
+            </a:pPr>
             <a:r>
               <a:rPr kumimoji="1" lang="zh-TW" altLang="en-US" dirty="0">
                 <a:latin typeface="Heiti SC Medium" pitchFamily="2" charset="-128"/>
                 <a:ea typeface="Heiti SC Medium" pitchFamily="2" charset="-128"/>
               </a:rPr>
-              <a:t>研究目的</a:t>
+              <a:t>一、探究視覺化模擬輔助教學對人工智慧學習成就之影響。</a:t>
+            </a:r>
+          </a:p>
+          <a:p>
+            <a:pPr marL="0" indent="0">
+              <a:buNone/>
+            </a:pPr>
+            <a:r>
+              <a:rPr kumimoji="1" lang="zh-TW" altLang="en-US" dirty="0">
+                <a:latin typeface="Heiti SC Medium" pitchFamily="2" charset="-128"/>
+                <a:ea typeface="Heiti SC Medium" pitchFamily="2" charset="-128"/>
+              </a:rPr>
+              <a:t>　</a:t>
+            </a:r>
+            <a:r>
+              <a:rPr kumimoji="1" lang="en-US" altLang="zh-TW" dirty="0">
+                <a:latin typeface="Heiti SC Medium" pitchFamily="2" charset="-128"/>
+                <a:ea typeface="Heiti SC Medium" pitchFamily="2" charset="-128"/>
+              </a:rPr>
+              <a:t>1. </a:t>
+            </a:r>
+            <a:r>
+              <a:rPr kumimoji="1" lang="zh-TW" altLang="en-US" dirty="0">
+                <a:latin typeface="Heiti SC Medium" pitchFamily="2" charset="-128"/>
+                <a:ea typeface="Heiti SC Medium" pitchFamily="2" charset="-128"/>
+              </a:rPr>
+              <a:t>對於人工智慧概念之影響。</a:t>
+            </a:r>
+          </a:p>
+          <a:p>
+            <a:pPr marL="0" indent="0">
+              <a:buNone/>
+            </a:pPr>
+            <a:r>
+              <a:rPr kumimoji="1" lang="zh-TW" altLang="en-US" dirty="0">
+                <a:latin typeface="Heiti SC Medium" pitchFamily="2" charset="-128"/>
+                <a:ea typeface="Heiti SC Medium" pitchFamily="2" charset="-128"/>
+              </a:rPr>
+              <a:t>　</a:t>
+            </a:r>
+            <a:r>
+              <a:rPr kumimoji="1" lang="en-US" altLang="zh-TW" dirty="0">
+                <a:latin typeface="Heiti SC Medium" pitchFamily="2" charset="-128"/>
+                <a:ea typeface="Heiti SC Medium" pitchFamily="2" charset="-128"/>
+              </a:rPr>
+              <a:t>2. </a:t>
+            </a:r>
+            <a:r>
+              <a:rPr kumimoji="1" lang="zh-TW" altLang="en-US" dirty="0">
+                <a:latin typeface="Heiti SC Medium" pitchFamily="2" charset="-128"/>
+                <a:ea typeface="Heiti SC Medium" pitchFamily="2" charset="-128"/>
+              </a:rPr>
+              <a:t>對於人工智慧演算法實作之影響。</a:t>
+            </a:r>
+          </a:p>
+          <a:p>
+            <a:pPr marL="0" indent="0">
+              <a:buNone/>
+            </a:pPr>
+            <a:r>
+              <a:rPr kumimoji="1" lang="zh-TW" altLang="en-US" dirty="0">
+                <a:latin typeface="Heiti SC Medium" pitchFamily="2" charset="-128"/>
+                <a:ea typeface="Heiti SC Medium" pitchFamily="2" charset="-128"/>
+              </a:rPr>
+              <a:t>二、探究視覺化模擬輔助教學對人工智慧學習態度之影響。</a:t>
             </a:r>
             <a:endParaRPr kumimoji="1" lang="en-US" altLang="zh-TW" dirty="0">
               <a:latin typeface="Heiti SC Medium" pitchFamily="2" charset="-128"/>
@@ -6013,12 +6061,95 @@
             </a:endParaRPr>
           </a:p>
           <a:p>
+            <a:pPr marL="0" indent="0">
+              <a:buNone/>
+            </a:pPr>
             <a:r>
               <a:rPr kumimoji="1" lang="zh-TW" altLang="en-US" dirty="0">
                 <a:latin typeface="Heiti SC Medium" pitchFamily="2" charset="-128"/>
                 <a:ea typeface="Heiti SC Medium" pitchFamily="2" charset="-128"/>
               </a:rPr>
-              <a:t>研究工具</a:t>
+              <a:t>　</a:t>
+            </a:r>
+            <a:r>
+              <a:rPr kumimoji="1" lang="en-US" altLang="zh-TW" dirty="0">
+                <a:latin typeface="Heiti SC Medium" pitchFamily="2" charset="-128"/>
+                <a:ea typeface="Heiti SC Medium" pitchFamily="2" charset="-128"/>
+              </a:rPr>
+              <a:t>1. </a:t>
+            </a:r>
+            <a:r>
+              <a:rPr kumimoji="1" lang="zh-TW" altLang="en-US" dirty="0">
+                <a:latin typeface="Heiti SC Medium" pitchFamily="2" charset="-128"/>
+                <a:ea typeface="Heiti SC Medium" pitchFamily="2" charset="-128"/>
+              </a:rPr>
+              <a:t>電腦科學學習動機</a:t>
+            </a:r>
+          </a:p>
+          <a:p>
+            <a:pPr marL="0" indent="0">
+              <a:buNone/>
+            </a:pPr>
+            <a:r>
+              <a:rPr kumimoji="1" lang="zh-TW" altLang="en-US" dirty="0">
+                <a:latin typeface="Heiti SC Medium" pitchFamily="2" charset="-128"/>
+                <a:ea typeface="Heiti SC Medium" pitchFamily="2" charset="-128"/>
+              </a:rPr>
+              <a:t>　</a:t>
+            </a:r>
+            <a:r>
+              <a:rPr kumimoji="1" lang="en-US" altLang="zh-TW" dirty="0">
+                <a:latin typeface="Heiti SC Medium" pitchFamily="2" charset="-128"/>
+                <a:ea typeface="Heiti SC Medium" pitchFamily="2" charset="-128"/>
+              </a:rPr>
+              <a:t>2. </a:t>
+            </a:r>
+            <a:r>
+              <a:rPr kumimoji="1" lang="zh-TW" altLang="en-US" dirty="0">
+                <a:latin typeface="Heiti SC Medium" pitchFamily="2" charset="-128"/>
+                <a:ea typeface="Heiti SC Medium" pitchFamily="2" charset="-128"/>
+              </a:rPr>
+              <a:t>電腦科學自我效能</a:t>
+            </a:r>
+          </a:p>
+          <a:p>
+            <a:pPr marL="0" indent="0">
+              <a:buNone/>
+            </a:pPr>
+            <a:r>
+              <a:rPr kumimoji="1" lang="zh-TW" altLang="en-US" dirty="0">
+                <a:latin typeface="Heiti SC Medium" pitchFamily="2" charset="-128"/>
+                <a:ea typeface="Heiti SC Medium" pitchFamily="2" charset="-128"/>
+              </a:rPr>
+              <a:t>　</a:t>
+            </a:r>
+            <a:r>
+              <a:rPr kumimoji="1" lang="en-US" altLang="zh-TW" dirty="0">
+                <a:latin typeface="Heiti SC Medium" pitchFamily="2" charset="-128"/>
+                <a:ea typeface="Heiti SC Medium" pitchFamily="2" charset="-128"/>
+              </a:rPr>
+              <a:t>3.</a:t>
+            </a:r>
+            <a:r>
+              <a:rPr kumimoji="1" lang="zh-TW" altLang="en-US" dirty="0">
+                <a:latin typeface="Heiti SC Medium" pitchFamily="2" charset="-128"/>
+                <a:ea typeface="Heiti SC Medium" pitchFamily="2" charset="-128"/>
+              </a:rPr>
+              <a:t> 資訊科學抽象概念</a:t>
+            </a:r>
+            <a:r>
+              <a:rPr kumimoji="1" lang="en-US" altLang="zh-TW" dirty="0">
+                <a:latin typeface="Heiti SC Medium" pitchFamily="2" charset="-128"/>
+                <a:ea typeface="Heiti SC Medium" pitchFamily="2" charset="-128"/>
+              </a:rPr>
+              <a:t>/</a:t>
+            </a:r>
+            <a:r>
+              <a:rPr kumimoji="1" lang="zh-TW" altLang="en-US" dirty="0">
+                <a:latin typeface="Heiti SC Medium" pitchFamily="2" charset="-128"/>
+                <a:ea typeface="Heiti SC Medium" pitchFamily="2" charset="-128"/>
+              </a:rPr>
+              <a:t>程序之學習感受</a:t>
             </a:r>
             <a:endParaRPr kumimoji="1" lang="en-US" altLang="zh-TW" dirty="0">
               <a:latin typeface="Heiti SC Medium" pitchFamily="2" charset="-128"/>
@@ -6026,14 +6157,36 @@
             </a:endParaRPr>
           </a:p>
           <a:p>
+            <a:pPr marL="0" indent="0">
+              <a:buNone/>
+            </a:pPr>
             <a:r>
-              <a:rPr kumimoji="1" lang="zh-TW" altLang="en-US">
+              <a:rPr kumimoji="1" lang="zh-TW" altLang="en-US" dirty="0">
                 <a:latin typeface="Heiti SC Medium" pitchFamily="2" charset="-128"/>
                 <a:ea typeface="Heiti SC Medium" pitchFamily="2" charset="-128"/>
               </a:rPr>
-              <a:t>實驗流程</a:t>
+              <a:t>　</a:t>
             </a:r>
-            <a:endParaRPr kumimoji="1" lang="en-US" altLang="zh-TW" dirty="0">
+            <a:r>
+              <a:rPr kumimoji="1" lang="en-US" altLang="zh-TW" dirty="0">
+                <a:latin typeface="Heiti SC Medium" pitchFamily="2" charset="-128"/>
+                <a:ea typeface="Heiti SC Medium" pitchFamily="2" charset="-128"/>
+              </a:rPr>
+              <a:t>4. </a:t>
+            </a:r>
+            <a:r>
+              <a:rPr kumimoji="1" lang="zh-TW" altLang="en-US" dirty="0">
+                <a:latin typeface="Heiti SC Medium" pitchFamily="2" charset="-128"/>
+                <a:ea typeface="Heiti SC Medium" pitchFamily="2" charset="-128"/>
+              </a:rPr>
+              <a:t>對於人工智慧學習自我評鑑</a:t>
+            </a:r>
+          </a:p>
+          <a:p>
+            <a:pPr marL="0" indent="0">
+              <a:buNone/>
+            </a:pPr>
+            <a:endParaRPr kumimoji="1" lang="zh-TW" altLang="en-US" dirty="0">
               <a:latin typeface="Heiti SC Medium" pitchFamily="2" charset="-128"/>
               <a:ea typeface="Heiti SC Medium" pitchFamily="2" charset="-128"/>
             </a:endParaRPr>
@@ -6043,7 +6196,7 @@
     </p:spTree>
     <p:extLst>
       <p:ext uri="{BB962C8B-B14F-4D97-AF65-F5344CB8AC3E}">
-        <p14:creationId xmlns:p14="http://schemas.microsoft.com/office/powerpoint/2010/main" val="2987210929"/>
+        <p14:creationId xmlns:p14="http://schemas.microsoft.com/office/powerpoint/2010/main" val="2026056669"/>
       </p:ext>
     </p:extLst>
   </p:cSld>
@@ -6117,307 +6270,6 @@
             <p:ph idx="1"/>
           </p:nvPr>
         </p:nvSpPr>
-        <p:spPr>
-          <a:xfrm>
-            <a:off x="838200" y="1825624"/>
-            <a:ext cx="10515600" cy="4792889"/>
-          </a:xfrm>
-        </p:spPr>
-        <p:txBody>
-          <a:bodyPr>
-            <a:normAutofit/>
-          </a:bodyPr>
-          <a:lstStyle/>
-          <a:p>
-            <a:pPr marL="0" indent="0">
-              <a:buNone/>
-            </a:pPr>
-            <a:r>
-              <a:rPr kumimoji="1" lang="zh-TW" altLang="en-US" dirty="0">
-                <a:latin typeface="Heiti SC Medium" pitchFamily="2" charset="-128"/>
-                <a:ea typeface="Heiti SC Medium" pitchFamily="2" charset="-128"/>
-              </a:rPr>
-              <a:t>一、探究視覺化模擬輔助教學對人工智慧學習成就之影響。</a:t>
-            </a:r>
-          </a:p>
-          <a:p>
-            <a:pPr marL="0" indent="0">
-              <a:buNone/>
-            </a:pPr>
-            <a:r>
-              <a:rPr kumimoji="1" lang="zh-TW" altLang="en-US" dirty="0">
-                <a:latin typeface="Heiti SC Medium" pitchFamily="2" charset="-128"/>
-                <a:ea typeface="Heiti SC Medium" pitchFamily="2" charset="-128"/>
-              </a:rPr>
-              <a:t>　</a:t>
-            </a:r>
-            <a:r>
-              <a:rPr kumimoji="1" lang="en-US" altLang="zh-TW" dirty="0">
-                <a:latin typeface="Heiti SC Medium" pitchFamily="2" charset="-128"/>
-                <a:ea typeface="Heiti SC Medium" pitchFamily="2" charset="-128"/>
-              </a:rPr>
-              <a:t>1. </a:t>
-            </a:r>
-            <a:r>
-              <a:rPr kumimoji="1" lang="zh-TW" altLang="en-US" dirty="0">
-                <a:latin typeface="Heiti SC Medium" pitchFamily="2" charset="-128"/>
-                <a:ea typeface="Heiti SC Medium" pitchFamily="2" charset="-128"/>
-              </a:rPr>
-              <a:t>對於人工智慧概念之影響。</a:t>
-            </a:r>
-          </a:p>
-          <a:p>
-            <a:pPr marL="0" indent="0">
-              <a:buNone/>
-            </a:pPr>
-            <a:r>
-              <a:rPr kumimoji="1" lang="zh-TW" altLang="en-US" dirty="0">
-                <a:latin typeface="Heiti SC Medium" pitchFamily="2" charset="-128"/>
-                <a:ea typeface="Heiti SC Medium" pitchFamily="2" charset="-128"/>
-              </a:rPr>
-              <a:t>　</a:t>
-            </a:r>
-            <a:r>
-              <a:rPr kumimoji="1" lang="en-US" altLang="zh-TW" dirty="0">
-                <a:latin typeface="Heiti SC Medium" pitchFamily="2" charset="-128"/>
-                <a:ea typeface="Heiti SC Medium" pitchFamily="2" charset="-128"/>
-              </a:rPr>
-              <a:t>2. </a:t>
-            </a:r>
-            <a:r>
-              <a:rPr kumimoji="1" lang="zh-TW" altLang="en-US" dirty="0">
-                <a:latin typeface="Heiti SC Medium" pitchFamily="2" charset="-128"/>
-                <a:ea typeface="Heiti SC Medium" pitchFamily="2" charset="-128"/>
-              </a:rPr>
-              <a:t>對於人工智慧演算法實作之影響。</a:t>
-            </a:r>
-          </a:p>
-          <a:p>
-            <a:pPr marL="0" indent="0">
-              <a:buNone/>
-            </a:pPr>
-            <a:r>
-              <a:rPr kumimoji="1" lang="zh-TW" altLang="en-US" dirty="0">
-                <a:latin typeface="Heiti SC Medium" pitchFamily="2" charset="-128"/>
-                <a:ea typeface="Heiti SC Medium" pitchFamily="2" charset="-128"/>
-              </a:rPr>
-              <a:t>二、探究視覺化模擬輔助教學對人工智慧學習態度之影響。</a:t>
-            </a:r>
-            <a:endParaRPr kumimoji="1" lang="en-US" altLang="zh-TW" dirty="0">
-              <a:latin typeface="Heiti SC Medium" pitchFamily="2" charset="-128"/>
-              <a:ea typeface="Heiti SC Medium" pitchFamily="2" charset="-128"/>
-            </a:endParaRPr>
-          </a:p>
-          <a:p>
-            <a:pPr marL="0" indent="0">
-              <a:buNone/>
-            </a:pPr>
-            <a:r>
-              <a:rPr kumimoji="1" lang="zh-TW" altLang="en-US" dirty="0">
-                <a:latin typeface="Heiti SC Medium" pitchFamily="2" charset="-128"/>
-                <a:ea typeface="Heiti SC Medium" pitchFamily="2" charset="-128"/>
-              </a:rPr>
-              <a:t>　</a:t>
-            </a:r>
-            <a:r>
-              <a:rPr kumimoji="1" lang="en-US" altLang="zh-TW" dirty="0">
-                <a:latin typeface="Heiti SC Medium" pitchFamily="2" charset="-128"/>
-                <a:ea typeface="Heiti SC Medium" pitchFamily="2" charset="-128"/>
-              </a:rPr>
-              <a:t>1. </a:t>
-            </a:r>
-            <a:r>
-              <a:rPr kumimoji="1" lang="zh-TW" altLang="en-US" dirty="0">
-                <a:latin typeface="Heiti SC Medium" pitchFamily="2" charset="-128"/>
-                <a:ea typeface="Heiti SC Medium" pitchFamily="2" charset="-128"/>
-              </a:rPr>
-              <a:t>電腦科學學習動機</a:t>
-            </a:r>
-          </a:p>
-          <a:p>
-            <a:pPr marL="0" indent="0">
-              <a:buNone/>
-            </a:pPr>
-            <a:r>
-              <a:rPr kumimoji="1" lang="zh-TW" altLang="en-US" dirty="0">
-                <a:latin typeface="Heiti SC Medium" pitchFamily="2" charset="-128"/>
-                <a:ea typeface="Heiti SC Medium" pitchFamily="2" charset="-128"/>
-              </a:rPr>
-              <a:t>　</a:t>
-            </a:r>
-            <a:r>
-              <a:rPr kumimoji="1" lang="en-US" altLang="zh-TW" dirty="0">
-                <a:latin typeface="Heiti SC Medium" pitchFamily="2" charset="-128"/>
-                <a:ea typeface="Heiti SC Medium" pitchFamily="2" charset="-128"/>
-              </a:rPr>
-              <a:t>2. </a:t>
-            </a:r>
-            <a:r>
-              <a:rPr kumimoji="1" lang="zh-TW" altLang="en-US" dirty="0">
-                <a:latin typeface="Heiti SC Medium" pitchFamily="2" charset="-128"/>
-                <a:ea typeface="Heiti SC Medium" pitchFamily="2" charset="-128"/>
-              </a:rPr>
-              <a:t>電腦科學自我效能</a:t>
-            </a:r>
-          </a:p>
-          <a:p>
-            <a:pPr marL="0" indent="0">
-              <a:buNone/>
-            </a:pPr>
-            <a:r>
-              <a:rPr kumimoji="1" lang="zh-TW" altLang="en-US" dirty="0">
-                <a:latin typeface="Heiti SC Medium" pitchFamily="2" charset="-128"/>
-                <a:ea typeface="Heiti SC Medium" pitchFamily="2" charset="-128"/>
-              </a:rPr>
-              <a:t>　</a:t>
-            </a:r>
-            <a:r>
-              <a:rPr kumimoji="1" lang="en-US" altLang="zh-TW" dirty="0">
-                <a:latin typeface="Heiti SC Medium" pitchFamily="2" charset="-128"/>
-                <a:ea typeface="Heiti SC Medium" pitchFamily="2" charset="-128"/>
-              </a:rPr>
-              <a:t>3.</a:t>
-            </a:r>
-            <a:r>
-              <a:rPr kumimoji="1" lang="zh-TW" altLang="en-US" dirty="0">
-                <a:latin typeface="Heiti SC Medium" pitchFamily="2" charset="-128"/>
-                <a:ea typeface="Heiti SC Medium" pitchFamily="2" charset="-128"/>
-              </a:rPr>
-              <a:t> 資訊科學抽象概念</a:t>
-            </a:r>
-            <a:r>
-              <a:rPr kumimoji="1" lang="en-US" altLang="zh-TW" dirty="0">
-                <a:latin typeface="Heiti SC Medium" pitchFamily="2" charset="-128"/>
-                <a:ea typeface="Heiti SC Medium" pitchFamily="2" charset="-128"/>
-              </a:rPr>
-              <a:t>/</a:t>
-            </a:r>
-            <a:r>
-              <a:rPr kumimoji="1" lang="zh-TW" altLang="en-US" dirty="0">
-                <a:latin typeface="Heiti SC Medium" pitchFamily="2" charset="-128"/>
-                <a:ea typeface="Heiti SC Medium" pitchFamily="2" charset="-128"/>
-              </a:rPr>
-              <a:t>程序之學習感受</a:t>
-            </a:r>
-            <a:endParaRPr kumimoji="1" lang="en-US" altLang="zh-TW" dirty="0">
-              <a:latin typeface="Heiti SC Medium" pitchFamily="2" charset="-128"/>
-              <a:ea typeface="Heiti SC Medium" pitchFamily="2" charset="-128"/>
-            </a:endParaRPr>
-          </a:p>
-          <a:p>
-            <a:pPr marL="0" indent="0">
-              <a:buNone/>
-            </a:pPr>
-            <a:r>
-              <a:rPr kumimoji="1" lang="zh-TW" altLang="en-US" dirty="0">
-                <a:latin typeface="Heiti SC Medium" pitchFamily="2" charset="-128"/>
-                <a:ea typeface="Heiti SC Medium" pitchFamily="2" charset="-128"/>
-              </a:rPr>
-              <a:t>　</a:t>
-            </a:r>
-            <a:r>
-              <a:rPr kumimoji="1" lang="en-US" altLang="zh-TW" dirty="0">
-                <a:latin typeface="Heiti SC Medium" pitchFamily="2" charset="-128"/>
-                <a:ea typeface="Heiti SC Medium" pitchFamily="2" charset="-128"/>
-              </a:rPr>
-              <a:t>4. </a:t>
-            </a:r>
-            <a:r>
-              <a:rPr kumimoji="1" lang="zh-TW" altLang="en-US" dirty="0">
-                <a:latin typeface="Heiti SC Medium" pitchFamily="2" charset="-128"/>
-                <a:ea typeface="Heiti SC Medium" pitchFamily="2" charset="-128"/>
-              </a:rPr>
-              <a:t>對於人工智慧學習自我評鑑</a:t>
-            </a:r>
-          </a:p>
-          <a:p>
-            <a:pPr marL="0" indent="0">
-              <a:buNone/>
-            </a:pPr>
-            <a:endParaRPr kumimoji="1" lang="zh-TW" altLang="en-US" dirty="0">
-              <a:latin typeface="Heiti SC Medium" pitchFamily="2" charset="-128"/>
-              <a:ea typeface="Heiti SC Medium" pitchFamily="2" charset="-128"/>
-            </a:endParaRPr>
-          </a:p>
-        </p:txBody>
-      </p:sp>
-    </p:spTree>
-    <p:extLst>
-      <p:ext uri="{BB962C8B-B14F-4D97-AF65-F5344CB8AC3E}">
-        <p14:creationId xmlns:p14="http://schemas.microsoft.com/office/powerpoint/2010/main" val="2026056669"/>
-      </p:ext>
-    </p:extLst>
-  </p:cSld>
-  <p:clrMapOvr>
-    <a:masterClrMapping/>
-  </p:clrMapOvr>
-</p:sld>
-</file>
-
-<file path=ppt/slides/slide14.xml><?xml version="1.0" encoding="utf-8"?>
-<p:sld xmlns:a="http://schemas.openxmlformats.org/drawingml/2006/main" xmlns:r="http://schemas.openxmlformats.org/officeDocument/2006/relationships" xmlns:p="http://schemas.openxmlformats.org/presentationml/2006/main">
-  <p:cSld>
-    <p:spTree>
-      <p:nvGrpSpPr>
-        <p:cNvPr id="1" name=""/>
-        <p:cNvGrpSpPr/>
-        <p:nvPr/>
-      </p:nvGrpSpPr>
-      <p:grpSpPr>
-        <a:xfrm>
-          <a:off x="0" y="0"/>
-          <a:ext cx="0" cy="0"/>
-          <a:chOff x="0" y="0"/>
-          <a:chExt cx="0" cy="0"/>
-        </a:xfrm>
-      </p:grpSpPr>
-      <p:sp>
-        <p:nvSpPr>
-          <p:cNvPr id="2" name="標題 1">
-            <a:extLst>
-              <a:ext uri="{FF2B5EF4-FFF2-40B4-BE49-F238E27FC236}">
-                <a16:creationId xmlns:a16="http://schemas.microsoft.com/office/drawing/2014/main" id="{326B8693-26E8-7B43-92A3-0CE9DA14AA5B}"/>
-              </a:ext>
-            </a:extLst>
-          </p:cNvPr>
-          <p:cNvSpPr>
-            <a:spLocks noGrp="1"/>
-          </p:cNvSpPr>
-          <p:nvPr>
-            <p:ph type="title"/>
-          </p:nvPr>
-        </p:nvSpPr>
-        <p:spPr/>
-        <p:txBody>
-          <a:bodyPr/>
-          <a:lstStyle/>
-          <a:p>
-            <a:r>
-              <a:rPr kumimoji="1" lang="zh-TW" altLang="en-US" dirty="0">
-                <a:latin typeface="Heiti SC Medium" pitchFamily="2" charset="-128"/>
-                <a:ea typeface="Heiti SC Medium" pitchFamily="2" charset="-128"/>
-              </a:rPr>
-              <a:t>研究目的</a:t>
-            </a:r>
-          </a:p>
-        </p:txBody>
-      </p:sp>
-      <p:sp>
-        <p:nvSpPr>
-          <p:cNvPr id="3" name="內容版面配置區 2">
-            <a:extLst>
-              <a:ext uri="{FF2B5EF4-FFF2-40B4-BE49-F238E27FC236}">
-                <a16:creationId xmlns:a16="http://schemas.microsoft.com/office/drawing/2014/main" id="{09DB6E19-9514-C441-A8F4-66A938FB35F8}"/>
-              </a:ext>
-            </a:extLst>
-          </p:cNvPr>
-          <p:cNvSpPr>
-            <a:spLocks noGrp="1"/>
-          </p:cNvSpPr>
-          <p:nvPr>
-            <p:ph idx="1"/>
-          </p:nvPr>
-        </p:nvSpPr>
         <p:spPr/>
         <p:txBody>
           <a:bodyPr/>
@@ -6582,7 +6434,7 @@
 </p:sld>
 </file>
 
-<file path=ppt/slides/slide15.xml><?xml version="1.0" encoding="utf-8"?>
+<file path=ppt/slides/slide14.xml><?xml version="1.0" encoding="utf-8"?>
 <p:sld xmlns:a="http://schemas.openxmlformats.org/drawingml/2006/main" xmlns:r="http://schemas.openxmlformats.org/officeDocument/2006/relationships" xmlns:p="http://schemas.openxmlformats.org/presentationml/2006/main">
   <p:cSld>
     <p:spTree>
@@ -7328,7 +7180,7 @@
 </p:sld>
 </file>
 
-<file path=ppt/slides/slide16.xml><?xml version="1.0" encoding="utf-8"?>
+<file path=ppt/slides/slide15.xml><?xml version="1.0" encoding="utf-8"?>
 <p:sld xmlns:a="http://schemas.openxmlformats.org/drawingml/2006/main" xmlns:r="http://schemas.openxmlformats.org/officeDocument/2006/relationships" xmlns:p="http://schemas.openxmlformats.org/presentationml/2006/main">
   <p:cSld>
     <p:spTree>
@@ -7517,7 +7369,7 @@
 </p:sld>
 </file>
 
-<file path=ppt/slides/slide17.xml><?xml version="1.0" encoding="utf-8"?>
+<file path=ppt/slides/slide16.xml><?xml version="1.0" encoding="utf-8"?>
 <p:sld xmlns:a="http://schemas.openxmlformats.org/drawingml/2006/main" xmlns:r="http://schemas.openxmlformats.org/officeDocument/2006/relationships" xmlns:p="http://schemas.openxmlformats.org/presentationml/2006/main">
   <p:cSld>
     <p:spTree>

--- a/模擬平台網頁_v2/教材簡報/課堂流程與研究目的_v2.pptx
+++ b/模擬平台網頁_v2/教材簡報/課堂流程與研究目的_v2.pptx
@@ -274,7 +274,7 @@
           <a:p>
             <a:fld id="{4B4D149D-1AC6-0C4E-AB7E-19B2D9CBC675}" type="datetimeFigureOut">
               <a:rPr kumimoji="1" lang="zh-TW" altLang="en-US" smtClean="0"/>
-              <a:t>2022/3/29</a:t>
+              <a:t>2022/6/7</a:t>
             </a:fld>
             <a:endParaRPr kumimoji="1" lang="zh-TW" altLang="en-US"/>
           </a:p>
@@ -472,7 +472,7 @@
           <a:p>
             <a:fld id="{4B4D149D-1AC6-0C4E-AB7E-19B2D9CBC675}" type="datetimeFigureOut">
               <a:rPr kumimoji="1" lang="zh-TW" altLang="en-US" smtClean="0"/>
-              <a:t>2022/3/29</a:t>
+              <a:t>2022/6/7</a:t>
             </a:fld>
             <a:endParaRPr kumimoji="1" lang="zh-TW" altLang="en-US"/>
           </a:p>
@@ -680,7 +680,7 @@
           <a:p>
             <a:fld id="{4B4D149D-1AC6-0C4E-AB7E-19B2D9CBC675}" type="datetimeFigureOut">
               <a:rPr kumimoji="1" lang="zh-TW" altLang="en-US" smtClean="0"/>
-              <a:t>2022/3/29</a:t>
+              <a:t>2022/6/7</a:t>
             </a:fld>
             <a:endParaRPr kumimoji="1" lang="zh-TW" altLang="en-US"/>
           </a:p>
@@ -878,7 +878,7 @@
           <a:p>
             <a:fld id="{4B4D149D-1AC6-0C4E-AB7E-19B2D9CBC675}" type="datetimeFigureOut">
               <a:rPr kumimoji="1" lang="zh-TW" altLang="en-US" smtClean="0"/>
-              <a:t>2022/3/29</a:t>
+              <a:t>2022/6/7</a:t>
             </a:fld>
             <a:endParaRPr kumimoji="1" lang="zh-TW" altLang="en-US"/>
           </a:p>
@@ -1153,7 +1153,7 @@
           <a:p>
             <a:fld id="{4B4D149D-1AC6-0C4E-AB7E-19B2D9CBC675}" type="datetimeFigureOut">
               <a:rPr kumimoji="1" lang="zh-TW" altLang="en-US" smtClean="0"/>
-              <a:t>2022/3/29</a:t>
+              <a:t>2022/6/7</a:t>
             </a:fld>
             <a:endParaRPr kumimoji="1" lang="zh-TW" altLang="en-US"/>
           </a:p>
@@ -1418,7 +1418,7 @@
           <a:p>
             <a:fld id="{4B4D149D-1AC6-0C4E-AB7E-19B2D9CBC675}" type="datetimeFigureOut">
               <a:rPr kumimoji="1" lang="zh-TW" altLang="en-US" smtClean="0"/>
-              <a:t>2022/3/29</a:t>
+              <a:t>2022/6/7</a:t>
             </a:fld>
             <a:endParaRPr kumimoji="1" lang="zh-TW" altLang="en-US"/>
           </a:p>
@@ -1830,7 +1830,7 @@
           <a:p>
             <a:fld id="{4B4D149D-1AC6-0C4E-AB7E-19B2D9CBC675}" type="datetimeFigureOut">
               <a:rPr kumimoji="1" lang="zh-TW" altLang="en-US" smtClean="0"/>
-              <a:t>2022/3/29</a:t>
+              <a:t>2022/6/7</a:t>
             </a:fld>
             <a:endParaRPr kumimoji="1" lang="zh-TW" altLang="en-US"/>
           </a:p>
@@ -1971,7 +1971,7 @@
           <a:p>
             <a:fld id="{4B4D149D-1AC6-0C4E-AB7E-19B2D9CBC675}" type="datetimeFigureOut">
               <a:rPr kumimoji="1" lang="zh-TW" altLang="en-US" smtClean="0"/>
-              <a:t>2022/3/29</a:t>
+              <a:t>2022/6/7</a:t>
             </a:fld>
             <a:endParaRPr kumimoji="1" lang="zh-TW" altLang="en-US"/>
           </a:p>
@@ -2084,7 +2084,7 @@
           <a:p>
             <a:fld id="{4B4D149D-1AC6-0C4E-AB7E-19B2D9CBC675}" type="datetimeFigureOut">
               <a:rPr kumimoji="1" lang="zh-TW" altLang="en-US" smtClean="0"/>
-              <a:t>2022/3/29</a:t>
+              <a:t>2022/6/7</a:t>
             </a:fld>
             <a:endParaRPr kumimoji="1" lang="zh-TW" altLang="en-US"/>
           </a:p>
@@ -2395,7 +2395,7 @@
           <a:p>
             <a:fld id="{4B4D149D-1AC6-0C4E-AB7E-19B2D9CBC675}" type="datetimeFigureOut">
               <a:rPr kumimoji="1" lang="zh-TW" altLang="en-US" smtClean="0"/>
-              <a:t>2022/3/29</a:t>
+              <a:t>2022/6/7</a:t>
             </a:fld>
             <a:endParaRPr kumimoji="1" lang="zh-TW" altLang="en-US"/>
           </a:p>
@@ -2683,7 +2683,7 @@
           <a:p>
             <a:fld id="{4B4D149D-1AC6-0C4E-AB7E-19B2D9CBC675}" type="datetimeFigureOut">
               <a:rPr kumimoji="1" lang="zh-TW" altLang="en-US" smtClean="0"/>
-              <a:t>2022/3/29</a:t>
+              <a:t>2022/6/7</a:t>
             </a:fld>
             <a:endParaRPr kumimoji="1" lang="zh-TW" altLang="en-US"/>
           </a:p>
@@ -2924,7 +2924,7 @@
           <a:p>
             <a:fld id="{4B4D149D-1AC6-0C4E-AB7E-19B2D9CBC675}" type="datetimeFigureOut">
               <a:rPr kumimoji="1" lang="zh-TW" altLang="en-US" smtClean="0"/>
-              <a:t>2022/3/29</a:t>
+              <a:t>2022/6/7</a:t>
             </a:fld>
             <a:endParaRPr kumimoji="1" lang="zh-TW" altLang="en-US"/>
           </a:p>
@@ -10962,7 +10962,7 @@
                     <a:latin typeface="Heiti SC Medium" pitchFamily="2" charset="-128"/>
                     <a:ea typeface="Heiti SC Medium" pitchFamily="2" charset="-128"/>
                   </a:rPr>
-                  <a:t>中，沒有將應時所需的概念清楚理解</a:t>
+                  <a:t>中，沒有將應用時所需的概念清楚理解</a:t>
                 </a:r>
                 <a:r>
                   <a:rPr kumimoji="1" lang="zh-TW" altLang="en-US" sz="2000" dirty="0">
@@ -10972,7 +10972,7 @@
                     <a:latin typeface="Heiti SC Medium" pitchFamily="2" charset="-128"/>
                     <a:ea typeface="Heiti SC Medium" pitchFamily="2" charset="-128"/>
                   </a:rPr>
-                  <a:t>，能夠重新操作與觀察模擬平台上的</a:t>
+                  <a:t>，能夠重新操作與觀察模擬平台上</a:t>
                 </a:r>
                 <a:endParaRPr kumimoji="1" lang="en-US" altLang="zh-TW" sz="2000" dirty="0">
                   <a:solidFill>
@@ -10992,7 +10992,7 @@
                     <a:latin typeface="Heiti SC Medium" pitchFamily="2" charset="-128"/>
                     <a:ea typeface="Heiti SC Medium" pitchFamily="2" charset="-128"/>
                   </a:rPr>
-                  <a:t>功能，或是向教師提問，反思後再回到應用的過程。</a:t>
+                  <a:t>的功能，或是向教師提問，反思後再回到應用的過程。</a:t>
                 </a:r>
                 <a:endParaRPr kumimoji="1" lang="en-US" altLang="zh-TW" sz="2000" dirty="0">
                   <a:solidFill>

--- a/模擬平台網頁_v2/教材簡報/課堂流程與研究目的_v2.pptx
+++ b/模擬平台網頁_v2/教材簡報/課堂流程與研究目的_v2.pptx
@@ -8,19 +8,20 @@
     <p:sldId id="256" r:id="rId2"/>
     <p:sldId id="271" r:id="rId3"/>
     <p:sldId id="298" r:id="rId4"/>
-    <p:sldId id="300" r:id="rId5"/>
-    <p:sldId id="302" r:id="rId6"/>
-    <p:sldId id="268" r:id="rId7"/>
-    <p:sldId id="269" r:id="rId8"/>
-    <p:sldId id="270" r:id="rId9"/>
-    <p:sldId id="303" r:id="rId10"/>
-    <p:sldId id="305" r:id="rId11"/>
-    <p:sldId id="272" r:id="rId12"/>
-    <p:sldId id="291" r:id="rId13"/>
-    <p:sldId id="295" r:id="rId14"/>
-    <p:sldId id="297" r:id="rId15"/>
-    <p:sldId id="292" r:id="rId16"/>
-    <p:sldId id="293" r:id="rId17"/>
+    <p:sldId id="306" r:id="rId5"/>
+    <p:sldId id="300" r:id="rId6"/>
+    <p:sldId id="302" r:id="rId7"/>
+    <p:sldId id="268" r:id="rId8"/>
+    <p:sldId id="269" r:id="rId9"/>
+    <p:sldId id="270" r:id="rId10"/>
+    <p:sldId id="303" r:id="rId11"/>
+    <p:sldId id="305" r:id="rId12"/>
+    <p:sldId id="272" r:id="rId13"/>
+    <p:sldId id="291" r:id="rId14"/>
+    <p:sldId id="295" r:id="rId15"/>
+    <p:sldId id="297" r:id="rId16"/>
+    <p:sldId id="292" r:id="rId17"/>
+    <p:sldId id="293" r:id="rId18"/>
   </p:sldIdLst>
   <p:sldSz cx="12192000" cy="6858000"/>
   <p:notesSz cx="6858000" cy="9144000"/>
@@ -5584,6 +5585,2176 @@
           </a:p>
         </p:txBody>
       </p:sp>
+    </p:spTree>
+    <p:extLst>
+      <p:ext uri="{BB962C8B-B14F-4D97-AF65-F5344CB8AC3E}">
+        <p14:creationId xmlns:p14="http://schemas.microsoft.com/office/powerpoint/2010/main" val="2765316148"/>
+      </p:ext>
+    </p:extLst>
+  </p:cSld>
+  <p:clrMapOvr>
+    <a:masterClrMapping/>
+  </p:clrMapOvr>
+</p:sld>
+</file>
+
+<file path=ppt/slides/slide11.xml><?xml version="1.0" encoding="utf-8"?>
+<p:sld xmlns:a="http://schemas.openxmlformats.org/drawingml/2006/main" xmlns:r="http://schemas.openxmlformats.org/officeDocument/2006/relationships" xmlns:p="http://schemas.openxmlformats.org/presentationml/2006/main">
+  <p:cSld>
+    <p:spTree>
+      <p:nvGrpSpPr>
+        <p:cNvPr id="1" name=""/>
+        <p:cNvGrpSpPr/>
+        <p:nvPr/>
+      </p:nvGrpSpPr>
+      <p:grpSpPr>
+        <a:xfrm>
+          <a:off x="0" y="0"/>
+          <a:ext cx="0" cy="0"/>
+          <a:chOff x="0" y="0"/>
+          <a:chExt cx="0" cy="0"/>
+        </a:xfrm>
+      </p:grpSpPr>
+      <p:sp>
+        <p:nvSpPr>
+          <p:cNvPr id="2" name="標題 1">
+            <a:extLst>
+              <a:ext uri="{FF2B5EF4-FFF2-40B4-BE49-F238E27FC236}">
+                <a16:creationId xmlns:a16="http://schemas.microsoft.com/office/drawing/2014/main" id="{B56DFD20-93E0-9247-B811-534AF4684907}"/>
+              </a:ext>
+            </a:extLst>
+          </p:cNvPr>
+          <p:cNvSpPr>
+            <a:spLocks noGrp="1"/>
+          </p:cNvSpPr>
+          <p:nvPr>
+            <p:ph type="title"/>
+          </p:nvPr>
+        </p:nvSpPr>
+        <p:spPr/>
+        <p:txBody>
+          <a:bodyPr/>
+          <a:lstStyle/>
+          <a:p>
+            <a:r>
+              <a:rPr kumimoji="1" lang="zh-TW" altLang="en-US" dirty="0">
+                <a:latin typeface="Heiti SC Medium" pitchFamily="2" charset="-128"/>
+                <a:ea typeface="Heiti SC Medium" pitchFamily="2" charset="-128"/>
+              </a:rPr>
+              <a:t>課堂流程設計</a:t>
+            </a:r>
+          </a:p>
+        </p:txBody>
+      </p:sp>
+      <p:sp>
+        <p:nvSpPr>
+          <p:cNvPr id="3" name="文字方塊 2">
+            <a:extLst>
+              <a:ext uri="{FF2B5EF4-FFF2-40B4-BE49-F238E27FC236}">
+                <a16:creationId xmlns:a16="http://schemas.microsoft.com/office/drawing/2014/main" id="{ADFC4516-4159-974F-96CE-AC3203DA4080}"/>
+              </a:ext>
+            </a:extLst>
+          </p:cNvPr>
+          <p:cNvSpPr txBox="1"/>
+          <p:nvPr/>
+        </p:nvSpPr>
+        <p:spPr>
+          <a:xfrm>
+            <a:off x="1110772" y="1483859"/>
+            <a:ext cx="1261884" cy="523220"/>
+          </a:xfrm>
+          <a:prstGeom prst="rect">
+            <a:avLst/>
+          </a:prstGeom>
+          <a:noFill/>
+        </p:spPr>
+        <p:txBody>
+          <a:bodyPr wrap="none" rtlCol="0">
+            <a:spAutoFit/>
+          </a:bodyPr>
+          <a:lstStyle/>
+          <a:p>
+            <a:r>
+              <a:rPr kumimoji="1" lang="zh-TW" altLang="en-US" sz="2800" dirty="0">
+                <a:highlight>
+                  <a:srgbClr val="FFFF00"/>
+                </a:highlight>
+                <a:latin typeface="Heiti SC Medium" pitchFamily="2" charset="-128"/>
+                <a:ea typeface="Heiti SC Medium" pitchFamily="2" charset="-128"/>
+              </a:rPr>
+              <a:t>實驗組</a:t>
+            </a:r>
+            <a:endParaRPr kumimoji="1" lang="zh-TW" altLang="en-US" dirty="0">
+              <a:highlight>
+                <a:srgbClr val="FFFF00"/>
+              </a:highlight>
+              <a:latin typeface="Heiti SC Medium" pitchFamily="2" charset="-128"/>
+              <a:ea typeface="Heiti SC Medium" pitchFamily="2" charset="-128"/>
+            </a:endParaRPr>
+          </a:p>
+        </p:txBody>
+      </p:sp>
+      <p:sp>
+        <p:nvSpPr>
+          <p:cNvPr id="10" name="文字方塊 9">
+            <a:extLst>
+              <a:ext uri="{FF2B5EF4-FFF2-40B4-BE49-F238E27FC236}">
+                <a16:creationId xmlns:a16="http://schemas.microsoft.com/office/drawing/2014/main" id="{2038C400-3363-4441-B3D8-3931FE7D54A0}"/>
+              </a:ext>
+            </a:extLst>
+          </p:cNvPr>
+          <p:cNvSpPr txBox="1"/>
+          <p:nvPr/>
+        </p:nvSpPr>
+        <p:spPr>
+          <a:xfrm>
+            <a:off x="1110772" y="4107304"/>
+            <a:ext cx="1261884" cy="523220"/>
+          </a:xfrm>
+          <a:prstGeom prst="rect">
+            <a:avLst/>
+          </a:prstGeom>
+          <a:noFill/>
+        </p:spPr>
+        <p:txBody>
+          <a:bodyPr wrap="none" rtlCol="0">
+            <a:spAutoFit/>
+          </a:bodyPr>
+          <a:lstStyle/>
+          <a:p>
+            <a:r>
+              <a:rPr kumimoji="1" lang="zh-TW" altLang="en-US" sz="2800" dirty="0">
+                <a:highlight>
+                  <a:srgbClr val="FFFF00"/>
+                </a:highlight>
+                <a:latin typeface="Heiti SC Medium" pitchFamily="2" charset="-128"/>
+                <a:ea typeface="Heiti SC Medium" pitchFamily="2" charset="-128"/>
+              </a:rPr>
+              <a:t>控制組</a:t>
+            </a:r>
+            <a:endParaRPr kumimoji="1" lang="zh-TW" altLang="en-US" dirty="0">
+              <a:highlight>
+                <a:srgbClr val="FFFF00"/>
+              </a:highlight>
+              <a:latin typeface="Heiti SC Medium" pitchFamily="2" charset="-128"/>
+              <a:ea typeface="Heiti SC Medium" pitchFamily="2" charset="-128"/>
+            </a:endParaRPr>
+          </a:p>
+        </p:txBody>
+      </p:sp>
+      <p:grpSp>
+        <p:nvGrpSpPr>
+          <p:cNvPr id="42" name="群組 41">
+            <a:extLst>
+              <a:ext uri="{FF2B5EF4-FFF2-40B4-BE49-F238E27FC236}">
+                <a16:creationId xmlns:a16="http://schemas.microsoft.com/office/drawing/2014/main" id="{5CF3F89B-2874-BD46-9912-508458B36C68}"/>
+              </a:ext>
+            </a:extLst>
+          </p:cNvPr>
+          <p:cNvGrpSpPr/>
+          <p:nvPr/>
+        </p:nvGrpSpPr>
+        <p:grpSpPr>
+          <a:xfrm>
+            <a:off x="774719" y="2383611"/>
+            <a:ext cx="10642562" cy="1344105"/>
+            <a:chOff x="620272" y="2369156"/>
+            <a:chExt cx="10642562" cy="1344105"/>
+          </a:xfrm>
+        </p:grpSpPr>
+        <p:grpSp>
+          <p:nvGrpSpPr>
+            <p:cNvPr id="16" name="群組 15">
+              <a:extLst>
+                <a:ext uri="{FF2B5EF4-FFF2-40B4-BE49-F238E27FC236}">
+                  <a16:creationId xmlns:a16="http://schemas.microsoft.com/office/drawing/2014/main" id="{762FAFD3-95B3-F647-BC1E-82FCB6D298AE}"/>
+                </a:ext>
+              </a:extLst>
+            </p:cNvPr>
+            <p:cNvGrpSpPr/>
+            <p:nvPr/>
+          </p:nvGrpSpPr>
+          <p:grpSpPr>
+            <a:xfrm>
+              <a:off x="620272" y="2369156"/>
+              <a:ext cx="1980000" cy="1344105"/>
+              <a:chOff x="1652656" y="2470800"/>
+              <a:chExt cx="1980000" cy="1344105"/>
+            </a:xfrm>
+          </p:grpSpPr>
+          <p:sp>
+            <p:nvSpPr>
+              <p:cNvPr id="17" name="矩形 16">
+                <a:extLst>
+                  <a:ext uri="{FF2B5EF4-FFF2-40B4-BE49-F238E27FC236}">
+                    <a16:creationId xmlns:a16="http://schemas.microsoft.com/office/drawing/2014/main" id="{F68B0ECB-05A6-9F43-BA4A-8A633DC7D838}"/>
+                  </a:ext>
+                </a:extLst>
+              </p:cNvPr>
+              <p:cNvSpPr/>
+              <p:nvPr/>
+            </p:nvSpPr>
+            <p:spPr>
+              <a:xfrm>
+                <a:off x="1652656" y="2734905"/>
+                <a:ext cx="1980000" cy="1080000"/>
+              </a:xfrm>
+              <a:prstGeom prst="rect">
+                <a:avLst/>
+              </a:prstGeom>
+              <a:solidFill>
+                <a:schemeClr val="bg1"/>
+              </a:solidFill>
+              <a:ln w="76200">
+                <a:solidFill>
+                  <a:schemeClr val="accent6">
+                    <a:lumMod val="20000"/>
+                    <a:lumOff val="80000"/>
+                  </a:schemeClr>
+                </a:solidFill>
+              </a:ln>
+            </p:spPr>
+            <p:style>
+              <a:lnRef idx="2">
+                <a:schemeClr val="accent1">
+                  <a:shade val="50000"/>
+                </a:schemeClr>
+              </a:lnRef>
+              <a:fillRef idx="1">
+                <a:schemeClr val="accent1"/>
+              </a:fillRef>
+              <a:effectRef idx="0">
+                <a:schemeClr val="accent1"/>
+              </a:effectRef>
+              <a:fontRef idx="minor">
+                <a:schemeClr val="lt1"/>
+              </a:fontRef>
+            </p:style>
+            <p:txBody>
+              <a:bodyPr rtlCol="0" anchor="ctr"/>
+              <a:lstStyle/>
+              <a:p>
+                <a:pPr algn="ctr"/>
+                <a:r>
+                  <a:rPr kumimoji="1" lang="en-US" altLang="zh-TW" sz="2000" dirty="0">
+                    <a:solidFill>
+                      <a:schemeClr val="tx1"/>
+                    </a:solidFill>
+                    <a:latin typeface="Heiti SC Medium" pitchFamily="2" charset="-128"/>
+                    <a:ea typeface="Heiti SC Medium" pitchFamily="2" charset="-128"/>
+                  </a:rPr>
+                  <a:t>20~30</a:t>
+                </a:r>
+                <a:r>
+                  <a:rPr kumimoji="1" lang="zh-TW" altLang="en-US" sz="2000" dirty="0">
+                    <a:solidFill>
+                      <a:schemeClr val="tx1"/>
+                    </a:solidFill>
+                    <a:latin typeface="Heiti SC Medium" pitchFamily="2" charset="-128"/>
+                    <a:ea typeface="Heiti SC Medium" pitchFamily="2" charset="-128"/>
+                  </a:rPr>
+                  <a:t>分鐘</a:t>
+                </a:r>
+              </a:p>
+            </p:txBody>
+          </p:sp>
+          <p:sp>
+            <p:nvSpPr>
+              <p:cNvPr id="18" name="矩形 17">
+                <a:extLst>
+                  <a:ext uri="{FF2B5EF4-FFF2-40B4-BE49-F238E27FC236}">
+                    <a16:creationId xmlns:a16="http://schemas.microsoft.com/office/drawing/2014/main" id="{EC5A625F-6CF0-E548-8FCA-D6F9B3550E1D}"/>
+                  </a:ext>
+                </a:extLst>
+              </p:cNvPr>
+              <p:cNvSpPr/>
+              <p:nvPr/>
+            </p:nvSpPr>
+            <p:spPr>
+              <a:xfrm>
+                <a:off x="1652656" y="2470800"/>
+                <a:ext cx="1440000" cy="540000"/>
+              </a:xfrm>
+              <a:prstGeom prst="rect">
+                <a:avLst/>
+              </a:prstGeom>
+              <a:solidFill>
+                <a:schemeClr val="accent6">
+                  <a:lumMod val="20000"/>
+                  <a:lumOff val="80000"/>
+                </a:schemeClr>
+              </a:solidFill>
+              <a:ln>
+                <a:solidFill>
+                  <a:schemeClr val="accent6">
+                    <a:lumMod val="20000"/>
+                    <a:lumOff val="80000"/>
+                  </a:schemeClr>
+                </a:solidFill>
+              </a:ln>
+            </p:spPr>
+            <p:style>
+              <a:lnRef idx="2">
+                <a:schemeClr val="accent1">
+                  <a:shade val="50000"/>
+                </a:schemeClr>
+              </a:lnRef>
+              <a:fillRef idx="1">
+                <a:schemeClr val="accent1"/>
+              </a:fillRef>
+              <a:effectRef idx="0">
+                <a:schemeClr val="accent1"/>
+              </a:effectRef>
+              <a:fontRef idx="minor">
+                <a:schemeClr val="lt1"/>
+              </a:fontRef>
+            </p:style>
+            <p:txBody>
+              <a:bodyPr rtlCol="0" anchor="ctr"/>
+              <a:lstStyle/>
+              <a:p>
+                <a:pPr algn="ctr"/>
+                <a:r>
+                  <a:rPr kumimoji="1" lang="zh-TW" altLang="en-US" sz="2000" dirty="0">
+                    <a:solidFill>
+                      <a:schemeClr val="tx1"/>
+                    </a:solidFill>
+                    <a:latin typeface="Heiti SC Medium" pitchFamily="2" charset="-128"/>
+                    <a:ea typeface="Heiti SC Medium" pitchFamily="2" charset="-128"/>
+                  </a:rPr>
+                  <a:t>教師講解</a:t>
+                </a:r>
+              </a:p>
+            </p:txBody>
+          </p:sp>
+        </p:grpSp>
+        <p:grpSp>
+          <p:nvGrpSpPr>
+            <p:cNvPr id="20" name="群組 19">
+              <a:extLst>
+                <a:ext uri="{FF2B5EF4-FFF2-40B4-BE49-F238E27FC236}">
+                  <a16:creationId xmlns:a16="http://schemas.microsoft.com/office/drawing/2014/main" id="{76E4E214-D6CA-8E43-AF3A-59F6BA025F21}"/>
+                </a:ext>
+              </a:extLst>
+            </p:cNvPr>
+            <p:cNvGrpSpPr/>
+            <p:nvPr/>
+          </p:nvGrpSpPr>
+          <p:grpSpPr>
+            <a:xfrm>
+              <a:off x="3270535" y="2369156"/>
+              <a:ext cx="2700686" cy="1344105"/>
+              <a:chOff x="1652655" y="2470800"/>
+              <a:chExt cx="2700686" cy="1344105"/>
+            </a:xfrm>
+          </p:grpSpPr>
+          <p:sp>
+            <p:nvSpPr>
+              <p:cNvPr id="21" name="矩形 20">
+                <a:extLst>
+                  <a:ext uri="{FF2B5EF4-FFF2-40B4-BE49-F238E27FC236}">
+                    <a16:creationId xmlns:a16="http://schemas.microsoft.com/office/drawing/2014/main" id="{D8E48ABB-7A05-8C4F-9065-09A292F84832}"/>
+                  </a:ext>
+                </a:extLst>
+              </p:cNvPr>
+              <p:cNvSpPr/>
+              <p:nvPr/>
+            </p:nvSpPr>
+            <p:spPr>
+              <a:xfrm>
+                <a:off x="1652656" y="2734905"/>
+                <a:ext cx="2700685" cy="1080000"/>
+              </a:xfrm>
+              <a:prstGeom prst="rect">
+                <a:avLst/>
+              </a:prstGeom>
+              <a:solidFill>
+                <a:schemeClr val="bg1"/>
+              </a:solidFill>
+              <a:ln w="76200">
+                <a:solidFill>
+                  <a:schemeClr val="accent2">
+                    <a:lumMod val="20000"/>
+                    <a:lumOff val="80000"/>
+                  </a:schemeClr>
+                </a:solidFill>
+              </a:ln>
+            </p:spPr>
+            <p:style>
+              <a:lnRef idx="2">
+                <a:schemeClr val="accent1">
+                  <a:shade val="50000"/>
+                </a:schemeClr>
+              </a:lnRef>
+              <a:fillRef idx="1">
+                <a:schemeClr val="accent1"/>
+              </a:fillRef>
+              <a:effectRef idx="0">
+                <a:schemeClr val="accent1"/>
+              </a:effectRef>
+              <a:fontRef idx="minor">
+                <a:schemeClr val="lt1"/>
+              </a:fontRef>
+            </p:style>
+            <p:txBody>
+              <a:bodyPr rtlCol="0" anchor="ctr"/>
+              <a:lstStyle/>
+              <a:p>
+                <a:pPr algn="ctr"/>
+                <a:r>
+                  <a:rPr kumimoji="1" lang="en-US" altLang="zh-TW" sz="2000" dirty="0">
+                    <a:solidFill>
+                      <a:schemeClr val="tx1"/>
+                    </a:solidFill>
+                    <a:latin typeface="Heiti SC Medium" pitchFamily="2" charset="-128"/>
+                    <a:ea typeface="Heiti SC Medium" pitchFamily="2" charset="-128"/>
+                  </a:rPr>
+                  <a:t>20~30</a:t>
+                </a:r>
+                <a:r>
+                  <a:rPr kumimoji="1" lang="zh-TW" altLang="en-US" sz="2000" dirty="0">
+                    <a:solidFill>
+                      <a:schemeClr val="tx1"/>
+                    </a:solidFill>
+                    <a:latin typeface="Heiti SC Medium" pitchFamily="2" charset="-128"/>
+                    <a:ea typeface="Heiti SC Medium" pitchFamily="2" charset="-128"/>
+                  </a:rPr>
+                  <a:t>分鐘</a:t>
+                </a:r>
+              </a:p>
+            </p:txBody>
+          </p:sp>
+          <p:sp>
+            <p:nvSpPr>
+              <p:cNvPr id="22" name="矩形 21">
+                <a:extLst>
+                  <a:ext uri="{FF2B5EF4-FFF2-40B4-BE49-F238E27FC236}">
+                    <a16:creationId xmlns:a16="http://schemas.microsoft.com/office/drawing/2014/main" id="{576FCF5F-FFEB-0340-B116-E58A733EDD57}"/>
+                  </a:ext>
+                </a:extLst>
+              </p:cNvPr>
+              <p:cNvSpPr/>
+              <p:nvPr/>
+            </p:nvSpPr>
+            <p:spPr>
+              <a:xfrm>
+                <a:off x="1652655" y="2470800"/>
+                <a:ext cx="2122543" cy="540000"/>
+              </a:xfrm>
+              <a:prstGeom prst="rect">
+                <a:avLst/>
+              </a:prstGeom>
+              <a:solidFill>
+                <a:schemeClr val="accent2">
+                  <a:lumMod val="20000"/>
+                  <a:lumOff val="80000"/>
+                </a:schemeClr>
+              </a:solidFill>
+              <a:ln>
+                <a:solidFill>
+                  <a:schemeClr val="accent2">
+                    <a:lumMod val="20000"/>
+                    <a:lumOff val="80000"/>
+                  </a:schemeClr>
+                </a:solidFill>
+              </a:ln>
+            </p:spPr>
+            <p:style>
+              <a:lnRef idx="2">
+                <a:schemeClr val="accent1">
+                  <a:shade val="50000"/>
+                </a:schemeClr>
+              </a:lnRef>
+              <a:fillRef idx="1">
+                <a:schemeClr val="accent1"/>
+              </a:fillRef>
+              <a:effectRef idx="0">
+                <a:schemeClr val="accent1"/>
+              </a:effectRef>
+              <a:fontRef idx="minor">
+                <a:schemeClr val="lt1"/>
+              </a:fontRef>
+            </p:style>
+            <p:txBody>
+              <a:bodyPr rtlCol="0" anchor="ctr"/>
+              <a:lstStyle/>
+              <a:p>
+                <a:pPr algn="ctr"/>
+                <a:r>
+                  <a:rPr kumimoji="1" lang="zh-TW" altLang="en-US" sz="2000" dirty="0">
+                    <a:solidFill>
+                      <a:schemeClr val="tx1"/>
+                    </a:solidFill>
+                    <a:latin typeface="Heiti SC Medium" pitchFamily="2" charset="-128"/>
+                    <a:ea typeface="Heiti SC Medium" pitchFamily="2" charset="-128"/>
+                  </a:rPr>
+                  <a:t>模擬平台之操作</a:t>
+                </a:r>
+              </a:p>
+            </p:txBody>
+          </p:sp>
+        </p:grpSp>
+        <p:grpSp>
+          <p:nvGrpSpPr>
+            <p:cNvPr id="23" name="群組 22">
+              <a:extLst>
+                <a:ext uri="{FF2B5EF4-FFF2-40B4-BE49-F238E27FC236}">
+                  <a16:creationId xmlns:a16="http://schemas.microsoft.com/office/drawing/2014/main" id="{78C85D62-0617-2A4E-A0E7-5E8C16900AFC}"/>
+                </a:ext>
+              </a:extLst>
+            </p:cNvPr>
+            <p:cNvGrpSpPr/>
+            <p:nvPr/>
+          </p:nvGrpSpPr>
+          <p:grpSpPr>
+            <a:xfrm>
+              <a:off x="9282833" y="2369156"/>
+              <a:ext cx="1980001" cy="1344105"/>
+              <a:chOff x="1652655" y="2470800"/>
+              <a:chExt cx="1980001" cy="1344105"/>
+            </a:xfrm>
+          </p:grpSpPr>
+          <p:sp>
+            <p:nvSpPr>
+              <p:cNvPr id="24" name="矩形 23">
+                <a:extLst>
+                  <a:ext uri="{FF2B5EF4-FFF2-40B4-BE49-F238E27FC236}">
+                    <a16:creationId xmlns:a16="http://schemas.microsoft.com/office/drawing/2014/main" id="{8626E9D7-D4F6-DF44-97D0-11C8A2855E92}"/>
+                  </a:ext>
+                </a:extLst>
+              </p:cNvPr>
+              <p:cNvSpPr/>
+              <p:nvPr/>
+            </p:nvSpPr>
+            <p:spPr>
+              <a:xfrm>
+                <a:off x="1652656" y="2734905"/>
+                <a:ext cx="1980000" cy="1080000"/>
+              </a:xfrm>
+              <a:prstGeom prst="rect">
+                <a:avLst/>
+              </a:prstGeom>
+              <a:solidFill>
+                <a:schemeClr val="bg1"/>
+              </a:solidFill>
+              <a:ln w="76200">
+                <a:solidFill>
+                  <a:schemeClr val="accent1">
+                    <a:lumMod val="20000"/>
+                    <a:lumOff val="80000"/>
+                  </a:schemeClr>
+                </a:solidFill>
+              </a:ln>
+            </p:spPr>
+            <p:style>
+              <a:lnRef idx="2">
+                <a:schemeClr val="accent1">
+                  <a:shade val="50000"/>
+                </a:schemeClr>
+              </a:lnRef>
+              <a:fillRef idx="1">
+                <a:schemeClr val="accent1"/>
+              </a:fillRef>
+              <a:effectRef idx="0">
+                <a:schemeClr val="accent1"/>
+              </a:effectRef>
+              <a:fontRef idx="minor">
+                <a:schemeClr val="lt1"/>
+              </a:fontRef>
+            </p:style>
+            <p:txBody>
+              <a:bodyPr rtlCol="0" anchor="ctr"/>
+              <a:lstStyle/>
+              <a:p>
+                <a:pPr algn="ctr"/>
+                <a:r>
+                  <a:rPr kumimoji="1" lang="en-US" altLang="zh-TW" sz="2000" dirty="0">
+                    <a:solidFill>
+                      <a:schemeClr val="tx1"/>
+                    </a:solidFill>
+                    <a:latin typeface="Heiti SC Medium" pitchFamily="2" charset="-128"/>
+                    <a:ea typeface="Heiti SC Medium" pitchFamily="2" charset="-128"/>
+                  </a:rPr>
+                  <a:t>10~15</a:t>
+                </a:r>
+                <a:r>
+                  <a:rPr kumimoji="1" lang="zh-TW" altLang="en-US" sz="2000" dirty="0">
+                    <a:solidFill>
+                      <a:schemeClr val="tx1"/>
+                    </a:solidFill>
+                    <a:latin typeface="Heiti SC Medium" pitchFamily="2" charset="-128"/>
+                    <a:ea typeface="Heiti SC Medium" pitchFamily="2" charset="-128"/>
+                  </a:rPr>
+                  <a:t>分鐘</a:t>
+                </a:r>
+              </a:p>
+            </p:txBody>
+          </p:sp>
+          <p:sp>
+            <p:nvSpPr>
+              <p:cNvPr id="25" name="矩形 24">
+                <a:extLst>
+                  <a:ext uri="{FF2B5EF4-FFF2-40B4-BE49-F238E27FC236}">
+                    <a16:creationId xmlns:a16="http://schemas.microsoft.com/office/drawing/2014/main" id="{6E22F34C-4B39-984A-B682-C0699C9076B0}"/>
+                  </a:ext>
+                </a:extLst>
+              </p:cNvPr>
+              <p:cNvSpPr/>
+              <p:nvPr/>
+            </p:nvSpPr>
+            <p:spPr>
+              <a:xfrm>
+                <a:off x="1652655" y="2470800"/>
+                <a:ext cx="1440000" cy="540000"/>
+              </a:xfrm>
+              <a:prstGeom prst="rect">
+                <a:avLst/>
+              </a:prstGeom>
+              <a:solidFill>
+                <a:schemeClr val="accent1">
+                  <a:lumMod val="20000"/>
+                  <a:lumOff val="80000"/>
+                </a:schemeClr>
+              </a:solidFill>
+              <a:ln>
+                <a:solidFill>
+                  <a:schemeClr val="accent1">
+                    <a:lumMod val="20000"/>
+                    <a:lumOff val="80000"/>
+                  </a:schemeClr>
+                </a:solidFill>
+              </a:ln>
+            </p:spPr>
+            <p:style>
+              <a:lnRef idx="2">
+                <a:schemeClr val="accent1">
+                  <a:shade val="50000"/>
+                </a:schemeClr>
+              </a:lnRef>
+              <a:fillRef idx="1">
+                <a:schemeClr val="accent1"/>
+              </a:fillRef>
+              <a:effectRef idx="0">
+                <a:schemeClr val="accent1"/>
+              </a:effectRef>
+              <a:fontRef idx="minor">
+                <a:schemeClr val="lt1"/>
+              </a:fontRef>
+            </p:style>
+            <p:txBody>
+              <a:bodyPr rtlCol="0" anchor="ctr"/>
+              <a:lstStyle/>
+              <a:p>
+                <a:pPr algn="ctr"/>
+                <a:r>
+                  <a:rPr kumimoji="1" lang="zh-TW" altLang="en-US" sz="2000" dirty="0">
+                    <a:solidFill>
+                      <a:schemeClr val="tx1"/>
+                    </a:solidFill>
+                    <a:latin typeface="Heiti SC Medium" pitchFamily="2" charset="-128"/>
+                    <a:ea typeface="Heiti SC Medium" pitchFamily="2" charset="-128"/>
+                  </a:rPr>
+                  <a:t>隨堂測驗</a:t>
+                </a:r>
+              </a:p>
+            </p:txBody>
+          </p:sp>
+        </p:grpSp>
+        <p:grpSp>
+          <p:nvGrpSpPr>
+            <p:cNvPr id="29" name="群組 28">
+              <a:extLst>
+                <a:ext uri="{FF2B5EF4-FFF2-40B4-BE49-F238E27FC236}">
+                  <a16:creationId xmlns:a16="http://schemas.microsoft.com/office/drawing/2014/main" id="{DCBCC164-F080-CC4D-8889-25FE3B2A73AA}"/>
+                </a:ext>
+              </a:extLst>
+            </p:cNvPr>
+            <p:cNvGrpSpPr/>
+            <p:nvPr/>
+          </p:nvGrpSpPr>
+          <p:grpSpPr>
+            <a:xfrm>
+              <a:off x="6637027" y="2369156"/>
+              <a:ext cx="1980000" cy="1344105"/>
+              <a:chOff x="1652656" y="2470800"/>
+              <a:chExt cx="1980000" cy="1344105"/>
+            </a:xfrm>
+          </p:grpSpPr>
+          <p:sp>
+            <p:nvSpPr>
+              <p:cNvPr id="30" name="矩形 29">
+                <a:extLst>
+                  <a:ext uri="{FF2B5EF4-FFF2-40B4-BE49-F238E27FC236}">
+                    <a16:creationId xmlns:a16="http://schemas.microsoft.com/office/drawing/2014/main" id="{028D289D-A021-0548-B299-FA85AD4FC40F}"/>
+                  </a:ext>
+                </a:extLst>
+              </p:cNvPr>
+              <p:cNvSpPr/>
+              <p:nvPr/>
+            </p:nvSpPr>
+            <p:spPr>
+              <a:xfrm>
+                <a:off x="1652656" y="2734905"/>
+                <a:ext cx="1980000" cy="1080000"/>
+              </a:xfrm>
+              <a:prstGeom prst="rect">
+                <a:avLst/>
+              </a:prstGeom>
+              <a:solidFill>
+                <a:schemeClr val="bg1"/>
+              </a:solidFill>
+              <a:ln w="76200">
+                <a:solidFill>
+                  <a:schemeClr val="accent4">
+                    <a:lumMod val="20000"/>
+                    <a:lumOff val="80000"/>
+                  </a:schemeClr>
+                </a:solidFill>
+              </a:ln>
+            </p:spPr>
+            <p:style>
+              <a:lnRef idx="2">
+                <a:schemeClr val="accent1">
+                  <a:shade val="50000"/>
+                </a:schemeClr>
+              </a:lnRef>
+              <a:fillRef idx="1">
+                <a:schemeClr val="accent1"/>
+              </a:fillRef>
+              <a:effectRef idx="0">
+                <a:schemeClr val="accent1"/>
+              </a:effectRef>
+              <a:fontRef idx="minor">
+                <a:schemeClr val="lt1"/>
+              </a:fontRef>
+            </p:style>
+            <p:txBody>
+              <a:bodyPr rtlCol="0" anchor="ctr"/>
+              <a:lstStyle/>
+              <a:p>
+                <a:pPr algn="ctr"/>
+                <a:r>
+                  <a:rPr kumimoji="1" lang="en-US" altLang="zh-TW" sz="2000" dirty="0">
+                    <a:solidFill>
+                      <a:schemeClr val="tx1"/>
+                    </a:solidFill>
+                    <a:latin typeface="Heiti SC Medium" pitchFamily="2" charset="-128"/>
+                    <a:ea typeface="Heiti SC Medium" pitchFamily="2" charset="-128"/>
+                  </a:rPr>
+                  <a:t>20~30</a:t>
+                </a:r>
+                <a:r>
+                  <a:rPr kumimoji="1" lang="zh-TW" altLang="en-US" sz="2000" dirty="0">
+                    <a:solidFill>
+                      <a:schemeClr val="tx1"/>
+                    </a:solidFill>
+                    <a:latin typeface="Heiti SC Medium" pitchFamily="2" charset="-128"/>
+                    <a:ea typeface="Heiti SC Medium" pitchFamily="2" charset="-128"/>
+                  </a:rPr>
+                  <a:t>分鐘</a:t>
+                </a:r>
+              </a:p>
+            </p:txBody>
+          </p:sp>
+          <p:sp>
+            <p:nvSpPr>
+              <p:cNvPr id="31" name="矩形 30">
+                <a:extLst>
+                  <a:ext uri="{FF2B5EF4-FFF2-40B4-BE49-F238E27FC236}">
+                    <a16:creationId xmlns:a16="http://schemas.microsoft.com/office/drawing/2014/main" id="{D22499DC-4A90-B94B-9ADA-02B45700C109}"/>
+                  </a:ext>
+                </a:extLst>
+              </p:cNvPr>
+              <p:cNvSpPr/>
+              <p:nvPr/>
+            </p:nvSpPr>
+            <p:spPr>
+              <a:xfrm>
+                <a:off x="1652656" y="2470800"/>
+                <a:ext cx="1440000" cy="540000"/>
+              </a:xfrm>
+              <a:prstGeom prst="rect">
+                <a:avLst/>
+              </a:prstGeom>
+              <a:solidFill>
+                <a:schemeClr val="accent4">
+                  <a:lumMod val="20000"/>
+                  <a:lumOff val="80000"/>
+                </a:schemeClr>
+              </a:solidFill>
+              <a:ln>
+                <a:solidFill>
+                  <a:schemeClr val="accent4">
+                    <a:lumMod val="20000"/>
+                    <a:lumOff val="80000"/>
+                  </a:schemeClr>
+                </a:solidFill>
+              </a:ln>
+            </p:spPr>
+            <p:style>
+              <a:lnRef idx="2">
+                <a:schemeClr val="accent1">
+                  <a:shade val="50000"/>
+                </a:schemeClr>
+              </a:lnRef>
+              <a:fillRef idx="1">
+                <a:schemeClr val="accent1"/>
+              </a:fillRef>
+              <a:effectRef idx="0">
+                <a:schemeClr val="accent1"/>
+              </a:effectRef>
+              <a:fontRef idx="minor">
+                <a:schemeClr val="lt1"/>
+              </a:fontRef>
+            </p:style>
+            <p:txBody>
+              <a:bodyPr rtlCol="0" anchor="ctr"/>
+              <a:lstStyle/>
+              <a:p>
+                <a:pPr algn="ctr"/>
+                <a:r>
+                  <a:rPr kumimoji="1" lang="zh-TW" altLang="en-US" sz="2000" dirty="0">
+                    <a:solidFill>
+                      <a:schemeClr val="tx1"/>
+                    </a:solidFill>
+                    <a:latin typeface="Heiti SC Medium" pitchFamily="2" charset="-128"/>
+                    <a:ea typeface="Heiti SC Medium" pitchFamily="2" charset="-128"/>
+                  </a:rPr>
+                  <a:t>程式實作</a:t>
+                </a:r>
+              </a:p>
+            </p:txBody>
+          </p:sp>
+        </p:grpSp>
+        <p:cxnSp>
+          <p:nvCxnSpPr>
+            <p:cNvPr id="11" name="直線箭頭接點 10">
+              <a:extLst>
+                <a:ext uri="{FF2B5EF4-FFF2-40B4-BE49-F238E27FC236}">
+                  <a16:creationId xmlns:a16="http://schemas.microsoft.com/office/drawing/2014/main" id="{C10A0329-2CEA-084E-AF5C-207F3BF868AE}"/>
+                </a:ext>
+              </a:extLst>
+            </p:cNvPr>
+            <p:cNvCxnSpPr>
+              <a:stCxn id="17" idx="3"/>
+              <a:endCxn id="21" idx="1"/>
+            </p:cNvCxnSpPr>
+            <p:nvPr/>
+          </p:nvCxnSpPr>
+          <p:spPr>
+            <a:xfrm>
+              <a:off x="2600272" y="3173261"/>
+              <a:ext cx="670264" cy="0"/>
+            </a:xfrm>
+            <a:prstGeom prst="straightConnector1">
+              <a:avLst/>
+            </a:prstGeom>
+            <a:ln w="57150">
+              <a:solidFill>
+                <a:schemeClr val="bg2">
+                  <a:lumMod val="75000"/>
+                </a:schemeClr>
+              </a:solidFill>
+              <a:tailEnd type="triangle"/>
+            </a:ln>
+          </p:spPr>
+          <p:style>
+            <a:lnRef idx="1">
+              <a:schemeClr val="dk1"/>
+            </a:lnRef>
+            <a:fillRef idx="0">
+              <a:schemeClr val="dk1"/>
+            </a:fillRef>
+            <a:effectRef idx="0">
+              <a:schemeClr val="dk1"/>
+            </a:effectRef>
+            <a:fontRef idx="minor">
+              <a:schemeClr val="tx1"/>
+            </a:fontRef>
+          </p:style>
+        </p:cxnSp>
+        <p:cxnSp>
+          <p:nvCxnSpPr>
+            <p:cNvPr id="35" name="直線箭頭接點 34">
+              <a:extLst>
+                <a:ext uri="{FF2B5EF4-FFF2-40B4-BE49-F238E27FC236}">
+                  <a16:creationId xmlns:a16="http://schemas.microsoft.com/office/drawing/2014/main" id="{28684324-7AA6-D140-A7D9-F2A8A3BC108E}"/>
+                </a:ext>
+              </a:extLst>
+            </p:cNvPr>
+            <p:cNvCxnSpPr>
+              <a:cxnSpLocks/>
+              <a:stCxn id="21" idx="3"/>
+              <a:endCxn id="30" idx="1"/>
+            </p:cNvCxnSpPr>
+            <p:nvPr/>
+          </p:nvCxnSpPr>
+          <p:spPr>
+            <a:xfrm>
+              <a:off x="5971221" y="3173261"/>
+              <a:ext cx="665806" cy="0"/>
+            </a:xfrm>
+            <a:prstGeom prst="straightConnector1">
+              <a:avLst/>
+            </a:prstGeom>
+            <a:ln w="57150">
+              <a:solidFill>
+                <a:schemeClr val="bg2">
+                  <a:lumMod val="75000"/>
+                </a:schemeClr>
+              </a:solidFill>
+              <a:tailEnd type="triangle"/>
+            </a:ln>
+          </p:spPr>
+          <p:style>
+            <a:lnRef idx="1">
+              <a:schemeClr val="dk1"/>
+            </a:lnRef>
+            <a:fillRef idx="0">
+              <a:schemeClr val="dk1"/>
+            </a:fillRef>
+            <a:effectRef idx="0">
+              <a:schemeClr val="dk1"/>
+            </a:effectRef>
+            <a:fontRef idx="minor">
+              <a:schemeClr val="tx1"/>
+            </a:fontRef>
+          </p:style>
+        </p:cxnSp>
+        <p:cxnSp>
+          <p:nvCxnSpPr>
+            <p:cNvPr id="37" name="直線箭頭接點 36">
+              <a:extLst>
+                <a:ext uri="{FF2B5EF4-FFF2-40B4-BE49-F238E27FC236}">
+                  <a16:creationId xmlns:a16="http://schemas.microsoft.com/office/drawing/2014/main" id="{3E11496E-AB8B-704A-852F-2B43812185C0}"/>
+                </a:ext>
+              </a:extLst>
+            </p:cNvPr>
+            <p:cNvCxnSpPr>
+              <a:cxnSpLocks/>
+              <a:stCxn id="30" idx="3"/>
+              <a:endCxn id="24" idx="1"/>
+            </p:cNvCxnSpPr>
+            <p:nvPr/>
+          </p:nvCxnSpPr>
+          <p:spPr>
+            <a:xfrm>
+              <a:off x="8617027" y="3173261"/>
+              <a:ext cx="665807" cy="0"/>
+            </a:xfrm>
+            <a:prstGeom prst="straightConnector1">
+              <a:avLst/>
+            </a:prstGeom>
+            <a:ln w="57150">
+              <a:solidFill>
+                <a:schemeClr val="bg2">
+                  <a:lumMod val="75000"/>
+                </a:schemeClr>
+              </a:solidFill>
+              <a:tailEnd type="triangle"/>
+            </a:ln>
+          </p:spPr>
+          <p:style>
+            <a:lnRef idx="1">
+              <a:schemeClr val="dk1"/>
+            </a:lnRef>
+            <a:fillRef idx="0">
+              <a:schemeClr val="dk1"/>
+            </a:fillRef>
+            <a:effectRef idx="0">
+              <a:schemeClr val="dk1"/>
+            </a:effectRef>
+            <a:fontRef idx="minor">
+              <a:schemeClr val="tx1"/>
+            </a:fontRef>
+          </p:style>
+        </p:cxnSp>
+      </p:grpSp>
+      <p:grpSp>
+        <p:nvGrpSpPr>
+          <p:cNvPr id="44" name="群組 43">
+            <a:extLst>
+              <a:ext uri="{FF2B5EF4-FFF2-40B4-BE49-F238E27FC236}">
+                <a16:creationId xmlns:a16="http://schemas.microsoft.com/office/drawing/2014/main" id="{2802FB63-7FB9-D042-91CC-4811ACCBB66F}"/>
+              </a:ext>
+            </a:extLst>
+          </p:cNvPr>
+          <p:cNvGrpSpPr/>
+          <p:nvPr/>
+        </p:nvGrpSpPr>
+        <p:grpSpPr>
+          <a:xfrm>
+            <a:off x="1883400" y="5010112"/>
+            <a:ext cx="8425200" cy="1344105"/>
+            <a:chOff x="1883400" y="4993118"/>
+            <a:chExt cx="8425200" cy="1344105"/>
+          </a:xfrm>
+        </p:grpSpPr>
+        <p:grpSp>
+          <p:nvGrpSpPr>
+            <p:cNvPr id="7" name="群組 6">
+              <a:extLst>
+                <a:ext uri="{FF2B5EF4-FFF2-40B4-BE49-F238E27FC236}">
+                  <a16:creationId xmlns:a16="http://schemas.microsoft.com/office/drawing/2014/main" id="{3435EB61-E149-574D-95D7-61B14C71687D}"/>
+                </a:ext>
+              </a:extLst>
+            </p:cNvPr>
+            <p:cNvGrpSpPr/>
+            <p:nvPr/>
+          </p:nvGrpSpPr>
+          <p:grpSpPr>
+            <a:xfrm>
+              <a:off x="1883400" y="4993118"/>
+              <a:ext cx="1980000" cy="1344105"/>
+              <a:chOff x="1652656" y="2470800"/>
+              <a:chExt cx="1980000" cy="1344105"/>
+            </a:xfrm>
+          </p:grpSpPr>
+          <p:sp>
+            <p:nvSpPr>
+              <p:cNvPr id="6" name="矩形 5">
+                <a:extLst>
+                  <a:ext uri="{FF2B5EF4-FFF2-40B4-BE49-F238E27FC236}">
+                    <a16:creationId xmlns:a16="http://schemas.microsoft.com/office/drawing/2014/main" id="{828CC4B3-B76C-3244-9123-C4100421309C}"/>
+                  </a:ext>
+                </a:extLst>
+              </p:cNvPr>
+              <p:cNvSpPr/>
+              <p:nvPr/>
+            </p:nvSpPr>
+            <p:spPr>
+              <a:xfrm>
+                <a:off x="1652656" y="2734905"/>
+                <a:ext cx="1980000" cy="1080000"/>
+              </a:xfrm>
+              <a:prstGeom prst="rect">
+                <a:avLst/>
+              </a:prstGeom>
+              <a:solidFill>
+                <a:schemeClr val="bg1"/>
+              </a:solidFill>
+              <a:ln w="76200">
+                <a:solidFill>
+                  <a:schemeClr val="accent6">
+                    <a:lumMod val="20000"/>
+                    <a:lumOff val="80000"/>
+                  </a:schemeClr>
+                </a:solidFill>
+              </a:ln>
+            </p:spPr>
+            <p:style>
+              <a:lnRef idx="2">
+                <a:schemeClr val="accent1">
+                  <a:shade val="50000"/>
+                </a:schemeClr>
+              </a:lnRef>
+              <a:fillRef idx="1">
+                <a:schemeClr val="accent1"/>
+              </a:fillRef>
+              <a:effectRef idx="0">
+                <a:schemeClr val="accent1"/>
+              </a:effectRef>
+              <a:fontRef idx="minor">
+                <a:schemeClr val="lt1"/>
+              </a:fontRef>
+            </p:style>
+            <p:txBody>
+              <a:bodyPr rtlCol="0" anchor="ctr"/>
+              <a:lstStyle/>
+              <a:p>
+                <a:pPr algn="ctr"/>
+                <a:r>
+                  <a:rPr kumimoji="1" lang="en-US" altLang="zh-TW" sz="2000" dirty="0">
+                    <a:solidFill>
+                      <a:schemeClr val="tx1"/>
+                    </a:solidFill>
+                    <a:latin typeface="Heiti SC Medium" pitchFamily="2" charset="-128"/>
+                    <a:ea typeface="Heiti SC Medium" pitchFamily="2" charset="-128"/>
+                  </a:rPr>
+                  <a:t>40~60</a:t>
+                </a:r>
+                <a:r>
+                  <a:rPr kumimoji="1" lang="zh-TW" altLang="en-US" sz="2000" dirty="0">
+                    <a:solidFill>
+                      <a:schemeClr val="tx1"/>
+                    </a:solidFill>
+                    <a:latin typeface="Heiti SC Medium" pitchFamily="2" charset="-128"/>
+                    <a:ea typeface="Heiti SC Medium" pitchFamily="2" charset="-128"/>
+                  </a:rPr>
+                  <a:t>分鐘</a:t>
+                </a:r>
+              </a:p>
+            </p:txBody>
+          </p:sp>
+          <p:sp>
+            <p:nvSpPr>
+              <p:cNvPr id="4" name="矩形 3">
+                <a:extLst>
+                  <a:ext uri="{FF2B5EF4-FFF2-40B4-BE49-F238E27FC236}">
+                    <a16:creationId xmlns:a16="http://schemas.microsoft.com/office/drawing/2014/main" id="{AA16BE19-A0B7-6E4B-97C6-CC2306EF1100}"/>
+                  </a:ext>
+                </a:extLst>
+              </p:cNvPr>
+              <p:cNvSpPr/>
+              <p:nvPr/>
+            </p:nvSpPr>
+            <p:spPr>
+              <a:xfrm>
+                <a:off x="1652656" y="2470800"/>
+                <a:ext cx="1440000" cy="540000"/>
+              </a:xfrm>
+              <a:prstGeom prst="rect">
+                <a:avLst/>
+              </a:prstGeom>
+              <a:solidFill>
+                <a:schemeClr val="accent6">
+                  <a:lumMod val="20000"/>
+                  <a:lumOff val="80000"/>
+                </a:schemeClr>
+              </a:solidFill>
+              <a:ln>
+                <a:solidFill>
+                  <a:schemeClr val="accent6">
+                    <a:lumMod val="20000"/>
+                    <a:lumOff val="80000"/>
+                  </a:schemeClr>
+                </a:solidFill>
+              </a:ln>
+            </p:spPr>
+            <p:style>
+              <a:lnRef idx="2">
+                <a:schemeClr val="accent1">
+                  <a:shade val="50000"/>
+                </a:schemeClr>
+              </a:lnRef>
+              <a:fillRef idx="1">
+                <a:schemeClr val="accent1"/>
+              </a:fillRef>
+              <a:effectRef idx="0">
+                <a:schemeClr val="accent1"/>
+              </a:effectRef>
+              <a:fontRef idx="minor">
+                <a:schemeClr val="lt1"/>
+              </a:fontRef>
+            </p:style>
+            <p:txBody>
+              <a:bodyPr rtlCol="0" anchor="ctr"/>
+              <a:lstStyle/>
+              <a:p>
+                <a:pPr algn="ctr"/>
+                <a:r>
+                  <a:rPr kumimoji="1" lang="zh-TW" altLang="en-US" sz="2000" dirty="0">
+                    <a:solidFill>
+                      <a:schemeClr val="tx1"/>
+                    </a:solidFill>
+                    <a:latin typeface="Heiti SC Medium" pitchFamily="2" charset="-128"/>
+                    <a:ea typeface="Heiti SC Medium" pitchFamily="2" charset="-128"/>
+                  </a:rPr>
+                  <a:t>教師講解</a:t>
+                </a:r>
+              </a:p>
+            </p:txBody>
+          </p:sp>
+        </p:grpSp>
+        <p:grpSp>
+          <p:nvGrpSpPr>
+            <p:cNvPr id="32" name="群組 31">
+              <a:extLst>
+                <a:ext uri="{FF2B5EF4-FFF2-40B4-BE49-F238E27FC236}">
+                  <a16:creationId xmlns:a16="http://schemas.microsoft.com/office/drawing/2014/main" id="{371D0CC4-089B-DE41-865F-0C2976C05664}"/>
+                </a:ext>
+              </a:extLst>
+            </p:cNvPr>
+            <p:cNvGrpSpPr/>
+            <p:nvPr/>
+          </p:nvGrpSpPr>
+          <p:grpSpPr>
+            <a:xfrm>
+              <a:off x="5106000" y="4993118"/>
+              <a:ext cx="1980000" cy="1344105"/>
+              <a:chOff x="1652656" y="2470800"/>
+              <a:chExt cx="1980000" cy="1344105"/>
+            </a:xfrm>
+          </p:grpSpPr>
+          <p:sp>
+            <p:nvSpPr>
+              <p:cNvPr id="33" name="矩形 32">
+                <a:extLst>
+                  <a:ext uri="{FF2B5EF4-FFF2-40B4-BE49-F238E27FC236}">
+                    <a16:creationId xmlns:a16="http://schemas.microsoft.com/office/drawing/2014/main" id="{FA2805B3-5FA8-D84A-9136-047980825298}"/>
+                  </a:ext>
+                </a:extLst>
+              </p:cNvPr>
+              <p:cNvSpPr/>
+              <p:nvPr/>
+            </p:nvSpPr>
+            <p:spPr>
+              <a:xfrm>
+                <a:off x="1652656" y="2734905"/>
+                <a:ext cx="1980000" cy="1080000"/>
+              </a:xfrm>
+              <a:prstGeom prst="rect">
+                <a:avLst/>
+              </a:prstGeom>
+              <a:solidFill>
+                <a:schemeClr val="bg1"/>
+              </a:solidFill>
+              <a:ln w="76200">
+                <a:solidFill>
+                  <a:schemeClr val="accent4">
+                    <a:lumMod val="20000"/>
+                    <a:lumOff val="80000"/>
+                  </a:schemeClr>
+                </a:solidFill>
+              </a:ln>
+            </p:spPr>
+            <p:style>
+              <a:lnRef idx="2">
+                <a:schemeClr val="accent1">
+                  <a:shade val="50000"/>
+                </a:schemeClr>
+              </a:lnRef>
+              <a:fillRef idx="1">
+                <a:schemeClr val="accent1"/>
+              </a:fillRef>
+              <a:effectRef idx="0">
+                <a:schemeClr val="accent1"/>
+              </a:effectRef>
+              <a:fontRef idx="minor">
+                <a:schemeClr val="lt1"/>
+              </a:fontRef>
+            </p:style>
+            <p:txBody>
+              <a:bodyPr rtlCol="0" anchor="ctr"/>
+              <a:lstStyle/>
+              <a:p>
+                <a:pPr algn="ctr"/>
+                <a:r>
+                  <a:rPr kumimoji="1" lang="en-US" altLang="zh-TW" sz="2000" dirty="0">
+                    <a:solidFill>
+                      <a:schemeClr val="tx1"/>
+                    </a:solidFill>
+                    <a:latin typeface="Heiti SC Medium" pitchFamily="2" charset="-128"/>
+                    <a:ea typeface="Heiti SC Medium" pitchFamily="2" charset="-128"/>
+                  </a:rPr>
+                  <a:t>20~30</a:t>
+                </a:r>
+                <a:r>
+                  <a:rPr kumimoji="1" lang="zh-TW" altLang="en-US" sz="2000" dirty="0">
+                    <a:solidFill>
+                      <a:schemeClr val="tx1"/>
+                    </a:solidFill>
+                    <a:latin typeface="Heiti SC Medium" pitchFamily="2" charset="-128"/>
+                    <a:ea typeface="Heiti SC Medium" pitchFamily="2" charset="-128"/>
+                  </a:rPr>
+                  <a:t>分鐘</a:t>
+                </a:r>
+              </a:p>
+            </p:txBody>
+          </p:sp>
+          <p:sp>
+            <p:nvSpPr>
+              <p:cNvPr id="34" name="矩形 33">
+                <a:extLst>
+                  <a:ext uri="{FF2B5EF4-FFF2-40B4-BE49-F238E27FC236}">
+                    <a16:creationId xmlns:a16="http://schemas.microsoft.com/office/drawing/2014/main" id="{C39AADE6-3D94-B746-94C3-EBE9AC5365ED}"/>
+                  </a:ext>
+                </a:extLst>
+              </p:cNvPr>
+              <p:cNvSpPr/>
+              <p:nvPr/>
+            </p:nvSpPr>
+            <p:spPr>
+              <a:xfrm>
+                <a:off x="1652656" y="2470800"/>
+                <a:ext cx="1440000" cy="540000"/>
+              </a:xfrm>
+              <a:prstGeom prst="rect">
+                <a:avLst/>
+              </a:prstGeom>
+              <a:solidFill>
+                <a:schemeClr val="accent4">
+                  <a:lumMod val="20000"/>
+                  <a:lumOff val="80000"/>
+                </a:schemeClr>
+              </a:solidFill>
+              <a:ln>
+                <a:solidFill>
+                  <a:schemeClr val="accent4">
+                    <a:lumMod val="20000"/>
+                    <a:lumOff val="80000"/>
+                  </a:schemeClr>
+                </a:solidFill>
+              </a:ln>
+            </p:spPr>
+            <p:style>
+              <a:lnRef idx="2">
+                <a:schemeClr val="accent1">
+                  <a:shade val="50000"/>
+                </a:schemeClr>
+              </a:lnRef>
+              <a:fillRef idx="1">
+                <a:schemeClr val="accent1"/>
+              </a:fillRef>
+              <a:effectRef idx="0">
+                <a:schemeClr val="accent1"/>
+              </a:effectRef>
+              <a:fontRef idx="minor">
+                <a:schemeClr val="lt1"/>
+              </a:fontRef>
+            </p:style>
+            <p:txBody>
+              <a:bodyPr rtlCol="0" anchor="ctr"/>
+              <a:lstStyle/>
+              <a:p>
+                <a:pPr algn="ctr"/>
+                <a:r>
+                  <a:rPr kumimoji="1" lang="zh-TW" altLang="en-US" sz="2000" dirty="0">
+                    <a:solidFill>
+                      <a:schemeClr val="tx1"/>
+                    </a:solidFill>
+                    <a:latin typeface="Heiti SC Medium" pitchFamily="2" charset="-128"/>
+                    <a:ea typeface="Heiti SC Medium" pitchFamily="2" charset="-128"/>
+                  </a:rPr>
+                  <a:t>程式實作</a:t>
+                </a:r>
+              </a:p>
+            </p:txBody>
+          </p:sp>
+        </p:grpSp>
+        <p:cxnSp>
+          <p:nvCxnSpPr>
+            <p:cNvPr id="40" name="直線箭頭接點 39">
+              <a:extLst>
+                <a:ext uri="{FF2B5EF4-FFF2-40B4-BE49-F238E27FC236}">
+                  <a16:creationId xmlns:a16="http://schemas.microsoft.com/office/drawing/2014/main" id="{ABE05C63-ACC7-764A-8B3E-885A2234597B}"/>
+                </a:ext>
+              </a:extLst>
+            </p:cNvPr>
+            <p:cNvCxnSpPr>
+              <a:cxnSpLocks/>
+              <a:stCxn id="6" idx="3"/>
+              <a:endCxn id="33" idx="1"/>
+            </p:cNvCxnSpPr>
+            <p:nvPr/>
+          </p:nvCxnSpPr>
+          <p:spPr>
+            <a:xfrm>
+              <a:off x="3863400" y="5797223"/>
+              <a:ext cx="1242600" cy="0"/>
+            </a:xfrm>
+            <a:prstGeom prst="straightConnector1">
+              <a:avLst/>
+            </a:prstGeom>
+            <a:ln w="57150">
+              <a:solidFill>
+                <a:schemeClr val="bg2">
+                  <a:lumMod val="75000"/>
+                </a:schemeClr>
+              </a:solidFill>
+              <a:tailEnd type="triangle"/>
+            </a:ln>
+          </p:spPr>
+          <p:style>
+            <a:lnRef idx="1">
+              <a:schemeClr val="dk1"/>
+            </a:lnRef>
+            <a:fillRef idx="0">
+              <a:schemeClr val="dk1"/>
+            </a:fillRef>
+            <a:effectRef idx="0">
+              <a:schemeClr val="dk1"/>
+            </a:effectRef>
+            <a:fontRef idx="minor">
+              <a:schemeClr val="tx1"/>
+            </a:fontRef>
+          </p:style>
+        </p:cxnSp>
+        <p:grpSp>
+          <p:nvGrpSpPr>
+            <p:cNvPr id="36" name="群組 35">
+              <a:extLst>
+                <a:ext uri="{FF2B5EF4-FFF2-40B4-BE49-F238E27FC236}">
+                  <a16:creationId xmlns:a16="http://schemas.microsoft.com/office/drawing/2014/main" id="{F6F0DBFF-1B79-6E4F-BFDA-24EED3FCCA5F}"/>
+                </a:ext>
+              </a:extLst>
+            </p:cNvPr>
+            <p:cNvGrpSpPr/>
+            <p:nvPr/>
+          </p:nvGrpSpPr>
+          <p:grpSpPr>
+            <a:xfrm>
+              <a:off x="8328599" y="4993118"/>
+              <a:ext cx="1980001" cy="1344105"/>
+              <a:chOff x="1652655" y="2470800"/>
+              <a:chExt cx="1980001" cy="1344105"/>
+            </a:xfrm>
+          </p:grpSpPr>
+          <p:sp>
+            <p:nvSpPr>
+              <p:cNvPr id="38" name="矩形 37">
+                <a:extLst>
+                  <a:ext uri="{FF2B5EF4-FFF2-40B4-BE49-F238E27FC236}">
+                    <a16:creationId xmlns:a16="http://schemas.microsoft.com/office/drawing/2014/main" id="{A6FCABB1-AA90-F344-86CD-14F03F2BD54B}"/>
+                  </a:ext>
+                </a:extLst>
+              </p:cNvPr>
+              <p:cNvSpPr/>
+              <p:nvPr/>
+            </p:nvSpPr>
+            <p:spPr>
+              <a:xfrm>
+                <a:off x="1652656" y="2734905"/>
+                <a:ext cx="1980000" cy="1080000"/>
+              </a:xfrm>
+              <a:prstGeom prst="rect">
+                <a:avLst/>
+              </a:prstGeom>
+              <a:solidFill>
+                <a:schemeClr val="bg1"/>
+              </a:solidFill>
+              <a:ln w="76200">
+                <a:solidFill>
+                  <a:schemeClr val="accent1">
+                    <a:lumMod val="20000"/>
+                    <a:lumOff val="80000"/>
+                  </a:schemeClr>
+                </a:solidFill>
+              </a:ln>
+            </p:spPr>
+            <p:style>
+              <a:lnRef idx="2">
+                <a:schemeClr val="accent1">
+                  <a:shade val="50000"/>
+                </a:schemeClr>
+              </a:lnRef>
+              <a:fillRef idx="1">
+                <a:schemeClr val="accent1"/>
+              </a:fillRef>
+              <a:effectRef idx="0">
+                <a:schemeClr val="accent1"/>
+              </a:effectRef>
+              <a:fontRef idx="minor">
+                <a:schemeClr val="lt1"/>
+              </a:fontRef>
+            </p:style>
+            <p:txBody>
+              <a:bodyPr rtlCol="0" anchor="ctr"/>
+              <a:lstStyle/>
+              <a:p>
+                <a:pPr algn="ctr"/>
+                <a:r>
+                  <a:rPr kumimoji="1" lang="en-US" altLang="zh-TW" sz="2000" dirty="0">
+                    <a:solidFill>
+                      <a:schemeClr val="tx1"/>
+                    </a:solidFill>
+                    <a:latin typeface="Heiti SC Medium" pitchFamily="2" charset="-128"/>
+                    <a:ea typeface="Heiti SC Medium" pitchFamily="2" charset="-128"/>
+                  </a:rPr>
+                  <a:t>10~15</a:t>
+                </a:r>
+                <a:r>
+                  <a:rPr kumimoji="1" lang="zh-TW" altLang="en-US" sz="2000" dirty="0">
+                    <a:solidFill>
+                      <a:schemeClr val="tx1"/>
+                    </a:solidFill>
+                    <a:latin typeface="Heiti SC Medium" pitchFamily="2" charset="-128"/>
+                    <a:ea typeface="Heiti SC Medium" pitchFamily="2" charset="-128"/>
+                  </a:rPr>
+                  <a:t>分鐘</a:t>
+                </a:r>
+              </a:p>
+            </p:txBody>
+          </p:sp>
+          <p:sp>
+            <p:nvSpPr>
+              <p:cNvPr id="39" name="矩形 38">
+                <a:extLst>
+                  <a:ext uri="{FF2B5EF4-FFF2-40B4-BE49-F238E27FC236}">
+                    <a16:creationId xmlns:a16="http://schemas.microsoft.com/office/drawing/2014/main" id="{840B32AD-9A08-E944-80DC-050ACA698E14}"/>
+                  </a:ext>
+                </a:extLst>
+              </p:cNvPr>
+              <p:cNvSpPr/>
+              <p:nvPr/>
+            </p:nvSpPr>
+            <p:spPr>
+              <a:xfrm>
+                <a:off x="1652655" y="2470800"/>
+                <a:ext cx="1440000" cy="540000"/>
+              </a:xfrm>
+              <a:prstGeom prst="rect">
+                <a:avLst/>
+              </a:prstGeom>
+              <a:solidFill>
+                <a:schemeClr val="accent1">
+                  <a:lumMod val="20000"/>
+                  <a:lumOff val="80000"/>
+                </a:schemeClr>
+              </a:solidFill>
+              <a:ln>
+                <a:solidFill>
+                  <a:schemeClr val="accent1">
+                    <a:lumMod val="20000"/>
+                    <a:lumOff val="80000"/>
+                  </a:schemeClr>
+                </a:solidFill>
+              </a:ln>
+            </p:spPr>
+            <p:style>
+              <a:lnRef idx="2">
+                <a:schemeClr val="accent1">
+                  <a:shade val="50000"/>
+                </a:schemeClr>
+              </a:lnRef>
+              <a:fillRef idx="1">
+                <a:schemeClr val="accent1"/>
+              </a:fillRef>
+              <a:effectRef idx="0">
+                <a:schemeClr val="accent1"/>
+              </a:effectRef>
+              <a:fontRef idx="minor">
+                <a:schemeClr val="lt1"/>
+              </a:fontRef>
+            </p:style>
+            <p:txBody>
+              <a:bodyPr rtlCol="0" anchor="ctr"/>
+              <a:lstStyle/>
+              <a:p>
+                <a:pPr algn="ctr"/>
+                <a:r>
+                  <a:rPr kumimoji="1" lang="zh-TW" altLang="en-US" sz="2000" dirty="0">
+                    <a:solidFill>
+                      <a:schemeClr val="tx1"/>
+                    </a:solidFill>
+                    <a:latin typeface="Heiti SC Medium" pitchFamily="2" charset="-128"/>
+                    <a:ea typeface="Heiti SC Medium" pitchFamily="2" charset="-128"/>
+                  </a:rPr>
+                  <a:t>隨堂測驗</a:t>
+                </a:r>
+              </a:p>
+            </p:txBody>
+          </p:sp>
+        </p:grpSp>
+        <p:cxnSp>
+          <p:nvCxnSpPr>
+            <p:cNvPr id="41" name="直線箭頭接點 40">
+              <a:extLst>
+                <a:ext uri="{FF2B5EF4-FFF2-40B4-BE49-F238E27FC236}">
+                  <a16:creationId xmlns:a16="http://schemas.microsoft.com/office/drawing/2014/main" id="{C184B4B2-B1C6-6941-AA53-E6FD501F4B67}"/>
+                </a:ext>
+              </a:extLst>
+            </p:cNvPr>
+            <p:cNvCxnSpPr>
+              <a:cxnSpLocks/>
+              <a:stCxn id="33" idx="3"/>
+              <a:endCxn id="38" idx="1"/>
+            </p:cNvCxnSpPr>
+            <p:nvPr/>
+          </p:nvCxnSpPr>
+          <p:spPr>
+            <a:xfrm>
+              <a:off x="7086000" y="5797223"/>
+              <a:ext cx="1242600" cy="0"/>
+            </a:xfrm>
+            <a:prstGeom prst="straightConnector1">
+              <a:avLst/>
+            </a:prstGeom>
+            <a:ln w="57150">
+              <a:solidFill>
+                <a:schemeClr val="bg2">
+                  <a:lumMod val="75000"/>
+                </a:schemeClr>
+              </a:solidFill>
+              <a:tailEnd type="triangle"/>
+            </a:ln>
+          </p:spPr>
+          <p:style>
+            <a:lnRef idx="1">
+              <a:schemeClr val="dk1"/>
+            </a:lnRef>
+            <a:fillRef idx="0">
+              <a:schemeClr val="dk1"/>
+            </a:fillRef>
+            <a:effectRef idx="0">
+              <a:schemeClr val="dk1"/>
+            </a:effectRef>
+            <a:fontRef idx="minor">
+              <a:schemeClr val="tx1"/>
+            </a:fontRef>
+          </p:style>
+        </p:cxnSp>
+      </p:grpSp>
+      <p:sp>
+        <p:nvSpPr>
+          <p:cNvPr id="5" name="橢圓 4">
+            <a:extLst>
+              <a:ext uri="{FF2B5EF4-FFF2-40B4-BE49-F238E27FC236}">
+                <a16:creationId xmlns:a16="http://schemas.microsoft.com/office/drawing/2014/main" id="{A6688B10-7923-F546-940F-479117C48CCB}"/>
+              </a:ext>
+            </a:extLst>
+          </p:cNvPr>
+          <p:cNvSpPr/>
+          <p:nvPr/>
+        </p:nvSpPr>
+        <p:spPr>
+          <a:xfrm>
+            <a:off x="566816" y="1881172"/>
+            <a:ext cx="2349795" cy="2349795"/>
+          </a:xfrm>
+          <a:prstGeom prst="ellipse">
+            <a:avLst/>
+          </a:prstGeom>
+          <a:solidFill>
+            <a:schemeClr val="accent6">
+              <a:lumMod val="40000"/>
+              <a:lumOff val="60000"/>
+              <a:alpha val="50000"/>
+            </a:schemeClr>
+          </a:solidFill>
+          <a:ln>
+            <a:noFill/>
+          </a:ln>
+          <a:effectLst/>
+        </p:spPr>
+        <p:style>
+          <a:lnRef idx="2">
+            <a:schemeClr val="accent1">
+              <a:shade val="50000"/>
+            </a:schemeClr>
+          </a:lnRef>
+          <a:fillRef idx="1">
+            <a:schemeClr val="accent1"/>
+          </a:fillRef>
+          <a:effectRef idx="0">
+            <a:schemeClr val="accent1"/>
+          </a:effectRef>
+          <a:fontRef idx="minor">
+            <a:schemeClr val="lt1"/>
+          </a:fontRef>
+        </p:style>
+        <p:txBody>
+          <a:bodyPr rtlCol="0" anchor="ctr"/>
+          <a:lstStyle/>
+          <a:p>
+            <a:pPr algn="ctr"/>
+            <a:endParaRPr kumimoji="1" lang="zh-TW" altLang="en-US"/>
+          </a:p>
+        </p:txBody>
+      </p:sp>
+      <p:sp>
+        <p:nvSpPr>
+          <p:cNvPr id="43" name="橢圓 42">
+            <a:extLst>
+              <a:ext uri="{FF2B5EF4-FFF2-40B4-BE49-F238E27FC236}">
+                <a16:creationId xmlns:a16="http://schemas.microsoft.com/office/drawing/2014/main" id="{6C7D943F-55D9-8242-9D4D-62BC1A0FAB60}"/>
+              </a:ext>
+            </a:extLst>
+          </p:cNvPr>
+          <p:cNvSpPr/>
+          <p:nvPr/>
+        </p:nvSpPr>
+        <p:spPr>
+          <a:xfrm>
+            <a:off x="3600428" y="1881170"/>
+            <a:ext cx="2349795" cy="2349795"/>
+          </a:xfrm>
+          <a:prstGeom prst="ellipse">
+            <a:avLst/>
+          </a:prstGeom>
+          <a:solidFill>
+            <a:schemeClr val="accent2">
+              <a:lumMod val="40000"/>
+              <a:lumOff val="60000"/>
+              <a:alpha val="50000"/>
+            </a:schemeClr>
+          </a:solidFill>
+          <a:ln>
+            <a:noFill/>
+          </a:ln>
+          <a:effectLst/>
+        </p:spPr>
+        <p:style>
+          <a:lnRef idx="2">
+            <a:schemeClr val="accent1">
+              <a:shade val="50000"/>
+            </a:schemeClr>
+          </a:lnRef>
+          <a:fillRef idx="1">
+            <a:schemeClr val="accent1"/>
+          </a:fillRef>
+          <a:effectRef idx="0">
+            <a:schemeClr val="accent1"/>
+          </a:effectRef>
+          <a:fontRef idx="minor">
+            <a:schemeClr val="lt1"/>
+          </a:fontRef>
+        </p:style>
+        <p:txBody>
+          <a:bodyPr rtlCol="0" anchor="ctr"/>
+          <a:lstStyle/>
+          <a:p>
+            <a:pPr algn="ctr"/>
+            <a:endParaRPr kumimoji="1" lang="zh-TW" altLang="en-US"/>
+          </a:p>
+        </p:txBody>
+      </p:sp>
+      <p:sp>
+        <p:nvSpPr>
+          <p:cNvPr id="45" name="橢圓 44">
+            <a:extLst>
+              <a:ext uri="{FF2B5EF4-FFF2-40B4-BE49-F238E27FC236}">
+                <a16:creationId xmlns:a16="http://schemas.microsoft.com/office/drawing/2014/main" id="{E9EC1E15-BA09-4D4E-A2C4-BEF42BAEC020}"/>
+              </a:ext>
+            </a:extLst>
+          </p:cNvPr>
+          <p:cNvSpPr/>
+          <p:nvPr/>
+        </p:nvSpPr>
+        <p:spPr>
+          <a:xfrm>
+            <a:off x="6606577" y="1881171"/>
+            <a:ext cx="2349795" cy="2349795"/>
+          </a:xfrm>
+          <a:prstGeom prst="ellipse">
+            <a:avLst/>
+          </a:prstGeom>
+          <a:solidFill>
+            <a:schemeClr val="accent4">
+              <a:lumMod val="40000"/>
+              <a:lumOff val="60000"/>
+              <a:alpha val="50000"/>
+            </a:schemeClr>
+          </a:solidFill>
+          <a:ln>
+            <a:noFill/>
+          </a:ln>
+          <a:effectLst/>
+        </p:spPr>
+        <p:style>
+          <a:lnRef idx="2">
+            <a:schemeClr val="accent1">
+              <a:shade val="50000"/>
+            </a:schemeClr>
+          </a:lnRef>
+          <a:fillRef idx="1">
+            <a:schemeClr val="accent1"/>
+          </a:fillRef>
+          <a:effectRef idx="0">
+            <a:schemeClr val="accent1"/>
+          </a:effectRef>
+          <a:fontRef idx="minor">
+            <a:schemeClr val="lt1"/>
+          </a:fontRef>
+        </p:style>
+        <p:txBody>
+          <a:bodyPr rtlCol="0" anchor="ctr"/>
+          <a:lstStyle/>
+          <a:p>
+            <a:pPr algn="ctr"/>
+            <a:endParaRPr kumimoji="1" lang="zh-TW" altLang="en-US"/>
+          </a:p>
+        </p:txBody>
+      </p:sp>
+      <p:sp>
+        <p:nvSpPr>
+          <p:cNvPr id="8" name="文字方塊 7">
+            <a:extLst>
+              <a:ext uri="{FF2B5EF4-FFF2-40B4-BE49-F238E27FC236}">
+                <a16:creationId xmlns:a16="http://schemas.microsoft.com/office/drawing/2014/main" id="{917FA361-F40B-8841-A44C-0E0CAF8B63FF}"/>
+              </a:ext>
+            </a:extLst>
+          </p:cNvPr>
+          <p:cNvSpPr txBox="1"/>
+          <p:nvPr/>
+        </p:nvSpPr>
+        <p:spPr>
+          <a:xfrm>
+            <a:off x="1384311" y="2037615"/>
+            <a:ext cx="1107996" cy="369332"/>
+          </a:xfrm>
+          <a:prstGeom prst="rect">
+            <a:avLst/>
+          </a:prstGeom>
+          <a:noFill/>
+        </p:spPr>
+        <p:txBody>
+          <a:bodyPr wrap="none" rtlCol="0">
+            <a:spAutoFit/>
+          </a:bodyPr>
+          <a:lstStyle/>
+          <a:p>
+            <a:r>
+              <a:rPr kumimoji="1" lang="zh-TW" altLang="en-US" dirty="0">
+                <a:latin typeface="Heiti SC Medium" pitchFamily="2" charset="-128"/>
+                <a:ea typeface="Heiti SC Medium" pitchFamily="2" charset="-128"/>
+              </a:rPr>
+              <a:t>概念理解</a:t>
+            </a:r>
+          </a:p>
+        </p:txBody>
+      </p:sp>
+      <p:sp>
+        <p:nvSpPr>
+          <p:cNvPr id="46" name="文字方塊 45">
+            <a:extLst>
+              <a:ext uri="{FF2B5EF4-FFF2-40B4-BE49-F238E27FC236}">
+                <a16:creationId xmlns:a16="http://schemas.microsoft.com/office/drawing/2014/main" id="{48C9ACF6-3643-0447-A922-89A692822F0C}"/>
+              </a:ext>
+            </a:extLst>
+          </p:cNvPr>
+          <p:cNvSpPr txBox="1"/>
+          <p:nvPr/>
+        </p:nvSpPr>
+        <p:spPr>
+          <a:xfrm>
+            <a:off x="4442291" y="2036489"/>
+            <a:ext cx="1107996" cy="369332"/>
+          </a:xfrm>
+          <a:prstGeom prst="rect">
+            <a:avLst/>
+          </a:prstGeom>
+          <a:noFill/>
+        </p:spPr>
+        <p:txBody>
+          <a:bodyPr wrap="none" rtlCol="0">
+            <a:spAutoFit/>
+          </a:bodyPr>
+          <a:lstStyle/>
+          <a:p>
+            <a:r>
+              <a:rPr kumimoji="1" lang="zh-TW" altLang="en-US" dirty="0">
+                <a:latin typeface="Heiti SC Medium" pitchFamily="2" charset="-128"/>
+                <a:ea typeface="Heiti SC Medium" pitchFamily="2" charset="-128"/>
+              </a:rPr>
+              <a:t>概念反思</a:t>
+            </a:r>
+          </a:p>
+        </p:txBody>
+      </p:sp>
+      <p:sp>
+        <p:nvSpPr>
+          <p:cNvPr id="47" name="文字方塊 46">
+            <a:extLst>
+              <a:ext uri="{FF2B5EF4-FFF2-40B4-BE49-F238E27FC236}">
+                <a16:creationId xmlns:a16="http://schemas.microsoft.com/office/drawing/2014/main" id="{913CA365-6D6E-A44C-8FF6-48CD4B6EFEDA}"/>
+              </a:ext>
+            </a:extLst>
+          </p:cNvPr>
+          <p:cNvSpPr txBox="1"/>
+          <p:nvPr/>
+        </p:nvSpPr>
+        <p:spPr>
+          <a:xfrm>
+            <a:off x="7363932" y="2036489"/>
+            <a:ext cx="1107996" cy="369332"/>
+          </a:xfrm>
+          <a:prstGeom prst="rect">
+            <a:avLst/>
+          </a:prstGeom>
+          <a:noFill/>
+        </p:spPr>
+        <p:txBody>
+          <a:bodyPr wrap="none" rtlCol="0">
+            <a:spAutoFit/>
+          </a:bodyPr>
+          <a:lstStyle/>
+          <a:p>
+            <a:r>
+              <a:rPr kumimoji="1" lang="zh-TW" altLang="en-US" dirty="0">
+                <a:latin typeface="Heiti SC Medium" pitchFamily="2" charset="-128"/>
+                <a:ea typeface="Heiti SC Medium" pitchFamily="2" charset="-128"/>
+              </a:rPr>
+              <a:t>概念應用</a:t>
+            </a:r>
+          </a:p>
+        </p:txBody>
+      </p:sp>
+      <p:sp>
+        <p:nvSpPr>
+          <p:cNvPr id="69" name="橢圓 68">
+            <a:extLst>
+              <a:ext uri="{FF2B5EF4-FFF2-40B4-BE49-F238E27FC236}">
+                <a16:creationId xmlns:a16="http://schemas.microsoft.com/office/drawing/2014/main" id="{93FA54FA-5624-E249-8131-7D7304F2A4AF}"/>
+              </a:ext>
+            </a:extLst>
+          </p:cNvPr>
+          <p:cNvSpPr/>
+          <p:nvPr/>
+        </p:nvSpPr>
+        <p:spPr>
+          <a:xfrm>
+            <a:off x="1665513" y="4471734"/>
+            <a:ext cx="2349795" cy="2349795"/>
+          </a:xfrm>
+          <a:prstGeom prst="ellipse">
+            <a:avLst/>
+          </a:prstGeom>
+          <a:solidFill>
+            <a:schemeClr val="accent6">
+              <a:lumMod val="40000"/>
+              <a:lumOff val="60000"/>
+              <a:alpha val="50000"/>
+            </a:schemeClr>
+          </a:solidFill>
+          <a:ln>
+            <a:noFill/>
+          </a:ln>
+          <a:effectLst/>
+        </p:spPr>
+        <p:style>
+          <a:lnRef idx="2">
+            <a:schemeClr val="accent1">
+              <a:shade val="50000"/>
+            </a:schemeClr>
+          </a:lnRef>
+          <a:fillRef idx="1">
+            <a:schemeClr val="accent1"/>
+          </a:fillRef>
+          <a:effectRef idx="0">
+            <a:schemeClr val="accent1"/>
+          </a:effectRef>
+          <a:fontRef idx="minor">
+            <a:schemeClr val="lt1"/>
+          </a:fontRef>
+        </p:style>
+        <p:txBody>
+          <a:bodyPr rtlCol="0" anchor="ctr"/>
+          <a:lstStyle/>
+          <a:p>
+            <a:pPr algn="ctr"/>
+            <a:endParaRPr kumimoji="1" lang="zh-TW" altLang="en-US"/>
+          </a:p>
+        </p:txBody>
+      </p:sp>
+      <p:sp>
+        <p:nvSpPr>
+          <p:cNvPr id="70" name="橢圓 69">
+            <a:extLst>
+              <a:ext uri="{FF2B5EF4-FFF2-40B4-BE49-F238E27FC236}">
+                <a16:creationId xmlns:a16="http://schemas.microsoft.com/office/drawing/2014/main" id="{D2C64226-FB2B-A24E-93B6-5BB047D99D7B}"/>
+              </a:ext>
+            </a:extLst>
+          </p:cNvPr>
+          <p:cNvSpPr/>
+          <p:nvPr/>
+        </p:nvSpPr>
+        <p:spPr>
+          <a:xfrm>
+            <a:off x="4950770" y="4471733"/>
+            <a:ext cx="2349795" cy="2349795"/>
+          </a:xfrm>
+          <a:prstGeom prst="ellipse">
+            <a:avLst/>
+          </a:prstGeom>
+          <a:solidFill>
+            <a:schemeClr val="accent4">
+              <a:lumMod val="40000"/>
+              <a:lumOff val="60000"/>
+              <a:alpha val="50000"/>
+            </a:schemeClr>
+          </a:solidFill>
+          <a:ln>
+            <a:noFill/>
+          </a:ln>
+          <a:effectLst/>
+        </p:spPr>
+        <p:style>
+          <a:lnRef idx="2">
+            <a:schemeClr val="accent1">
+              <a:shade val="50000"/>
+            </a:schemeClr>
+          </a:lnRef>
+          <a:fillRef idx="1">
+            <a:schemeClr val="accent1"/>
+          </a:fillRef>
+          <a:effectRef idx="0">
+            <a:schemeClr val="accent1"/>
+          </a:effectRef>
+          <a:fontRef idx="minor">
+            <a:schemeClr val="lt1"/>
+          </a:fontRef>
+        </p:style>
+        <p:txBody>
+          <a:bodyPr rtlCol="0" anchor="ctr"/>
+          <a:lstStyle/>
+          <a:p>
+            <a:pPr algn="ctr"/>
+            <a:endParaRPr kumimoji="1" lang="zh-TW" altLang="en-US"/>
+          </a:p>
+        </p:txBody>
+      </p:sp>
+      <p:sp>
+        <p:nvSpPr>
+          <p:cNvPr id="71" name="文字方塊 70">
+            <a:extLst>
+              <a:ext uri="{FF2B5EF4-FFF2-40B4-BE49-F238E27FC236}">
+                <a16:creationId xmlns:a16="http://schemas.microsoft.com/office/drawing/2014/main" id="{4939128C-8284-424A-8239-A18262DCBED3}"/>
+              </a:ext>
+            </a:extLst>
+          </p:cNvPr>
+          <p:cNvSpPr txBox="1"/>
+          <p:nvPr/>
+        </p:nvSpPr>
+        <p:spPr>
+          <a:xfrm>
+            <a:off x="2483008" y="4628177"/>
+            <a:ext cx="1107996" cy="369332"/>
+          </a:xfrm>
+          <a:prstGeom prst="rect">
+            <a:avLst/>
+          </a:prstGeom>
+          <a:noFill/>
+        </p:spPr>
+        <p:txBody>
+          <a:bodyPr wrap="none" rtlCol="0">
+            <a:spAutoFit/>
+          </a:bodyPr>
+          <a:lstStyle/>
+          <a:p>
+            <a:r>
+              <a:rPr kumimoji="1" lang="zh-TW" altLang="en-US" dirty="0">
+                <a:latin typeface="Heiti SC Medium" pitchFamily="2" charset="-128"/>
+                <a:ea typeface="Heiti SC Medium" pitchFamily="2" charset="-128"/>
+              </a:rPr>
+              <a:t>概念理解</a:t>
+            </a:r>
+          </a:p>
+        </p:txBody>
+      </p:sp>
+      <p:sp>
+        <p:nvSpPr>
+          <p:cNvPr id="72" name="文字方塊 71">
+            <a:extLst>
+              <a:ext uri="{FF2B5EF4-FFF2-40B4-BE49-F238E27FC236}">
+                <a16:creationId xmlns:a16="http://schemas.microsoft.com/office/drawing/2014/main" id="{09F8718A-AFCD-A248-AD55-2C713B401D03}"/>
+              </a:ext>
+            </a:extLst>
+          </p:cNvPr>
+          <p:cNvSpPr txBox="1"/>
+          <p:nvPr/>
+        </p:nvSpPr>
+        <p:spPr>
+          <a:xfrm>
+            <a:off x="5708125" y="4627051"/>
+            <a:ext cx="1107996" cy="369332"/>
+          </a:xfrm>
+          <a:prstGeom prst="rect">
+            <a:avLst/>
+          </a:prstGeom>
+          <a:noFill/>
+        </p:spPr>
+        <p:txBody>
+          <a:bodyPr wrap="none" rtlCol="0">
+            <a:spAutoFit/>
+          </a:bodyPr>
+          <a:lstStyle/>
+          <a:p>
+            <a:r>
+              <a:rPr kumimoji="1" lang="zh-TW" altLang="en-US" dirty="0">
+                <a:latin typeface="Heiti SC Medium" pitchFamily="2" charset="-128"/>
+                <a:ea typeface="Heiti SC Medium" pitchFamily="2" charset="-128"/>
+              </a:rPr>
+              <a:t>概念應用</a:t>
+            </a:r>
+          </a:p>
+        </p:txBody>
+      </p:sp>
+      <p:sp>
+        <p:nvSpPr>
+          <p:cNvPr id="73" name="橢圓 72">
+            <a:extLst>
+              <a:ext uri="{FF2B5EF4-FFF2-40B4-BE49-F238E27FC236}">
+                <a16:creationId xmlns:a16="http://schemas.microsoft.com/office/drawing/2014/main" id="{94E2431E-4321-D14D-BECF-3C5D31F0F98C}"/>
+              </a:ext>
+            </a:extLst>
+          </p:cNvPr>
+          <p:cNvSpPr/>
+          <p:nvPr/>
+        </p:nvSpPr>
+        <p:spPr>
+          <a:xfrm>
+            <a:off x="2592156" y="5332698"/>
+            <a:ext cx="1260589" cy="1260589"/>
+          </a:xfrm>
+          <a:prstGeom prst="ellipse">
+            <a:avLst/>
+          </a:prstGeom>
+          <a:solidFill>
+            <a:schemeClr val="accent2">
+              <a:lumMod val="40000"/>
+              <a:lumOff val="60000"/>
+              <a:alpha val="50000"/>
+            </a:schemeClr>
+          </a:solidFill>
+          <a:ln>
+            <a:noFill/>
+          </a:ln>
+          <a:effectLst/>
+        </p:spPr>
+        <p:style>
+          <a:lnRef idx="2">
+            <a:schemeClr val="accent1">
+              <a:shade val="50000"/>
+            </a:schemeClr>
+          </a:lnRef>
+          <a:fillRef idx="1">
+            <a:schemeClr val="accent1"/>
+          </a:fillRef>
+          <a:effectRef idx="0">
+            <a:schemeClr val="accent1"/>
+          </a:effectRef>
+          <a:fontRef idx="minor">
+            <a:schemeClr val="lt1"/>
+          </a:fontRef>
+        </p:style>
+        <p:txBody>
+          <a:bodyPr rtlCol="0" anchor="ctr"/>
+          <a:lstStyle/>
+          <a:p>
+            <a:pPr algn="ctr"/>
+            <a:endParaRPr kumimoji="1" lang="zh-TW" altLang="en-US"/>
+          </a:p>
+        </p:txBody>
+      </p:sp>
+      <p:sp>
+        <p:nvSpPr>
+          <p:cNvPr id="74" name="文字方塊 73">
+            <a:extLst>
+              <a:ext uri="{FF2B5EF4-FFF2-40B4-BE49-F238E27FC236}">
+                <a16:creationId xmlns:a16="http://schemas.microsoft.com/office/drawing/2014/main" id="{CEB31BD6-F827-4F4C-87A9-5CCB22E03B9C}"/>
+              </a:ext>
+            </a:extLst>
+          </p:cNvPr>
+          <p:cNvSpPr txBox="1"/>
+          <p:nvPr/>
+        </p:nvSpPr>
+        <p:spPr>
+          <a:xfrm>
+            <a:off x="3025404" y="5258273"/>
+            <a:ext cx="1107996" cy="369332"/>
+          </a:xfrm>
+          <a:prstGeom prst="rect">
+            <a:avLst/>
+          </a:prstGeom>
+          <a:noFill/>
+        </p:spPr>
+        <p:txBody>
+          <a:bodyPr wrap="none" rtlCol="0">
+            <a:spAutoFit/>
+          </a:bodyPr>
+          <a:lstStyle/>
+          <a:p>
+            <a:r>
+              <a:rPr kumimoji="1" lang="zh-TW" altLang="en-US" dirty="0">
+                <a:latin typeface="Heiti SC Medium" pitchFamily="2" charset="-128"/>
+                <a:ea typeface="Heiti SC Medium" pitchFamily="2" charset="-128"/>
+              </a:rPr>
+              <a:t>概念反思</a:t>
+            </a:r>
+          </a:p>
+        </p:txBody>
+      </p:sp>
       <p:sp>
         <p:nvSpPr>
           <p:cNvPr id="48" name="矩形 47">
@@ -5783,128 +7954,6 @@
 </p:sld>
 </file>
 
-<file path=ppt/slides/slide11.xml><?xml version="1.0" encoding="utf-8"?>
-<p:sld xmlns:a="http://schemas.openxmlformats.org/drawingml/2006/main" xmlns:r="http://schemas.openxmlformats.org/officeDocument/2006/relationships" xmlns:p="http://schemas.openxmlformats.org/presentationml/2006/main">
-  <p:cSld>
-    <p:spTree>
-      <p:nvGrpSpPr>
-        <p:cNvPr id="1" name=""/>
-        <p:cNvGrpSpPr/>
-        <p:nvPr/>
-      </p:nvGrpSpPr>
-      <p:grpSpPr>
-        <a:xfrm>
-          <a:off x="0" y="0"/>
-          <a:ext cx="0" cy="0"/>
-          <a:chOff x="0" y="0"/>
-          <a:chExt cx="0" cy="0"/>
-        </a:xfrm>
-      </p:grpSpPr>
-      <p:sp>
-        <p:nvSpPr>
-          <p:cNvPr id="2" name="標題 1">
-            <a:extLst>
-              <a:ext uri="{FF2B5EF4-FFF2-40B4-BE49-F238E27FC236}">
-                <a16:creationId xmlns:a16="http://schemas.microsoft.com/office/drawing/2014/main" id="{326B8693-26E8-7B43-92A3-0CE9DA14AA5B}"/>
-              </a:ext>
-            </a:extLst>
-          </p:cNvPr>
-          <p:cNvSpPr>
-            <a:spLocks noGrp="1"/>
-          </p:cNvSpPr>
-          <p:nvPr>
-            <p:ph type="title"/>
-          </p:nvPr>
-        </p:nvSpPr>
-        <p:spPr/>
-        <p:txBody>
-          <a:bodyPr/>
-          <a:lstStyle/>
-          <a:p>
-            <a:r>
-              <a:rPr kumimoji="1" lang="zh-TW" altLang="en-US" dirty="0">
-                <a:latin typeface="Heiti SC Medium" pitchFamily="2" charset="-128"/>
-                <a:ea typeface="Heiti SC Medium" pitchFamily="2" charset="-128"/>
-              </a:rPr>
-              <a:t>研究架構</a:t>
-            </a:r>
-          </a:p>
-        </p:txBody>
-      </p:sp>
-      <p:sp>
-        <p:nvSpPr>
-          <p:cNvPr id="3" name="內容版面配置區 2">
-            <a:extLst>
-              <a:ext uri="{FF2B5EF4-FFF2-40B4-BE49-F238E27FC236}">
-                <a16:creationId xmlns:a16="http://schemas.microsoft.com/office/drawing/2014/main" id="{09DB6E19-9514-C441-A8F4-66A938FB35F8}"/>
-              </a:ext>
-            </a:extLst>
-          </p:cNvPr>
-          <p:cNvSpPr>
-            <a:spLocks noGrp="1"/>
-          </p:cNvSpPr>
-          <p:nvPr>
-            <p:ph idx="1"/>
-          </p:nvPr>
-        </p:nvSpPr>
-        <p:spPr/>
-        <p:txBody>
-          <a:bodyPr/>
-          <a:lstStyle/>
-          <a:p>
-            <a:r>
-              <a:rPr kumimoji="1" lang="zh-TW" altLang="en-US" dirty="0">
-                <a:latin typeface="Heiti SC Medium" pitchFamily="2" charset="-128"/>
-                <a:ea typeface="Heiti SC Medium" pitchFamily="2" charset="-128"/>
-              </a:rPr>
-              <a:t>研究目的</a:t>
-            </a:r>
-            <a:endParaRPr kumimoji="1" lang="en-US" altLang="zh-TW" dirty="0">
-              <a:latin typeface="Heiti SC Medium" pitchFamily="2" charset="-128"/>
-              <a:ea typeface="Heiti SC Medium" pitchFamily="2" charset="-128"/>
-            </a:endParaRPr>
-          </a:p>
-          <a:p>
-            <a:r>
-              <a:rPr kumimoji="1" lang="zh-TW" altLang="en-US" dirty="0">
-                <a:latin typeface="Heiti SC Medium" pitchFamily="2" charset="-128"/>
-                <a:ea typeface="Heiti SC Medium" pitchFamily="2" charset="-128"/>
-              </a:rPr>
-              <a:t>研究工具</a:t>
-            </a:r>
-            <a:endParaRPr kumimoji="1" lang="en-US" altLang="zh-TW" dirty="0">
-              <a:latin typeface="Heiti SC Medium" pitchFamily="2" charset="-128"/>
-              <a:ea typeface="Heiti SC Medium" pitchFamily="2" charset="-128"/>
-            </a:endParaRPr>
-          </a:p>
-          <a:p>
-            <a:r>
-              <a:rPr kumimoji="1" lang="zh-TW" altLang="en-US">
-                <a:latin typeface="Heiti SC Medium" pitchFamily="2" charset="-128"/>
-                <a:ea typeface="Heiti SC Medium" pitchFamily="2" charset="-128"/>
-              </a:rPr>
-              <a:t>實驗流程</a:t>
-            </a:r>
-            <a:endParaRPr kumimoji="1" lang="en-US" altLang="zh-TW" dirty="0">
-              <a:latin typeface="Heiti SC Medium" pitchFamily="2" charset="-128"/>
-              <a:ea typeface="Heiti SC Medium" pitchFamily="2" charset="-128"/>
-            </a:endParaRPr>
-          </a:p>
-        </p:txBody>
-      </p:sp>
-    </p:spTree>
-    <p:extLst>
-      <p:ext uri="{BB962C8B-B14F-4D97-AF65-F5344CB8AC3E}">
-        <p14:creationId xmlns:p14="http://schemas.microsoft.com/office/powerpoint/2010/main" val="2987210929"/>
-      </p:ext>
-    </p:extLst>
-  </p:cSld>
-  <p:clrMapOvr>
-    <a:masterClrMapping/>
-  </p:clrMapOvr>
-</p:sld>
-</file>
-
 <file path=ppt/slides/slide12.xml><?xml version="1.0" encoding="utf-8"?>
 <p:sld xmlns:a="http://schemas.openxmlformats.org/drawingml/2006/main" xmlns:r="http://schemas.openxmlformats.org/officeDocument/2006/relationships" xmlns:p="http://schemas.openxmlformats.org/presentationml/2006/main">
   <p:cSld>
@@ -5948,7 +7997,7 @@
                 <a:latin typeface="Heiti SC Medium" pitchFamily="2" charset="-128"/>
                 <a:ea typeface="Heiti SC Medium" pitchFamily="2" charset="-128"/>
               </a:rPr>
-              <a:t>研究目的</a:t>
+              <a:t>研究架構</a:t>
             </a:r>
           </a:p>
         </p:txBody>
@@ -5969,91 +8018,30 @@
             <p:ph idx="1"/>
           </p:nvPr>
         </p:nvSpPr>
-        <p:spPr>
-          <a:xfrm>
-            <a:off x="838200" y="1825624"/>
-            <a:ext cx="10515600" cy="4792889"/>
-          </a:xfrm>
-        </p:spPr>
+        <p:spPr/>
         <p:txBody>
-          <a:bodyPr>
-            <a:normAutofit/>
-          </a:bodyPr>
+          <a:bodyPr/>
           <a:lstStyle/>
           <a:p>
-            <a:pPr marL="0" indent="0">
-              <a:buNone/>
-            </a:pPr>
             <a:r>
               <a:rPr kumimoji="1" lang="zh-TW" altLang="en-US" dirty="0">
                 <a:latin typeface="Heiti SC Medium" pitchFamily="2" charset="-128"/>
                 <a:ea typeface="Heiti SC Medium" pitchFamily="2" charset="-128"/>
               </a:rPr>
-              <a:t>一、探究視覺化模擬輔助教學對人工智慧學習成就之影響。</a:t>
+              <a:t>研究目的</a:t>
             </a:r>
-          </a:p>
-          <a:p>
-            <a:pPr marL="0" indent="0">
-              <a:buNone/>
-            </a:pPr>
+            <a:endParaRPr kumimoji="1" lang="en-US" altLang="zh-TW" dirty="0">
+              <a:latin typeface="Heiti SC Medium" pitchFamily="2" charset="-128"/>
+              <a:ea typeface="Heiti SC Medium" pitchFamily="2" charset="-128"/>
+            </a:endParaRPr>
+          </a:p>
+          <a:p>
             <a:r>
               <a:rPr kumimoji="1" lang="zh-TW" altLang="en-US" dirty="0">
                 <a:latin typeface="Heiti SC Medium" pitchFamily="2" charset="-128"/>
                 <a:ea typeface="Heiti SC Medium" pitchFamily="2" charset="-128"/>
               </a:rPr>
-              <a:t>　</a:t>
-            </a:r>
-            <a:r>
-              <a:rPr kumimoji="1" lang="en-US" altLang="zh-TW" dirty="0">
-                <a:latin typeface="Heiti SC Medium" pitchFamily="2" charset="-128"/>
-                <a:ea typeface="Heiti SC Medium" pitchFamily="2" charset="-128"/>
-              </a:rPr>
-              <a:t>1. </a:t>
-            </a:r>
-            <a:r>
-              <a:rPr kumimoji="1" lang="zh-TW" altLang="en-US" dirty="0">
-                <a:latin typeface="Heiti SC Medium" pitchFamily="2" charset="-128"/>
-                <a:ea typeface="Heiti SC Medium" pitchFamily="2" charset="-128"/>
-              </a:rPr>
-              <a:t>對於人工智慧概念之影響。</a:t>
-            </a:r>
-          </a:p>
-          <a:p>
-            <a:pPr marL="0" indent="0">
-              <a:buNone/>
-            </a:pPr>
-            <a:r>
-              <a:rPr kumimoji="1" lang="zh-TW" altLang="en-US" dirty="0">
-                <a:latin typeface="Heiti SC Medium" pitchFamily="2" charset="-128"/>
-                <a:ea typeface="Heiti SC Medium" pitchFamily="2" charset="-128"/>
-              </a:rPr>
-              <a:t>　</a:t>
-            </a:r>
-            <a:r>
-              <a:rPr kumimoji="1" lang="en-US" altLang="zh-TW" dirty="0">
-                <a:latin typeface="Heiti SC Medium" pitchFamily="2" charset="-128"/>
-                <a:ea typeface="Heiti SC Medium" pitchFamily="2" charset="-128"/>
-              </a:rPr>
-              <a:t>2. </a:t>
-            </a:r>
-            <a:r>
-              <a:rPr kumimoji="1" lang="zh-TW" altLang="en-US" dirty="0">
-                <a:latin typeface="Heiti SC Medium" pitchFamily="2" charset="-128"/>
-                <a:ea typeface="Heiti SC Medium" pitchFamily="2" charset="-128"/>
-              </a:rPr>
-              <a:t>對於人工智慧演算法實作之影響。</a:t>
-            </a:r>
-          </a:p>
-          <a:p>
-            <a:pPr marL="0" indent="0">
-              <a:buNone/>
-            </a:pPr>
-            <a:r>
-              <a:rPr kumimoji="1" lang="zh-TW" altLang="en-US" dirty="0">
-                <a:latin typeface="Heiti SC Medium" pitchFamily="2" charset="-128"/>
-                <a:ea typeface="Heiti SC Medium" pitchFamily="2" charset="-128"/>
-              </a:rPr>
-              <a:t>二、探究視覺化模擬輔助教學對人工智慧學習態度之影響。</a:t>
+              <a:t>研究工具</a:t>
             </a:r>
             <a:endParaRPr kumimoji="1" lang="en-US" altLang="zh-TW" dirty="0">
               <a:latin typeface="Heiti SC Medium" pitchFamily="2" charset="-128"/>
@@ -6061,142 +8049,24 @@
             </a:endParaRPr>
           </a:p>
           <a:p>
-            <a:pPr marL="0" indent="0">
-              <a:buNone/>
-            </a:pPr>
             <a:r>
-              <a:rPr kumimoji="1" lang="zh-TW" altLang="en-US" dirty="0">
+              <a:rPr kumimoji="1" lang="zh-TW" altLang="en-US">
                 <a:latin typeface="Heiti SC Medium" pitchFamily="2" charset="-128"/>
                 <a:ea typeface="Heiti SC Medium" pitchFamily="2" charset="-128"/>
               </a:rPr>
-              <a:t>　</a:t>
-            </a:r>
-            <a:r>
-              <a:rPr kumimoji="1" lang="en-US" altLang="zh-TW" dirty="0">
-                <a:latin typeface="Heiti SC Medium" pitchFamily="2" charset="-128"/>
-                <a:ea typeface="Heiti SC Medium" pitchFamily="2" charset="-128"/>
-              </a:rPr>
-              <a:t>1. </a:t>
-            </a:r>
-            <a:r>
-              <a:rPr kumimoji="1" lang="zh-TW" altLang="en-US" dirty="0">
-                <a:latin typeface="Heiti SC Medium" pitchFamily="2" charset="-128"/>
-                <a:ea typeface="Heiti SC Medium" pitchFamily="2" charset="-128"/>
-              </a:rPr>
-              <a:t>電腦科學學習動機</a:t>
-            </a:r>
-          </a:p>
-          <a:p>
-            <a:pPr marL="0" indent="0">
-              <a:buNone/>
-            </a:pPr>
-            <a:r>
-              <a:rPr kumimoji="1" lang="zh-TW" altLang="en-US" dirty="0">
-                <a:latin typeface="Heiti SC Medium" pitchFamily="2" charset="-128"/>
-                <a:ea typeface="Heiti SC Medium" pitchFamily="2" charset="-128"/>
-              </a:rPr>
-              <a:t>　</a:t>
-            </a:r>
-            <a:r>
-              <a:rPr kumimoji="1" lang="en-US" altLang="zh-TW" dirty="0">
-                <a:latin typeface="Heiti SC Medium" pitchFamily="2" charset="-128"/>
-                <a:ea typeface="Heiti SC Medium" pitchFamily="2" charset="-128"/>
-              </a:rPr>
-              <a:t>2. </a:t>
-            </a:r>
-            <a:r>
-              <a:rPr kumimoji="1" lang="zh-TW" altLang="en-US" dirty="0">
-                <a:latin typeface="Heiti SC Medium" pitchFamily="2" charset="-128"/>
-                <a:ea typeface="Heiti SC Medium" pitchFamily="2" charset="-128"/>
-              </a:rPr>
-              <a:t>電腦科學自我效能</a:t>
-            </a:r>
-          </a:p>
-          <a:p>
-            <a:pPr marL="0" indent="0">
-              <a:buNone/>
-            </a:pPr>
-            <a:r>
-              <a:rPr kumimoji="1" lang="zh-TW" altLang="en-US" dirty="0">
-                <a:latin typeface="Heiti SC Medium" pitchFamily="2" charset="-128"/>
-                <a:ea typeface="Heiti SC Medium" pitchFamily="2" charset="-128"/>
-              </a:rPr>
-              <a:t>　</a:t>
-            </a:r>
-            <a:r>
-              <a:rPr kumimoji="1" lang="en-US" altLang="zh-TW" dirty="0">
-                <a:latin typeface="Heiti SC Medium" pitchFamily="2" charset="-128"/>
-                <a:ea typeface="Heiti SC Medium" pitchFamily="2" charset="-128"/>
-              </a:rPr>
-              <a:t>3.</a:t>
-            </a:r>
-            <a:r>
-              <a:rPr kumimoji="1" lang="zh-TW" altLang="en-US" dirty="0">
-                <a:latin typeface="Heiti SC Medium" pitchFamily="2" charset="-128"/>
-                <a:ea typeface="Heiti SC Medium" pitchFamily="2" charset="-128"/>
-              </a:rPr>
-              <a:t> 資訊科學抽象概念</a:t>
-            </a:r>
-            <a:r>
-              <a:rPr kumimoji="1" lang="en-US" altLang="zh-TW" dirty="0">
-                <a:latin typeface="Heiti SC Medium" pitchFamily="2" charset="-128"/>
-                <a:ea typeface="Heiti SC Medium" pitchFamily="2" charset="-128"/>
-              </a:rPr>
-              <a:t>/</a:t>
-            </a:r>
-            <a:r>
-              <a:rPr kumimoji="1" lang="zh-TW" altLang="en-US" dirty="0">
-                <a:latin typeface="Heiti SC Medium" pitchFamily="2" charset="-128"/>
-                <a:ea typeface="Heiti SC Medium" pitchFamily="2" charset="-128"/>
-              </a:rPr>
-              <a:t>程序之學習感受</a:t>
+              <a:t>實驗流程</a:t>
             </a:r>
             <a:endParaRPr kumimoji="1" lang="en-US" altLang="zh-TW" dirty="0">
               <a:latin typeface="Heiti SC Medium" pitchFamily="2" charset="-128"/>
               <a:ea typeface="Heiti SC Medium" pitchFamily="2" charset="-128"/>
             </a:endParaRPr>
           </a:p>
-          <a:p>
-            <a:pPr marL="0" indent="0">
-              <a:buNone/>
-            </a:pPr>
-            <a:r>
-              <a:rPr kumimoji="1" lang="zh-TW" altLang="en-US" dirty="0">
-                <a:latin typeface="Heiti SC Medium" pitchFamily="2" charset="-128"/>
-                <a:ea typeface="Heiti SC Medium" pitchFamily="2" charset="-128"/>
-              </a:rPr>
-              <a:t>　</a:t>
-            </a:r>
-            <a:r>
-              <a:rPr kumimoji="1" lang="en-US" altLang="zh-TW" dirty="0">
-                <a:latin typeface="Heiti SC Medium" pitchFamily="2" charset="-128"/>
-                <a:ea typeface="Heiti SC Medium" pitchFamily="2" charset="-128"/>
-              </a:rPr>
-              <a:t>4. </a:t>
-            </a:r>
-            <a:r>
-              <a:rPr kumimoji="1" lang="zh-TW" altLang="en-US" dirty="0">
-                <a:latin typeface="Heiti SC Medium" pitchFamily="2" charset="-128"/>
-                <a:ea typeface="Heiti SC Medium" pitchFamily="2" charset="-128"/>
-              </a:rPr>
-              <a:t>對於人工智慧學習自我評鑑</a:t>
-            </a:r>
-          </a:p>
-          <a:p>
-            <a:pPr marL="0" indent="0">
-              <a:buNone/>
-            </a:pPr>
-            <a:endParaRPr kumimoji="1" lang="zh-TW" altLang="en-US" dirty="0">
-              <a:latin typeface="Heiti SC Medium" pitchFamily="2" charset="-128"/>
-              <a:ea typeface="Heiti SC Medium" pitchFamily="2" charset="-128"/>
-            </a:endParaRPr>
-          </a:p>
         </p:txBody>
       </p:sp>
     </p:spTree>
     <p:extLst>
       <p:ext uri="{BB962C8B-B14F-4D97-AF65-F5344CB8AC3E}">
-        <p14:creationId xmlns:p14="http://schemas.microsoft.com/office/powerpoint/2010/main" val="2026056669"/>
+        <p14:creationId xmlns:p14="http://schemas.microsoft.com/office/powerpoint/2010/main" val="2987210929"/>
       </p:ext>
     </p:extLst>
   </p:cSld>
@@ -6270,6 +8140,307 @@
             <p:ph idx="1"/>
           </p:nvPr>
         </p:nvSpPr>
+        <p:spPr>
+          <a:xfrm>
+            <a:off x="838200" y="1825624"/>
+            <a:ext cx="10515600" cy="4792889"/>
+          </a:xfrm>
+        </p:spPr>
+        <p:txBody>
+          <a:bodyPr>
+            <a:normAutofit/>
+          </a:bodyPr>
+          <a:lstStyle/>
+          <a:p>
+            <a:pPr marL="0" indent="0">
+              <a:buNone/>
+            </a:pPr>
+            <a:r>
+              <a:rPr kumimoji="1" lang="zh-TW" altLang="en-US" dirty="0">
+                <a:latin typeface="Heiti SC Medium" pitchFamily="2" charset="-128"/>
+                <a:ea typeface="Heiti SC Medium" pitchFamily="2" charset="-128"/>
+              </a:rPr>
+              <a:t>一、探究視覺化模擬輔助教學對人工智慧學習成就之影響。</a:t>
+            </a:r>
+          </a:p>
+          <a:p>
+            <a:pPr marL="0" indent="0">
+              <a:buNone/>
+            </a:pPr>
+            <a:r>
+              <a:rPr kumimoji="1" lang="zh-TW" altLang="en-US" dirty="0">
+                <a:latin typeface="Heiti SC Medium" pitchFamily="2" charset="-128"/>
+                <a:ea typeface="Heiti SC Medium" pitchFamily="2" charset="-128"/>
+              </a:rPr>
+              <a:t>　</a:t>
+            </a:r>
+            <a:r>
+              <a:rPr kumimoji="1" lang="en-US" altLang="zh-TW" dirty="0">
+                <a:latin typeface="Heiti SC Medium" pitchFamily="2" charset="-128"/>
+                <a:ea typeface="Heiti SC Medium" pitchFamily="2" charset="-128"/>
+              </a:rPr>
+              <a:t>1. </a:t>
+            </a:r>
+            <a:r>
+              <a:rPr kumimoji="1" lang="zh-TW" altLang="en-US" dirty="0">
+                <a:latin typeface="Heiti SC Medium" pitchFamily="2" charset="-128"/>
+                <a:ea typeface="Heiti SC Medium" pitchFamily="2" charset="-128"/>
+              </a:rPr>
+              <a:t>對於人工智慧概念之影響。</a:t>
+            </a:r>
+          </a:p>
+          <a:p>
+            <a:pPr marL="0" indent="0">
+              <a:buNone/>
+            </a:pPr>
+            <a:r>
+              <a:rPr kumimoji="1" lang="zh-TW" altLang="en-US" dirty="0">
+                <a:latin typeface="Heiti SC Medium" pitchFamily="2" charset="-128"/>
+                <a:ea typeface="Heiti SC Medium" pitchFamily="2" charset="-128"/>
+              </a:rPr>
+              <a:t>　</a:t>
+            </a:r>
+            <a:r>
+              <a:rPr kumimoji="1" lang="en-US" altLang="zh-TW" dirty="0">
+                <a:latin typeface="Heiti SC Medium" pitchFamily="2" charset="-128"/>
+                <a:ea typeface="Heiti SC Medium" pitchFamily="2" charset="-128"/>
+              </a:rPr>
+              <a:t>2. </a:t>
+            </a:r>
+            <a:r>
+              <a:rPr kumimoji="1" lang="zh-TW" altLang="en-US" dirty="0">
+                <a:latin typeface="Heiti SC Medium" pitchFamily="2" charset="-128"/>
+                <a:ea typeface="Heiti SC Medium" pitchFamily="2" charset="-128"/>
+              </a:rPr>
+              <a:t>對於人工智慧演算法實作之影響。</a:t>
+            </a:r>
+          </a:p>
+          <a:p>
+            <a:pPr marL="0" indent="0">
+              <a:buNone/>
+            </a:pPr>
+            <a:r>
+              <a:rPr kumimoji="1" lang="zh-TW" altLang="en-US" dirty="0">
+                <a:latin typeface="Heiti SC Medium" pitchFamily="2" charset="-128"/>
+                <a:ea typeface="Heiti SC Medium" pitchFamily="2" charset="-128"/>
+              </a:rPr>
+              <a:t>二、探究視覺化模擬輔助教學對人工智慧學習態度之影響。</a:t>
+            </a:r>
+            <a:endParaRPr kumimoji="1" lang="en-US" altLang="zh-TW" dirty="0">
+              <a:latin typeface="Heiti SC Medium" pitchFamily="2" charset="-128"/>
+              <a:ea typeface="Heiti SC Medium" pitchFamily="2" charset="-128"/>
+            </a:endParaRPr>
+          </a:p>
+          <a:p>
+            <a:pPr marL="0" indent="0">
+              <a:buNone/>
+            </a:pPr>
+            <a:r>
+              <a:rPr kumimoji="1" lang="zh-TW" altLang="en-US" dirty="0">
+                <a:latin typeface="Heiti SC Medium" pitchFamily="2" charset="-128"/>
+                <a:ea typeface="Heiti SC Medium" pitchFamily="2" charset="-128"/>
+              </a:rPr>
+              <a:t>　</a:t>
+            </a:r>
+            <a:r>
+              <a:rPr kumimoji="1" lang="en-US" altLang="zh-TW" dirty="0">
+                <a:latin typeface="Heiti SC Medium" pitchFamily="2" charset="-128"/>
+                <a:ea typeface="Heiti SC Medium" pitchFamily="2" charset="-128"/>
+              </a:rPr>
+              <a:t>1. </a:t>
+            </a:r>
+            <a:r>
+              <a:rPr kumimoji="1" lang="zh-TW" altLang="en-US" dirty="0">
+                <a:latin typeface="Heiti SC Medium" pitchFamily="2" charset="-128"/>
+                <a:ea typeface="Heiti SC Medium" pitchFamily="2" charset="-128"/>
+              </a:rPr>
+              <a:t>電腦科學學習動機</a:t>
+            </a:r>
+          </a:p>
+          <a:p>
+            <a:pPr marL="0" indent="0">
+              <a:buNone/>
+            </a:pPr>
+            <a:r>
+              <a:rPr kumimoji="1" lang="zh-TW" altLang="en-US" dirty="0">
+                <a:latin typeface="Heiti SC Medium" pitchFamily="2" charset="-128"/>
+                <a:ea typeface="Heiti SC Medium" pitchFamily="2" charset="-128"/>
+              </a:rPr>
+              <a:t>　</a:t>
+            </a:r>
+            <a:r>
+              <a:rPr kumimoji="1" lang="en-US" altLang="zh-TW" dirty="0">
+                <a:latin typeface="Heiti SC Medium" pitchFamily="2" charset="-128"/>
+                <a:ea typeface="Heiti SC Medium" pitchFamily="2" charset="-128"/>
+              </a:rPr>
+              <a:t>2. </a:t>
+            </a:r>
+            <a:r>
+              <a:rPr kumimoji="1" lang="zh-TW" altLang="en-US" dirty="0">
+                <a:latin typeface="Heiti SC Medium" pitchFamily="2" charset="-128"/>
+                <a:ea typeface="Heiti SC Medium" pitchFamily="2" charset="-128"/>
+              </a:rPr>
+              <a:t>電腦科學自我效能</a:t>
+            </a:r>
+          </a:p>
+          <a:p>
+            <a:pPr marL="0" indent="0">
+              <a:buNone/>
+            </a:pPr>
+            <a:r>
+              <a:rPr kumimoji="1" lang="zh-TW" altLang="en-US" dirty="0">
+                <a:latin typeface="Heiti SC Medium" pitchFamily="2" charset="-128"/>
+                <a:ea typeface="Heiti SC Medium" pitchFamily="2" charset="-128"/>
+              </a:rPr>
+              <a:t>　</a:t>
+            </a:r>
+            <a:r>
+              <a:rPr kumimoji="1" lang="en-US" altLang="zh-TW" dirty="0">
+                <a:latin typeface="Heiti SC Medium" pitchFamily="2" charset="-128"/>
+                <a:ea typeface="Heiti SC Medium" pitchFamily="2" charset="-128"/>
+              </a:rPr>
+              <a:t>3.</a:t>
+            </a:r>
+            <a:r>
+              <a:rPr kumimoji="1" lang="zh-TW" altLang="en-US" dirty="0">
+                <a:latin typeface="Heiti SC Medium" pitchFamily="2" charset="-128"/>
+                <a:ea typeface="Heiti SC Medium" pitchFamily="2" charset="-128"/>
+              </a:rPr>
+              <a:t> 資訊科學抽象概念</a:t>
+            </a:r>
+            <a:r>
+              <a:rPr kumimoji="1" lang="en-US" altLang="zh-TW" dirty="0">
+                <a:latin typeface="Heiti SC Medium" pitchFamily="2" charset="-128"/>
+                <a:ea typeface="Heiti SC Medium" pitchFamily="2" charset="-128"/>
+              </a:rPr>
+              <a:t>/</a:t>
+            </a:r>
+            <a:r>
+              <a:rPr kumimoji="1" lang="zh-TW" altLang="en-US" dirty="0">
+                <a:latin typeface="Heiti SC Medium" pitchFamily="2" charset="-128"/>
+                <a:ea typeface="Heiti SC Medium" pitchFamily="2" charset="-128"/>
+              </a:rPr>
+              <a:t>程序之學習感受</a:t>
+            </a:r>
+            <a:endParaRPr kumimoji="1" lang="en-US" altLang="zh-TW" dirty="0">
+              <a:latin typeface="Heiti SC Medium" pitchFamily="2" charset="-128"/>
+              <a:ea typeface="Heiti SC Medium" pitchFamily="2" charset="-128"/>
+            </a:endParaRPr>
+          </a:p>
+          <a:p>
+            <a:pPr marL="0" indent="0">
+              <a:buNone/>
+            </a:pPr>
+            <a:r>
+              <a:rPr kumimoji="1" lang="zh-TW" altLang="en-US" dirty="0">
+                <a:latin typeface="Heiti SC Medium" pitchFamily="2" charset="-128"/>
+                <a:ea typeface="Heiti SC Medium" pitchFamily="2" charset="-128"/>
+              </a:rPr>
+              <a:t>　</a:t>
+            </a:r>
+            <a:r>
+              <a:rPr kumimoji="1" lang="en-US" altLang="zh-TW" dirty="0">
+                <a:latin typeface="Heiti SC Medium" pitchFamily="2" charset="-128"/>
+                <a:ea typeface="Heiti SC Medium" pitchFamily="2" charset="-128"/>
+              </a:rPr>
+              <a:t>4. </a:t>
+            </a:r>
+            <a:r>
+              <a:rPr kumimoji="1" lang="zh-TW" altLang="en-US" dirty="0">
+                <a:latin typeface="Heiti SC Medium" pitchFamily="2" charset="-128"/>
+                <a:ea typeface="Heiti SC Medium" pitchFamily="2" charset="-128"/>
+              </a:rPr>
+              <a:t>對於人工智慧學習自我評鑑</a:t>
+            </a:r>
+          </a:p>
+          <a:p>
+            <a:pPr marL="0" indent="0">
+              <a:buNone/>
+            </a:pPr>
+            <a:endParaRPr kumimoji="1" lang="zh-TW" altLang="en-US" dirty="0">
+              <a:latin typeface="Heiti SC Medium" pitchFamily="2" charset="-128"/>
+              <a:ea typeface="Heiti SC Medium" pitchFamily="2" charset="-128"/>
+            </a:endParaRPr>
+          </a:p>
+        </p:txBody>
+      </p:sp>
+    </p:spTree>
+    <p:extLst>
+      <p:ext uri="{BB962C8B-B14F-4D97-AF65-F5344CB8AC3E}">
+        <p14:creationId xmlns:p14="http://schemas.microsoft.com/office/powerpoint/2010/main" val="2026056669"/>
+      </p:ext>
+    </p:extLst>
+  </p:cSld>
+  <p:clrMapOvr>
+    <a:masterClrMapping/>
+  </p:clrMapOvr>
+</p:sld>
+</file>
+
+<file path=ppt/slides/slide14.xml><?xml version="1.0" encoding="utf-8"?>
+<p:sld xmlns:a="http://schemas.openxmlformats.org/drawingml/2006/main" xmlns:r="http://schemas.openxmlformats.org/officeDocument/2006/relationships" xmlns:p="http://schemas.openxmlformats.org/presentationml/2006/main">
+  <p:cSld>
+    <p:spTree>
+      <p:nvGrpSpPr>
+        <p:cNvPr id="1" name=""/>
+        <p:cNvGrpSpPr/>
+        <p:nvPr/>
+      </p:nvGrpSpPr>
+      <p:grpSpPr>
+        <a:xfrm>
+          <a:off x="0" y="0"/>
+          <a:ext cx="0" cy="0"/>
+          <a:chOff x="0" y="0"/>
+          <a:chExt cx="0" cy="0"/>
+        </a:xfrm>
+      </p:grpSpPr>
+      <p:sp>
+        <p:nvSpPr>
+          <p:cNvPr id="2" name="標題 1">
+            <a:extLst>
+              <a:ext uri="{FF2B5EF4-FFF2-40B4-BE49-F238E27FC236}">
+                <a16:creationId xmlns:a16="http://schemas.microsoft.com/office/drawing/2014/main" id="{326B8693-26E8-7B43-92A3-0CE9DA14AA5B}"/>
+              </a:ext>
+            </a:extLst>
+          </p:cNvPr>
+          <p:cNvSpPr>
+            <a:spLocks noGrp="1"/>
+          </p:cNvSpPr>
+          <p:nvPr>
+            <p:ph type="title"/>
+          </p:nvPr>
+        </p:nvSpPr>
+        <p:spPr/>
+        <p:txBody>
+          <a:bodyPr/>
+          <a:lstStyle/>
+          <a:p>
+            <a:r>
+              <a:rPr kumimoji="1" lang="zh-TW" altLang="en-US" dirty="0">
+                <a:latin typeface="Heiti SC Medium" pitchFamily="2" charset="-128"/>
+                <a:ea typeface="Heiti SC Medium" pitchFamily="2" charset="-128"/>
+              </a:rPr>
+              <a:t>研究目的</a:t>
+            </a:r>
+          </a:p>
+        </p:txBody>
+      </p:sp>
+      <p:sp>
+        <p:nvSpPr>
+          <p:cNvPr id="3" name="內容版面配置區 2">
+            <a:extLst>
+              <a:ext uri="{FF2B5EF4-FFF2-40B4-BE49-F238E27FC236}">
+                <a16:creationId xmlns:a16="http://schemas.microsoft.com/office/drawing/2014/main" id="{09DB6E19-9514-C441-A8F4-66A938FB35F8}"/>
+              </a:ext>
+            </a:extLst>
+          </p:cNvPr>
+          <p:cNvSpPr>
+            <a:spLocks noGrp="1"/>
+          </p:cNvSpPr>
+          <p:nvPr>
+            <p:ph idx="1"/>
+          </p:nvPr>
+        </p:nvSpPr>
         <p:spPr/>
         <p:txBody>
           <a:bodyPr/>
@@ -6434,7 +8605,7 @@
 </p:sld>
 </file>
 
-<file path=ppt/slides/slide14.xml><?xml version="1.0" encoding="utf-8"?>
+<file path=ppt/slides/slide15.xml><?xml version="1.0" encoding="utf-8"?>
 <p:sld xmlns:a="http://schemas.openxmlformats.org/drawingml/2006/main" xmlns:r="http://schemas.openxmlformats.org/officeDocument/2006/relationships" xmlns:p="http://schemas.openxmlformats.org/presentationml/2006/main">
   <p:cSld>
     <p:spTree>
@@ -7180,7 +9351,7 @@
 </p:sld>
 </file>
 
-<file path=ppt/slides/slide15.xml><?xml version="1.0" encoding="utf-8"?>
+<file path=ppt/slides/slide16.xml><?xml version="1.0" encoding="utf-8"?>
 <p:sld xmlns:a="http://schemas.openxmlformats.org/drawingml/2006/main" xmlns:r="http://schemas.openxmlformats.org/officeDocument/2006/relationships" xmlns:p="http://schemas.openxmlformats.org/presentationml/2006/main">
   <p:cSld>
     <p:spTree>
@@ -7369,7 +9540,7 @@
 </p:sld>
 </file>
 
-<file path=ppt/slides/slide16.xml><?xml version="1.0" encoding="utf-8"?>
+<file path=ppt/slides/slide17.xml><?xml version="1.0" encoding="utf-8"?>
 <p:sld xmlns:a="http://schemas.openxmlformats.org/drawingml/2006/main" xmlns:r="http://schemas.openxmlformats.org/officeDocument/2006/relationships" xmlns:p="http://schemas.openxmlformats.org/presentationml/2006/main">
   <p:cSld>
     <p:spTree>
@@ -9739,6 +11910,1222 @@
           <a:chExt cx="0" cy="0"/>
         </a:xfrm>
       </p:grpSpPr>
+      <p:sp>
+        <p:nvSpPr>
+          <p:cNvPr id="2" name="標題 1">
+            <a:extLst>
+              <a:ext uri="{FF2B5EF4-FFF2-40B4-BE49-F238E27FC236}">
+                <a16:creationId xmlns:a16="http://schemas.microsoft.com/office/drawing/2014/main" id="{37D2C5A0-8C30-9C43-A9FA-F0E9FC045A97}"/>
+              </a:ext>
+            </a:extLst>
+          </p:cNvPr>
+          <p:cNvSpPr>
+            <a:spLocks noGrp="1"/>
+          </p:cNvSpPr>
+          <p:nvPr>
+            <p:ph type="title"/>
+          </p:nvPr>
+        </p:nvSpPr>
+        <p:spPr/>
+        <p:txBody>
+          <a:bodyPr/>
+          <a:lstStyle/>
+          <a:p>
+            <a:r>
+              <a:rPr kumimoji="1" lang="zh-TW" altLang="en-US" dirty="0">
+                <a:latin typeface="Heiti SC Medium" pitchFamily="2" charset="-128"/>
+                <a:ea typeface="Heiti SC Medium" pitchFamily="2" charset="-128"/>
+              </a:rPr>
+              <a:t>模擬式教學策略設計</a:t>
+            </a:r>
+            <a:endParaRPr kumimoji="1" lang="zh-TW" altLang="en-US" dirty="0"/>
+          </a:p>
+        </p:txBody>
+      </p:sp>
+      <p:grpSp>
+        <p:nvGrpSpPr>
+          <p:cNvPr id="21" name="群組 20">
+            <a:extLst>
+              <a:ext uri="{FF2B5EF4-FFF2-40B4-BE49-F238E27FC236}">
+                <a16:creationId xmlns:a16="http://schemas.microsoft.com/office/drawing/2014/main" id="{499F8469-2F28-8743-BC48-5E584EE18886}"/>
+              </a:ext>
+            </a:extLst>
+          </p:cNvPr>
+          <p:cNvGrpSpPr/>
+          <p:nvPr/>
+        </p:nvGrpSpPr>
+        <p:grpSpPr>
+          <a:xfrm>
+            <a:off x="838200" y="2874193"/>
+            <a:ext cx="2880000" cy="1463057"/>
+            <a:chOff x="1055087" y="4339029"/>
+            <a:chExt cx="2880000" cy="1463057"/>
+          </a:xfrm>
+        </p:grpSpPr>
+        <p:sp>
+          <p:nvSpPr>
+            <p:cNvPr id="4" name="矩形 3">
+              <a:extLst>
+                <a:ext uri="{FF2B5EF4-FFF2-40B4-BE49-F238E27FC236}">
+                  <a16:creationId xmlns:a16="http://schemas.microsoft.com/office/drawing/2014/main" id="{46AA0BF1-31DC-4E44-999D-5D471A766E50}"/>
+                </a:ext>
+              </a:extLst>
+            </p:cNvPr>
+            <p:cNvSpPr/>
+            <p:nvPr/>
+          </p:nvSpPr>
+          <p:spPr>
+            <a:xfrm>
+              <a:off x="1055087" y="4339029"/>
+              <a:ext cx="2880000" cy="1463057"/>
+            </a:xfrm>
+            <a:prstGeom prst="rect">
+              <a:avLst/>
+            </a:prstGeom>
+            <a:solidFill>
+              <a:schemeClr val="accent6">
+                <a:lumMod val="40000"/>
+                <a:lumOff val="60000"/>
+              </a:schemeClr>
+            </a:solidFill>
+            <a:ln>
+              <a:solidFill>
+                <a:schemeClr val="accent6">
+                  <a:lumMod val="40000"/>
+                  <a:lumOff val="60000"/>
+                </a:schemeClr>
+              </a:solidFill>
+            </a:ln>
+          </p:spPr>
+          <p:style>
+            <a:lnRef idx="2">
+              <a:schemeClr val="accent1">
+                <a:shade val="50000"/>
+              </a:schemeClr>
+            </a:lnRef>
+            <a:fillRef idx="1">
+              <a:schemeClr val="accent1"/>
+            </a:fillRef>
+            <a:effectRef idx="0">
+              <a:schemeClr val="accent1"/>
+            </a:effectRef>
+            <a:fontRef idx="minor">
+              <a:schemeClr val="lt1"/>
+            </a:fontRef>
+          </p:style>
+          <p:txBody>
+            <a:bodyPr rtlCol="0" anchor="ctr"/>
+            <a:lstStyle/>
+            <a:p>
+              <a:pPr algn="ctr"/>
+              <a:endParaRPr kumimoji="1" lang="zh-TW" altLang="en-US" sz="2400" dirty="0">
+                <a:solidFill>
+                  <a:schemeClr val="tx1"/>
+                </a:solidFill>
+                <a:latin typeface="Heiti SC Medium" pitchFamily="2" charset="-128"/>
+                <a:ea typeface="Heiti SC Medium" pitchFamily="2" charset="-128"/>
+              </a:endParaRPr>
+            </a:p>
+          </p:txBody>
+        </p:sp>
+        <p:sp>
+          <p:nvSpPr>
+            <p:cNvPr id="3" name="文字方塊 2">
+              <a:extLst>
+                <a:ext uri="{FF2B5EF4-FFF2-40B4-BE49-F238E27FC236}">
+                  <a16:creationId xmlns:a16="http://schemas.microsoft.com/office/drawing/2014/main" id="{06C5AC5A-A547-D14F-99CB-F574CC5EE3DE}"/>
+                </a:ext>
+              </a:extLst>
+            </p:cNvPr>
+            <p:cNvSpPr txBox="1"/>
+            <p:nvPr/>
+          </p:nvSpPr>
+          <p:spPr>
+            <a:xfrm>
+              <a:off x="1155517" y="4447886"/>
+              <a:ext cx="1415772" cy="461665"/>
+            </a:xfrm>
+            <a:prstGeom prst="rect">
+              <a:avLst/>
+            </a:prstGeom>
+            <a:noFill/>
+          </p:spPr>
+          <p:txBody>
+            <a:bodyPr wrap="none" rtlCol="0">
+              <a:spAutoFit/>
+            </a:bodyPr>
+            <a:lstStyle/>
+            <a:p>
+              <a:r>
+                <a:rPr kumimoji="1" lang="zh-TW" altLang="en-US" sz="2400" dirty="0">
+                  <a:latin typeface="Heiti SC Medium" pitchFamily="2" charset="-128"/>
+                  <a:ea typeface="Heiti SC Medium" pitchFamily="2" charset="-128"/>
+                </a:rPr>
+                <a:t>概念理解</a:t>
+              </a:r>
+              <a:endParaRPr kumimoji="1" lang="zh-TW" altLang="en-US" sz="2400" dirty="0">
+                <a:latin typeface="Heiti SC Medium" pitchFamily="2" charset="-128"/>
+                <a:ea typeface="Heiti SC Medium" pitchFamily="2" charset="-128"/>
+              </a:endParaRPr>
+            </a:p>
+          </p:txBody>
+        </p:sp>
+        <p:sp>
+          <p:nvSpPr>
+            <p:cNvPr id="14" name="矩形 13">
+              <a:extLst>
+                <a:ext uri="{FF2B5EF4-FFF2-40B4-BE49-F238E27FC236}">
+                  <a16:creationId xmlns:a16="http://schemas.microsoft.com/office/drawing/2014/main" id="{8B6B8AE9-0B20-8F42-BBCB-CF0E92456442}"/>
+                </a:ext>
+              </a:extLst>
+            </p:cNvPr>
+            <p:cNvSpPr/>
+            <p:nvPr/>
+          </p:nvSpPr>
+          <p:spPr>
+            <a:xfrm>
+              <a:off x="1415087" y="5070557"/>
+              <a:ext cx="2160000" cy="432000"/>
+            </a:xfrm>
+            <a:prstGeom prst="rect">
+              <a:avLst/>
+            </a:prstGeom>
+            <a:solidFill>
+              <a:schemeClr val="bg1"/>
+            </a:solidFill>
+            <a:ln>
+              <a:noFill/>
+            </a:ln>
+          </p:spPr>
+          <p:style>
+            <a:lnRef idx="2">
+              <a:schemeClr val="accent1">
+                <a:shade val="50000"/>
+              </a:schemeClr>
+            </a:lnRef>
+            <a:fillRef idx="1">
+              <a:schemeClr val="accent1"/>
+            </a:fillRef>
+            <a:effectRef idx="0">
+              <a:schemeClr val="accent1"/>
+            </a:effectRef>
+            <a:fontRef idx="minor">
+              <a:schemeClr val="lt1"/>
+            </a:fontRef>
+          </p:style>
+          <p:txBody>
+            <a:bodyPr rtlCol="0" anchor="ctr"/>
+            <a:lstStyle/>
+            <a:p>
+              <a:pPr algn="ctr"/>
+              <a:r>
+                <a:rPr kumimoji="1" lang="zh-TW" altLang="en-US" dirty="0">
+                  <a:solidFill>
+                    <a:schemeClr val="tx1"/>
+                  </a:solidFill>
+                  <a:latin typeface="Heiti SC Medium" pitchFamily="2" charset="-128"/>
+                  <a:ea typeface="Heiti SC Medium" pitchFamily="2" charset="-128"/>
+                </a:rPr>
+                <a:t>教學投影片</a:t>
+              </a:r>
+            </a:p>
+          </p:txBody>
+        </p:sp>
+      </p:grpSp>
+      <p:grpSp>
+        <p:nvGrpSpPr>
+          <p:cNvPr id="20" name="群組 19">
+            <a:extLst>
+              <a:ext uri="{FF2B5EF4-FFF2-40B4-BE49-F238E27FC236}">
+                <a16:creationId xmlns:a16="http://schemas.microsoft.com/office/drawing/2014/main" id="{9807914B-2B0C-1545-994E-B3C9647B99A7}"/>
+              </a:ext>
+            </a:extLst>
+          </p:cNvPr>
+          <p:cNvGrpSpPr/>
+          <p:nvPr/>
+        </p:nvGrpSpPr>
+        <p:grpSpPr>
+          <a:xfrm>
+            <a:off x="4605785" y="2705720"/>
+            <a:ext cx="2880000" cy="1800000"/>
+            <a:chOff x="4484087" y="2357923"/>
+            <a:chExt cx="2880000" cy="1800000"/>
+          </a:xfrm>
+        </p:grpSpPr>
+        <p:sp>
+          <p:nvSpPr>
+            <p:cNvPr id="16" name="矩形 15">
+              <a:extLst>
+                <a:ext uri="{FF2B5EF4-FFF2-40B4-BE49-F238E27FC236}">
+                  <a16:creationId xmlns:a16="http://schemas.microsoft.com/office/drawing/2014/main" id="{75F12E03-975B-B549-A0EC-AA63D6AD9D8F}"/>
+                </a:ext>
+              </a:extLst>
+            </p:cNvPr>
+            <p:cNvSpPr/>
+            <p:nvPr/>
+          </p:nvSpPr>
+          <p:spPr>
+            <a:xfrm>
+              <a:off x="4484087" y="2357923"/>
+              <a:ext cx="2880000" cy="1800000"/>
+            </a:xfrm>
+            <a:prstGeom prst="rect">
+              <a:avLst/>
+            </a:prstGeom>
+            <a:solidFill>
+              <a:schemeClr val="accent2">
+                <a:lumMod val="40000"/>
+                <a:lumOff val="60000"/>
+              </a:schemeClr>
+            </a:solidFill>
+            <a:ln>
+              <a:solidFill>
+                <a:schemeClr val="accent2">
+                  <a:lumMod val="40000"/>
+                  <a:lumOff val="60000"/>
+                </a:schemeClr>
+              </a:solidFill>
+            </a:ln>
+          </p:spPr>
+          <p:style>
+            <a:lnRef idx="2">
+              <a:schemeClr val="accent1">
+                <a:shade val="50000"/>
+              </a:schemeClr>
+            </a:lnRef>
+            <a:fillRef idx="1">
+              <a:schemeClr val="accent1"/>
+            </a:fillRef>
+            <a:effectRef idx="0">
+              <a:schemeClr val="accent1"/>
+            </a:effectRef>
+            <a:fontRef idx="minor">
+              <a:schemeClr val="lt1"/>
+            </a:fontRef>
+          </p:style>
+          <p:txBody>
+            <a:bodyPr rtlCol="0" anchor="ctr"/>
+            <a:lstStyle/>
+            <a:p>
+              <a:pPr algn="ctr"/>
+              <a:endParaRPr kumimoji="1" lang="zh-TW" altLang="en-US" sz="2400" dirty="0">
+                <a:solidFill>
+                  <a:schemeClr val="tx1"/>
+                </a:solidFill>
+                <a:latin typeface="Heiti SC Medium" pitchFamily="2" charset="-128"/>
+                <a:ea typeface="Heiti SC Medium" pitchFamily="2" charset="-128"/>
+              </a:endParaRPr>
+            </a:p>
+          </p:txBody>
+        </p:sp>
+        <p:sp>
+          <p:nvSpPr>
+            <p:cNvPr id="17" name="文字方塊 16">
+              <a:extLst>
+                <a:ext uri="{FF2B5EF4-FFF2-40B4-BE49-F238E27FC236}">
+                  <a16:creationId xmlns:a16="http://schemas.microsoft.com/office/drawing/2014/main" id="{E01643FD-E20D-8D45-89B5-BA1027EDE023}"/>
+                </a:ext>
+              </a:extLst>
+            </p:cNvPr>
+            <p:cNvSpPr txBox="1"/>
+            <p:nvPr/>
+          </p:nvSpPr>
+          <p:spPr>
+            <a:xfrm>
+              <a:off x="4584517" y="2466780"/>
+              <a:ext cx="1415772" cy="461665"/>
+            </a:xfrm>
+            <a:prstGeom prst="rect">
+              <a:avLst/>
+            </a:prstGeom>
+            <a:noFill/>
+          </p:spPr>
+          <p:txBody>
+            <a:bodyPr wrap="none" rtlCol="0">
+              <a:spAutoFit/>
+            </a:bodyPr>
+            <a:lstStyle/>
+            <a:p>
+              <a:r>
+                <a:rPr kumimoji="1" lang="zh-TW" altLang="en-US" sz="2400" dirty="0">
+                  <a:latin typeface="Heiti SC Medium" pitchFamily="2" charset="-128"/>
+                  <a:ea typeface="Heiti SC Medium" pitchFamily="2" charset="-128"/>
+                </a:rPr>
+                <a:t>概念反思</a:t>
+              </a:r>
+            </a:p>
+          </p:txBody>
+        </p:sp>
+        <p:sp>
+          <p:nvSpPr>
+            <p:cNvPr id="18" name="矩形 17">
+              <a:extLst>
+                <a:ext uri="{FF2B5EF4-FFF2-40B4-BE49-F238E27FC236}">
+                  <a16:creationId xmlns:a16="http://schemas.microsoft.com/office/drawing/2014/main" id="{9020750C-9776-AD46-A638-D709606FBECB}"/>
+                </a:ext>
+              </a:extLst>
+            </p:cNvPr>
+            <p:cNvSpPr/>
+            <p:nvPr/>
+          </p:nvSpPr>
+          <p:spPr>
+            <a:xfrm>
+              <a:off x="4844087" y="3039016"/>
+              <a:ext cx="2160000" cy="432000"/>
+            </a:xfrm>
+            <a:prstGeom prst="rect">
+              <a:avLst/>
+            </a:prstGeom>
+            <a:solidFill>
+              <a:schemeClr val="bg1"/>
+            </a:solidFill>
+            <a:ln>
+              <a:noFill/>
+            </a:ln>
+          </p:spPr>
+          <p:style>
+            <a:lnRef idx="2">
+              <a:schemeClr val="accent1">
+                <a:shade val="50000"/>
+              </a:schemeClr>
+            </a:lnRef>
+            <a:fillRef idx="1">
+              <a:schemeClr val="accent1"/>
+            </a:fillRef>
+            <a:effectRef idx="0">
+              <a:schemeClr val="accent1"/>
+            </a:effectRef>
+            <a:fontRef idx="minor">
+              <a:schemeClr val="lt1"/>
+            </a:fontRef>
+          </p:style>
+          <p:txBody>
+            <a:bodyPr rtlCol="0" anchor="ctr"/>
+            <a:lstStyle/>
+            <a:p>
+              <a:pPr algn="ctr"/>
+              <a:r>
+                <a:rPr kumimoji="1" lang="zh-TW" altLang="en-US" dirty="0">
+                  <a:solidFill>
+                    <a:schemeClr val="tx1"/>
+                  </a:solidFill>
+                  <a:latin typeface="Heiti SC Medium" pitchFamily="2" charset="-128"/>
+                  <a:ea typeface="Heiti SC Medium" pitchFamily="2" charset="-128"/>
+                </a:rPr>
+                <a:t>視覺化模擬平台</a:t>
+              </a:r>
+              <a:endParaRPr kumimoji="1" lang="zh-TW" altLang="en-US" dirty="0">
+                <a:solidFill>
+                  <a:schemeClr val="tx1"/>
+                </a:solidFill>
+                <a:latin typeface="Heiti SC Medium" pitchFamily="2" charset="-128"/>
+                <a:ea typeface="Heiti SC Medium" pitchFamily="2" charset="-128"/>
+              </a:endParaRPr>
+            </a:p>
+          </p:txBody>
+        </p:sp>
+        <p:sp>
+          <p:nvSpPr>
+            <p:cNvPr id="19" name="矩形 18">
+              <a:extLst>
+                <a:ext uri="{FF2B5EF4-FFF2-40B4-BE49-F238E27FC236}">
+                  <a16:creationId xmlns:a16="http://schemas.microsoft.com/office/drawing/2014/main" id="{652D6136-31FC-6E45-BEAB-DA63EB9AFE68}"/>
+                </a:ext>
+              </a:extLst>
+            </p:cNvPr>
+            <p:cNvSpPr/>
+            <p:nvPr/>
+          </p:nvSpPr>
+          <p:spPr>
+            <a:xfrm>
+              <a:off x="4844087" y="3581587"/>
+              <a:ext cx="2160000" cy="432000"/>
+            </a:xfrm>
+            <a:prstGeom prst="rect">
+              <a:avLst/>
+            </a:prstGeom>
+            <a:solidFill>
+              <a:schemeClr val="bg1"/>
+            </a:solidFill>
+            <a:ln>
+              <a:noFill/>
+            </a:ln>
+          </p:spPr>
+          <p:style>
+            <a:lnRef idx="2">
+              <a:schemeClr val="accent1">
+                <a:shade val="50000"/>
+              </a:schemeClr>
+            </a:lnRef>
+            <a:fillRef idx="1">
+              <a:schemeClr val="accent1"/>
+            </a:fillRef>
+            <a:effectRef idx="0">
+              <a:schemeClr val="accent1"/>
+            </a:effectRef>
+            <a:fontRef idx="minor">
+              <a:schemeClr val="lt1"/>
+            </a:fontRef>
+          </p:style>
+          <p:txBody>
+            <a:bodyPr rtlCol="0" anchor="ctr"/>
+            <a:lstStyle/>
+            <a:p>
+              <a:pPr algn="ctr"/>
+              <a:r>
+                <a:rPr kumimoji="1" lang="zh-TW" altLang="en-US" dirty="0">
+                  <a:solidFill>
+                    <a:schemeClr val="tx1"/>
+                  </a:solidFill>
+                  <a:latin typeface="Heiti SC Medium" pitchFamily="2" charset="-128"/>
+                  <a:ea typeface="Heiti SC Medium" pitchFamily="2" charset="-128"/>
+                </a:rPr>
+                <a:t>概念學習單</a:t>
+              </a:r>
+              <a:endParaRPr kumimoji="1" lang="zh-TW" altLang="en-US" dirty="0">
+                <a:solidFill>
+                  <a:schemeClr val="tx1"/>
+                </a:solidFill>
+                <a:latin typeface="Heiti SC Medium" pitchFamily="2" charset="-128"/>
+                <a:ea typeface="Heiti SC Medium" pitchFamily="2" charset="-128"/>
+              </a:endParaRPr>
+            </a:p>
+          </p:txBody>
+        </p:sp>
+      </p:grpSp>
+      <p:grpSp>
+        <p:nvGrpSpPr>
+          <p:cNvPr id="22" name="群組 21">
+            <a:extLst>
+              <a:ext uri="{FF2B5EF4-FFF2-40B4-BE49-F238E27FC236}">
+                <a16:creationId xmlns:a16="http://schemas.microsoft.com/office/drawing/2014/main" id="{863FA5D1-FADF-D14D-A2FE-39EEBBFB1F1D}"/>
+              </a:ext>
+            </a:extLst>
+          </p:cNvPr>
+          <p:cNvGrpSpPr/>
+          <p:nvPr/>
+        </p:nvGrpSpPr>
+        <p:grpSpPr>
+          <a:xfrm>
+            <a:off x="8373370" y="2874192"/>
+            <a:ext cx="2880000" cy="1463057"/>
+            <a:chOff x="1055087" y="4339029"/>
+            <a:chExt cx="2880000" cy="1463057"/>
+          </a:xfrm>
+        </p:grpSpPr>
+        <p:sp>
+          <p:nvSpPr>
+            <p:cNvPr id="23" name="矩形 22">
+              <a:extLst>
+                <a:ext uri="{FF2B5EF4-FFF2-40B4-BE49-F238E27FC236}">
+                  <a16:creationId xmlns:a16="http://schemas.microsoft.com/office/drawing/2014/main" id="{4B3EA3A4-CD26-3543-B26E-A3822BD5EC0D}"/>
+                </a:ext>
+              </a:extLst>
+            </p:cNvPr>
+            <p:cNvSpPr/>
+            <p:nvPr/>
+          </p:nvSpPr>
+          <p:spPr>
+            <a:xfrm>
+              <a:off x="1055087" y="4339029"/>
+              <a:ext cx="2880000" cy="1463057"/>
+            </a:xfrm>
+            <a:prstGeom prst="rect">
+              <a:avLst/>
+            </a:prstGeom>
+            <a:solidFill>
+              <a:schemeClr val="accent1">
+                <a:lumMod val="40000"/>
+                <a:lumOff val="60000"/>
+              </a:schemeClr>
+            </a:solidFill>
+            <a:ln>
+              <a:solidFill>
+                <a:schemeClr val="accent1">
+                  <a:lumMod val="40000"/>
+                  <a:lumOff val="60000"/>
+                </a:schemeClr>
+              </a:solidFill>
+            </a:ln>
+          </p:spPr>
+          <p:style>
+            <a:lnRef idx="2">
+              <a:schemeClr val="accent1">
+                <a:shade val="50000"/>
+              </a:schemeClr>
+            </a:lnRef>
+            <a:fillRef idx="1">
+              <a:schemeClr val="accent1"/>
+            </a:fillRef>
+            <a:effectRef idx="0">
+              <a:schemeClr val="accent1"/>
+            </a:effectRef>
+            <a:fontRef idx="minor">
+              <a:schemeClr val="lt1"/>
+            </a:fontRef>
+          </p:style>
+          <p:txBody>
+            <a:bodyPr rtlCol="0" anchor="ctr"/>
+            <a:lstStyle/>
+            <a:p>
+              <a:pPr algn="ctr"/>
+              <a:endParaRPr kumimoji="1" lang="zh-TW" altLang="en-US" sz="2400" dirty="0">
+                <a:solidFill>
+                  <a:schemeClr val="tx1"/>
+                </a:solidFill>
+                <a:latin typeface="Heiti SC Medium" pitchFamily="2" charset="-128"/>
+                <a:ea typeface="Heiti SC Medium" pitchFamily="2" charset="-128"/>
+              </a:endParaRPr>
+            </a:p>
+          </p:txBody>
+        </p:sp>
+        <p:sp>
+          <p:nvSpPr>
+            <p:cNvPr id="24" name="文字方塊 23">
+              <a:extLst>
+                <a:ext uri="{FF2B5EF4-FFF2-40B4-BE49-F238E27FC236}">
+                  <a16:creationId xmlns:a16="http://schemas.microsoft.com/office/drawing/2014/main" id="{A02BB21D-1C3E-3244-BC11-FCF7CBA6D608}"/>
+                </a:ext>
+              </a:extLst>
+            </p:cNvPr>
+            <p:cNvSpPr txBox="1"/>
+            <p:nvPr/>
+          </p:nvSpPr>
+          <p:spPr>
+            <a:xfrm>
+              <a:off x="1155517" y="4447886"/>
+              <a:ext cx="1415772" cy="461665"/>
+            </a:xfrm>
+            <a:prstGeom prst="rect">
+              <a:avLst/>
+            </a:prstGeom>
+            <a:noFill/>
+          </p:spPr>
+          <p:txBody>
+            <a:bodyPr wrap="none" rtlCol="0">
+              <a:spAutoFit/>
+            </a:bodyPr>
+            <a:lstStyle/>
+            <a:p>
+              <a:r>
+                <a:rPr kumimoji="1" lang="zh-TW" altLang="en-US" sz="2400" dirty="0">
+                  <a:latin typeface="Heiti SC Medium" pitchFamily="2" charset="-128"/>
+                  <a:ea typeface="Heiti SC Medium" pitchFamily="2" charset="-128"/>
+                </a:rPr>
+                <a:t>概念應用</a:t>
+              </a:r>
+            </a:p>
+          </p:txBody>
+        </p:sp>
+        <p:sp>
+          <p:nvSpPr>
+            <p:cNvPr id="25" name="矩形 24">
+              <a:extLst>
+                <a:ext uri="{FF2B5EF4-FFF2-40B4-BE49-F238E27FC236}">
+                  <a16:creationId xmlns:a16="http://schemas.microsoft.com/office/drawing/2014/main" id="{E1AC8058-8FE6-0348-B8B3-575AC788D18A}"/>
+                </a:ext>
+              </a:extLst>
+            </p:cNvPr>
+            <p:cNvSpPr/>
+            <p:nvPr/>
+          </p:nvSpPr>
+          <p:spPr>
+            <a:xfrm>
+              <a:off x="1415087" y="5070557"/>
+              <a:ext cx="2160000" cy="432000"/>
+            </a:xfrm>
+            <a:prstGeom prst="rect">
+              <a:avLst/>
+            </a:prstGeom>
+            <a:solidFill>
+              <a:schemeClr val="bg1"/>
+            </a:solidFill>
+            <a:ln>
+              <a:noFill/>
+            </a:ln>
+          </p:spPr>
+          <p:style>
+            <a:lnRef idx="2">
+              <a:schemeClr val="accent1">
+                <a:shade val="50000"/>
+              </a:schemeClr>
+            </a:lnRef>
+            <a:fillRef idx="1">
+              <a:schemeClr val="accent1"/>
+            </a:fillRef>
+            <a:effectRef idx="0">
+              <a:schemeClr val="accent1"/>
+            </a:effectRef>
+            <a:fontRef idx="minor">
+              <a:schemeClr val="lt1"/>
+            </a:fontRef>
+          </p:style>
+          <p:txBody>
+            <a:bodyPr rtlCol="0" anchor="ctr"/>
+            <a:lstStyle/>
+            <a:p>
+              <a:pPr algn="ctr"/>
+              <a:r>
+                <a:rPr kumimoji="1" lang="zh-TW" altLang="en-US" dirty="0">
+                  <a:solidFill>
+                    <a:schemeClr val="tx1"/>
+                  </a:solidFill>
+                  <a:latin typeface="Heiti SC Medium" pitchFamily="2" charset="-128"/>
+                  <a:ea typeface="Heiti SC Medium" pitchFamily="2" charset="-128"/>
+                </a:rPr>
+                <a:t>程式設計學習單</a:t>
+              </a:r>
+              <a:endParaRPr kumimoji="1" lang="zh-TW" altLang="en-US" dirty="0">
+                <a:solidFill>
+                  <a:schemeClr val="tx1"/>
+                </a:solidFill>
+                <a:latin typeface="Heiti SC Medium" pitchFamily="2" charset="-128"/>
+                <a:ea typeface="Heiti SC Medium" pitchFamily="2" charset="-128"/>
+              </a:endParaRPr>
+            </a:p>
+          </p:txBody>
+        </p:sp>
+      </p:grpSp>
+      <p:cxnSp>
+        <p:nvCxnSpPr>
+          <p:cNvPr id="26" name="直線箭頭接點 25">
+            <a:extLst>
+              <a:ext uri="{FF2B5EF4-FFF2-40B4-BE49-F238E27FC236}">
+                <a16:creationId xmlns:a16="http://schemas.microsoft.com/office/drawing/2014/main" id="{387DFF1D-D21E-A64F-B1E8-1D98A6C89C70}"/>
+              </a:ext>
+            </a:extLst>
+          </p:cNvPr>
+          <p:cNvCxnSpPr>
+            <a:cxnSpLocks/>
+            <a:stCxn id="4" idx="3"/>
+            <a:endCxn id="16" idx="1"/>
+          </p:cNvCxnSpPr>
+          <p:nvPr/>
+        </p:nvCxnSpPr>
+        <p:spPr>
+          <a:xfrm flipV="1">
+            <a:off x="3718200" y="3605720"/>
+            <a:ext cx="887585" cy="2"/>
+          </a:xfrm>
+          <a:prstGeom prst="straightConnector1">
+            <a:avLst/>
+          </a:prstGeom>
+          <a:ln w="57150">
+            <a:solidFill>
+              <a:srgbClr val="FF0000"/>
+            </a:solidFill>
+            <a:tailEnd type="triangle"/>
+          </a:ln>
+        </p:spPr>
+        <p:style>
+          <a:lnRef idx="1">
+            <a:schemeClr val="dk1"/>
+          </a:lnRef>
+          <a:fillRef idx="0">
+            <a:schemeClr val="dk1"/>
+          </a:fillRef>
+          <a:effectRef idx="0">
+            <a:schemeClr val="dk1"/>
+          </a:effectRef>
+          <a:fontRef idx="minor">
+            <a:schemeClr val="tx1"/>
+          </a:fontRef>
+        </p:style>
+      </p:cxnSp>
+      <p:cxnSp>
+        <p:nvCxnSpPr>
+          <p:cNvPr id="29" name="直線箭頭接點 28">
+            <a:extLst>
+              <a:ext uri="{FF2B5EF4-FFF2-40B4-BE49-F238E27FC236}">
+                <a16:creationId xmlns:a16="http://schemas.microsoft.com/office/drawing/2014/main" id="{C4E51133-DE33-FC41-854D-EAA6BE65D936}"/>
+              </a:ext>
+            </a:extLst>
+          </p:cNvPr>
+          <p:cNvCxnSpPr>
+            <a:cxnSpLocks/>
+            <a:stCxn id="16" idx="3"/>
+            <a:endCxn id="23" idx="1"/>
+          </p:cNvCxnSpPr>
+          <p:nvPr/>
+        </p:nvCxnSpPr>
+        <p:spPr>
+          <a:xfrm>
+            <a:off x="7485785" y="3605720"/>
+            <a:ext cx="887585" cy="1"/>
+          </a:xfrm>
+          <a:prstGeom prst="straightConnector1">
+            <a:avLst/>
+          </a:prstGeom>
+          <a:ln w="57150">
+            <a:solidFill>
+              <a:srgbClr val="FF0000"/>
+            </a:solidFill>
+            <a:tailEnd type="triangle"/>
+          </a:ln>
+        </p:spPr>
+        <p:style>
+          <a:lnRef idx="1">
+            <a:schemeClr val="dk1"/>
+          </a:lnRef>
+          <a:fillRef idx="0">
+            <a:schemeClr val="dk1"/>
+          </a:fillRef>
+          <a:effectRef idx="0">
+            <a:schemeClr val="dk1"/>
+          </a:effectRef>
+          <a:fontRef idx="minor">
+            <a:schemeClr val="tx1"/>
+          </a:fontRef>
+        </p:style>
+      </p:cxnSp>
+      <p:cxnSp>
+        <p:nvCxnSpPr>
+          <p:cNvPr id="32" name="肘形接點 31">
+            <a:extLst>
+              <a:ext uri="{FF2B5EF4-FFF2-40B4-BE49-F238E27FC236}">
+                <a16:creationId xmlns:a16="http://schemas.microsoft.com/office/drawing/2014/main" id="{3E32D362-BBC3-F647-B307-F82266CBCD9F}"/>
+              </a:ext>
+            </a:extLst>
+          </p:cNvPr>
+          <p:cNvCxnSpPr>
+            <a:cxnSpLocks/>
+            <a:stCxn id="16" idx="0"/>
+            <a:endCxn id="4" idx="0"/>
+          </p:cNvCxnSpPr>
+          <p:nvPr/>
+        </p:nvCxnSpPr>
+        <p:spPr>
+          <a:xfrm rot="16200000" flipH="1" flipV="1">
+            <a:off x="4077756" y="906163"/>
+            <a:ext cx="168473" cy="3767585"/>
+          </a:xfrm>
+          <a:prstGeom prst="bentConnector3">
+            <a:avLst>
+              <a:gd name="adj1" fmla="val -361838"/>
+            </a:avLst>
+          </a:prstGeom>
+          <a:ln w="57150">
+            <a:solidFill>
+              <a:schemeClr val="bg2">
+                <a:lumMod val="75000"/>
+              </a:schemeClr>
+            </a:solidFill>
+            <a:prstDash val="dash"/>
+            <a:tailEnd type="triangle"/>
+          </a:ln>
+        </p:spPr>
+        <p:style>
+          <a:lnRef idx="1">
+            <a:schemeClr val="accent1"/>
+          </a:lnRef>
+          <a:fillRef idx="0">
+            <a:schemeClr val="accent1"/>
+          </a:fillRef>
+          <a:effectRef idx="0">
+            <a:schemeClr val="accent1"/>
+          </a:effectRef>
+          <a:fontRef idx="minor">
+            <a:schemeClr val="tx1"/>
+          </a:fontRef>
+        </p:style>
+      </p:cxnSp>
+      <p:sp>
+        <p:nvSpPr>
+          <p:cNvPr id="33" name="文字方塊 32">
+            <a:extLst>
+              <a:ext uri="{FF2B5EF4-FFF2-40B4-BE49-F238E27FC236}">
+                <a16:creationId xmlns:a16="http://schemas.microsoft.com/office/drawing/2014/main" id="{52C0E7C6-ACE5-C945-82A1-32020D8559D1}"/>
+              </a:ext>
+            </a:extLst>
+          </p:cNvPr>
+          <p:cNvSpPr txBox="1"/>
+          <p:nvPr/>
+        </p:nvSpPr>
+        <p:spPr>
+          <a:xfrm>
+            <a:off x="3447421" y="1589942"/>
+            <a:ext cx="1518364" cy="461665"/>
+          </a:xfrm>
+          <a:prstGeom prst="rect">
+            <a:avLst/>
+          </a:prstGeom>
+          <a:noFill/>
+        </p:spPr>
+        <p:txBody>
+          <a:bodyPr wrap="square" rtlCol="0">
+            <a:spAutoFit/>
+          </a:bodyPr>
+          <a:lstStyle/>
+          <a:p>
+            <a:r>
+              <a:rPr kumimoji="1" lang="zh-TW" altLang="en-US" sz="2400" dirty="0">
+                <a:solidFill>
+                  <a:schemeClr val="bg2">
+                    <a:lumMod val="75000"/>
+                  </a:schemeClr>
+                </a:solidFill>
+                <a:latin typeface="Heiti SC Medium" pitchFamily="2" charset="-128"/>
+                <a:ea typeface="Heiti SC Medium" pitchFamily="2" charset="-128"/>
+              </a:rPr>
+              <a:t>理解</a:t>
+            </a:r>
+            <a:r>
+              <a:rPr kumimoji="1" lang="en-US" altLang="zh-TW" sz="2400" dirty="0">
+                <a:solidFill>
+                  <a:schemeClr val="bg2">
+                    <a:lumMod val="75000"/>
+                  </a:schemeClr>
+                </a:solidFill>
+                <a:latin typeface="Heiti SC Medium" pitchFamily="2" charset="-128"/>
+                <a:ea typeface="Heiti SC Medium" pitchFamily="2" charset="-128"/>
+              </a:rPr>
+              <a:t>-</a:t>
+            </a:r>
+            <a:r>
+              <a:rPr kumimoji="1" lang="zh-TW" altLang="en-US" sz="2400" dirty="0">
+                <a:solidFill>
+                  <a:schemeClr val="bg2">
+                    <a:lumMod val="75000"/>
+                  </a:schemeClr>
+                </a:solidFill>
+                <a:latin typeface="Heiti SC Medium" pitchFamily="2" charset="-128"/>
+                <a:ea typeface="Heiti SC Medium" pitchFamily="2" charset="-128"/>
+              </a:rPr>
+              <a:t>反思</a:t>
+            </a:r>
+          </a:p>
+        </p:txBody>
+      </p:sp>
+      <p:cxnSp>
+        <p:nvCxnSpPr>
+          <p:cNvPr id="41" name="肘形接點 40">
+            <a:extLst>
+              <a:ext uri="{FF2B5EF4-FFF2-40B4-BE49-F238E27FC236}">
+                <a16:creationId xmlns:a16="http://schemas.microsoft.com/office/drawing/2014/main" id="{AAB88AC1-25B4-8942-8BE4-99FDB61AE6C6}"/>
+              </a:ext>
+            </a:extLst>
+          </p:cNvPr>
+          <p:cNvCxnSpPr>
+            <a:cxnSpLocks/>
+            <a:stCxn id="23" idx="2"/>
+            <a:endCxn id="16" idx="2"/>
+          </p:cNvCxnSpPr>
+          <p:nvPr/>
+        </p:nvCxnSpPr>
+        <p:spPr>
+          <a:xfrm rot="5400000">
+            <a:off x="7845343" y="2537692"/>
+            <a:ext cx="168471" cy="3767585"/>
+          </a:xfrm>
+          <a:prstGeom prst="bentConnector3">
+            <a:avLst>
+              <a:gd name="adj1" fmla="val 603995"/>
+            </a:avLst>
+          </a:prstGeom>
+          <a:ln w="57150">
+            <a:solidFill>
+              <a:schemeClr val="bg2">
+                <a:lumMod val="75000"/>
+              </a:schemeClr>
+            </a:solidFill>
+            <a:prstDash val="dash"/>
+            <a:tailEnd type="triangle"/>
+          </a:ln>
+        </p:spPr>
+        <p:style>
+          <a:lnRef idx="1">
+            <a:schemeClr val="accent1"/>
+          </a:lnRef>
+          <a:fillRef idx="0">
+            <a:schemeClr val="accent1"/>
+          </a:fillRef>
+          <a:effectRef idx="0">
+            <a:schemeClr val="accent1"/>
+          </a:effectRef>
+          <a:fontRef idx="minor">
+            <a:schemeClr val="tx1"/>
+          </a:fontRef>
+        </p:style>
+      </p:cxnSp>
+      <p:sp>
+        <p:nvSpPr>
+          <p:cNvPr id="43" name="文字方塊 42">
+            <a:extLst>
+              <a:ext uri="{FF2B5EF4-FFF2-40B4-BE49-F238E27FC236}">
+                <a16:creationId xmlns:a16="http://schemas.microsoft.com/office/drawing/2014/main" id="{6FDB47A7-0ADE-D44E-A80C-F0EC86400497}"/>
+              </a:ext>
+            </a:extLst>
+          </p:cNvPr>
+          <p:cNvSpPr txBox="1"/>
+          <p:nvPr/>
+        </p:nvSpPr>
+        <p:spPr>
+          <a:xfrm>
+            <a:off x="3609236" y="5525619"/>
+            <a:ext cx="1518364" cy="461665"/>
+          </a:xfrm>
+          <a:prstGeom prst="rect">
+            <a:avLst/>
+          </a:prstGeom>
+          <a:noFill/>
+        </p:spPr>
+        <p:txBody>
+          <a:bodyPr wrap="none" rtlCol="0">
+            <a:spAutoFit/>
+          </a:bodyPr>
+          <a:lstStyle/>
+          <a:p>
+            <a:r>
+              <a:rPr kumimoji="1" lang="zh-TW" altLang="en-US" sz="2400" dirty="0">
+                <a:solidFill>
+                  <a:schemeClr val="bg2">
+                    <a:lumMod val="75000"/>
+                  </a:schemeClr>
+                </a:solidFill>
+                <a:latin typeface="Heiti SC Medium" pitchFamily="2" charset="-128"/>
+                <a:ea typeface="Heiti SC Medium" pitchFamily="2" charset="-128"/>
+              </a:rPr>
+              <a:t>理解</a:t>
+            </a:r>
+            <a:r>
+              <a:rPr kumimoji="1" lang="en-US" altLang="zh-TW" sz="2400" dirty="0">
+                <a:solidFill>
+                  <a:schemeClr val="bg2">
+                    <a:lumMod val="75000"/>
+                  </a:schemeClr>
+                </a:solidFill>
+                <a:latin typeface="Heiti SC Medium" pitchFamily="2" charset="-128"/>
+                <a:ea typeface="Heiti SC Medium" pitchFamily="2" charset="-128"/>
+              </a:rPr>
+              <a:t>-</a:t>
+            </a:r>
+            <a:r>
+              <a:rPr kumimoji="1" lang="zh-TW" altLang="en-US" sz="2400" dirty="0">
+                <a:solidFill>
+                  <a:schemeClr val="bg2">
+                    <a:lumMod val="75000"/>
+                  </a:schemeClr>
+                </a:solidFill>
+                <a:latin typeface="Heiti SC Medium" pitchFamily="2" charset="-128"/>
+                <a:ea typeface="Heiti SC Medium" pitchFamily="2" charset="-128"/>
+              </a:rPr>
+              <a:t>應用</a:t>
+            </a:r>
+          </a:p>
+        </p:txBody>
+      </p:sp>
+      <p:sp>
+        <p:nvSpPr>
+          <p:cNvPr id="44" name="文字方塊 43">
+            <a:extLst>
+              <a:ext uri="{FF2B5EF4-FFF2-40B4-BE49-F238E27FC236}">
+                <a16:creationId xmlns:a16="http://schemas.microsoft.com/office/drawing/2014/main" id="{92518AA6-1971-DB4C-9AF3-A12F38DFCA44}"/>
+              </a:ext>
+            </a:extLst>
+          </p:cNvPr>
+          <p:cNvSpPr txBox="1"/>
+          <p:nvPr/>
+        </p:nvSpPr>
+        <p:spPr>
+          <a:xfrm>
+            <a:off x="7215006" y="4867896"/>
+            <a:ext cx="1518364" cy="461665"/>
+          </a:xfrm>
+          <a:prstGeom prst="rect">
+            <a:avLst/>
+          </a:prstGeom>
+          <a:noFill/>
+        </p:spPr>
+        <p:txBody>
+          <a:bodyPr wrap="none" rtlCol="0">
+            <a:spAutoFit/>
+          </a:bodyPr>
+          <a:lstStyle/>
+          <a:p>
+            <a:r>
+              <a:rPr kumimoji="1" lang="zh-TW" altLang="en-US" sz="2400" dirty="0">
+                <a:solidFill>
+                  <a:schemeClr val="bg2">
+                    <a:lumMod val="75000"/>
+                  </a:schemeClr>
+                </a:solidFill>
+                <a:latin typeface="Heiti SC Medium" pitchFamily="2" charset="-128"/>
+                <a:ea typeface="Heiti SC Medium" pitchFamily="2" charset="-128"/>
+              </a:rPr>
+              <a:t>反思</a:t>
+            </a:r>
+            <a:r>
+              <a:rPr kumimoji="1" lang="en-US" altLang="zh-TW" sz="2400" dirty="0">
+                <a:solidFill>
+                  <a:schemeClr val="bg2">
+                    <a:lumMod val="75000"/>
+                  </a:schemeClr>
+                </a:solidFill>
+                <a:latin typeface="Heiti SC Medium" pitchFamily="2" charset="-128"/>
+                <a:ea typeface="Heiti SC Medium" pitchFamily="2" charset="-128"/>
+              </a:rPr>
+              <a:t>-</a:t>
+            </a:r>
+            <a:r>
+              <a:rPr kumimoji="1" lang="zh-TW" altLang="en-US" sz="2400" dirty="0">
+                <a:solidFill>
+                  <a:schemeClr val="bg2">
+                    <a:lumMod val="75000"/>
+                  </a:schemeClr>
+                </a:solidFill>
+                <a:latin typeface="Heiti SC Medium" pitchFamily="2" charset="-128"/>
+                <a:ea typeface="Heiti SC Medium" pitchFamily="2" charset="-128"/>
+              </a:rPr>
+              <a:t>應用</a:t>
+            </a:r>
+          </a:p>
+        </p:txBody>
+      </p:sp>
+      <p:grpSp>
+        <p:nvGrpSpPr>
+          <p:cNvPr id="107" name="群組 106">
+            <a:extLst>
+              <a:ext uri="{FF2B5EF4-FFF2-40B4-BE49-F238E27FC236}">
+                <a16:creationId xmlns:a16="http://schemas.microsoft.com/office/drawing/2014/main" id="{28E6222F-E59E-2041-B4FA-D83408DBB17C}"/>
+              </a:ext>
+            </a:extLst>
+          </p:cNvPr>
+          <p:cNvGrpSpPr/>
+          <p:nvPr/>
+        </p:nvGrpSpPr>
+        <p:grpSpPr>
+          <a:xfrm>
+            <a:off x="2278201" y="4337249"/>
+            <a:ext cx="7997913" cy="1656000"/>
+            <a:chOff x="2278201" y="4337249"/>
+            <a:chExt cx="7997913" cy="1656000"/>
+          </a:xfrm>
+        </p:grpSpPr>
+        <p:cxnSp>
+          <p:nvCxnSpPr>
+            <p:cNvPr id="93" name="肘形接點 92">
+              <a:extLst>
+                <a:ext uri="{FF2B5EF4-FFF2-40B4-BE49-F238E27FC236}">
+                  <a16:creationId xmlns:a16="http://schemas.microsoft.com/office/drawing/2014/main" id="{D548F924-A176-FC46-B563-AF2607E56D8D}"/>
+                </a:ext>
+              </a:extLst>
+            </p:cNvPr>
+            <p:cNvCxnSpPr>
+              <a:cxnSpLocks/>
+              <a:endCxn id="4" idx="2"/>
+            </p:cNvCxnSpPr>
+            <p:nvPr/>
+          </p:nvCxnSpPr>
+          <p:spPr>
+            <a:xfrm rot="10800000">
+              <a:off x="2278201" y="4337251"/>
+              <a:ext cx="7910829" cy="1655663"/>
+            </a:xfrm>
+            <a:prstGeom prst="bentConnector2">
+              <a:avLst/>
+            </a:prstGeom>
+            <a:ln w="57150">
+              <a:solidFill>
+                <a:schemeClr val="bg2">
+                  <a:lumMod val="75000"/>
+                </a:schemeClr>
+              </a:solidFill>
+              <a:prstDash val="dash"/>
+              <a:tailEnd type="triangle"/>
+            </a:ln>
+          </p:spPr>
+          <p:style>
+            <a:lnRef idx="1">
+              <a:schemeClr val="accent1"/>
+            </a:lnRef>
+            <a:fillRef idx="0">
+              <a:schemeClr val="accent1"/>
+            </a:fillRef>
+            <a:effectRef idx="0">
+              <a:schemeClr val="accent1"/>
+            </a:effectRef>
+            <a:fontRef idx="minor">
+              <a:schemeClr val="tx1"/>
+            </a:fontRef>
+          </p:style>
+        </p:cxnSp>
+        <p:cxnSp>
+          <p:nvCxnSpPr>
+            <p:cNvPr id="101" name="直線接點 100">
+              <a:extLst>
+                <a:ext uri="{FF2B5EF4-FFF2-40B4-BE49-F238E27FC236}">
+                  <a16:creationId xmlns:a16="http://schemas.microsoft.com/office/drawing/2014/main" id="{40D09E7A-EAB5-D542-8D38-C8A57DE3E1D0}"/>
+                </a:ext>
+              </a:extLst>
+            </p:cNvPr>
+            <p:cNvCxnSpPr>
+              <a:cxnSpLocks/>
+            </p:cNvCxnSpPr>
+            <p:nvPr/>
+          </p:nvCxnSpPr>
+          <p:spPr>
+            <a:xfrm flipV="1">
+              <a:off x="10276114" y="4337249"/>
+              <a:ext cx="0" cy="1656000"/>
+            </a:xfrm>
+            <a:prstGeom prst="line">
+              <a:avLst/>
+            </a:prstGeom>
+            <a:ln w="57150">
+              <a:solidFill>
+                <a:schemeClr val="bg2">
+                  <a:lumMod val="75000"/>
+                </a:schemeClr>
+              </a:solidFill>
+              <a:prstDash val="dash"/>
+            </a:ln>
+          </p:spPr>
+          <p:style>
+            <a:lnRef idx="1">
+              <a:schemeClr val="accent1"/>
+            </a:lnRef>
+            <a:fillRef idx="0">
+              <a:schemeClr val="accent1"/>
+            </a:fillRef>
+            <a:effectRef idx="0">
+              <a:schemeClr val="accent1"/>
+            </a:effectRef>
+            <a:fontRef idx="minor">
+              <a:schemeClr val="tx1"/>
+            </a:fontRef>
+          </p:style>
+        </p:cxnSp>
+      </p:grpSp>
+    </p:spTree>
+    <p:extLst>
+      <p:ext uri="{BB962C8B-B14F-4D97-AF65-F5344CB8AC3E}">
+        <p14:creationId xmlns:p14="http://schemas.microsoft.com/office/powerpoint/2010/main" val="967854398"/>
+      </p:ext>
+    </p:extLst>
+  </p:cSld>
+  <p:clrMapOvr>
+    <a:masterClrMapping/>
+  </p:clrMapOvr>
+</p:sld>
+</file>
+
+<file path=ppt/slides/slide5.xml><?xml version="1.0" encoding="utf-8"?>
+<p:sld xmlns:a="http://schemas.openxmlformats.org/drawingml/2006/main" xmlns:r="http://schemas.openxmlformats.org/officeDocument/2006/relationships" xmlns:p="http://schemas.openxmlformats.org/presentationml/2006/main">
+  <p:cSld>
+    <p:spTree>
+      <p:nvGrpSpPr>
+        <p:cNvPr id="1" name=""/>
+        <p:cNvGrpSpPr/>
+        <p:nvPr/>
+      </p:nvGrpSpPr>
+      <p:grpSpPr>
+        <a:xfrm>
+          <a:off x="0" y="0"/>
+          <a:ext cx="0" cy="0"/>
+          <a:chOff x="0" y="0"/>
+          <a:chExt cx="0" cy="0"/>
+        </a:xfrm>
+      </p:grpSpPr>
       <p:grpSp>
         <p:nvGrpSpPr>
           <p:cNvPr id="4" name="群組 3">
@@ -10557,7 +13944,7 @@
 </p:sld>
 </file>
 
-<file path=ppt/slides/slide5.xml><?xml version="1.0" encoding="utf-8"?>
+<file path=ppt/slides/slide6.xml><?xml version="1.0" encoding="utf-8"?>
 <p:sld xmlns:a="http://schemas.openxmlformats.org/drawingml/2006/main" xmlns:r="http://schemas.openxmlformats.org/officeDocument/2006/relationships" xmlns:p="http://schemas.openxmlformats.org/presentationml/2006/main">
   <p:cSld>
     <p:spTree>
@@ -11375,7 +14762,7 @@
 </p:sld>
 </file>
 
-<file path=ppt/slides/slide6.xml><?xml version="1.0" encoding="utf-8"?>
+<file path=ppt/slides/slide7.xml><?xml version="1.0" encoding="utf-8"?>
 <p:sld xmlns:a="http://schemas.openxmlformats.org/drawingml/2006/main" xmlns:r="http://schemas.openxmlformats.org/officeDocument/2006/relationships" xmlns:p="http://schemas.openxmlformats.org/presentationml/2006/main">
   <p:cSld>
     <p:spTree>
@@ -12975,7 +16362,7 @@
 </p:sld>
 </file>
 
-<file path=ppt/slides/slide7.xml><?xml version="1.0" encoding="utf-8"?>
+<file path=ppt/slides/slide8.xml><?xml version="1.0" encoding="utf-8"?>
 <p:sld xmlns:a="http://schemas.openxmlformats.org/drawingml/2006/main" xmlns:r="http://schemas.openxmlformats.org/officeDocument/2006/relationships" xmlns:p="http://schemas.openxmlformats.org/presentationml/2006/main">
   <p:cSld>
     <p:spTree>
@@ -13517,7 +16904,7 @@
 </p:sld>
 </file>
 
-<file path=ppt/slides/slide8.xml><?xml version="1.0" encoding="utf-8"?>
+<file path=ppt/slides/slide9.xml><?xml version="1.0" encoding="utf-8"?>
 <p:sld xmlns:a="http://schemas.openxmlformats.org/drawingml/2006/main" xmlns:r="http://schemas.openxmlformats.org/officeDocument/2006/relationships" xmlns:p="http://schemas.openxmlformats.org/presentationml/2006/main">
   <p:cSld>
     <p:spTree>
@@ -13973,2176 +17360,6 @@
     <p:extLst>
       <p:ext uri="{BB962C8B-B14F-4D97-AF65-F5344CB8AC3E}">
         <p14:creationId xmlns:p14="http://schemas.microsoft.com/office/powerpoint/2010/main" val="3629506989"/>
-      </p:ext>
-    </p:extLst>
-  </p:cSld>
-  <p:clrMapOvr>
-    <a:masterClrMapping/>
-  </p:clrMapOvr>
-</p:sld>
-</file>
-
-<file path=ppt/slides/slide9.xml><?xml version="1.0" encoding="utf-8"?>
-<p:sld xmlns:a="http://schemas.openxmlformats.org/drawingml/2006/main" xmlns:r="http://schemas.openxmlformats.org/officeDocument/2006/relationships" xmlns:p="http://schemas.openxmlformats.org/presentationml/2006/main">
-  <p:cSld>
-    <p:spTree>
-      <p:nvGrpSpPr>
-        <p:cNvPr id="1" name=""/>
-        <p:cNvGrpSpPr/>
-        <p:nvPr/>
-      </p:nvGrpSpPr>
-      <p:grpSpPr>
-        <a:xfrm>
-          <a:off x="0" y="0"/>
-          <a:ext cx="0" cy="0"/>
-          <a:chOff x="0" y="0"/>
-          <a:chExt cx="0" cy="0"/>
-        </a:xfrm>
-      </p:grpSpPr>
-      <p:sp>
-        <p:nvSpPr>
-          <p:cNvPr id="2" name="標題 1">
-            <a:extLst>
-              <a:ext uri="{FF2B5EF4-FFF2-40B4-BE49-F238E27FC236}">
-                <a16:creationId xmlns:a16="http://schemas.microsoft.com/office/drawing/2014/main" id="{B56DFD20-93E0-9247-B811-534AF4684907}"/>
-              </a:ext>
-            </a:extLst>
-          </p:cNvPr>
-          <p:cNvSpPr>
-            <a:spLocks noGrp="1"/>
-          </p:cNvSpPr>
-          <p:nvPr>
-            <p:ph type="title"/>
-          </p:nvPr>
-        </p:nvSpPr>
-        <p:spPr/>
-        <p:txBody>
-          <a:bodyPr/>
-          <a:lstStyle/>
-          <a:p>
-            <a:r>
-              <a:rPr kumimoji="1" lang="zh-TW" altLang="en-US" dirty="0">
-                <a:latin typeface="Heiti SC Medium" pitchFamily="2" charset="-128"/>
-                <a:ea typeface="Heiti SC Medium" pitchFamily="2" charset="-128"/>
-              </a:rPr>
-              <a:t>課堂流程設計</a:t>
-            </a:r>
-          </a:p>
-        </p:txBody>
-      </p:sp>
-      <p:sp>
-        <p:nvSpPr>
-          <p:cNvPr id="3" name="文字方塊 2">
-            <a:extLst>
-              <a:ext uri="{FF2B5EF4-FFF2-40B4-BE49-F238E27FC236}">
-                <a16:creationId xmlns:a16="http://schemas.microsoft.com/office/drawing/2014/main" id="{ADFC4516-4159-974F-96CE-AC3203DA4080}"/>
-              </a:ext>
-            </a:extLst>
-          </p:cNvPr>
-          <p:cNvSpPr txBox="1"/>
-          <p:nvPr/>
-        </p:nvSpPr>
-        <p:spPr>
-          <a:xfrm>
-            <a:off x="1110772" y="1483859"/>
-            <a:ext cx="1261884" cy="523220"/>
-          </a:xfrm>
-          <a:prstGeom prst="rect">
-            <a:avLst/>
-          </a:prstGeom>
-          <a:noFill/>
-        </p:spPr>
-        <p:txBody>
-          <a:bodyPr wrap="none" rtlCol="0">
-            <a:spAutoFit/>
-          </a:bodyPr>
-          <a:lstStyle/>
-          <a:p>
-            <a:r>
-              <a:rPr kumimoji="1" lang="zh-TW" altLang="en-US" sz="2800" dirty="0">
-                <a:highlight>
-                  <a:srgbClr val="FFFF00"/>
-                </a:highlight>
-                <a:latin typeface="Heiti SC Medium" pitchFamily="2" charset="-128"/>
-                <a:ea typeface="Heiti SC Medium" pitchFamily="2" charset="-128"/>
-              </a:rPr>
-              <a:t>實驗組</a:t>
-            </a:r>
-            <a:endParaRPr kumimoji="1" lang="zh-TW" altLang="en-US" dirty="0">
-              <a:highlight>
-                <a:srgbClr val="FFFF00"/>
-              </a:highlight>
-              <a:latin typeface="Heiti SC Medium" pitchFamily="2" charset="-128"/>
-              <a:ea typeface="Heiti SC Medium" pitchFamily="2" charset="-128"/>
-            </a:endParaRPr>
-          </a:p>
-        </p:txBody>
-      </p:sp>
-      <p:sp>
-        <p:nvSpPr>
-          <p:cNvPr id="10" name="文字方塊 9">
-            <a:extLst>
-              <a:ext uri="{FF2B5EF4-FFF2-40B4-BE49-F238E27FC236}">
-                <a16:creationId xmlns:a16="http://schemas.microsoft.com/office/drawing/2014/main" id="{2038C400-3363-4441-B3D8-3931FE7D54A0}"/>
-              </a:ext>
-            </a:extLst>
-          </p:cNvPr>
-          <p:cNvSpPr txBox="1"/>
-          <p:nvPr/>
-        </p:nvSpPr>
-        <p:spPr>
-          <a:xfrm>
-            <a:off x="1110772" y="4107304"/>
-            <a:ext cx="1261884" cy="523220"/>
-          </a:xfrm>
-          <a:prstGeom prst="rect">
-            <a:avLst/>
-          </a:prstGeom>
-          <a:noFill/>
-        </p:spPr>
-        <p:txBody>
-          <a:bodyPr wrap="none" rtlCol="0">
-            <a:spAutoFit/>
-          </a:bodyPr>
-          <a:lstStyle/>
-          <a:p>
-            <a:r>
-              <a:rPr kumimoji="1" lang="zh-TW" altLang="en-US" sz="2800" dirty="0">
-                <a:highlight>
-                  <a:srgbClr val="FFFF00"/>
-                </a:highlight>
-                <a:latin typeface="Heiti SC Medium" pitchFamily="2" charset="-128"/>
-                <a:ea typeface="Heiti SC Medium" pitchFamily="2" charset="-128"/>
-              </a:rPr>
-              <a:t>控制組</a:t>
-            </a:r>
-            <a:endParaRPr kumimoji="1" lang="zh-TW" altLang="en-US" dirty="0">
-              <a:highlight>
-                <a:srgbClr val="FFFF00"/>
-              </a:highlight>
-              <a:latin typeface="Heiti SC Medium" pitchFamily="2" charset="-128"/>
-              <a:ea typeface="Heiti SC Medium" pitchFamily="2" charset="-128"/>
-            </a:endParaRPr>
-          </a:p>
-        </p:txBody>
-      </p:sp>
-      <p:grpSp>
-        <p:nvGrpSpPr>
-          <p:cNvPr id="42" name="群組 41">
-            <a:extLst>
-              <a:ext uri="{FF2B5EF4-FFF2-40B4-BE49-F238E27FC236}">
-                <a16:creationId xmlns:a16="http://schemas.microsoft.com/office/drawing/2014/main" id="{5CF3F89B-2874-BD46-9912-508458B36C68}"/>
-              </a:ext>
-            </a:extLst>
-          </p:cNvPr>
-          <p:cNvGrpSpPr/>
-          <p:nvPr/>
-        </p:nvGrpSpPr>
-        <p:grpSpPr>
-          <a:xfrm>
-            <a:off x="774719" y="2383611"/>
-            <a:ext cx="10642562" cy="1344105"/>
-            <a:chOff x="620272" y="2369156"/>
-            <a:chExt cx="10642562" cy="1344105"/>
-          </a:xfrm>
-        </p:grpSpPr>
-        <p:grpSp>
-          <p:nvGrpSpPr>
-            <p:cNvPr id="16" name="群組 15">
-              <a:extLst>
-                <a:ext uri="{FF2B5EF4-FFF2-40B4-BE49-F238E27FC236}">
-                  <a16:creationId xmlns:a16="http://schemas.microsoft.com/office/drawing/2014/main" id="{762FAFD3-95B3-F647-BC1E-82FCB6D298AE}"/>
-                </a:ext>
-              </a:extLst>
-            </p:cNvPr>
-            <p:cNvGrpSpPr/>
-            <p:nvPr/>
-          </p:nvGrpSpPr>
-          <p:grpSpPr>
-            <a:xfrm>
-              <a:off x="620272" y="2369156"/>
-              <a:ext cx="1980000" cy="1344105"/>
-              <a:chOff x="1652656" y="2470800"/>
-              <a:chExt cx="1980000" cy="1344105"/>
-            </a:xfrm>
-          </p:grpSpPr>
-          <p:sp>
-            <p:nvSpPr>
-              <p:cNvPr id="17" name="矩形 16">
-                <a:extLst>
-                  <a:ext uri="{FF2B5EF4-FFF2-40B4-BE49-F238E27FC236}">
-                    <a16:creationId xmlns:a16="http://schemas.microsoft.com/office/drawing/2014/main" id="{F68B0ECB-05A6-9F43-BA4A-8A633DC7D838}"/>
-                  </a:ext>
-                </a:extLst>
-              </p:cNvPr>
-              <p:cNvSpPr/>
-              <p:nvPr/>
-            </p:nvSpPr>
-            <p:spPr>
-              <a:xfrm>
-                <a:off x="1652656" y="2734905"/>
-                <a:ext cx="1980000" cy="1080000"/>
-              </a:xfrm>
-              <a:prstGeom prst="rect">
-                <a:avLst/>
-              </a:prstGeom>
-              <a:solidFill>
-                <a:schemeClr val="bg1"/>
-              </a:solidFill>
-              <a:ln w="76200">
-                <a:solidFill>
-                  <a:schemeClr val="accent6">
-                    <a:lumMod val="20000"/>
-                    <a:lumOff val="80000"/>
-                  </a:schemeClr>
-                </a:solidFill>
-              </a:ln>
-            </p:spPr>
-            <p:style>
-              <a:lnRef idx="2">
-                <a:schemeClr val="accent1">
-                  <a:shade val="50000"/>
-                </a:schemeClr>
-              </a:lnRef>
-              <a:fillRef idx="1">
-                <a:schemeClr val="accent1"/>
-              </a:fillRef>
-              <a:effectRef idx="0">
-                <a:schemeClr val="accent1"/>
-              </a:effectRef>
-              <a:fontRef idx="minor">
-                <a:schemeClr val="lt1"/>
-              </a:fontRef>
-            </p:style>
-            <p:txBody>
-              <a:bodyPr rtlCol="0" anchor="ctr"/>
-              <a:lstStyle/>
-              <a:p>
-                <a:pPr algn="ctr"/>
-                <a:r>
-                  <a:rPr kumimoji="1" lang="en-US" altLang="zh-TW" sz="2000" dirty="0">
-                    <a:solidFill>
-                      <a:schemeClr val="tx1"/>
-                    </a:solidFill>
-                    <a:latin typeface="Heiti SC Medium" pitchFamily="2" charset="-128"/>
-                    <a:ea typeface="Heiti SC Medium" pitchFamily="2" charset="-128"/>
-                  </a:rPr>
-                  <a:t>20~30</a:t>
-                </a:r>
-                <a:r>
-                  <a:rPr kumimoji="1" lang="zh-TW" altLang="en-US" sz="2000" dirty="0">
-                    <a:solidFill>
-                      <a:schemeClr val="tx1"/>
-                    </a:solidFill>
-                    <a:latin typeface="Heiti SC Medium" pitchFamily="2" charset="-128"/>
-                    <a:ea typeface="Heiti SC Medium" pitchFamily="2" charset="-128"/>
-                  </a:rPr>
-                  <a:t>分鐘</a:t>
-                </a:r>
-              </a:p>
-            </p:txBody>
-          </p:sp>
-          <p:sp>
-            <p:nvSpPr>
-              <p:cNvPr id="18" name="矩形 17">
-                <a:extLst>
-                  <a:ext uri="{FF2B5EF4-FFF2-40B4-BE49-F238E27FC236}">
-                    <a16:creationId xmlns:a16="http://schemas.microsoft.com/office/drawing/2014/main" id="{EC5A625F-6CF0-E548-8FCA-D6F9B3550E1D}"/>
-                  </a:ext>
-                </a:extLst>
-              </p:cNvPr>
-              <p:cNvSpPr/>
-              <p:nvPr/>
-            </p:nvSpPr>
-            <p:spPr>
-              <a:xfrm>
-                <a:off x="1652656" y="2470800"/>
-                <a:ext cx="1440000" cy="540000"/>
-              </a:xfrm>
-              <a:prstGeom prst="rect">
-                <a:avLst/>
-              </a:prstGeom>
-              <a:solidFill>
-                <a:schemeClr val="accent6">
-                  <a:lumMod val="20000"/>
-                  <a:lumOff val="80000"/>
-                </a:schemeClr>
-              </a:solidFill>
-              <a:ln>
-                <a:solidFill>
-                  <a:schemeClr val="accent6">
-                    <a:lumMod val="20000"/>
-                    <a:lumOff val="80000"/>
-                  </a:schemeClr>
-                </a:solidFill>
-              </a:ln>
-            </p:spPr>
-            <p:style>
-              <a:lnRef idx="2">
-                <a:schemeClr val="accent1">
-                  <a:shade val="50000"/>
-                </a:schemeClr>
-              </a:lnRef>
-              <a:fillRef idx="1">
-                <a:schemeClr val="accent1"/>
-              </a:fillRef>
-              <a:effectRef idx="0">
-                <a:schemeClr val="accent1"/>
-              </a:effectRef>
-              <a:fontRef idx="minor">
-                <a:schemeClr val="lt1"/>
-              </a:fontRef>
-            </p:style>
-            <p:txBody>
-              <a:bodyPr rtlCol="0" anchor="ctr"/>
-              <a:lstStyle/>
-              <a:p>
-                <a:pPr algn="ctr"/>
-                <a:r>
-                  <a:rPr kumimoji="1" lang="zh-TW" altLang="en-US" sz="2000" dirty="0">
-                    <a:solidFill>
-                      <a:schemeClr val="tx1"/>
-                    </a:solidFill>
-                    <a:latin typeface="Heiti SC Medium" pitchFamily="2" charset="-128"/>
-                    <a:ea typeface="Heiti SC Medium" pitchFamily="2" charset="-128"/>
-                  </a:rPr>
-                  <a:t>教師講解</a:t>
-                </a:r>
-              </a:p>
-            </p:txBody>
-          </p:sp>
-        </p:grpSp>
-        <p:grpSp>
-          <p:nvGrpSpPr>
-            <p:cNvPr id="20" name="群組 19">
-              <a:extLst>
-                <a:ext uri="{FF2B5EF4-FFF2-40B4-BE49-F238E27FC236}">
-                  <a16:creationId xmlns:a16="http://schemas.microsoft.com/office/drawing/2014/main" id="{76E4E214-D6CA-8E43-AF3A-59F6BA025F21}"/>
-                </a:ext>
-              </a:extLst>
-            </p:cNvPr>
-            <p:cNvGrpSpPr/>
-            <p:nvPr/>
-          </p:nvGrpSpPr>
-          <p:grpSpPr>
-            <a:xfrm>
-              <a:off x="3270535" y="2369156"/>
-              <a:ext cx="2700686" cy="1344105"/>
-              <a:chOff x="1652655" y="2470800"/>
-              <a:chExt cx="2700686" cy="1344105"/>
-            </a:xfrm>
-          </p:grpSpPr>
-          <p:sp>
-            <p:nvSpPr>
-              <p:cNvPr id="21" name="矩形 20">
-                <a:extLst>
-                  <a:ext uri="{FF2B5EF4-FFF2-40B4-BE49-F238E27FC236}">
-                    <a16:creationId xmlns:a16="http://schemas.microsoft.com/office/drawing/2014/main" id="{D8E48ABB-7A05-8C4F-9065-09A292F84832}"/>
-                  </a:ext>
-                </a:extLst>
-              </p:cNvPr>
-              <p:cNvSpPr/>
-              <p:nvPr/>
-            </p:nvSpPr>
-            <p:spPr>
-              <a:xfrm>
-                <a:off x="1652656" y="2734905"/>
-                <a:ext cx="2700685" cy="1080000"/>
-              </a:xfrm>
-              <a:prstGeom prst="rect">
-                <a:avLst/>
-              </a:prstGeom>
-              <a:solidFill>
-                <a:schemeClr val="bg1"/>
-              </a:solidFill>
-              <a:ln w="76200">
-                <a:solidFill>
-                  <a:schemeClr val="accent2">
-                    <a:lumMod val="20000"/>
-                    <a:lumOff val="80000"/>
-                  </a:schemeClr>
-                </a:solidFill>
-              </a:ln>
-            </p:spPr>
-            <p:style>
-              <a:lnRef idx="2">
-                <a:schemeClr val="accent1">
-                  <a:shade val="50000"/>
-                </a:schemeClr>
-              </a:lnRef>
-              <a:fillRef idx="1">
-                <a:schemeClr val="accent1"/>
-              </a:fillRef>
-              <a:effectRef idx="0">
-                <a:schemeClr val="accent1"/>
-              </a:effectRef>
-              <a:fontRef idx="minor">
-                <a:schemeClr val="lt1"/>
-              </a:fontRef>
-            </p:style>
-            <p:txBody>
-              <a:bodyPr rtlCol="0" anchor="ctr"/>
-              <a:lstStyle/>
-              <a:p>
-                <a:pPr algn="ctr"/>
-                <a:r>
-                  <a:rPr kumimoji="1" lang="en-US" altLang="zh-TW" sz="2000" dirty="0">
-                    <a:solidFill>
-                      <a:schemeClr val="tx1"/>
-                    </a:solidFill>
-                    <a:latin typeface="Heiti SC Medium" pitchFamily="2" charset="-128"/>
-                    <a:ea typeface="Heiti SC Medium" pitchFamily="2" charset="-128"/>
-                  </a:rPr>
-                  <a:t>20~30</a:t>
-                </a:r>
-                <a:r>
-                  <a:rPr kumimoji="1" lang="zh-TW" altLang="en-US" sz="2000" dirty="0">
-                    <a:solidFill>
-                      <a:schemeClr val="tx1"/>
-                    </a:solidFill>
-                    <a:latin typeface="Heiti SC Medium" pitchFamily="2" charset="-128"/>
-                    <a:ea typeface="Heiti SC Medium" pitchFamily="2" charset="-128"/>
-                  </a:rPr>
-                  <a:t>分鐘</a:t>
-                </a:r>
-              </a:p>
-            </p:txBody>
-          </p:sp>
-          <p:sp>
-            <p:nvSpPr>
-              <p:cNvPr id="22" name="矩形 21">
-                <a:extLst>
-                  <a:ext uri="{FF2B5EF4-FFF2-40B4-BE49-F238E27FC236}">
-                    <a16:creationId xmlns:a16="http://schemas.microsoft.com/office/drawing/2014/main" id="{576FCF5F-FFEB-0340-B116-E58A733EDD57}"/>
-                  </a:ext>
-                </a:extLst>
-              </p:cNvPr>
-              <p:cNvSpPr/>
-              <p:nvPr/>
-            </p:nvSpPr>
-            <p:spPr>
-              <a:xfrm>
-                <a:off x="1652655" y="2470800"/>
-                <a:ext cx="2122543" cy="540000"/>
-              </a:xfrm>
-              <a:prstGeom prst="rect">
-                <a:avLst/>
-              </a:prstGeom>
-              <a:solidFill>
-                <a:schemeClr val="accent2">
-                  <a:lumMod val="20000"/>
-                  <a:lumOff val="80000"/>
-                </a:schemeClr>
-              </a:solidFill>
-              <a:ln>
-                <a:solidFill>
-                  <a:schemeClr val="accent2">
-                    <a:lumMod val="20000"/>
-                    <a:lumOff val="80000"/>
-                  </a:schemeClr>
-                </a:solidFill>
-              </a:ln>
-            </p:spPr>
-            <p:style>
-              <a:lnRef idx="2">
-                <a:schemeClr val="accent1">
-                  <a:shade val="50000"/>
-                </a:schemeClr>
-              </a:lnRef>
-              <a:fillRef idx="1">
-                <a:schemeClr val="accent1"/>
-              </a:fillRef>
-              <a:effectRef idx="0">
-                <a:schemeClr val="accent1"/>
-              </a:effectRef>
-              <a:fontRef idx="minor">
-                <a:schemeClr val="lt1"/>
-              </a:fontRef>
-            </p:style>
-            <p:txBody>
-              <a:bodyPr rtlCol="0" anchor="ctr"/>
-              <a:lstStyle/>
-              <a:p>
-                <a:pPr algn="ctr"/>
-                <a:r>
-                  <a:rPr kumimoji="1" lang="zh-TW" altLang="en-US" sz="2000" dirty="0">
-                    <a:solidFill>
-                      <a:schemeClr val="tx1"/>
-                    </a:solidFill>
-                    <a:latin typeface="Heiti SC Medium" pitchFamily="2" charset="-128"/>
-                    <a:ea typeface="Heiti SC Medium" pitchFamily="2" charset="-128"/>
-                  </a:rPr>
-                  <a:t>模擬平台之操作</a:t>
-                </a:r>
-              </a:p>
-            </p:txBody>
-          </p:sp>
-        </p:grpSp>
-        <p:grpSp>
-          <p:nvGrpSpPr>
-            <p:cNvPr id="23" name="群組 22">
-              <a:extLst>
-                <a:ext uri="{FF2B5EF4-FFF2-40B4-BE49-F238E27FC236}">
-                  <a16:creationId xmlns:a16="http://schemas.microsoft.com/office/drawing/2014/main" id="{78C85D62-0617-2A4E-A0E7-5E8C16900AFC}"/>
-                </a:ext>
-              </a:extLst>
-            </p:cNvPr>
-            <p:cNvGrpSpPr/>
-            <p:nvPr/>
-          </p:nvGrpSpPr>
-          <p:grpSpPr>
-            <a:xfrm>
-              <a:off x="9282833" y="2369156"/>
-              <a:ext cx="1980001" cy="1344105"/>
-              <a:chOff x="1652655" y="2470800"/>
-              <a:chExt cx="1980001" cy="1344105"/>
-            </a:xfrm>
-          </p:grpSpPr>
-          <p:sp>
-            <p:nvSpPr>
-              <p:cNvPr id="24" name="矩形 23">
-                <a:extLst>
-                  <a:ext uri="{FF2B5EF4-FFF2-40B4-BE49-F238E27FC236}">
-                    <a16:creationId xmlns:a16="http://schemas.microsoft.com/office/drawing/2014/main" id="{8626E9D7-D4F6-DF44-97D0-11C8A2855E92}"/>
-                  </a:ext>
-                </a:extLst>
-              </p:cNvPr>
-              <p:cNvSpPr/>
-              <p:nvPr/>
-            </p:nvSpPr>
-            <p:spPr>
-              <a:xfrm>
-                <a:off x="1652656" y="2734905"/>
-                <a:ext cx="1980000" cy="1080000"/>
-              </a:xfrm>
-              <a:prstGeom prst="rect">
-                <a:avLst/>
-              </a:prstGeom>
-              <a:solidFill>
-                <a:schemeClr val="bg1"/>
-              </a:solidFill>
-              <a:ln w="76200">
-                <a:solidFill>
-                  <a:schemeClr val="accent1">
-                    <a:lumMod val="20000"/>
-                    <a:lumOff val="80000"/>
-                  </a:schemeClr>
-                </a:solidFill>
-              </a:ln>
-            </p:spPr>
-            <p:style>
-              <a:lnRef idx="2">
-                <a:schemeClr val="accent1">
-                  <a:shade val="50000"/>
-                </a:schemeClr>
-              </a:lnRef>
-              <a:fillRef idx="1">
-                <a:schemeClr val="accent1"/>
-              </a:fillRef>
-              <a:effectRef idx="0">
-                <a:schemeClr val="accent1"/>
-              </a:effectRef>
-              <a:fontRef idx="minor">
-                <a:schemeClr val="lt1"/>
-              </a:fontRef>
-            </p:style>
-            <p:txBody>
-              <a:bodyPr rtlCol="0" anchor="ctr"/>
-              <a:lstStyle/>
-              <a:p>
-                <a:pPr algn="ctr"/>
-                <a:r>
-                  <a:rPr kumimoji="1" lang="en-US" altLang="zh-TW" sz="2000" dirty="0">
-                    <a:solidFill>
-                      <a:schemeClr val="tx1"/>
-                    </a:solidFill>
-                    <a:latin typeface="Heiti SC Medium" pitchFamily="2" charset="-128"/>
-                    <a:ea typeface="Heiti SC Medium" pitchFamily="2" charset="-128"/>
-                  </a:rPr>
-                  <a:t>10~15</a:t>
-                </a:r>
-                <a:r>
-                  <a:rPr kumimoji="1" lang="zh-TW" altLang="en-US" sz="2000" dirty="0">
-                    <a:solidFill>
-                      <a:schemeClr val="tx1"/>
-                    </a:solidFill>
-                    <a:latin typeface="Heiti SC Medium" pitchFamily="2" charset="-128"/>
-                    <a:ea typeface="Heiti SC Medium" pitchFamily="2" charset="-128"/>
-                  </a:rPr>
-                  <a:t>分鐘</a:t>
-                </a:r>
-              </a:p>
-            </p:txBody>
-          </p:sp>
-          <p:sp>
-            <p:nvSpPr>
-              <p:cNvPr id="25" name="矩形 24">
-                <a:extLst>
-                  <a:ext uri="{FF2B5EF4-FFF2-40B4-BE49-F238E27FC236}">
-                    <a16:creationId xmlns:a16="http://schemas.microsoft.com/office/drawing/2014/main" id="{6E22F34C-4B39-984A-B682-C0699C9076B0}"/>
-                  </a:ext>
-                </a:extLst>
-              </p:cNvPr>
-              <p:cNvSpPr/>
-              <p:nvPr/>
-            </p:nvSpPr>
-            <p:spPr>
-              <a:xfrm>
-                <a:off x="1652655" y="2470800"/>
-                <a:ext cx="1440000" cy="540000"/>
-              </a:xfrm>
-              <a:prstGeom prst="rect">
-                <a:avLst/>
-              </a:prstGeom>
-              <a:solidFill>
-                <a:schemeClr val="accent1">
-                  <a:lumMod val="20000"/>
-                  <a:lumOff val="80000"/>
-                </a:schemeClr>
-              </a:solidFill>
-              <a:ln>
-                <a:solidFill>
-                  <a:schemeClr val="accent1">
-                    <a:lumMod val="20000"/>
-                    <a:lumOff val="80000"/>
-                  </a:schemeClr>
-                </a:solidFill>
-              </a:ln>
-            </p:spPr>
-            <p:style>
-              <a:lnRef idx="2">
-                <a:schemeClr val="accent1">
-                  <a:shade val="50000"/>
-                </a:schemeClr>
-              </a:lnRef>
-              <a:fillRef idx="1">
-                <a:schemeClr val="accent1"/>
-              </a:fillRef>
-              <a:effectRef idx="0">
-                <a:schemeClr val="accent1"/>
-              </a:effectRef>
-              <a:fontRef idx="minor">
-                <a:schemeClr val="lt1"/>
-              </a:fontRef>
-            </p:style>
-            <p:txBody>
-              <a:bodyPr rtlCol="0" anchor="ctr"/>
-              <a:lstStyle/>
-              <a:p>
-                <a:pPr algn="ctr"/>
-                <a:r>
-                  <a:rPr kumimoji="1" lang="zh-TW" altLang="en-US" sz="2000" dirty="0">
-                    <a:solidFill>
-                      <a:schemeClr val="tx1"/>
-                    </a:solidFill>
-                    <a:latin typeface="Heiti SC Medium" pitchFamily="2" charset="-128"/>
-                    <a:ea typeface="Heiti SC Medium" pitchFamily="2" charset="-128"/>
-                  </a:rPr>
-                  <a:t>隨堂測驗</a:t>
-                </a:r>
-              </a:p>
-            </p:txBody>
-          </p:sp>
-        </p:grpSp>
-        <p:grpSp>
-          <p:nvGrpSpPr>
-            <p:cNvPr id="29" name="群組 28">
-              <a:extLst>
-                <a:ext uri="{FF2B5EF4-FFF2-40B4-BE49-F238E27FC236}">
-                  <a16:creationId xmlns:a16="http://schemas.microsoft.com/office/drawing/2014/main" id="{DCBCC164-F080-CC4D-8889-25FE3B2A73AA}"/>
-                </a:ext>
-              </a:extLst>
-            </p:cNvPr>
-            <p:cNvGrpSpPr/>
-            <p:nvPr/>
-          </p:nvGrpSpPr>
-          <p:grpSpPr>
-            <a:xfrm>
-              <a:off x="6637027" y="2369156"/>
-              <a:ext cx="1980000" cy="1344105"/>
-              <a:chOff x="1652656" y="2470800"/>
-              <a:chExt cx="1980000" cy="1344105"/>
-            </a:xfrm>
-          </p:grpSpPr>
-          <p:sp>
-            <p:nvSpPr>
-              <p:cNvPr id="30" name="矩形 29">
-                <a:extLst>
-                  <a:ext uri="{FF2B5EF4-FFF2-40B4-BE49-F238E27FC236}">
-                    <a16:creationId xmlns:a16="http://schemas.microsoft.com/office/drawing/2014/main" id="{028D289D-A021-0548-B299-FA85AD4FC40F}"/>
-                  </a:ext>
-                </a:extLst>
-              </p:cNvPr>
-              <p:cNvSpPr/>
-              <p:nvPr/>
-            </p:nvSpPr>
-            <p:spPr>
-              <a:xfrm>
-                <a:off x="1652656" y="2734905"/>
-                <a:ext cx="1980000" cy="1080000"/>
-              </a:xfrm>
-              <a:prstGeom prst="rect">
-                <a:avLst/>
-              </a:prstGeom>
-              <a:solidFill>
-                <a:schemeClr val="bg1"/>
-              </a:solidFill>
-              <a:ln w="76200">
-                <a:solidFill>
-                  <a:schemeClr val="accent4">
-                    <a:lumMod val="20000"/>
-                    <a:lumOff val="80000"/>
-                  </a:schemeClr>
-                </a:solidFill>
-              </a:ln>
-            </p:spPr>
-            <p:style>
-              <a:lnRef idx="2">
-                <a:schemeClr val="accent1">
-                  <a:shade val="50000"/>
-                </a:schemeClr>
-              </a:lnRef>
-              <a:fillRef idx="1">
-                <a:schemeClr val="accent1"/>
-              </a:fillRef>
-              <a:effectRef idx="0">
-                <a:schemeClr val="accent1"/>
-              </a:effectRef>
-              <a:fontRef idx="minor">
-                <a:schemeClr val="lt1"/>
-              </a:fontRef>
-            </p:style>
-            <p:txBody>
-              <a:bodyPr rtlCol="0" anchor="ctr"/>
-              <a:lstStyle/>
-              <a:p>
-                <a:pPr algn="ctr"/>
-                <a:r>
-                  <a:rPr kumimoji="1" lang="en-US" altLang="zh-TW" sz="2000" dirty="0">
-                    <a:solidFill>
-                      <a:schemeClr val="tx1"/>
-                    </a:solidFill>
-                    <a:latin typeface="Heiti SC Medium" pitchFamily="2" charset="-128"/>
-                    <a:ea typeface="Heiti SC Medium" pitchFamily="2" charset="-128"/>
-                  </a:rPr>
-                  <a:t>20~30</a:t>
-                </a:r>
-                <a:r>
-                  <a:rPr kumimoji="1" lang="zh-TW" altLang="en-US" sz="2000" dirty="0">
-                    <a:solidFill>
-                      <a:schemeClr val="tx1"/>
-                    </a:solidFill>
-                    <a:latin typeface="Heiti SC Medium" pitchFamily="2" charset="-128"/>
-                    <a:ea typeface="Heiti SC Medium" pitchFamily="2" charset="-128"/>
-                  </a:rPr>
-                  <a:t>分鐘</a:t>
-                </a:r>
-              </a:p>
-            </p:txBody>
-          </p:sp>
-          <p:sp>
-            <p:nvSpPr>
-              <p:cNvPr id="31" name="矩形 30">
-                <a:extLst>
-                  <a:ext uri="{FF2B5EF4-FFF2-40B4-BE49-F238E27FC236}">
-                    <a16:creationId xmlns:a16="http://schemas.microsoft.com/office/drawing/2014/main" id="{D22499DC-4A90-B94B-9ADA-02B45700C109}"/>
-                  </a:ext>
-                </a:extLst>
-              </p:cNvPr>
-              <p:cNvSpPr/>
-              <p:nvPr/>
-            </p:nvSpPr>
-            <p:spPr>
-              <a:xfrm>
-                <a:off x="1652656" y="2470800"/>
-                <a:ext cx="1440000" cy="540000"/>
-              </a:xfrm>
-              <a:prstGeom prst="rect">
-                <a:avLst/>
-              </a:prstGeom>
-              <a:solidFill>
-                <a:schemeClr val="accent4">
-                  <a:lumMod val="20000"/>
-                  <a:lumOff val="80000"/>
-                </a:schemeClr>
-              </a:solidFill>
-              <a:ln>
-                <a:solidFill>
-                  <a:schemeClr val="accent4">
-                    <a:lumMod val="20000"/>
-                    <a:lumOff val="80000"/>
-                  </a:schemeClr>
-                </a:solidFill>
-              </a:ln>
-            </p:spPr>
-            <p:style>
-              <a:lnRef idx="2">
-                <a:schemeClr val="accent1">
-                  <a:shade val="50000"/>
-                </a:schemeClr>
-              </a:lnRef>
-              <a:fillRef idx="1">
-                <a:schemeClr val="accent1"/>
-              </a:fillRef>
-              <a:effectRef idx="0">
-                <a:schemeClr val="accent1"/>
-              </a:effectRef>
-              <a:fontRef idx="minor">
-                <a:schemeClr val="lt1"/>
-              </a:fontRef>
-            </p:style>
-            <p:txBody>
-              <a:bodyPr rtlCol="0" anchor="ctr"/>
-              <a:lstStyle/>
-              <a:p>
-                <a:pPr algn="ctr"/>
-                <a:r>
-                  <a:rPr kumimoji="1" lang="zh-TW" altLang="en-US" sz="2000" dirty="0">
-                    <a:solidFill>
-                      <a:schemeClr val="tx1"/>
-                    </a:solidFill>
-                    <a:latin typeface="Heiti SC Medium" pitchFamily="2" charset="-128"/>
-                    <a:ea typeface="Heiti SC Medium" pitchFamily="2" charset="-128"/>
-                  </a:rPr>
-                  <a:t>程式實作</a:t>
-                </a:r>
-              </a:p>
-            </p:txBody>
-          </p:sp>
-        </p:grpSp>
-        <p:cxnSp>
-          <p:nvCxnSpPr>
-            <p:cNvPr id="11" name="直線箭頭接點 10">
-              <a:extLst>
-                <a:ext uri="{FF2B5EF4-FFF2-40B4-BE49-F238E27FC236}">
-                  <a16:creationId xmlns:a16="http://schemas.microsoft.com/office/drawing/2014/main" id="{C10A0329-2CEA-084E-AF5C-207F3BF868AE}"/>
-                </a:ext>
-              </a:extLst>
-            </p:cNvPr>
-            <p:cNvCxnSpPr>
-              <a:stCxn id="17" idx="3"/>
-              <a:endCxn id="21" idx="1"/>
-            </p:cNvCxnSpPr>
-            <p:nvPr/>
-          </p:nvCxnSpPr>
-          <p:spPr>
-            <a:xfrm>
-              <a:off x="2600272" y="3173261"/>
-              <a:ext cx="670264" cy="0"/>
-            </a:xfrm>
-            <a:prstGeom prst="straightConnector1">
-              <a:avLst/>
-            </a:prstGeom>
-            <a:ln w="57150">
-              <a:solidFill>
-                <a:schemeClr val="bg2">
-                  <a:lumMod val="75000"/>
-                </a:schemeClr>
-              </a:solidFill>
-              <a:tailEnd type="triangle"/>
-            </a:ln>
-          </p:spPr>
-          <p:style>
-            <a:lnRef idx="1">
-              <a:schemeClr val="dk1"/>
-            </a:lnRef>
-            <a:fillRef idx="0">
-              <a:schemeClr val="dk1"/>
-            </a:fillRef>
-            <a:effectRef idx="0">
-              <a:schemeClr val="dk1"/>
-            </a:effectRef>
-            <a:fontRef idx="minor">
-              <a:schemeClr val="tx1"/>
-            </a:fontRef>
-          </p:style>
-        </p:cxnSp>
-        <p:cxnSp>
-          <p:nvCxnSpPr>
-            <p:cNvPr id="35" name="直線箭頭接點 34">
-              <a:extLst>
-                <a:ext uri="{FF2B5EF4-FFF2-40B4-BE49-F238E27FC236}">
-                  <a16:creationId xmlns:a16="http://schemas.microsoft.com/office/drawing/2014/main" id="{28684324-7AA6-D140-A7D9-F2A8A3BC108E}"/>
-                </a:ext>
-              </a:extLst>
-            </p:cNvPr>
-            <p:cNvCxnSpPr>
-              <a:cxnSpLocks/>
-              <a:stCxn id="21" idx="3"/>
-              <a:endCxn id="30" idx="1"/>
-            </p:cNvCxnSpPr>
-            <p:nvPr/>
-          </p:nvCxnSpPr>
-          <p:spPr>
-            <a:xfrm>
-              <a:off x="5971221" y="3173261"/>
-              <a:ext cx="665806" cy="0"/>
-            </a:xfrm>
-            <a:prstGeom prst="straightConnector1">
-              <a:avLst/>
-            </a:prstGeom>
-            <a:ln w="57150">
-              <a:solidFill>
-                <a:schemeClr val="bg2">
-                  <a:lumMod val="75000"/>
-                </a:schemeClr>
-              </a:solidFill>
-              <a:tailEnd type="triangle"/>
-            </a:ln>
-          </p:spPr>
-          <p:style>
-            <a:lnRef idx="1">
-              <a:schemeClr val="dk1"/>
-            </a:lnRef>
-            <a:fillRef idx="0">
-              <a:schemeClr val="dk1"/>
-            </a:fillRef>
-            <a:effectRef idx="0">
-              <a:schemeClr val="dk1"/>
-            </a:effectRef>
-            <a:fontRef idx="minor">
-              <a:schemeClr val="tx1"/>
-            </a:fontRef>
-          </p:style>
-        </p:cxnSp>
-        <p:cxnSp>
-          <p:nvCxnSpPr>
-            <p:cNvPr id="37" name="直線箭頭接點 36">
-              <a:extLst>
-                <a:ext uri="{FF2B5EF4-FFF2-40B4-BE49-F238E27FC236}">
-                  <a16:creationId xmlns:a16="http://schemas.microsoft.com/office/drawing/2014/main" id="{3E11496E-AB8B-704A-852F-2B43812185C0}"/>
-                </a:ext>
-              </a:extLst>
-            </p:cNvPr>
-            <p:cNvCxnSpPr>
-              <a:cxnSpLocks/>
-              <a:stCxn id="30" idx="3"/>
-              <a:endCxn id="24" idx="1"/>
-            </p:cNvCxnSpPr>
-            <p:nvPr/>
-          </p:nvCxnSpPr>
-          <p:spPr>
-            <a:xfrm>
-              <a:off x="8617027" y="3173261"/>
-              <a:ext cx="665807" cy="0"/>
-            </a:xfrm>
-            <a:prstGeom prst="straightConnector1">
-              <a:avLst/>
-            </a:prstGeom>
-            <a:ln w="57150">
-              <a:solidFill>
-                <a:schemeClr val="bg2">
-                  <a:lumMod val="75000"/>
-                </a:schemeClr>
-              </a:solidFill>
-              <a:tailEnd type="triangle"/>
-            </a:ln>
-          </p:spPr>
-          <p:style>
-            <a:lnRef idx="1">
-              <a:schemeClr val="dk1"/>
-            </a:lnRef>
-            <a:fillRef idx="0">
-              <a:schemeClr val="dk1"/>
-            </a:fillRef>
-            <a:effectRef idx="0">
-              <a:schemeClr val="dk1"/>
-            </a:effectRef>
-            <a:fontRef idx="minor">
-              <a:schemeClr val="tx1"/>
-            </a:fontRef>
-          </p:style>
-        </p:cxnSp>
-      </p:grpSp>
-      <p:grpSp>
-        <p:nvGrpSpPr>
-          <p:cNvPr id="44" name="群組 43">
-            <a:extLst>
-              <a:ext uri="{FF2B5EF4-FFF2-40B4-BE49-F238E27FC236}">
-                <a16:creationId xmlns:a16="http://schemas.microsoft.com/office/drawing/2014/main" id="{2802FB63-7FB9-D042-91CC-4811ACCBB66F}"/>
-              </a:ext>
-            </a:extLst>
-          </p:cNvPr>
-          <p:cNvGrpSpPr/>
-          <p:nvPr/>
-        </p:nvGrpSpPr>
-        <p:grpSpPr>
-          <a:xfrm>
-            <a:off x="1883400" y="5010112"/>
-            <a:ext cx="8425200" cy="1344105"/>
-            <a:chOff x="1883400" y="4993118"/>
-            <a:chExt cx="8425200" cy="1344105"/>
-          </a:xfrm>
-        </p:grpSpPr>
-        <p:grpSp>
-          <p:nvGrpSpPr>
-            <p:cNvPr id="7" name="群組 6">
-              <a:extLst>
-                <a:ext uri="{FF2B5EF4-FFF2-40B4-BE49-F238E27FC236}">
-                  <a16:creationId xmlns:a16="http://schemas.microsoft.com/office/drawing/2014/main" id="{3435EB61-E149-574D-95D7-61B14C71687D}"/>
-                </a:ext>
-              </a:extLst>
-            </p:cNvPr>
-            <p:cNvGrpSpPr/>
-            <p:nvPr/>
-          </p:nvGrpSpPr>
-          <p:grpSpPr>
-            <a:xfrm>
-              <a:off x="1883400" y="4993118"/>
-              <a:ext cx="1980000" cy="1344105"/>
-              <a:chOff x="1652656" y="2470800"/>
-              <a:chExt cx="1980000" cy="1344105"/>
-            </a:xfrm>
-          </p:grpSpPr>
-          <p:sp>
-            <p:nvSpPr>
-              <p:cNvPr id="6" name="矩形 5">
-                <a:extLst>
-                  <a:ext uri="{FF2B5EF4-FFF2-40B4-BE49-F238E27FC236}">
-                    <a16:creationId xmlns:a16="http://schemas.microsoft.com/office/drawing/2014/main" id="{828CC4B3-B76C-3244-9123-C4100421309C}"/>
-                  </a:ext>
-                </a:extLst>
-              </p:cNvPr>
-              <p:cNvSpPr/>
-              <p:nvPr/>
-            </p:nvSpPr>
-            <p:spPr>
-              <a:xfrm>
-                <a:off x="1652656" y="2734905"/>
-                <a:ext cx="1980000" cy="1080000"/>
-              </a:xfrm>
-              <a:prstGeom prst="rect">
-                <a:avLst/>
-              </a:prstGeom>
-              <a:solidFill>
-                <a:schemeClr val="bg1"/>
-              </a:solidFill>
-              <a:ln w="76200">
-                <a:solidFill>
-                  <a:schemeClr val="accent6">
-                    <a:lumMod val="20000"/>
-                    <a:lumOff val="80000"/>
-                  </a:schemeClr>
-                </a:solidFill>
-              </a:ln>
-            </p:spPr>
-            <p:style>
-              <a:lnRef idx="2">
-                <a:schemeClr val="accent1">
-                  <a:shade val="50000"/>
-                </a:schemeClr>
-              </a:lnRef>
-              <a:fillRef idx="1">
-                <a:schemeClr val="accent1"/>
-              </a:fillRef>
-              <a:effectRef idx="0">
-                <a:schemeClr val="accent1"/>
-              </a:effectRef>
-              <a:fontRef idx="minor">
-                <a:schemeClr val="lt1"/>
-              </a:fontRef>
-            </p:style>
-            <p:txBody>
-              <a:bodyPr rtlCol="0" anchor="ctr"/>
-              <a:lstStyle/>
-              <a:p>
-                <a:pPr algn="ctr"/>
-                <a:r>
-                  <a:rPr kumimoji="1" lang="en-US" altLang="zh-TW" sz="2000" dirty="0">
-                    <a:solidFill>
-                      <a:schemeClr val="tx1"/>
-                    </a:solidFill>
-                    <a:latin typeface="Heiti SC Medium" pitchFamily="2" charset="-128"/>
-                    <a:ea typeface="Heiti SC Medium" pitchFamily="2" charset="-128"/>
-                  </a:rPr>
-                  <a:t>40~60</a:t>
-                </a:r>
-                <a:r>
-                  <a:rPr kumimoji="1" lang="zh-TW" altLang="en-US" sz="2000" dirty="0">
-                    <a:solidFill>
-                      <a:schemeClr val="tx1"/>
-                    </a:solidFill>
-                    <a:latin typeface="Heiti SC Medium" pitchFamily="2" charset="-128"/>
-                    <a:ea typeface="Heiti SC Medium" pitchFamily="2" charset="-128"/>
-                  </a:rPr>
-                  <a:t>分鐘</a:t>
-                </a:r>
-              </a:p>
-            </p:txBody>
-          </p:sp>
-          <p:sp>
-            <p:nvSpPr>
-              <p:cNvPr id="4" name="矩形 3">
-                <a:extLst>
-                  <a:ext uri="{FF2B5EF4-FFF2-40B4-BE49-F238E27FC236}">
-                    <a16:creationId xmlns:a16="http://schemas.microsoft.com/office/drawing/2014/main" id="{AA16BE19-A0B7-6E4B-97C6-CC2306EF1100}"/>
-                  </a:ext>
-                </a:extLst>
-              </p:cNvPr>
-              <p:cNvSpPr/>
-              <p:nvPr/>
-            </p:nvSpPr>
-            <p:spPr>
-              <a:xfrm>
-                <a:off x="1652656" y="2470800"/>
-                <a:ext cx="1440000" cy="540000"/>
-              </a:xfrm>
-              <a:prstGeom prst="rect">
-                <a:avLst/>
-              </a:prstGeom>
-              <a:solidFill>
-                <a:schemeClr val="accent6">
-                  <a:lumMod val="20000"/>
-                  <a:lumOff val="80000"/>
-                </a:schemeClr>
-              </a:solidFill>
-              <a:ln>
-                <a:solidFill>
-                  <a:schemeClr val="accent6">
-                    <a:lumMod val="20000"/>
-                    <a:lumOff val="80000"/>
-                  </a:schemeClr>
-                </a:solidFill>
-              </a:ln>
-            </p:spPr>
-            <p:style>
-              <a:lnRef idx="2">
-                <a:schemeClr val="accent1">
-                  <a:shade val="50000"/>
-                </a:schemeClr>
-              </a:lnRef>
-              <a:fillRef idx="1">
-                <a:schemeClr val="accent1"/>
-              </a:fillRef>
-              <a:effectRef idx="0">
-                <a:schemeClr val="accent1"/>
-              </a:effectRef>
-              <a:fontRef idx="minor">
-                <a:schemeClr val="lt1"/>
-              </a:fontRef>
-            </p:style>
-            <p:txBody>
-              <a:bodyPr rtlCol="0" anchor="ctr"/>
-              <a:lstStyle/>
-              <a:p>
-                <a:pPr algn="ctr"/>
-                <a:r>
-                  <a:rPr kumimoji="1" lang="zh-TW" altLang="en-US" sz="2000" dirty="0">
-                    <a:solidFill>
-                      <a:schemeClr val="tx1"/>
-                    </a:solidFill>
-                    <a:latin typeface="Heiti SC Medium" pitchFamily="2" charset="-128"/>
-                    <a:ea typeface="Heiti SC Medium" pitchFamily="2" charset="-128"/>
-                  </a:rPr>
-                  <a:t>教師講解</a:t>
-                </a:r>
-              </a:p>
-            </p:txBody>
-          </p:sp>
-        </p:grpSp>
-        <p:grpSp>
-          <p:nvGrpSpPr>
-            <p:cNvPr id="32" name="群組 31">
-              <a:extLst>
-                <a:ext uri="{FF2B5EF4-FFF2-40B4-BE49-F238E27FC236}">
-                  <a16:creationId xmlns:a16="http://schemas.microsoft.com/office/drawing/2014/main" id="{371D0CC4-089B-DE41-865F-0C2976C05664}"/>
-                </a:ext>
-              </a:extLst>
-            </p:cNvPr>
-            <p:cNvGrpSpPr/>
-            <p:nvPr/>
-          </p:nvGrpSpPr>
-          <p:grpSpPr>
-            <a:xfrm>
-              <a:off x="5106000" y="4993118"/>
-              <a:ext cx="1980000" cy="1344105"/>
-              <a:chOff x="1652656" y="2470800"/>
-              <a:chExt cx="1980000" cy="1344105"/>
-            </a:xfrm>
-          </p:grpSpPr>
-          <p:sp>
-            <p:nvSpPr>
-              <p:cNvPr id="33" name="矩形 32">
-                <a:extLst>
-                  <a:ext uri="{FF2B5EF4-FFF2-40B4-BE49-F238E27FC236}">
-                    <a16:creationId xmlns:a16="http://schemas.microsoft.com/office/drawing/2014/main" id="{FA2805B3-5FA8-D84A-9136-047980825298}"/>
-                  </a:ext>
-                </a:extLst>
-              </p:cNvPr>
-              <p:cNvSpPr/>
-              <p:nvPr/>
-            </p:nvSpPr>
-            <p:spPr>
-              <a:xfrm>
-                <a:off x="1652656" y="2734905"/>
-                <a:ext cx="1980000" cy="1080000"/>
-              </a:xfrm>
-              <a:prstGeom prst="rect">
-                <a:avLst/>
-              </a:prstGeom>
-              <a:solidFill>
-                <a:schemeClr val="bg1"/>
-              </a:solidFill>
-              <a:ln w="76200">
-                <a:solidFill>
-                  <a:schemeClr val="accent4">
-                    <a:lumMod val="20000"/>
-                    <a:lumOff val="80000"/>
-                  </a:schemeClr>
-                </a:solidFill>
-              </a:ln>
-            </p:spPr>
-            <p:style>
-              <a:lnRef idx="2">
-                <a:schemeClr val="accent1">
-                  <a:shade val="50000"/>
-                </a:schemeClr>
-              </a:lnRef>
-              <a:fillRef idx="1">
-                <a:schemeClr val="accent1"/>
-              </a:fillRef>
-              <a:effectRef idx="0">
-                <a:schemeClr val="accent1"/>
-              </a:effectRef>
-              <a:fontRef idx="minor">
-                <a:schemeClr val="lt1"/>
-              </a:fontRef>
-            </p:style>
-            <p:txBody>
-              <a:bodyPr rtlCol="0" anchor="ctr"/>
-              <a:lstStyle/>
-              <a:p>
-                <a:pPr algn="ctr"/>
-                <a:r>
-                  <a:rPr kumimoji="1" lang="en-US" altLang="zh-TW" sz="2000" dirty="0">
-                    <a:solidFill>
-                      <a:schemeClr val="tx1"/>
-                    </a:solidFill>
-                    <a:latin typeface="Heiti SC Medium" pitchFamily="2" charset="-128"/>
-                    <a:ea typeface="Heiti SC Medium" pitchFamily="2" charset="-128"/>
-                  </a:rPr>
-                  <a:t>20~30</a:t>
-                </a:r>
-                <a:r>
-                  <a:rPr kumimoji="1" lang="zh-TW" altLang="en-US" sz="2000" dirty="0">
-                    <a:solidFill>
-                      <a:schemeClr val="tx1"/>
-                    </a:solidFill>
-                    <a:latin typeface="Heiti SC Medium" pitchFamily="2" charset="-128"/>
-                    <a:ea typeface="Heiti SC Medium" pitchFamily="2" charset="-128"/>
-                  </a:rPr>
-                  <a:t>分鐘</a:t>
-                </a:r>
-              </a:p>
-            </p:txBody>
-          </p:sp>
-          <p:sp>
-            <p:nvSpPr>
-              <p:cNvPr id="34" name="矩形 33">
-                <a:extLst>
-                  <a:ext uri="{FF2B5EF4-FFF2-40B4-BE49-F238E27FC236}">
-                    <a16:creationId xmlns:a16="http://schemas.microsoft.com/office/drawing/2014/main" id="{C39AADE6-3D94-B746-94C3-EBE9AC5365ED}"/>
-                  </a:ext>
-                </a:extLst>
-              </p:cNvPr>
-              <p:cNvSpPr/>
-              <p:nvPr/>
-            </p:nvSpPr>
-            <p:spPr>
-              <a:xfrm>
-                <a:off x="1652656" y="2470800"/>
-                <a:ext cx="1440000" cy="540000"/>
-              </a:xfrm>
-              <a:prstGeom prst="rect">
-                <a:avLst/>
-              </a:prstGeom>
-              <a:solidFill>
-                <a:schemeClr val="accent4">
-                  <a:lumMod val="20000"/>
-                  <a:lumOff val="80000"/>
-                </a:schemeClr>
-              </a:solidFill>
-              <a:ln>
-                <a:solidFill>
-                  <a:schemeClr val="accent4">
-                    <a:lumMod val="20000"/>
-                    <a:lumOff val="80000"/>
-                  </a:schemeClr>
-                </a:solidFill>
-              </a:ln>
-            </p:spPr>
-            <p:style>
-              <a:lnRef idx="2">
-                <a:schemeClr val="accent1">
-                  <a:shade val="50000"/>
-                </a:schemeClr>
-              </a:lnRef>
-              <a:fillRef idx="1">
-                <a:schemeClr val="accent1"/>
-              </a:fillRef>
-              <a:effectRef idx="0">
-                <a:schemeClr val="accent1"/>
-              </a:effectRef>
-              <a:fontRef idx="minor">
-                <a:schemeClr val="lt1"/>
-              </a:fontRef>
-            </p:style>
-            <p:txBody>
-              <a:bodyPr rtlCol="0" anchor="ctr"/>
-              <a:lstStyle/>
-              <a:p>
-                <a:pPr algn="ctr"/>
-                <a:r>
-                  <a:rPr kumimoji="1" lang="zh-TW" altLang="en-US" sz="2000" dirty="0">
-                    <a:solidFill>
-                      <a:schemeClr val="tx1"/>
-                    </a:solidFill>
-                    <a:latin typeface="Heiti SC Medium" pitchFamily="2" charset="-128"/>
-                    <a:ea typeface="Heiti SC Medium" pitchFamily="2" charset="-128"/>
-                  </a:rPr>
-                  <a:t>程式實作</a:t>
-                </a:r>
-              </a:p>
-            </p:txBody>
-          </p:sp>
-        </p:grpSp>
-        <p:cxnSp>
-          <p:nvCxnSpPr>
-            <p:cNvPr id="40" name="直線箭頭接點 39">
-              <a:extLst>
-                <a:ext uri="{FF2B5EF4-FFF2-40B4-BE49-F238E27FC236}">
-                  <a16:creationId xmlns:a16="http://schemas.microsoft.com/office/drawing/2014/main" id="{ABE05C63-ACC7-764A-8B3E-885A2234597B}"/>
-                </a:ext>
-              </a:extLst>
-            </p:cNvPr>
-            <p:cNvCxnSpPr>
-              <a:cxnSpLocks/>
-              <a:stCxn id="6" idx="3"/>
-              <a:endCxn id="33" idx="1"/>
-            </p:cNvCxnSpPr>
-            <p:nvPr/>
-          </p:nvCxnSpPr>
-          <p:spPr>
-            <a:xfrm>
-              <a:off x="3863400" y="5797223"/>
-              <a:ext cx="1242600" cy="0"/>
-            </a:xfrm>
-            <a:prstGeom prst="straightConnector1">
-              <a:avLst/>
-            </a:prstGeom>
-            <a:ln w="57150">
-              <a:solidFill>
-                <a:schemeClr val="bg2">
-                  <a:lumMod val="75000"/>
-                </a:schemeClr>
-              </a:solidFill>
-              <a:tailEnd type="triangle"/>
-            </a:ln>
-          </p:spPr>
-          <p:style>
-            <a:lnRef idx="1">
-              <a:schemeClr val="dk1"/>
-            </a:lnRef>
-            <a:fillRef idx="0">
-              <a:schemeClr val="dk1"/>
-            </a:fillRef>
-            <a:effectRef idx="0">
-              <a:schemeClr val="dk1"/>
-            </a:effectRef>
-            <a:fontRef idx="minor">
-              <a:schemeClr val="tx1"/>
-            </a:fontRef>
-          </p:style>
-        </p:cxnSp>
-        <p:grpSp>
-          <p:nvGrpSpPr>
-            <p:cNvPr id="36" name="群組 35">
-              <a:extLst>
-                <a:ext uri="{FF2B5EF4-FFF2-40B4-BE49-F238E27FC236}">
-                  <a16:creationId xmlns:a16="http://schemas.microsoft.com/office/drawing/2014/main" id="{F6F0DBFF-1B79-6E4F-BFDA-24EED3FCCA5F}"/>
-                </a:ext>
-              </a:extLst>
-            </p:cNvPr>
-            <p:cNvGrpSpPr/>
-            <p:nvPr/>
-          </p:nvGrpSpPr>
-          <p:grpSpPr>
-            <a:xfrm>
-              <a:off x="8328599" y="4993118"/>
-              <a:ext cx="1980001" cy="1344105"/>
-              <a:chOff x="1652655" y="2470800"/>
-              <a:chExt cx="1980001" cy="1344105"/>
-            </a:xfrm>
-          </p:grpSpPr>
-          <p:sp>
-            <p:nvSpPr>
-              <p:cNvPr id="38" name="矩形 37">
-                <a:extLst>
-                  <a:ext uri="{FF2B5EF4-FFF2-40B4-BE49-F238E27FC236}">
-                    <a16:creationId xmlns:a16="http://schemas.microsoft.com/office/drawing/2014/main" id="{A6FCABB1-AA90-F344-86CD-14F03F2BD54B}"/>
-                  </a:ext>
-                </a:extLst>
-              </p:cNvPr>
-              <p:cNvSpPr/>
-              <p:nvPr/>
-            </p:nvSpPr>
-            <p:spPr>
-              <a:xfrm>
-                <a:off x="1652656" y="2734905"/>
-                <a:ext cx="1980000" cy="1080000"/>
-              </a:xfrm>
-              <a:prstGeom prst="rect">
-                <a:avLst/>
-              </a:prstGeom>
-              <a:solidFill>
-                <a:schemeClr val="bg1"/>
-              </a:solidFill>
-              <a:ln w="76200">
-                <a:solidFill>
-                  <a:schemeClr val="accent1">
-                    <a:lumMod val="20000"/>
-                    <a:lumOff val="80000"/>
-                  </a:schemeClr>
-                </a:solidFill>
-              </a:ln>
-            </p:spPr>
-            <p:style>
-              <a:lnRef idx="2">
-                <a:schemeClr val="accent1">
-                  <a:shade val="50000"/>
-                </a:schemeClr>
-              </a:lnRef>
-              <a:fillRef idx="1">
-                <a:schemeClr val="accent1"/>
-              </a:fillRef>
-              <a:effectRef idx="0">
-                <a:schemeClr val="accent1"/>
-              </a:effectRef>
-              <a:fontRef idx="minor">
-                <a:schemeClr val="lt1"/>
-              </a:fontRef>
-            </p:style>
-            <p:txBody>
-              <a:bodyPr rtlCol="0" anchor="ctr"/>
-              <a:lstStyle/>
-              <a:p>
-                <a:pPr algn="ctr"/>
-                <a:r>
-                  <a:rPr kumimoji="1" lang="en-US" altLang="zh-TW" sz="2000" dirty="0">
-                    <a:solidFill>
-                      <a:schemeClr val="tx1"/>
-                    </a:solidFill>
-                    <a:latin typeface="Heiti SC Medium" pitchFamily="2" charset="-128"/>
-                    <a:ea typeface="Heiti SC Medium" pitchFamily="2" charset="-128"/>
-                  </a:rPr>
-                  <a:t>10~15</a:t>
-                </a:r>
-                <a:r>
-                  <a:rPr kumimoji="1" lang="zh-TW" altLang="en-US" sz="2000" dirty="0">
-                    <a:solidFill>
-                      <a:schemeClr val="tx1"/>
-                    </a:solidFill>
-                    <a:latin typeface="Heiti SC Medium" pitchFamily="2" charset="-128"/>
-                    <a:ea typeface="Heiti SC Medium" pitchFamily="2" charset="-128"/>
-                  </a:rPr>
-                  <a:t>分鐘</a:t>
-                </a:r>
-              </a:p>
-            </p:txBody>
-          </p:sp>
-          <p:sp>
-            <p:nvSpPr>
-              <p:cNvPr id="39" name="矩形 38">
-                <a:extLst>
-                  <a:ext uri="{FF2B5EF4-FFF2-40B4-BE49-F238E27FC236}">
-                    <a16:creationId xmlns:a16="http://schemas.microsoft.com/office/drawing/2014/main" id="{840B32AD-9A08-E944-80DC-050ACA698E14}"/>
-                  </a:ext>
-                </a:extLst>
-              </p:cNvPr>
-              <p:cNvSpPr/>
-              <p:nvPr/>
-            </p:nvSpPr>
-            <p:spPr>
-              <a:xfrm>
-                <a:off x="1652655" y="2470800"/>
-                <a:ext cx="1440000" cy="540000"/>
-              </a:xfrm>
-              <a:prstGeom prst="rect">
-                <a:avLst/>
-              </a:prstGeom>
-              <a:solidFill>
-                <a:schemeClr val="accent1">
-                  <a:lumMod val="20000"/>
-                  <a:lumOff val="80000"/>
-                </a:schemeClr>
-              </a:solidFill>
-              <a:ln>
-                <a:solidFill>
-                  <a:schemeClr val="accent1">
-                    <a:lumMod val="20000"/>
-                    <a:lumOff val="80000"/>
-                  </a:schemeClr>
-                </a:solidFill>
-              </a:ln>
-            </p:spPr>
-            <p:style>
-              <a:lnRef idx="2">
-                <a:schemeClr val="accent1">
-                  <a:shade val="50000"/>
-                </a:schemeClr>
-              </a:lnRef>
-              <a:fillRef idx="1">
-                <a:schemeClr val="accent1"/>
-              </a:fillRef>
-              <a:effectRef idx="0">
-                <a:schemeClr val="accent1"/>
-              </a:effectRef>
-              <a:fontRef idx="minor">
-                <a:schemeClr val="lt1"/>
-              </a:fontRef>
-            </p:style>
-            <p:txBody>
-              <a:bodyPr rtlCol="0" anchor="ctr"/>
-              <a:lstStyle/>
-              <a:p>
-                <a:pPr algn="ctr"/>
-                <a:r>
-                  <a:rPr kumimoji="1" lang="zh-TW" altLang="en-US" sz="2000" dirty="0">
-                    <a:solidFill>
-                      <a:schemeClr val="tx1"/>
-                    </a:solidFill>
-                    <a:latin typeface="Heiti SC Medium" pitchFamily="2" charset="-128"/>
-                    <a:ea typeface="Heiti SC Medium" pitchFamily="2" charset="-128"/>
-                  </a:rPr>
-                  <a:t>隨堂測驗</a:t>
-                </a:r>
-              </a:p>
-            </p:txBody>
-          </p:sp>
-        </p:grpSp>
-        <p:cxnSp>
-          <p:nvCxnSpPr>
-            <p:cNvPr id="41" name="直線箭頭接點 40">
-              <a:extLst>
-                <a:ext uri="{FF2B5EF4-FFF2-40B4-BE49-F238E27FC236}">
-                  <a16:creationId xmlns:a16="http://schemas.microsoft.com/office/drawing/2014/main" id="{C184B4B2-B1C6-6941-AA53-E6FD501F4B67}"/>
-                </a:ext>
-              </a:extLst>
-            </p:cNvPr>
-            <p:cNvCxnSpPr>
-              <a:cxnSpLocks/>
-              <a:stCxn id="33" idx="3"/>
-              <a:endCxn id="38" idx="1"/>
-            </p:cNvCxnSpPr>
-            <p:nvPr/>
-          </p:nvCxnSpPr>
-          <p:spPr>
-            <a:xfrm>
-              <a:off x="7086000" y="5797223"/>
-              <a:ext cx="1242600" cy="0"/>
-            </a:xfrm>
-            <a:prstGeom prst="straightConnector1">
-              <a:avLst/>
-            </a:prstGeom>
-            <a:ln w="57150">
-              <a:solidFill>
-                <a:schemeClr val="bg2">
-                  <a:lumMod val="75000"/>
-                </a:schemeClr>
-              </a:solidFill>
-              <a:tailEnd type="triangle"/>
-            </a:ln>
-          </p:spPr>
-          <p:style>
-            <a:lnRef idx="1">
-              <a:schemeClr val="dk1"/>
-            </a:lnRef>
-            <a:fillRef idx="0">
-              <a:schemeClr val="dk1"/>
-            </a:fillRef>
-            <a:effectRef idx="0">
-              <a:schemeClr val="dk1"/>
-            </a:effectRef>
-            <a:fontRef idx="minor">
-              <a:schemeClr val="tx1"/>
-            </a:fontRef>
-          </p:style>
-        </p:cxnSp>
-      </p:grpSp>
-      <p:sp>
-        <p:nvSpPr>
-          <p:cNvPr id="5" name="橢圓 4">
-            <a:extLst>
-              <a:ext uri="{FF2B5EF4-FFF2-40B4-BE49-F238E27FC236}">
-                <a16:creationId xmlns:a16="http://schemas.microsoft.com/office/drawing/2014/main" id="{A6688B10-7923-F546-940F-479117C48CCB}"/>
-              </a:ext>
-            </a:extLst>
-          </p:cNvPr>
-          <p:cNvSpPr/>
-          <p:nvPr/>
-        </p:nvSpPr>
-        <p:spPr>
-          <a:xfrm>
-            <a:off x="566816" y="1881172"/>
-            <a:ext cx="2349795" cy="2349795"/>
-          </a:xfrm>
-          <a:prstGeom prst="ellipse">
-            <a:avLst/>
-          </a:prstGeom>
-          <a:solidFill>
-            <a:schemeClr val="accent6">
-              <a:lumMod val="40000"/>
-              <a:lumOff val="60000"/>
-              <a:alpha val="50000"/>
-            </a:schemeClr>
-          </a:solidFill>
-          <a:ln>
-            <a:noFill/>
-          </a:ln>
-          <a:effectLst/>
-        </p:spPr>
-        <p:style>
-          <a:lnRef idx="2">
-            <a:schemeClr val="accent1">
-              <a:shade val="50000"/>
-            </a:schemeClr>
-          </a:lnRef>
-          <a:fillRef idx="1">
-            <a:schemeClr val="accent1"/>
-          </a:fillRef>
-          <a:effectRef idx="0">
-            <a:schemeClr val="accent1"/>
-          </a:effectRef>
-          <a:fontRef idx="minor">
-            <a:schemeClr val="lt1"/>
-          </a:fontRef>
-        </p:style>
-        <p:txBody>
-          <a:bodyPr rtlCol="0" anchor="ctr"/>
-          <a:lstStyle/>
-          <a:p>
-            <a:pPr algn="ctr"/>
-            <a:endParaRPr kumimoji="1" lang="zh-TW" altLang="en-US"/>
-          </a:p>
-        </p:txBody>
-      </p:sp>
-      <p:sp>
-        <p:nvSpPr>
-          <p:cNvPr id="43" name="橢圓 42">
-            <a:extLst>
-              <a:ext uri="{FF2B5EF4-FFF2-40B4-BE49-F238E27FC236}">
-                <a16:creationId xmlns:a16="http://schemas.microsoft.com/office/drawing/2014/main" id="{6C7D943F-55D9-8242-9D4D-62BC1A0FAB60}"/>
-              </a:ext>
-            </a:extLst>
-          </p:cNvPr>
-          <p:cNvSpPr/>
-          <p:nvPr/>
-        </p:nvSpPr>
-        <p:spPr>
-          <a:xfrm>
-            <a:off x="3600428" y="1881170"/>
-            <a:ext cx="2349795" cy="2349795"/>
-          </a:xfrm>
-          <a:prstGeom prst="ellipse">
-            <a:avLst/>
-          </a:prstGeom>
-          <a:solidFill>
-            <a:schemeClr val="accent2">
-              <a:lumMod val="40000"/>
-              <a:lumOff val="60000"/>
-              <a:alpha val="50000"/>
-            </a:schemeClr>
-          </a:solidFill>
-          <a:ln>
-            <a:noFill/>
-          </a:ln>
-          <a:effectLst/>
-        </p:spPr>
-        <p:style>
-          <a:lnRef idx="2">
-            <a:schemeClr val="accent1">
-              <a:shade val="50000"/>
-            </a:schemeClr>
-          </a:lnRef>
-          <a:fillRef idx="1">
-            <a:schemeClr val="accent1"/>
-          </a:fillRef>
-          <a:effectRef idx="0">
-            <a:schemeClr val="accent1"/>
-          </a:effectRef>
-          <a:fontRef idx="minor">
-            <a:schemeClr val="lt1"/>
-          </a:fontRef>
-        </p:style>
-        <p:txBody>
-          <a:bodyPr rtlCol="0" anchor="ctr"/>
-          <a:lstStyle/>
-          <a:p>
-            <a:pPr algn="ctr"/>
-            <a:endParaRPr kumimoji="1" lang="zh-TW" altLang="en-US"/>
-          </a:p>
-        </p:txBody>
-      </p:sp>
-      <p:sp>
-        <p:nvSpPr>
-          <p:cNvPr id="45" name="橢圓 44">
-            <a:extLst>
-              <a:ext uri="{FF2B5EF4-FFF2-40B4-BE49-F238E27FC236}">
-                <a16:creationId xmlns:a16="http://schemas.microsoft.com/office/drawing/2014/main" id="{E9EC1E15-BA09-4D4E-A2C4-BEF42BAEC020}"/>
-              </a:ext>
-            </a:extLst>
-          </p:cNvPr>
-          <p:cNvSpPr/>
-          <p:nvPr/>
-        </p:nvSpPr>
-        <p:spPr>
-          <a:xfrm>
-            <a:off x="6606577" y="1881171"/>
-            <a:ext cx="2349795" cy="2349795"/>
-          </a:xfrm>
-          <a:prstGeom prst="ellipse">
-            <a:avLst/>
-          </a:prstGeom>
-          <a:solidFill>
-            <a:schemeClr val="accent4">
-              <a:lumMod val="40000"/>
-              <a:lumOff val="60000"/>
-              <a:alpha val="50000"/>
-            </a:schemeClr>
-          </a:solidFill>
-          <a:ln>
-            <a:noFill/>
-          </a:ln>
-          <a:effectLst/>
-        </p:spPr>
-        <p:style>
-          <a:lnRef idx="2">
-            <a:schemeClr val="accent1">
-              <a:shade val="50000"/>
-            </a:schemeClr>
-          </a:lnRef>
-          <a:fillRef idx="1">
-            <a:schemeClr val="accent1"/>
-          </a:fillRef>
-          <a:effectRef idx="0">
-            <a:schemeClr val="accent1"/>
-          </a:effectRef>
-          <a:fontRef idx="minor">
-            <a:schemeClr val="lt1"/>
-          </a:fontRef>
-        </p:style>
-        <p:txBody>
-          <a:bodyPr rtlCol="0" anchor="ctr"/>
-          <a:lstStyle/>
-          <a:p>
-            <a:pPr algn="ctr"/>
-            <a:endParaRPr kumimoji="1" lang="zh-TW" altLang="en-US"/>
-          </a:p>
-        </p:txBody>
-      </p:sp>
-      <p:sp>
-        <p:nvSpPr>
-          <p:cNvPr id="8" name="文字方塊 7">
-            <a:extLst>
-              <a:ext uri="{FF2B5EF4-FFF2-40B4-BE49-F238E27FC236}">
-                <a16:creationId xmlns:a16="http://schemas.microsoft.com/office/drawing/2014/main" id="{917FA361-F40B-8841-A44C-0E0CAF8B63FF}"/>
-              </a:ext>
-            </a:extLst>
-          </p:cNvPr>
-          <p:cNvSpPr txBox="1"/>
-          <p:nvPr/>
-        </p:nvSpPr>
-        <p:spPr>
-          <a:xfrm>
-            <a:off x="1384311" y="2037615"/>
-            <a:ext cx="1107996" cy="369332"/>
-          </a:xfrm>
-          <a:prstGeom prst="rect">
-            <a:avLst/>
-          </a:prstGeom>
-          <a:noFill/>
-        </p:spPr>
-        <p:txBody>
-          <a:bodyPr wrap="none" rtlCol="0">
-            <a:spAutoFit/>
-          </a:bodyPr>
-          <a:lstStyle/>
-          <a:p>
-            <a:r>
-              <a:rPr kumimoji="1" lang="zh-TW" altLang="en-US" dirty="0">
-                <a:latin typeface="Heiti SC Medium" pitchFamily="2" charset="-128"/>
-                <a:ea typeface="Heiti SC Medium" pitchFamily="2" charset="-128"/>
-              </a:rPr>
-              <a:t>概念理解</a:t>
-            </a:r>
-          </a:p>
-        </p:txBody>
-      </p:sp>
-      <p:sp>
-        <p:nvSpPr>
-          <p:cNvPr id="46" name="文字方塊 45">
-            <a:extLst>
-              <a:ext uri="{FF2B5EF4-FFF2-40B4-BE49-F238E27FC236}">
-                <a16:creationId xmlns:a16="http://schemas.microsoft.com/office/drawing/2014/main" id="{48C9ACF6-3643-0447-A922-89A692822F0C}"/>
-              </a:ext>
-            </a:extLst>
-          </p:cNvPr>
-          <p:cNvSpPr txBox="1"/>
-          <p:nvPr/>
-        </p:nvSpPr>
-        <p:spPr>
-          <a:xfrm>
-            <a:off x="4442291" y="2036489"/>
-            <a:ext cx="1107996" cy="369332"/>
-          </a:xfrm>
-          <a:prstGeom prst="rect">
-            <a:avLst/>
-          </a:prstGeom>
-          <a:noFill/>
-        </p:spPr>
-        <p:txBody>
-          <a:bodyPr wrap="none" rtlCol="0">
-            <a:spAutoFit/>
-          </a:bodyPr>
-          <a:lstStyle/>
-          <a:p>
-            <a:r>
-              <a:rPr kumimoji="1" lang="zh-TW" altLang="en-US" dirty="0">
-                <a:latin typeface="Heiti SC Medium" pitchFamily="2" charset="-128"/>
-                <a:ea typeface="Heiti SC Medium" pitchFamily="2" charset="-128"/>
-              </a:rPr>
-              <a:t>概念反思</a:t>
-            </a:r>
-          </a:p>
-        </p:txBody>
-      </p:sp>
-      <p:sp>
-        <p:nvSpPr>
-          <p:cNvPr id="47" name="文字方塊 46">
-            <a:extLst>
-              <a:ext uri="{FF2B5EF4-FFF2-40B4-BE49-F238E27FC236}">
-                <a16:creationId xmlns:a16="http://schemas.microsoft.com/office/drawing/2014/main" id="{913CA365-6D6E-A44C-8FF6-48CD4B6EFEDA}"/>
-              </a:ext>
-            </a:extLst>
-          </p:cNvPr>
-          <p:cNvSpPr txBox="1"/>
-          <p:nvPr/>
-        </p:nvSpPr>
-        <p:spPr>
-          <a:xfrm>
-            <a:off x="7363932" y="2036489"/>
-            <a:ext cx="1107996" cy="369332"/>
-          </a:xfrm>
-          <a:prstGeom prst="rect">
-            <a:avLst/>
-          </a:prstGeom>
-          <a:noFill/>
-        </p:spPr>
-        <p:txBody>
-          <a:bodyPr wrap="none" rtlCol="0">
-            <a:spAutoFit/>
-          </a:bodyPr>
-          <a:lstStyle/>
-          <a:p>
-            <a:r>
-              <a:rPr kumimoji="1" lang="zh-TW" altLang="en-US" dirty="0">
-                <a:latin typeface="Heiti SC Medium" pitchFamily="2" charset="-128"/>
-                <a:ea typeface="Heiti SC Medium" pitchFamily="2" charset="-128"/>
-              </a:rPr>
-              <a:t>概念應用</a:t>
-            </a:r>
-          </a:p>
-        </p:txBody>
-      </p:sp>
-      <p:sp>
-        <p:nvSpPr>
-          <p:cNvPr id="69" name="橢圓 68">
-            <a:extLst>
-              <a:ext uri="{FF2B5EF4-FFF2-40B4-BE49-F238E27FC236}">
-                <a16:creationId xmlns:a16="http://schemas.microsoft.com/office/drawing/2014/main" id="{93FA54FA-5624-E249-8131-7D7304F2A4AF}"/>
-              </a:ext>
-            </a:extLst>
-          </p:cNvPr>
-          <p:cNvSpPr/>
-          <p:nvPr/>
-        </p:nvSpPr>
-        <p:spPr>
-          <a:xfrm>
-            <a:off x="1665513" y="4471734"/>
-            <a:ext cx="2349795" cy="2349795"/>
-          </a:xfrm>
-          <a:prstGeom prst="ellipse">
-            <a:avLst/>
-          </a:prstGeom>
-          <a:solidFill>
-            <a:schemeClr val="accent6">
-              <a:lumMod val="40000"/>
-              <a:lumOff val="60000"/>
-              <a:alpha val="50000"/>
-            </a:schemeClr>
-          </a:solidFill>
-          <a:ln>
-            <a:noFill/>
-          </a:ln>
-          <a:effectLst/>
-        </p:spPr>
-        <p:style>
-          <a:lnRef idx="2">
-            <a:schemeClr val="accent1">
-              <a:shade val="50000"/>
-            </a:schemeClr>
-          </a:lnRef>
-          <a:fillRef idx="1">
-            <a:schemeClr val="accent1"/>
-          </a:fillRef>
-          <a:effectRef idx="0">
-            <a:schemeClr val="accent1"/>
-          </a:effectRef>
-          <a:fontRef idx="minor">
-            <a:schemeClr val="lt1"/>
-          </a:fontRef>
-        </p:style>
-        <p:txBody>
-          <a:bodyPr rtlCol="0" anchor="ctr"/>
-          <a:lstStyle/>
-          <a:p>
-            <a:pPr algn="ctr"/>
-            <a:endParaRPr kumimoji="1" lang="zh-TW" altLang="en-US"/>
-          </a:p>
-        </p:txBody>
-      </p:sp>
-      <p:sp>
-        <p:nvSpPr>
-          <p:cNvPr id="70" name="橢圓 69">
-            <a:extLst>
-              <a:ext uri="{FF2B5EF4-FFF2-40B4-BE49-F238E27FC236}">
-                <a16:creationId xmlns:a16="http://schemas.microsoft.com/office/drawing/2014/main" id="{D2C64226-FB2B-A24E-93B6-5BB047D99D7B}"/>
-              </a:ext>
-            </a:extLst>
-          </p:cNvPr>
-          <p:cNvSpPr/>
-          <p:nvPr/>
-        </p:nvSpPr>
-        <p:spPr>
-          <a:xfrm>
-            <a:off x="4950770" y="4471733"/>
-            <a:ext cx="2349795" cy="2349795"/>
-          </a:xfrm>
-          <a:prstGeom prst="ellipse">
-            <a:avLst/>
-          </a:prstGeom>
-          <a:solidFill>
-            <a:schemeClr val="accent4">
-              <a:lumMod val="40000"/>
-              <a:lumOff val="60000"/>
-              <a:alpha val="50000"/>
-            </a:schemeClr>
-          </a:solidFill>
-          <a:ln>
-            <a:noFill/>
-          </a:ln>
-          <a:effectLst/>
-        </p:spPr>
-        <p:style>
-          <a:lnRef idx="2">
-            <a:schemeClr val="accent1">
-              <a:shade val="50000"/>
-            </a:schemeClr>
-          </a:lnRef>
-          <a:fillRef idx="1">
-            <a:schemeClr val="accent1"/>
-          </a:fillRef>
-          <a:effectRef idx="0">
-            <a:schemeClr val="accent1"/>
-          </a:effectRef>
-          <a:fontRef idx="minor">
-            <a:schemeClr val="lt1"/>
-          </a:fontRef>
-        </p:style>
-        <p:txBody>
-          <a:bodyPr rtlCol="0" anchor="ctr"/>
-          <a:lstStyle/>
-          <a:p>
-            <a:pPr algn="ctr"/>
-            <a:endParaRPr kumimoji="1" lang="zh-TW" altLang="en-US"/>
-          </a:p>
-        </p:txBody>
-      </p:sp>
-      <p:sp>
-        <p:nvSpPr>
-          <p:cNvPr id="71" name="文字方塊 70">
-            <a:extLst>
-              <a:ext uri="{FF2B5EF4-FFF2-40B4-BE49-F238E27FC236}">
-                <a16:creationId xmlns:a16="http://schemas.microsoft.com/office/drawing/2014/main" id="{4939128C-8284-424A-8239-A18262DCBED3}"/>
-              </a:ext>
-            </a:extLst>
-          </p:cNvPr>
-          <p:cNvSpPr txBox="1"/>
-          <p:nvPr/>
-        </p:nvSpPr>
-        <p:spPr>
-          <a:xfrm>
-            <a:off x="2483008" y="4628177"/>
-            <a:ext cx="1107996" cy="369332"/>
-          </a:xfrm>
-          <a:prstGeom prst="rect">
-            <a:avLst/>
-          </a:prstGeom>
-          <a:noFill/>
-        </p:spPr>
-        <p:txBody>
-          <a:bodyPr wrap="none" rtlCol="0">
-            <a:spAutoFit/>
-          </a:bodyPr>
-          <a:lstStyle/>
-          <a:p>
-            <a:r>
-              <a:rPr kumimoji="1" lang="zh-TW" altLang="en-US" dirty="0">
-                <a:latin typeface="Heiti SC Medium" pitchFamily="2" charset="-128"/>
-                <a:ea typeface="Heiti SC Medium" pitchFamily="2" charset="-128"/>
-              </a:rPr>
-              <a:t>概念理解</a:t>
-            </a:r>
-          </a:p>
-        </p:txBody>
-      </p:sp>
-      <p:sp>
-        <p:nvSpPr>
-          <p:cNvPr id="72" name="文字方塊 71">
-            <a:extLst>
-              <a:ext uri="{FF2B5EF4-FFF2-40B4-BE49-F238E27FC236}">
-                <a16:creationId xmlns:a16="http://schemas.microsoft.com/office/drawing/2014/main" id="{09F8718A-AFCD-A248-AD55-2C713B401D03}"/>
-              </a:ext>
-            </a:extLst>
-          </p:cNvPr>
-          <p:cNvSpPr txBox="1"/>
-          <p:nvPr/>
-        </p:nvSpPr>
-        <p:spPr>
-          <a:xfrm>
-            <a:off x="5708125" y="4627051"/>
-            <a:ext cx="1107996" cy="369332"/>
-          </a:xfrm>
-          <a:prstGeom prst="rect">
-            <a:avLst/>
-          </a:prstGeom>
-          <a:noFill/>
-        </p:spPr>
-        <p:txBody>
-          <a:bodyPr wrap="none" rtlCol="0">
-            <a:spAutoFit/>
-          </a:bodyPr>
-          <a:lstStyle/>
-          <a:p>
-            <a:r>
-              <a:rPr kumimoji="1" lang="zh-TW" altLang="en-US" dirty="0">
-                <a:latin typeface="Heiti SC Medium" pitchFamily="2" charset="-128"/>
-                <a:ea typeface="Heiti SC Medium" pitchFamily="2" charset="-128"/>
-              </a:rPr>
-              <a:t>概念應用</a:t>
-            </a:r>
-          </a:p>
-        </p:txBody>
-      </p:sp>
-      <p:sp>
-        <p:nvSpPr>
-          <p:cNvPr id="73" name="橢圓 72">
-            <a:extLst>
-              <a:ext uri="{FF2B5EF4-FFF2-40B4-BE49-F238E27FC236}">
-                <a16:creationId xmlns:a16="http://schemas.microsoft.com/office/drawing/2014/main" id="{94E2431E-4321-D14D-BECF-3C5D31F0F98C}"/>
-              </a:ext>
-            </a:extLst>
-          </p:cNvPr>
-          <p:cNvSpPr/>
-          <p:nvPr/>
-        </p:nvSpPr>
-        <p:spPr>
-          <a:xfrm>
-            <a:off x="2592156" y="5332698"/>
-            <a:ext cx="1260589" cy="1260589"/>
-          </a:xfrm>
-          <a:prstGeom prst="ellipse">
-            <a:avLst/>
-          </a:prstGeom>
-          <a:solidFill>
-            <a:schemeClr val="accent2">
-              <a:lumMod val="40000"/>
-              <a:lumOff val="60000"/>
-              <a:alpha val="50000"/>
-            </a:schemeClr>
-          </a:solidFill>
-          <a:ln>
-            <a:noFill/>
-          </a:ln>
-          <a:effectLst/>
-        </p:spPr>
-        <p:style>
-          <a:lnRef idx="2">
-            <a:schemeClr val="accent1">
-              <a:shade val="50000"/>
-            </a:schemeClr>
-          </a:lnRef>
-          <a:fillRef idx="1">
-            <a:schemeClr val="accent1"/>
-          </a:fillRef>
-          <a:effectRef idx="0">
-            <a:schemeClr val="accent1"/>
-          </a:effectRef>
-          <a:fontRef idx="minor">
-            <a:schemeClr val="lt1"/>
-          </a:fontRef>
-        </p:style>
-        <p:txBody>
-          <a:bodyPr rtlCol="0" anchor="ctr"/>
-          <a:lstStyle/>
-          <a:p>
-            <a:pPr algn="ctr"/>
-            <a:endParaRPr kumimoji="1" lang="zh-TW" altLang="en-US"/>
-          </a:p>
-        </p:txBody>
-      </p:sp>
-      <p:sp>
-        <p:nvSpPr>
-          <p:cNvPr id="74" name="文字方塊 73">
-            <a:extLst>
-              <a:ext uri="{FF2B5EF4-FFF2-40B4-BE49-F238E27FC236}">
-                <a16:creationId xmlns:a16="http://schemas.microsoft.com/office/drawing/2014/main" id="{CEB31BD6-F827-4F4C-87A9-5CCB22E03B9C}"/>
-              </a:ext>
-            </a:extLst>
-          </p:cNvPr>
-          <p:cNvSpPr txBox="1"/>
-          <p:nvPr/>
-        </p:nvSpPr>
-        <p:spPr>
-          <a:xfrm>
-            <a:off x="3025404" y="5258273"/>
-            <a:ext cx="1107996" cy="369332"/>
-          </a:xfrm>
-          <a:prstGeom prst="rect">
-            <a:avLst/>
-          </a:prstGeom>
-          <a:noFill/>
-        </p:spPr>
-        <p:txBody>
-          <a:bodyPr wrap="none" rtlCol="0">
-            <a:spAutoFit/>
-          </a:bodyPr>
-          <a:lstStyle/>
-          <a:p>
-            <a:r>
-              <a:rPr kumimoji="1" lang="zh-TW" altLang="en-US" dirty="0">
-                <a:latin typeface="Heiti SC Medium" pitchFamily="2" charset="-128"/>
-                <a:ea typeface="Heiti SC Medium" pitchFamily="2" charset="-128"/>
-              </a:rPr>
-              <a:t>概念反思</a:t>
-            </a:r>
-          </a:p>
-        </p:txBody>
-      </p:sp>
-    </p:spTree>
-    <p:extLst>
-      <p:ext uri="{BB962C8B-B14F-4D97-AF65-F5344CB8AC3E}">
-        <p14:creationId xmlns:p14="http://schemas.microsoft.com/office/powerpoint/2010/main" val="2765316148"/>
       </p:ext>
     </p:extLst>
   </p:cSld>

--- a/模擬平台網頁_v2/教材簡報/課堂流程與研究目的_v2.pptx
+++ b/模擬平台網頁_v2/教材簡報/課堂流程與研究目的_v2.pptx
@@ -275,7 +275,7 @@
           <a:p>
             <a:fld id="{4B4D149D-1AC6-0C4E-AB7E-19B2D9CBC675}" type="datetimeFigureOut">
               <a:rPr kumimoji="1" lang="zh-TW" altLang="en-US" smtClean="0"/>
-              <a:t>2022/6/7</a:t>
+              <a:t>2022/7/7</a:t>
             </a:fld>
             <a:endParaRPr kumimoji="1" lang="zh-TW" altLang="en-US"/>
           </a:p>
@@ -473,7 +473,7 @@
           <a:p>
             <a:fld id="{4B4D149D-1AC6-0C4E-AB7E-19B2D9CBC675}" type="datetimeFigureOut">
               <a:rPr kumimoji="1" lang="zh-TW" altLang="en-US" smtClean="0"/>
-              <a:t>2022/6/7</a:t>
+              <a:t>2022/7/7</a:t>
             </a:fld>
             <a:endParaRPr kumimoji="1" lang="zh-TW" altLang="en-US"/>
           </a:p>
@@ -681,7 +681,7 @@
           <a:p>
             <a:fld id="{4B4D149D-1AC6-0C4E-AB7E-19B2D9CBC675}" type="datetimeFigureOut">
               <a:rPr kumimoji="1" lang="zh-TW" altLang="en-US" smtClean="0"/>
-              <a:t>2022/6/7</a:t>
+              <a:t>2022/7/7</a:t>
             </a:fld>
             <a:endParaRPr kumimoji="1" lang="zh-TW" altLang="en-US"/>
           </a:p>
@@ -879,7 +879,7 @@
           <a:p>
             <a:fld id="{4B4D149D-1AC6-0C4E-AB7E-19B2D9CBC675}" type="datetimeFigureOut">
               <a:rPr kumimoji="1" lang="zh-TW" altLang="en-US" smtClean="0"/>
-              <a:t>2022/6/7</a:t>
+              <a:t>2022/7/7</a:t>
             </a:fld>
             <a:endParaRPr kumimoji="1" lang="zh-TW" altLang="en-US"/>
           </a:p>
@@ -1154,7 +1154,7 @@
           <a:p>
             <a:fld id="{4B4D149D-1AC6-0C4E-AB7E-19B2D9CBC675}" type="datetimeFigureOut">
               <a:rPr kumimoji="1" lang="zh-TW" altLang="en-US" smtClean="0"/>
-              <a:t>2022/6/7</a:t>
+              <a:t>2022/7/7</a:t>
             </a:fld>
             <a:endParaRPr kumimoji="1" lang="zh-TW" altLang="en-US"/>
           </a:p>
@@ -1419,7 +1419,7 @@
           <a:p>
             <a:fld id="{4B4D149D-1AC6-0C4E-AB7E-19B2D9CBC675}" type="datetimeFigureOut">
               <a:rPr kumimoji="1" lang="zh-TW" altLang="en-US" smtClean="0"/>
-              <a:t>2022/6/7</a:t>
+              <a:t>2022/7/7</a:t>
             </a:fld>
             <a:endParaRPr kumimoji="1" lang="zh-TW" altLang="en-US"/>
           </a:p>
@@ -1831,7 +1831,7 @@
           <a:p>
             <a:fld id="{4B4D149D-1AC6-0C4E-AB7E-19B2D9CBC675}" type="datetimeFigureOut">
               <a:rPr kumimoji="1" lang="zh-TW" altLang="en-US" smtClean="0"/>
-              <a:t>2022/6/7</a:t>
+              <a:t>2022/7/7</a:t>
             </a:fld>
             <a:endParaRPr kumimoji="1" lang="zh-TW" altLang="en-US"/>
           </a:p>
@@ -1972,7 +1972,7 @@
           <a:p>
             <a:fld id="{4B4D149D-1AC6-0C4E-AB7E-19B2D9CBC675}" type="datetimeFigureOut">
               <a:rPr kumimoji="1" lang="zh-TW" altLang="en-US" smtClean="0"/>
-              <a:t>2022/6/7</a:t>
+              <a:t>2022/7/7</a:t>
             </a:fld>
             <a:endParaRPr kumimoji="1" lang="zh-TW" altLang="en-US"/>
           </a:p>
@@ -2085,7 +2085,7 @@
           <a:p>
             <a:fld id="{4B4D149D-1AC6-0C4E-AB7E-19B2D9CBC675}" type="datetimeFigureOut">
               <a:rPr kumimoji="1" lang="zh-TW" altLang="en-US" smtClean="0"/>
-              <a:t>2022/6/7</a:t>
+              <a:t>2022/7/7</a:t>
             </a:fld>
             <a:endParaRPr kumimoji="1" lang="zh-TW" altLang="en-US"/>
           </a:p>
@@ -2396,7 +2396,7 @@
           <a:p>
             <a:fld id="{4B4D149D-1AC6-0C4E-AB7E-19B2D9CBC675}" type="datetimeFigureOut">
               <a:rPr kumimoji="1" lang="zh-TW" altLang="en-US" smtClean="0"/>
-              <a:t>2022/6/7</a:t>
+              <a:t>2022/7/7</a:t>
             </a:fld>
             <a:endParaRPr kumimoji="1" lang="zh-TW" altLang="en-US"/>
           </a:p>
@@ -2684,7 +2684,7 @@
           <a:p>
             <a:fld id="{4B4D149D-1AC6-0C4E-AB7E-19B2D9CBC675}" type="datetimeFigureOut">
               <a:rPr kumimoji="1" lang="zh-TW" altLang="en-US" smtClean="0"/>
-              <a:t>2022/6/7</a:t>
+              <a:t>2022/7/7</a:t>
             </a:fld>
             <a:endParaRPr kumimoji="1" lang="zh-TW" altLang="en-US"/>
           </a:p>
@@ -2925,7 +2925,7 @@
           <a:p>
             <a:fld id="{4B4D149D-1AC6-0C4E-AB7E-19B2D9CBC675}" type="datetimeFigureOut">
               <a:rPr kumimoji="1" lang="zh-TW" altLang="en-US" smtClean="0"/>
-              <a:t>2022/6/7</a:t>
+              <a:t>2022/7/7</a:t>
             </a:fld>
             <a:endParaRPr kumimoji="1" lang="zh-TW" altLang="en-US"/>
           </a:p>
@@ -11639,20 +11639,18 @@
             </a:extLst>
           </p:cNvPr>
           <p:cNvCxnSpPr>
-            <a:stCxn id="6" idx="2"/>
+            <a:cxnSpLocks/>
             <a:endCxn id="4" idx="2"/>
           </p:cNvCxnSpPr>
           <p:nvPr/>
         </p:nvCxnSpPr>
         <p:spPr>
-          <a:xfrm rot="5400000">
-            <a:off x="6096000" y="538201"/>
-            <a:ext cx="12700" cy="6595884"/>
+          <a:xfrm rot="10800000">
+            <a:off x="2798058" y="3836144"/>
+            <a:ext cx="7042628" cy="1331169"/>
           </a:xfrm>
-          <a:prstGeom prst="bentConnector3">
-            <a:avLst>
-              <a:gd name="adj1" fmla="val 10028567"/>
-            </a:avLst>
+          <a:prstGeom prst="bentConnector2">
+            <a:avLst/>
           </a:prstGeom>
           <a:ln w="57150">
             <a:solidFill>
@@ -11717,7 +11715,7 @@
                 <a:latin typeface="Heiti SC Medium" pitchFamily="2" charset="-128"/>
                 <a:ea typeface="Heiti SC Medium" pitchFamily="2" charset="-128"/>
               </a:rPr>
-              <a:t>理解</a:t>
+              <a:t>反思</a:t>
             </a:r>
             <a:r>
               <a:rPr kumimoji="1" lang="en-US" altLang="zh-TW" sz="2400" dirty="0">
@@ -11741,7 +11739,7 @@
                 <a:latin typeface="Heiti SC Medium" pitchFamily="2" charset="-128"/>
                 <a:ea typeface="Heiti SC Medium" pitchFamily="2" charset="-128"/>
               </a:rPr>
-              <a:t>反思</a:t>
+              <a:t>理解</a:t>
             </a:r>
           </a:p>
         </p:txBody>
@@ -11784,7 +11782,7 @@
                 <a:latin typeface="Heiti SC Medium" pitchFamily="2" charset="-128"/>
                 <a:ea typeface="Heiti SC Medium" pitchFamily="2" charset="-128"/>
               </a:rPr>
-              <a:t>理解</a:t>
+              <a:t>應用</a:t>
             </a:r>
             <a:r>
               <a:rPr kumimoji="1" lang="en-US" altLang="zh-TW" sz="2400" dirty="0">
@@ -11808,7 +11806,7 @@
                 <a:latin typeface="Heiti SC Medium" pitchFamily="2" charset="-128"/>
                 <a:ea typeface="Heiti SC Medium" pitchFamily="2" charset="-128"/>
               </a:rPr>
-              <a:t>應用</a:t>
+              <a:t>理解</a:t>
             </a:r>
           </a:p>
         </p:txBody>
@@ -11851,7 +11849,7 @@
                 <a:latin typeface="Heiti SC Medium" pitchFamily="2" charset="-128"/>
                 <a:ea typeface="Heiti SC Medium" pitchFamily="2" charset="-128"/>
               </a:rPr>
-              <a:t>反思</a:t>
+              <a:t>應用</a:t>
             </a:r>
             <a:r>
               <a:rPr kumimoji="1" lang="en-US" altLang="zh-TW" sz="2400" dirty="0">
@@ -11875,11 +11873,57 @@
                 <a:latin typeface="Heiti SC Medium" pitchFamily="2" charset="-128"/>
                 <a:ea typeface="Heiti SC Medium" pitchFamily="2" charset="-128"/>
               </a:rPr>
-              <a:t>應用</a:t>
+              <a:t>反思</a:t>
             </a:r>
           </a:p>
         </p:txBody>
       </p:sp>
+      <p:cxnSp>
+        <p:nvCxnSpPr>
+          <p:cNvPr id="16" name="直線接點 15">
+            <a:extLst>
+              <a:ext uri="{FF2B5EF4-FFF2-40B4-BE49-F238E27FC236}">
+                <a16:creationId xmlns:a16="http://schemas.microsoft.com/office/drawing/2014/main" id="{6108FA4A-A67D-494E-9173-968DA3DF7AFC}"/>
+              </a:ext>
+            </a:extLst>
+          </p:cNvPr>
+          <p:cNvCxnSpPr>
+            <a:cxnSpLocks/>
+          </p:cNvCxnSpPr>
+          <p:nvPr/>
+        </p:nvCxnSpPr>
+        <p:spPr>
+          <a:xfrm flipV="1">
+            <a:off x="9840686" y="3829793"/>
+            <a:ext cx="0" cy="1242950"/>
+          </a:xfrm>
+          <a:prstGeom prst="line">
+            <a:avLst/>
+          </a:prstGeom>
+          <a:ln w="57150">
+            <a:solidFill>
+              <a:schemeClr val="bg2">
+                <a:lumMod val="75000"/>
+              </a:schemeClr>
+            </a:solidFill>
+            <a:prstDash val="dash"/>
+          </a:ln>
+        </p:spPr>
+        <p:style>
+          <a:lnRef idx="1">
+            <a:schemeClr val="accent1"/>
+          </a:lnRef>
+          <a:fillRef idx="0">
+            <a:schemeClr val="accent1"/>
+          </a:fillRef>
+          <a:effectRef idx="0">
+            <a:schemeClr val="accent1"/>
+          </a:effectRef>
+          <a:fontRef idx="minor">
+            <a:schemeClr val="tx1"/>
+          </a:fontRef>
+        </p:style>
+      </p:cxnSp>
     </p:spTree>
     <p:extLst>
       <p:ext uri="{BB962C8B-B14F-4D97-AF65-F5344CB8AC3E}">
@@ -12063,10 +12107,6 @@
                 </a:rPr>
                 <a:t>概念理解</a:t>
               </a:r>
-              <a:endParaRPr kumimoji="1" lang="zh-TW" altLang="en-US" sz="2400" dirty="0">
-                <a:latin typeface="Heiti SC Medium" pitchFamily="2" charset="-128"/>
-                <a:ea typeface="Heiti SC Medium" pitchFamily="2" charset="-128"/>
-              </a:endParaRPr>
             </a:p>
           </p:txBody>
         </p:sp>
@@ -12314,13 +12354,6 @@
                 </a:rPr>
                 <a:t>視覺化模擬平台</a:t>
               </a:r>
-              <a:endParaRPr kumimoji="1" lang="zh-TW" altLang="en-US" dirty="0">
-                <a:solidFill>
-                  <a:schemeClr val="tx1"/>
-                </a:solidFill>
-                <a:latin typeface="Heiti SC Medium" pitchFamily="2" charset="-128"/>
-                <a:ea typeface="Heiti SC Medium" pitchFamily="2" charset="-128"/>
-              </a:endParaRPr>
             </a:p>
           </p:txBody>
         </p:sp>
@@ -12382,13 +12415,6 @@
                 </a:rPr>
                 <a:t>概念學習單</a:t>
               </a:r>
-              <a:endParaRPr kumimoji="1" lang="zh-TW" altLang="en-US" dirty="0">
-                <a:solidFill>
-                  <a:schemeClr val="tx1"/>
-                </a:solidFill>
-                <a:latin typeface="Heiti SC Medium" pitchFamily="2" charset="-128"/>
-                <a:ea typeface="Heiti SC Medium" pitchFamily="2" charset="-128"/>
-              </a:endParaRPr>
             </a:p>
           </p:txBody>
         </p:sp>
@@ -12575,13 +12601,6 @@
                 </a:rPr>
                 <a:t>程式設計學習單</a:t>
               </a:r>
-              <a:endParaRPr kumimoji="1" lang="zh-TW" altLang="en-US" dirty="0">
-                <a:solidFill>
-                  <a:schemeClr val="tx1"/>
-                </a:solidFill>
-                <a:latin typeface="Heiti SC Medium" pitchFamily="2" charset="-128"/>
-                <a:ea typeface="Heiti SC Medium" pitchFamily="2" charset="-128"/>
-              </a:endParaRPr>
             </a:p>
           </p:txBody>
         </p:sp>
@@ -12767,7 +12786,7 @@
                 <a:latin typeface="Heiti SC Medium" pitchFamily="2" charset="-128"/>
                 <a:ea typeface="Heiti SC Medium" pitchFamily="2" charset="-128"/>
               </a:rPr>
-              <a:t>理解</a:t>
+              <a:t>反思</a:t>
             </a:r>
             <a:r>
               <a:rPr kumimoji="1" lang="en-US" altLang="zh-TW" sz="2400" dirty="0">
@@ -12791,7 +12810,7 @@
                 <a:latin typeface="Heiti SC Medium" pitchFamily="2" charset="-128"/>
                 <a:ea typeface="Heiti SC Medium" pitchFamily="2" charset="-128"/>
               </a:rPr>
-              <a:t>反思</a:t>
+              <a:t>理解</a:t>
             </a:r>
           </a:p>
         </p:txBody>
@@ -12885,7 +12904,7 @@
                 <a:latin typeface="Heiti SC Medium" pitchFamily="2" charset="-128"/>
                 <a:ea typeface="Heiti SC Medium" pitchFamily="2" charset="-128"/>
               </a:rPr>
-              <a:t>理解</a:t>
+              <a:t>應用</a:t>
             </a:r>
             <a:r>
               <a:rPr kumimoji="1" lang="en-US" altLang="zh-TW" sz="2400" dirty="0">
@@ -12909,7 +12928,7 @@
                 <a:latin typeface="Heiti SC Medium" pitchFamily="2" charset="-128"/>
                 <a:ea typeface="Heiti SC Medium" pitchFamily="2" charset="-128"/>
               </a:rPr>
-              <a:t>應用</a:t>
+              <a:t>理解</a:t>
             </a:r>
           </a:p>
         </p:txBody>
@@ -12952,7 +12971,7 @@
                 <a:latin typeface="Heiti SC Medium" pitchFamily="2" charset="-128"/>
                 <a:ea typeface="Heiti SC Medium" pitchFamily="2" charset="-128"/>
               </a:rPr>
-              <a:t>反思</a:t>
+              <a:t>應用</a:t>
             </a:r>
             <a:r>
               <a:rPr kumimoji="1" lang="en-US" altLang="zh-TW" sz="2400" dirty="0">
@@ -12976,7 +12995,7 @@
                 <a:latin typeface="Heiti SC Medium" pitchFamily="2" charset="-128"/>
                 <a:ea typeface="Heiti SC Medium" pitchFamily="2" charset="-128"/>
               </a:rPr>
-              <a:t>應用</a:t>
+              <a:t>反思</a:t>
             </a:r>
           </a:p>
         </p:txBody>

--- a/模擬平台網頁_v2/教材簡報/課堂流程與研究目的_v2.pptx
+++ b/模擬平台網頁_v2/教材簡報/課堂流程與研究目的_v2.pptx
@@ -22,6 +22,7 @@
     <p:sldId id="297" r:id="rId16"/>
     <p:sldId id="292" r:id="rId17"/>
     <p:sldId id="293" r:id="rId18"/>
+    <p:sldId id="308" r:id="rId19"/>
   </p:sldIdLst>
   <p:sldSz cx="12192000" cy="6858000"/>
   <p:notesSz cx="6858000" cy="9144000"/>
@@ -275,7 +276,7 @@
           <a:p>
             <a:fld id="{4B4D149D-1AC6-0C4E-AB7E-19B2D9CBC675}" type="datetimeFigureOut">
               <a:rPr kumimoji="1" lang="zh-TW" altLang="en-US" smtClean="0"/>
-              <a:t>2022/7/7</a:t>
+              <a:t>2022/8/12</a:t>
             </a:fld>
             <a:endParaRPr kumimoji="1" lang="zh-TW" altLang="en-US"/>
           </a:p>
@@ -473,7 +474,7 @@
           <a:p>
             <a:fld id="{4B4D149D-1AC6-0C4E-AB7E-19B2D9CBC675}" type="datetimeFigureOut">
               <a:rPr kumimoji="1" lang="zh-TW" altLang="en-US" smtClean="0"/>
-              <a:t>2022/7/7</a:t>
+              <a:t>2022/8/12</a:t>
             </a:fld>
             <a:endParaRPr kumimoji="1" lang="zh-TW" altLang="en-US"/>
           </a:p>
@@ -681,7 +682,7 @@
           <a:p>
             <a:fld id="{4B4D149D-1AC6-0C4E-AB7E-19B2D9CBC675}" type="datetimeFigureOut">
               <a:rPr kumimoji="1" lang="zh-TW" altLang="en-US" smtClean="0"/>
-              <a:t>2022/7/7</a:t>
+              <a:t>2022/8/12</a:t>
             </a:fld>
             <a:endParaRPr kumimoji="1" lang="zh-TW" altLang="en-US"/>
           </a:p>
@@ -879,7 +880,7 @@
           <a:p>
             <a:fld id="{4B4D149D-1AC6-0C4E-AB7E-19B2D9CBC675}" type="datetimeFigureOut">
               <a:rPr kumimoji="1" lang="zh-TW" altLang="en-US" smtClean="0"/>
-              <a:t>2022/7/7</a:t>
+              <a:t>2022/8/12</a:t>
             </a:fld>
             <a:endParaRPr kumimoji="1" lang="zh-TW" altLang="en-US"/>
           </a:p>
@@ -1154,7 +1155,7 @@
           <a:p>
             <a:fld id="{4B4D149D-1AC6-0C4E-AB7E-19B2D9CBC675}" type="datetimeFigureOut">
               <a:rPr kumimoji="1" lang="zh-TW" altLang="en-US" smtClean="0"/>
-              <a:t>2022/7/7</a:t>
+              <a:t>2022/8/12</a:t>
             </a:fld>
             <a:endParaRPr kumimoji="1" lang="zh-TW" altLang="en-US"/>
           </a:p>
@@ -1419,7 +1420,7 @@
           <a:p>
             <a:fld id="{4B4D149D-1AC6-0C4E-AB7E-19B2D9CBC675}" type="datetimeFigureOut">
               <a:rPr kumimoji="1" lang="zh-TW" altLang="en-US" smtClean="0"/>
-              <a:t>2022/7/7</a:t>
+              <a:t>2022/8/12</a:t>
             </a:fld>
             <a:endParaRPr kumimoji="1" lang="zh-TW" altLang="en-US"/>
           </a:p>
@@ -1831,7 +1832,7 @@
           <a:p>
             <a:fld id="{4B4D149D-1AC6-0C4E-AB7E-19B2D9CBC675}" type="datetimeFigureOut">
               <a:rPr kumimoji="1" lang="zh-TW" altLang="en-US" smtClean="0"/>
-              <a:t>2022/7/7</a:t>
+              <a:t>2022/8/12</a:t>
             </a:fld>
             <a:endParaRPr kumimoji="1" lang="zh-TW" altLang="en-US"/>
           </a:p>
@@ -1972,7 +1973,7 @@
           <a:p>
             <a:fld id="{4B4D149D-1AC6-0C4E-AB7E-19B2D9CBC675}" type="datetimeFigureOut">
               <a:rPr kumimoji="1" lang="zh-TW" altLang="en-US" smtClean="0"/>
-              <a:t>2022/7/7</a:t>
+              <a:t>2022/8/12</a:t>
             </a:fld>
             <a:endParaRPr kumimoji="1" lang="zh-TW" altLang="en-US"/>
           </a:p>
@@ -2085,7 +2086,7 @@
           <a:p>
             <a:fld id="{4B4D149D-1AC6-0C4E-AB7E-19B2D9CBC675}" type="datetimeFigureOut">
               <a:rPr kumimoji="1" lang="zh-TW" altLang="en-US" smtClean="0"/>
-              <a:t>2022/7/7</a:t>
+              <a:t>2022/8/12</a:t>
             </a:fld>
             <a:endParaRPr kumimoji="1" lang="zh-TW" altLang="en-US"/>
           </a:p>
@@ -2396,7 +2397,7 @@
           <a:p>
             <a:fld id="{4B4D149D-1AC6-0C4E-AB7E-19B2D9CBC675}" type="datetimeFigureOut">
               <a:rPr kumimoji="1" lang="zh-TW" altLang="en-US" smtClean="0"/>
-              <a:t>2022/7/7</a:t>
+              <a:t>2022/8/12</a:t>
             </a:fld>
             <a:endParaRPr kumimoji="1" lang="zh-TW" altLang="en-US"/>
           </a:p>
@@ -2684,7 +2685,7 @@
           <a:p>
             <a:fld id="{4B4D149D-1AC6-0C4E-AB7E-19B2D9CBC675}" type="datetimeFigureOut">
               <a:rPr kumimoji="1" lang="zh-TW" altLang="en-US" smtClean="0"/>
-              <a:t>2022/7/7</a:t>
+              <a:t>2022/8/12</a:t>
             </a:fld>
             <a:endParaRPr kumimoji="1" lang="zh-TW" altLang="en-US"/>
           </a:p>
@@ -2925,7 +2926,7 @@
           <a:p>
             <a:fld id="{4B4D149D-1AC6-0C4E-AB7E-19B2D9CBC675}" type="datetimeFigureOut">
               <a:rPr kumimoji="1" lang="zh-TW" altLang="en-US" smtClean="0"/>
-              <a:t>2022/7/7</a:t>
+              <a:t>2022/8/12</a:t>
             </a:fld>
             <a:endParaRPr kumimoji="1" lang="zh-TW" altLang="en-US"/>
           </a:p>
@@ -11054,6 +11055,1309 @@
     <p:extLst>
       <p:ext uri="{BB962C8B-B14F-4D97-AF65-F5344CB8AC3E}">
         <p14:creationId xmlns:p14="http://schemas.microsoft.com/office/powerpoint/2010/main" val="4151529179"/>
+      </p:ext>
+    </p:extLst>
+  </p:cSld>
+  <p:clrMapOvr>
+    <a:masterClrMapping/>
+  </p:clrMapOvr>
+</p:sld>
+</file>
+
+<file path=ppt/slides/slide18.xml><?xml version="1.0" encoding="utf-8"?>
+<p:sld xmlns:a="http://schemas.openxmlformats.org/drawingml/2006/main" xmlns:r="http://schemas.openxmlformats.org/officeDocument/2006/relationships" xmlns:p="http://schemas.openxmlformats.org/presentationml/2006/main">
+  <p:cSld>
+    <p:spTree>
+      <p:nvGrpSpPr>
+        <p:cNvPr id="1" name=""/>
+        <p:cNvGrpSpPr/>
+        <p:nvPr/>
+      </p:nvGrpSpPr>
+      <p:grpSpPr>
+        <a:xfrm>
+          <a:off x="0" y="0"/>
+          <a:ext cx="0" cy="0"/>
+          <a:chOff x="0" y="0"/>
+          <a:chExt cx="0" cy="0"/>
+        </a:xfrm>
+      </p:grpSpPr>
+      <p:sp>
+        <p:nvSpPr>
+          <p:cNvPr id="31" name="矩形 30">
+            <a:extLst>
+              <a:ext uri="{FF2B5EF4-FFF2-40B4-BE49-F238E27FC236}">
+                <a16:creationId xmlns:a16="http://schemas.microsoft.com/office/drawing/2014/main" id="{EC2C70B1-14D0-7B45-9208-D41A50545A9A}"/>
+              </a:ext>
+            </a:extLst>
+          </p:cNvPr>
+          <p:cNvSpPr/>
+          <p:nvPr/>
+        </p:nvSpPr>
+        <p:spPr>
+          <a:xfrm>
+            <a:off x="1088571" y="1125493"/>
+            <a:ext cx="10014857" cy="2038413"/>
+          </a:xfrm>
+          <a:prstGeom prst="rect">
+            <a:avLst/>
+          </a:prstGeom>
+          <a:noFill/>
+          <a:ln w="76200">
+            <a:solidFill>
+              <a:schemeClr val="accent4">
+                <a:lumMod val="40000"/>
+                <a:lumOff val="60000"/>
+              </a:schemeClr>
+            </a:solidFill>
+          </a:ln>
+        </p:spPr>
+        <p:style>
+          <a:lnRef idx="2">
+            <a:schemeClr val="accent1">
+              <a:shade val="50000"/>
+            </a:schemeClr>
+          </a:lnRef>
+          <a:fillRef idx="1">
+            <a:schemeClr val="accent1"/>
+          </a:fillRef>
+          <a:effectRef idx="0">
+            <a:schemeClr val="accent1"/>
+          </a:effectRef>
+          <a:fontRef idx="minor">
+            <a:schemeClr val="lt1"/>
+          </a:fontRef>
+        </p:style>
+        <p:txBody>
+          <a:bodyPr rtlCol="0" anchor="ctr"/>
+          <a:lstStyle/>
+          <a:p>
+            <a:pPr algn="ctr"/>
+            <a:endParaRPr kumimoji="1" lang="zh-TW" altLang="en-US"/>
+          </a:p>
+        </p:txBody>
+      </p:sp>
+      <p:sp>
+        <p:nvSpPr>
+          <p:cNvPr id="32" name="矩形 31">
+            <a:extLst>
+              <a:ext uri="{FF2B5EF4-FFF2-40B4-BE49-F238E27FC236}">
+                <a16:creationId xmlns:a16="http://schemas.microsoft.com/office/drawing/2014/main" id="{37DEB20E-F81E-6D47-8B8B-81FC89AD88B0}"/>
+              </a:ext>
+            </a:extLst>
+          </p:cNvPr>
+          <p:cNvSpPr/>
+          <p:nvPr/>
+        </p:nvSpPr>
+        <p:spPr>
+          <a:xfrm>
+            <a:off x="1088571" y="3894149"/>
+            <a:ext cx="10014857" cy="2038413"/>
+          </a:xfrm>
+          <a:prstGeom prst="rect">
+            <a:avLst/>
+          </a:prstGeom>
+          <a:noFill/>
+          <a:ln w="76200">
+            <a:solidFill>
+              <a:schemeClr val="accent4">
+                <a:lumMod val="40000"/>
+                <a:lumOff val="60000"/>
+              </a:schemeClr>
+            </a:solidFill>
+          </a:ln>
+        </p:spPr>
+        <p:style>
+          <a:lnRef idx="2">
+            <a:schemeClr val="accent1">
+              <a:shade val="50000"/>
+            </a:schemeClr>
+          </a:lnRef>
+          <a:fillRef idx="1">
+            <a:schemeClr val="accent1"/>
+          </a:fillRef>
+          <a:effectRef idx="0">
+            <a:schemeClr val="accent1"/>
+          </a:effectRef>
+          <a:fontRef idx="minor">
+            <a:schemeClr val="lt1"/>
+          </a:fontRef>
+        </p:style>
+        <p:txBody>
+          <a:bodyPr rtlCol="0" anchor="ctr"/>
+          <a:lstStyle/>
+          <a:p>
+            <a:pPr algn="ctr"/>
+            <a:endParaRPr kumimoji="1" lang="zh-TW" altLang="en-US"/>
+          </a:p>
+        </p:txBody>
+      </p:sp>
+      <p:grpSp>
+        <p:nvGrpSpPr>
+          <p:cNvPr id="17" name="群組 16">
+            <a:extLst>
+              <a:ext uri="{FF2B5EF4-FFF2-40B4-BE49-F238E27FC236}">
+                <a16:creationId xmlns:a16="http://schemas.microsoft.com/office/drawing/2014/main" id="{7B124FC5-C850-DD4B-A357-7976A7024CB5}"/>
+              </a:ext>
+            </a:extLst>
+          </p:cNvPr>
+          <p:cNvGrpSpPr/>
+          <p:nvPr/>
+        </p:nvGrpSpPr>
+        <p:grpSpPr>
+          <a:xfrm>
+            <a:off x="1709915" y="1737557"/>
+            <a:ext cx="8772170" cy="814286"/>
+            <a:chOff x="1709915" y="1628485"/>
+            <a:chExt cx="8772170" cy="814286"/>
+          </a:xfrm>
+        </p:grpSpPr>
+        <p:sp>
+          <p:nvSpPr>
+            <p:cNvPr id="4" name="矩形 3">
+              <a:extLst>
+                <a:ext uri="{FF2B5EF4-FFF2-40B4-BE49-F238E27FC236}">
+                  <a16:creationId xmlns:a16="http://schemas.microsoft.com/office/drawing/2014/main" id="{46AA0BF1-31DC-4E44-999D-5D471A766E50}"/>
+                </a:ext>
+              </a:extLst>
+            </p:cNvPr>
+            <p:cNvSpPr/>
+            <p:nvPr/>
+          </p:nvSpPr>
+          <p:spPr>
+            <a:xfrm>
+              <a:off x="1709915" y="1628485"/>
+              <a:ext cx="2176286" cy="814286"/>
+            </a:xfrm>
+            <a:prstGeom prst="rect">
+              <a:avLst/>
+            </a:prstGeom>
+            <a:solidFill>
+              <a:schemeClr val="accent6">
+                <a:lumMod val="20000"/>
+                <a:lumOff val="80000"/>
+              </a:schemeClr>
+            </a:solidFill>
+            <a:ln>
+              <a:solidFill>
+                <a:schemeClr val="accent6">
+                  <a:lumMod val="20000"/>
+                  <a:lumOff val="80000"/>
+                </a:schemeClr>
+              </a:solidFill>
+            </a:ln>
+          </p:spPr>
+          <p:style>
+            <a:lnRef idx="2">
+              <a:schemeClr val="accent1">
+                <a:shade val="50000"/>
+              </a:schemeClr>
+            </a:lnRef>
+            <a:fillRef idx="1">
+              <a:schemeClr val="accent1"/>
+            </a:fillRef>
+            <a:effectRef idx="0">
+              <a:schemeClr val="accent1"/>
+            </a:effectRef>
+            <a:fontRef idx="minor">
+              <a:schemeClr val="lt1"/>
+            </a:fontRef>
+          </p:style>
+          <p:txBody>
+            <a:bodyPr rtlCol="0" anchor="ctr"/>
+            <a:lstStyle/>
+            <a:p>
+              <a:pPr algn="ctr"/>
+              <a:r>
+                <a:rPr kumimoji="1" lang="zh-TW" altLang="en-US" sz="2400" dirty="0">
+                  <a:solidFill>
+                    <a:schemeClr val="tx1"/>
+                  </a:solidFill>
+                  <a:latin typeface="Heiti SC Medium" pitchFamily="2" charset="-128"/>
+                  <a:ea typeface="Heiti SC Medium" pitchFamily="2" charset="-128"/>
+                </a:rPr>
+                <a:t>概念理解</a:t>
+              </a:r>
+            </a:p>
+          </p:txBody>
+        </p:sp>
+        <p:sp>
+          <p:nvSpPr>
+            <p:cNvPr id="5" name="矩形 4">
+              <a:extLst>
+                <a:ext uri="{FF2B5EF4-FFF2-40B4-BE49-F238E27FC236}">
+                  <a16:creationId xmlns:a16="http://schemas.microsoft.com/office/drawing/2014/main" id="{F42BD59B-524D-4345-8154-787EFE159F33}"/>
+                </a:ext>
+              </a:extLst>
+            </p:cNvPr>
+            <p:cNvSpPr/>
+            <p:nvPr/>
+          </p:nvSpPr>
+          <p:spPr>
+            <a:xfrm>
+              <a:off x="5007857" y="1628485"/>
+              <a:ext cx="2176286" cy="814286"/>
+            </a:xfrm>
+            <a:prstGeom prst="rect">
+              <a:avLst/>
+            </a:prstGeom>
+            <a:solidFill>
+              <a:schemeClr val="accent2">
+                <a:lumMod val="20000"/>
+                <a:lumOff val="80000"/>
+              </a:schemeClr>
+            </a:solidFill>
+            <a:ln>
+              <a:solidFill>
+                <a:schemeClr val="accent2">
+                  <a:lumMod val="20000"/>
+                  <a:lumOff val="80000"/>
+                </a:schemeClr>
+              </a:solidFill>
+            </a:ln>
+          </p:spPr>
+          <p:style>
+            <a:lnRef idx="2">
+              <a:schemeClr val="accent1">
+                <a:shade val="50000"/>
+              </a:schemeClr>
+            </a:lnRef>
+            <a:fillRef idx="1">
+              <a:schemeClr val="accent1"/>
+            </a:fillRef>
+            <a:effectRef idx="0">
+              <a:schemeClr val="accent1"/>
+            </a:effectRef>
+            <a:fontRef idx="minor">
+              <a:schemeClr val="lt1"/>
+            </a:fontRef>
+          </p:style>
+          <p:txBody>
+            <a:bodyPr rtlCol="0" anchor="ctr"/>
+            <a:lstStyle/>
+            <a:p>
+              <a:pPr algn="ctr"/>
+              <a:r>
+                <a:rPr kumimoji="1" lang="zh-TW" altLang="en-US" sz="2400" dirty="0">
+                  <a:solidFill>
+                    <a:schemeClr val="tx1"/>
+                  </a:solidFill>
+                  <a:latin typeface="Heiti SC Medium" pitchFamily="2" charset="-128"/>
+                  <a:ea typeface="Heiti SC Medium" pitchFamily="2" charset="-128"/>
+                </a:rPr>
+                <a:t>概念反思</a:t>
+              </a:r>
+            </a:p>
+          </p:txBody>
+        </p:sp>
+        <p:sp>
+          <p:nvSpPr>
+            <p:cNvPr id="6" name="矩形 5">
+              <a:extLst>
+                <a:ext uri="{FF2B5EF4-FFF2-40B4-BE49-F238E27FC236}">
+                  <a16:creationId xmlns:a16="http://schemas.microsoft.com/office/drawing/2014/main" id="{8C0456E9-8261-EE4E-967D-1FD083064717}"/>
+                </a:ext>
+              </a:extLst>
+            </p:cNvPr>
+            <p:cNvSpPr/>
+            <p:nvPr/>
+          </p:nvSpPr>
+          <p:spPr>
+            <a:xfrm>
+              <a:off x="8305799" y="1628485"/>
+              <a:ext cx="2176286" cy="814286"/>
+            </a:xfrm>
+            <a:prstGeom prst="rect">
+              <a:avLst/>
+            </a:prstGeom>
+            <a:solidFill>
+              <a:schemeClr val="accent1">
+                <a:lumMod val="20000"/>
+                <a:lumOff val="80000"/>
+              </a:schemeClr>
+            </a:solidFill>
+            <a:ln>
+              <a:solidFill>
+                <a:schemeClr val="accent1">
+                  <a:lumMod val="20000"/>
+                  <a:lumOff val="80000"/>
+                </a:schemeClr>
+              </a:solidFill>
+            </a:ln>
+          </p:spPr>
+          <p:style>
+            <a:lnRef idx="2">
+              <a:schemeClr val="accent1">
+                <a:shade val="50000"/>
+              </a:schemeClr>
+            </a:lnRef>
+            <a:fillRef idx="1">
+              <a:schemeClr val="accent1"/>
+            </a:fillRef>
+            <a:effectRef idx="0">
+              <a:schemeClr val="accent1"/>
+            </a:effectRef>
+            <a:fontRef idx="minor">
+              <a:schemeClr val="lt1"/>
+            </a:fontRef>
+          </p:style>
+          <p:txBody>
+            <a:bodyPr rtlCol="0" anchor="ctr"/>
+            <a:lstStyle/>
+            <a:p>
+              <a:pPr algn="ctr"/>
+              <a:r>
+                <a:rPr kumimoji="1" lang="zh-TW" altLang="en-US" sz="2400" dirty="0">
+                  <a:solidFill>
+                    <a:schemeClr val="tx1"/>
+                  </a:solidFill>
+                  <a:latin typeface="Heiti SC Medium" pitchFamily="2" charset="-128"/>
+                  <a:ea typeface="Heiti SC Medium" pitchFamily="2" charset="-128"/>
+                </a:rPr>
+                <a:t>概念應用</a:t>
+              </a:r>
+            </a:p>
+          </p:txBody>
+        </p:sp>
+        <p:cxnSp>
+          <p:nvCxnSpPr>
+            <p:cNvPr id="7" name="直線箭頭接點 6">
+              <a:extLst>
+                <a:ext uri="{FF2B5EF4-FFF2-40B4-BE49-F238E27FC236}">
+                  <a16:creationId xmlns:a16="http://schemas.microsoft.com/office/drawing/2014/main" id="{6DE1D593-4165-574D-9799-D7EB3D3E1EC3}"/>
+                </a:ext>
+              </a:extLst>
+            </p:cNvPr>
+            <p:cNvCxnSpPr>
+              <a:cxnSpLocks/>
+              <a:stCxn id="4" idx="3"/>
+              <a:endCxn id="5" idx="1"/>
+            </p:cNvCxnSpPr>
+            <p:nvPr/>
+          </p:nvCxnSpPr>
+          <p:spPr>
+            <a:xfrm>
+              <a:off x="3886201" y="2035628"/>
+              <a:ext cx="1121656" cy="0"/>
+            </a:xfrm>
+            <a:prstGeom prst="straightConnector1">
+              <a:avLst/>
+            </a:prstGeom>
+            <a:ln w="57150">
+              <a:solidFill>
+                <a:schemeClr val="accent2">
+                  <a:lumMod val="60000"/>
+                  <a:lumOff val="40000"/>
+                </a:schemeClr>
+              </a:solidFill>
+              <a:tailEnd type="triangle"/>
+            </a:ln>
+          </p:spPr>
+          <p:style>
+            <a:lnRef idx="1">
+              <a:schemeClr val="dk1"/>
+            </a:lnRef>
+            <a:fillRef idx="0">
+              <a:schemeClr val="dk1"/>
+            </a:fillRef>
+            <a:effectRef idx="0">
+              <a:schemeClr val="dk1"/>
+            </a:effectRef>
+            <a:fontRef idx="minor">
+              <a:schemeClr val="tx1"/>
+            </a:fontRef>
+          </p:style>
+        </p:cxnSp>
+        <p:cxnSp>
+          <p:nvCxnSpPr>
+            <p:cNvPr id="8" name="直線箭頭接點 7">
+              <a:extLst>
+                <a:ext uri="{FF2B5EF4-FFF2-40B4-BE49-F238E27FC236}">
+                  <a16:creationId xmlns:a16="http://schemas.microsoft.com/office/drawing/2014/main" id="{2F86D5D7-B5FB-C344-BAF3-4BF9D6F0BF4A}"/>
+                </a:ext>
+              </a:extLst>
+            </p:cNvPr>
+            <p:cNvCxnSpPr>
+              <a:cxnSpLocks/>
+              <a:stCxn id="5" idx="3"/>
+              <a:endCxn id="6" idx="1"/>
+            </p:cNvCxnSpPr>
+            <p:nvPr/>
+          </p:nvCxnSpPr>
+          <p:spPr>
+            <a:xfrm>
+              <a:off x="7184143" y="2035628"/>
+              <a:ext cx="1121656" cy="0"/>
+            </a:xfrm>
+            <a:prstGeom prst="straightConnector1">
+              <a:avLst/>
+            </a:prstGeom>
+            <a:ln w="57150">
+              <a:solidFill>
+                <a:schemeClr val="accent2">
+                  <a:lumMod val="60000"/>
+                  <a:lumOff val="40000"/>
+                </a:schemeClr>
+              </a:solidFill>
+              <a:tailEnd type="triangle"/>
+            </a:ln>
+          </p:spPr>
+          <p:style>
+            <a:lnRef idx="1">
+              <a:schemeClr val="dk1"/>
+            </a:lnRef>
+            <a:fillRef idx="0">
+              <a:schemeClr val="dk1"/>
+            </a:fillRef>
+            <a:effectRef idx="0">
+              <a:schemeClr val="dk1"/>
+            </a:effectRef>
+            <a:fontRef idx="minor">
+              <a:schemeClr val="tx1"/>
+            </a:fontRef>
+          </p:style>
+        </p:cxnSp>
+      </p:grpSp>
+      <p:grpSp>
+        <p:nvGrpSpPr>
+          <p:cNvPr id="21" name="群組 20">
+            <a:extLst>
+              <a:ext uri="{FF2B5EF4-FFF2-40B4-BE49-F238E27FC236}">
+                <a16:creationId xmlns:a16="http://schemas.microsoft.com/office/drawing/2014/main" id="{89AC55FA-157D-6646-9EE0-87B5AB4BA6BA}"/>
+              </a:ext>
+            </a:extLst>
+          </p:cNvPr>
+          <p:cNvGrpSpPr/>
+          <p:nvPr/>
+        </p:nvGrpSpPr>
+        <p:grpSpPr>
+          <a:xfrm>
+            <a:off x="528604" y="760822"/>
+            <a:ext cx="3058885" cy="729342"/>
+            <a:chOff x="273637" y="1227427"/>
+            <a:chExt cx="3058885" cy="729342"/>
+          </a:xfrm>
+        </p:grpSpPr>
+        <p:sp>
+          <p:nvSpPr>
+            <p:cNvPr id="20" name="矩形 19">
+              <a:extLst>
+                <a:ext uri="{FF2B5EF4-FFF2-40B4-BE49-F238E27FC236}">
+                  <a16:creationId xmlns:a16="http://schemas.microsoft.com/office/drawing/2014/main" id="{A00A561E-B8EE-6B4B-BE72-48042D0C900E}"/>
+                </a:ext>
+              </a:extLst>
+            </p:cNvPr>
+            <p:cNvSpPr/>
+            <p:nvPr/>
+          </p:nvSpPr>
+          <p:spPr>
+            <a:xfrm>
+              <a:off x="273637" y="1227427"/>
+              <a:ext cx="3058885" cy="729342"/>
+            </a:xfrm>
+            <a:prstGeom prst="rect">
+              <a:avLst/>
+            </a:prstGeom>
+            <a:solidFill>
+              <a:schemeClr val="accent4">
+                <a:lumMod val="40000"/>
+                <a:lumOff val="60000"/>
+              </a:schemeClr>
+            </a:solidFill>
+            <a:ln>
+              <a:solidFill>
+                <a:schemeClr val="accent4">
+                  <a:lumMod val="40000"/>
+                  <a:lumOff val="60000"/>
+                </a:schemeClr>
+              </a:solidFill>
+            </a:ln>
+          </p:spPr>
+          <p:style>
+            <a:lnRef idx="2">
+              <a:schemeClr val="accent1">
+                <a:shade val="50000"/>
+              </a:schemeClr>
+            </a:lnRef>
+            <a:fillRef idx="1">
+              <a:schemeClr val="accent1"/>
+            </a:fillRef>
+            <a:effectRef idx="0">
+              <a:schemeClr val="accent1"/>
+            </a:effectRef>
+            <a:fontRef idx="minor">
+              <a:schemeClr val="lt1"/>
+            </a:fontRef>
+          </p:style>
+          <p:txBody>
+            <a:bodyPr rtlCol="0" anchor="ctr"/>
+            <a:lstStyle/>
+            <a:p>
+              <a:pPr algn="ctr"/>
+              <a:endParaRPr kumimoji="1" lang="zh-TW" altLang="en-US"/>
+            </a:p>
+          </p:txBody>
+        </p:sp>
+        <p:sp>
+          <p:nvSpPr>
+            <p:cNvPr id="19" name="文字方塊 18">
+              <a:extLst>
+                <a:ext uri="{FF2B5EF4-FFF2-40B4-BE49-F238E27FC236}">
+                  <a16:creationId xmlns:a16="http://schemas.microsoft.com/office/drawing/2014/main" id="{6D585404-7B56-F34B-B4AD-15E6610FA4E7}"/>
+                </a:ext>
+              </a:extLst>
+            </p:cNvPr>
+            <p:cNvSpPr txBox="1"/>
+            <p:nvPr/>
+          </p:nvSpPr>
+          <p:spPr>
+            <a:xfrm>
+              <a:off x="300103" y="1392043"/>
+              <a:ext cx="3005951" cy="400110"/>
+            </a:xfrm>
+            <a:prstGeom prst="rect">
+              <a:avLst/>
+            </a:prstGeom>
+            <a:noFill/>
+          </p:spPr>
+          <p:txBody>
+            <a:bodyPr wrap="none" rtlCol="0">
+              <a:spAutoFit/>
+            </a:bodyPr>
+            <a:lstStyle/>
+            <a:p>
+              <a:r>
+                <a:rPr kumimoji="1" lang="zh-TW" altLang="en-US" sz="2000" dirty="0">
+                  <a:latin typeface="Heiti SC Medium" pitchFamily="2" charset="-128"/>
+                  <a:ea typeface="Heiti SC Medium" pitchFamily="2" charset="-128"/>
+                </a:rPr>
+                <a:t>視覺化模擬輔助教學策略</a:t>
+              </a:r>
+            </a:p>
+          </p:txBody>
+        </p:sp>
+      </p:grpSp>
+      <p:grpSp>
+        <p:nvGrpSpPr>
+          <p:cNvPr id="22" name="群組 21">
+            <a:extLst>
+              <a:ext uri="{FF2B5EF4-FFF2-40B4-BE49-F238E27FC236}">
+                <a16:creationId xmlns:a16="http://schemas.microsoft.com/office/drawing/2014/main" id="{D04C318C-A115-9148-9458-AA58EDF04839}"/>
+              </a:ext>
+            </a:extLst>
+          </p:cNvPr>
+          <p:cNvGrpSpPr/>
+          <p:nvPr/>
+        </p:nvGrpSpPr>
+        <p:grpSpPr>
+          <a:xfrm>
+            <a:off x="528604" y="3528577"/>
+            <a:ext cx="2123770" cy="729342"/>
+            <a:chOff x="273638" y="1227427"/>
+            <a:chExt cx="2123770" cy="729342"/>
+          </a:xfrm>
+        </p:grpSpPr>
+        <p:sp>
+          <p:nvSpPr>
+            <p:cNvPr id="23" name="矩形 22">
+              <a:extLst>
+                <a:ext uri="{FF2B5EF4-FFF2-40B4-BE49-F238E27FC236}">
+                  <a16:creationId xmlns:a16="http://schemas.microsoft.com/office/drawing/2014/main" id="{6E6F2A54-D5D9-0F46-AB3D-76B73CF94967}"/>
+                </a:ext>
+              </a:extLst>
+            </p:cNvPr>
+            <p:cNvSpPr/>
+            <p:nvPr/>
+          </p:nvSpPr>
+          <p:spPr>
+            <a:xfrm>
+              <a:off x="273638" y="1227427"/>
+              <a:ext cx="2123770" cy="729342"/>
+            </a:xfrm>
+            <a:prstGeom prst="rect">
+              <a:avLst/>
+            </a:prstGeom>
+            <a:solidFill>
+              <a:schemeClr val="accent4">
+                <a:lumMod val="40000"/>
+                <a:lumOff val="60000"/>
+              </a:schemeClr>
+            </a:solidFill>
+            <a:ln>
+              <a:solidFill>
+                <a:schemeClr val="accent4">
+                  <a:lumMod val="40000"/>
+                  <a:lumOff val="60000"/>
+                </a:schemeClr>
+              </a:solidFill>
+            </a:ln>
+          </p:spPr>
+          <p:style>
+            <a:lnRef idx="2">
+              <a:schemeClr val="accent1">
+                <a:shade val="50000"/>
+              </a:schemeClr>
+            </a:lnRef>
+            <a:fillRef idx="1">
+              <a:schemeClr val="accent1"/>
+            </a:fillRef>
+            <a:effectRef idx="0">
+              <a:schemeClr val="accent1"/>
+            </a:effectRef>
+            <a:fontRef idx="minor">
+              <a:schemeClr val="lt1"/>
+            </a:fontRef>
+          </p:style>
+          <p:txBody>
+            <a:bodyPr rtlCol="0" anchor="ctr"/>
+            <a:lstStyle/>
+            <a:p>
+              <a:pPr algn="ctr"/>
+              <a:endParaRPr kumimoji="1" lang="zh-TW" altLang="en-US"/>
+            </a:p>
+          </p:txBody>
+        </p:sp>
+        <p:sp>
+          <p:nvSpPr>
+            <p:cNvPr id="24" name="文字方塊 23">
+              <a:extLst>
+                <a:ext uri="{FF2B5EF4-FFF2-40B4-BE49-F238E27FC236}">
+                  <a16:creationId xmlns:a16="http://schemas.microsoft.com/office/drawing/2014/main" id="{3317A32B-33F2-4548-A76C-DC3C00DCE897}"/>
+                </a:ext>
+              </a:extLst>
+            </p:cNvPr>
+            <p:cNvSpPr txBox="1"/>
+            <p:nvPr/>
+          </p:nvSpPr>
+          <p:spPr>
+            <a:xfrm>
+              <a:off x="473748" y="1392043"/>
+              <a:ext cx="1723549" cy="400110"/>
+            </a:xfrm>
+            <a:prstGeom prst="rect">
+              <a:avLst/>
+            </a:prstGeom>
+            <a:noFill/>
+          </p:spPr>
+          <p:txBody>
+            <a:bodyPr wrap="none" rtlCol="0">
+              <a:spAutoFit/>
+            </a:bodyPr>
+            <a:lstStyle/>
+            <a:p>
+              <a:r>
+                <a:rPr kumimoji="1" lang="zh-TW" altLang="en-US" sz="2000" dirty="0">
+                  <a:latin typeface="Heiti SC Medium" pitchFamily="2" charset="-128"/>
+                  <a:ea typeface="Heiti SC Medium" pitchFamily="2" charset="-128"/>
+                </a:rPr>
+                <a:t>實務教學流程</a:t>
+              </a:r>
+            </a:p>
+          </p:txBody>
+        </p:sp>
+      </p:grpSp>
+      <p:grpSp>
+        <p:nvGrpSpPr>
+          <p:cNvPr id="25" name="群組 24">
+            <a:extLst>
+              <a:ext uri="{FF2B5EF4-FFF2-40B4-BE49-F238E27FC236}">
+                <a16:creationId xmlns:a16="http://schemas.microsoft.com/office/drawing/2014/main" id="{3969FE2C-6A06-0F4D-A342-F11346AA440A}"/>
+              </a:ext>
+            </a:extLst>
+          </p:cNvPr>
+          <p:cNvGrpSpPr/>
+          <p:nvPr/>
+        </p:nvGrpSpPr>
+        <p:grpSpPr>
+          <a:xfrm>
+            <a:off x="1709914" y="4506212"/>
+            <a:ext cx="8772170" cy="814286"/>
+            <a:chOff x="1709915" y="1628485"/>
+            <a:chExt cx="8772170" cy="814286"/>
+          </a:xfrm>
+        </p:grpSpPr>
+        <p:sp>
+          <p:nvSpPr>
+            <p:cNvPr id="26" name="矩形 25">
+              <a:extLst>
+                <a:ext uri="{FF2B5EF4-FFF2-40B4-BE49-F238E27FC236}">
+                  <a16:creationId xmlns:a16="http://schemas.microsoft.com/office/drawing/2014/main" id="{04F9AA9B-BEE3-184C-BEA6-FD08BDE3EA16}"/>
+                </a:ext>
+              </a:extLst>
+            </p:cNvPr>
+            <p:cNvSpPr/>
+            <p:nvPr/>
+          </p:nvSpPr>
+          <p:spPr>
+            <a:xfrm>
+              <a:off x="1709915" y="1628485"/>
+              <a:ext cx="2176286" cy="814286"/>
+            </a:xfrm>
+            <a:prstGeom prst="rect">
+              <a:avLst/>
+            </a:prstGeom>
+            <a:solidFill>
+              <a:schemeClr val="accent6">
+                <a:lumMod val="40000"/>
+                <a:lumOff val="60000"/>
+              </a:schemeClr>
+            </a:solidFill>
+            <a:ln>
+              <a:solidFill>
+                <a:schemeClr val="accent6">
+                  <a:lumMod val="40000"/>
+                  <a:lumOff val="60000"/>
+                </a:schemeClr>
+              </a:solidFill>
+            </a:ln>
+          </p:spPr>
+          <p:style>
+            <a:lnRef idx="2">
+              <a:schemeClr val="accent1">
+                <a:shade val="50000"/>
+              </a:schemeClr>
+            </a:lnRef>
+            <a:fillRef idx="1">
+              <a:schemeClr val="accent1"/>
+            </a:fillRef>
+            <a:effectRef idx="0">
+              <a:schemeClr val="accent1"/>
+            </a:effectRef>
+            <a:fontRef idx="minor">
+              <a:schemeClr val="lt1"/>
+            </a:fontRef>
+          </p:style>
+          <p:txBody>
+            <a:bodyPr rtlCol="0" anchor="ctr"/>
+            <a:lstStyle/>
+            <a:p>
+              <a:pPr algn="ctr"/>
+              <a:r>
+                <a:rPr kumimoji="1" lang="zh-TW" altLang="en-US" sz="2400" dirty="0">
+                  <a:solidFill>
+                    <a:schemeClr val="tx1"/>
+                  </a:solidFill>
+                  <a:latin typeface="Heiti SC Medium" pitchFamily="2" charset="-128"/>
+                  <a:ea typeface="Heiti SC Medium" pitchFamily="2" charset="-128"/>
+                </a:rPr>
+                <a:t>老師講解</a:t>
+              </a:r>
+            </a:p>
+          </p:txBody>
+        </p:sp>
+        <p:sp>
+          <p:nvSpPr>
+            <p:cNvPr id="27" name="矩形 26">
+              <a:extLst>
+                <a:ext uri="{FF2B5EF4-FFF2-40B4-BE49-F238E27FC236}">
+                  <a16:creationId xmlns:a16="http://schemas.microsoft.com/office/drawing/2014/main" id="{608DA150-65BF-E949-B741-FC1A3C3DF33B}"/>
+                </a:ext>
+              </a:extLst>
+            </p:cNvPr>
+            <p:cNvSpPr/>
+            <p:nvPr/>
+          </p:nvSpPr>
+          <p:spPr>
+            <a:xfrm>
+              <a:off x="5007857" y="1628485"/>
+              <a:ext cx="2176286" cy="814286"/>
+            </a:xfrm>
+            <a:prstGeom prst="rect">
+              <a:avLst/>
+            </a:prstGeom>
+            <a:solidFill>
+              <a:schemeClr val="accent2">
+                <a:lumMod val="40000"/>
+                <a:lumOff val="60000"/>
+              </a:schemeClr>
+            </a:solidFill>
+            <a:ln>
+              <a:solidFill>
+                <a:schemeClr val="accent2">
+                  <a:lumMod val="40000"/>
+                  <a:lumOff val="60000"/>
+                </a:schemeClr>
+              </a:solidFill>
+            </a:ln>
+          </p:spPr>
+          <p:style>
+            <a:lnRef idx="2">
+              <a:schemeClr val="accent1">
+                <a:shade val="50000"/>
+              </a:schemeClr>
+            </a:lnRef>
+            <a:fillRef idx="1">
+              <a:schemeClr val="accent1"/>
+            </a:fillRef>
+            <a:effectRef idx="0">
+              <a:schemeClr val="accent1"/>
+            </a:effectRef>
+            <a:fontRef idx="minor">
+              <a:schemeClr val="lt1"/>
+            </a:fontRef>
+          </p:style>
+          <p:txBody>
+            <a:bodyPr rtlCol="0" anchor="ctr"/>
+            <a:lstStyle/>
+            <a:p>
+              <a:pPr algn="ctr"/>
+              <a:r>
+                <a:rPr kumimoji="1" lang="zh-TW" altLang="en-US" sz="2000" dirty="0">
+                  <a:solidFill>
+                    <a:schemeClr val="tx1"/>
+                  </a:solidFill>
+                  <a:latin typeface="Heiti SC Medium" pitchFamily="2" charset="-128"/>
+                  <a:ea typeface="Heiti SC Medium" pitchFamily="2" charset="-128"/>
+                </a:rPr>
+                <a:t>模擬平台之操作</a:t>
+              </a:r>
+            </a:p>
+          </p:txBody>
+        </p:sp>
+        <p:sp>
+          <p:nvSpPr>
+            <p:cNvPr id="28" name="矩形 27">
+              <a:extLst>
+                <a:ext uri="{FF2B5EF4-FFF2-40B4-BE49-F238E27FC236}">
+                  <a16:creationId xmlns:a16="http://schemas.microsoft.com/office/drawing/2014/main" id="{A221FD5B-E20F-6D42-B6F1-738317E67C28}"/>
+                </a:ext>
+              </a:extLst>
+            </p:cNvPr>
+            <p:cNvSpPr/>
+            <p:nvPr/>
+          </p:nvSpPr>
+          <p:spPr>
+            <a:xfrm>
+              <a:off x="8305799" y="1628485"/>
+              <a:ext cx="2176286" cy="814286"/>
+            </a:xfrm>
+            <a:prstGeom prst="rect">
+              <a:avLst/>
+            </a:prstGeom>
+            <a:solidFill>
+              <a:schemeClr val="accent1">
+                <a:lumMod val="40000"/>
+                <a:lumOff val="60000"/>
+              </a:schemeClr>
+            </a:solidFill>
+            <a:ln>
+              <a:solidFill>
+                <a:schemeClr val="accent1">
+                  <a:lumMod val="40000"/>
+                  <a:lumOff val="60000"/>
+                </a:schemeClr>
+              </a:solidFill>
+            </a:ln>
+          </p:spPr>
+          <p:style>
+            <a:lnRef idx="2">
+              <a:schemeClr val="accent1">
+                <a:shade val="50000"/>
+              </a:schemeClr>
+            </a:lnRef>
+            <a:fillRef idx="1">
+              <a:schemeClr val="accent1"/>
+            </a:fillRef>
+            <a:effectRef idx="0">
+              <a:schemeClr val="accent1"/>
+            </a:effectRef>
+            <a:fontRef idx="minor">
+              <a:schemeClr val="lt1"/>
+            </a:fontRef>
+          </p:style>
+          <p:txBody>
+            <a:bodyPr rtlCol="0" anchor="ctr"/>
+            <a:lstStyle/>
+            <a:p>
+              <a:pPr algn="ctr"/>
+              <a:r>
+                <a:rPr kumimoji="1" lang="zh-TW" altLang="en-US" sz="2400" dirty="0">
+                  <a:solidFill>
+                    <a:schemeClr val="tx1"/>
+                  </a:solidFill>
+                  <a:latin typeface="Heiti SC Medium" pitchFamily="2" charset="-128"/>
+                  <a:ea typeface="Heiti SC Medium" pitchFamily="2" charset="-128"/>
+                </a:rPr>
+                <a:t>程式實作</a:t>
+              </a:r>
+            </a:p>
+          </p:txBody>
+        </p:sp>
+        <p:cxnSp>
+          <p:nvCxnSpPr>
+            <p:cNvPr id="29" name="直線箭頭接點 28">
+              <a:extLst>
+                <a:ext uri="{FF2B5EF4-FFF2-40B4-BE49-F238E27FC236}">
+                  <a16:creationId xmlns:a16="http://schemas.microsoft.com/office/drawing/2014/main" id="{80ED9E4B-9225-C247-8C40-55282039AB08}"/>
+                </a:ext>
+              </a:extLst>
+            </p:cNvPr>
+            <p:cNvCxnSpPr>
+              <a:cxnSpLocks/>
+              <a:stCxn id="26" idx="3"/>
+              <a:endCxn id="27" idx="1"/>
+            </p:cNvCxnSpPr>
+            <p:nvPr/>
+          </p:nvCxnSpPr>
+          <p:spPr>
+            <a:xfrm>
+              <a:off x="3886201" y="2035628"/>
+              <a:ext cx="1121656" cy="0"/>
+            </a:xfrm>
+            <a:prstGeom prst="straightConnector1">
+              <a:avLst/>
+            </a:prstGeom>
+            <a:ln w="57150">
+              <a:solidFill>
+                <a:srgbClr val="FF0000"/>
+              </a:solidFill>
+              <a:tailEnd type="triangle"/>
+            </a:ln>
+          </p:spPr>
+          <p:style>
+            <a:lnRef idx="1">
+              <a:schemeClr val="dk1"/>
+            </a:lnRef>
+            <a:fillRef idx="0">
+              <a:schemeClr val="dk1"/>
+            </a:fillRef>
+            <a:effectRef idx="0">
+              <a:schemeClr val="dk1"/>
+            </a:effectRef>
+            <a:fontRef idx="minor">
+              <a:schemeClr val="tx1"/>
+            </a:fontRef>
+          </p:style>
+        </p:cxnSp>
+        <p:cxnSp>
+          <p:nvCxnSpPr>
+            <p:cNvPr id="30" name="直線箭頭接點 29">
+              <a:extLst>
+                <a:ext uri="{FF2B5EF4-FFF2-40B4-BE49-F238E27FC236}">
+                  <a16:creationId xmlns:a16="http://schemas.microsoft.com/office/drawing/2014/main" id="{8ECEBC3D-D969-7D4E-B1D5-B8F3BCBAA3FA}"/>
+                </a:ext>
+              </a:extLst>
+            </p:cNvPr>
+            <p:cNvCxnSpPr>
+              <a:cxnSpLocks/>
+              <a:stCxn id="27" idx="3"/>
+              <a:endCxn id="28" idx="1"/>
+            </p:cNvCxnSpPr>
+            <p:nvPr/>
+          </p:nvCxnSpPr>
+          <p:spPr>
+            <a:xfrm>
+              <a:off x="7184143" y="2035628"/>
+              <a:ext cx="1121656" cy="0"/>
+            </a:xfrm>
+            <a:prstGeom prst="straightConnector1">
+              <a:avLst/>
+            </a:prstGeom>
+            <a:ln w="57150">
+              <a:solidFill>
+                <a:srgbClr val="FF0000"/>
+              </a:solidFill>
+              <a:tailEnd type="triangle"/>
+            </a:ln>
+          </p:spPr>
+          <p:style>
+            <a:lnRef idx="1">
+              <a:schemeClr val="dk1"/>
+            </a:lnRef>
+            <a:fillRef idx="0">
+              <a:schemeClr val="dk1"/>
+            </a:fillRef>
+            <a:effectRef idx="0">
+              <a:schemeClr val="dk1"/>
+            </a:effectRef>
+            <a:fontRef idx="minor">
+              <a:schemeClr val="tx1"/>
+            </a:fontRef>
+          </p:style>
+        </p:cxnSp>
+      </p:grpSp>
+      <p:sp>
+        <p:nvSpPr>
+          <p:cNvPr id="33" name="手繪多邊形 32">
+            <a:extLst>
+              <a:ext uri="{FF2B5EF4-FFF2-40B4-BE49-F238E27FC236}">
+                <a16:creationId xmlns:a16="http://schemas.microsoft.com/office/drawing/2014/main" id="{8A2659BD-08EA-FD44-A995-4FD4012D1C62}"/>
+              </a:ext>
+            </a:extLst>
+          </p:cNvPr>
+          <p:cNvSpPr/>
+          <p:nvPr/>
+        </p:nvSpPr>
+        <p:spPr>
+          <a:xfrm>
+            <a:off x="3450771" y="2351314"/>
+            <a:ext cx="500752" cy="2296886"/>
+          </a:xfrm>
+          <a:custGeom>
+            <a:avLst/>
+            <a:gdLst>
+              <a:gd name="connsiteX0" fmla="*/ 0 w 500752"/>
+              <a:gd name="connsiteY0" fmla="*/ 0 h 2296886"/>
+              <a:gd name="connsiteX1" fmla="*/ 500743 w 500752"/>
+              <a:gd name="connsiteY1" fmla="*/ 1077686 h 2296886"/>
+              <a:gd name="connsiteX2" fmla="*/ 10886 w 500752"/>
+              <a:gd name="connsiteY2" fmla="*/ 2296886 h 2296886"/>
+            </a:gdLst>
+            <a:ahLst/>
+            <a:cxnLst>
+              <a:cxn ang="0">
+                <a:pos x="connsiteX0" y="connsiteY0"/>
+              </a:cxn>
+              <a:cxn ang="0">
+                <a:pos x="connsiteX1" y="connsiteY1"/>
+              </a:cxn>
+              <a:cxn ang="0">
+                <a:pos x="connsiteX2" y="connsiteY2"/>
+              </a:cxn>
+            </a:cxnLst>
+            <a:rect l="l" t="t" r="r" b="b"/>
+            <a:pathLst>
+              <a:path w="500752" h="2296886">
+                <a:moveTo>
+                  <a:pt x="0" y="0"/>
+                </a:moveTo>
+                <a:cubicBezTo>
+                  <a:pt x="249464" y="347436"/>
+                  <a:pt x="498929" y="694872"/>
+                  <a:pt x="500743" y="1077686"/>
+                </a:cubicBezTo>
+                <a:cubicBezTo>
+                  <a:pt x="502557" y="1460500"/>
+                  <a:pt x="256721" y="1878693"/>
+                  <a:pt x="10886" y="2296886"/>
+                </a:cubicBezTo>
+              </a:path>
+            </a:pathLst>
+          </a:custGeom>
+          <a:noFill/>
+          <a:ln w="57150">
+            <a:solidFill>
+              <a:srgbClr val="FF0000"/>
+            </a:solidFill>
+            <a:prstDash val="dash"/>
+            <a:headEnd type="none" w="med" len="med"/>
+            <a:tailEnd type="triangle" w="med" len="med"/>
+          </a:ln>
+        </p:spPr>
+        <p:style>
+          <a:lnRef idx="2">
+            <a:schemeClr val="accent1">
+              <a:shade val="50000"/>
+            </a:schemeClr>
+          </a:lnRef>
+          <a:fillRef idx="1">
+            <a:schemeClr val="accent1"/>
+          </a:fillRef>
+          <a:effectRef idx="0">
+            <a:schemeClr val="accent1"/>
+          </a:effectRef>
+          <a:fontRef idx="minor">
+            <a:schemeClr val="lt1"/>
+          </a:fontRef>
+        </p:style>
+        <p:txBody>
+          <a:bodyPr rtlCol="0" anchor="ctr"/>
+          <a:lstStyle/>
+          <a:p>
+            <a:pPr algn="ctr"/>
+            <a:endParaRPr kumimoji="1" lang="zh-TW" altLang="en-US"/>
+          </a:p>
+        </p:txBody>
+      </p:sp>
+      <p:sp>
+        <p:nvSpPr>
+          <p:cNvPr id="34" name="手繪多邊形 33">
+            <a:extLst>
+              <a:ext uri="{FF2B5EF4-FFF2-40B4-BE49-F238E27FC236}">
+                <a16:creationId xmlns:a16="http://schemas.microsoft.com/office/drawing/2014/main" id="{39150A5B-07BA-7046-8F54-C3DC2BEA04DE}"/>
+              </a:ext>
+            </a:extLst>
+          </p:cNvPr>
+          <p:cNvSpPr/>
+          <p:nvPr/>
+        </p:nvSpPr>
+        <p:spPr>
+          <a:xfrm>
+            <a:off x="6743685" y="2337234"/>
+            <a:ext cx="500752" cy="2296886"/>
+          </a:xfrm>
+          <a:custGeom>
+            <a:avLst/>
+            <a:gdLst>
+              <a:gd name="connsiteX0" fmla="*/ 0 w 500752"/>
+              <a:gd name="connsiteY0" fmla="*/ 0 h 2296886"/>
+              <a:gd name="connsiteX1" fmla="*/ 500743 w 500752"/>
+              <a:gd name="connsiteY1" fmla="*/ 1077686 h 2296886"/>
+              <a:gd name="connsiteX2" fmla="*/ 10886 w 500752"/>
+              <a:gd name="connsiteY2" fmla="*/ 2296886 h 2296886"/>
+            </a:gdLst>
+            <a:ahLst/>
+            <a:cxnLst>
+              <a:cxn ang="0">
+                <a:pos x="connsiteX0" y="connsiteY0"/>
+              </a:cxn>
+              <a:cxn ang="0">
+                <a:pos x="connsiteX1" y="connsiteY1"/>
+              </a:cxn>
+              <a:cxn ang="0">
+                <a:pos x="connsiteX2" y="connsiteY2"/>
+              </a:cxn>
+            </a:cxnLst>
+            <a:rect l="l" t="t" r="r" b="b"/>
+            <a:pathLst>
+              <a:path w="500752" h="2296886">
+                <a:moveTo>
+                  <a:pt x="0" y="0"/>
+                </a:moveTo>
+                <a:cubicBezTo>
+                  <a:pt x="249464" y="347436"/>
+                  <a:pt x="498929" y="694872"/>
+                  <a:pt x="500743" y="1077686"/>
+                </a:cubicBezTo>
+                <a:cubicBezTo>
+                  <a:pt x="502557" y="1460500"/>
+                  <a:pt x="256721" y="1878693"/>
+                  <a:pt x="10886" y="2296886"/>
+                </a:cubicBezTo>
+              </a:path>
+            </a:pathLst>
+          </a:custGeom>
+          <a:noFill/>
+          <a:ln w="57150">
+            <a:solidFill>
+              <a:srgbClr val="FF0000"/>
+            </a:solidFill>
+            <a:prstDash val="dash"/>
+            <a:headEnd type="none" w="med" len="med"/>
+            <a:tailEnd type="triangle" w="med" len="med"/>
+          </a:ln>
+        </p:spPr>
+        <p:style>
+          <a:lnRef idx="2">
+            <a:schemeClr val="accent1">
+              <a:shade val="50000"/>
+            </a:schemeClr>
+          </a:lnRef>
+          <a:fillRef idx="1">
+            <a:schemeClr val="accent1"/>
+          </a:fillRef>
+          <a:effectRef idx="0">
+            <a:schemeClr val="accent1"/>
+          </a:effectRef>
+          <a:fontRef idx="minor">
+            <a:schemeClr val="lt1"/>
+          </a:fontRef>
+        </p:style>
+        <p:txBody>
+          <a:bodyPr rtlCol="0" anchor="ctr"/>
+          <a:lstStyle/>
+          <a:p>
+            <a:pPr algn="ctr"/>
+            <a:endParaRPr kumimoji="1" lang="zh-TW" altLang="en-US"/>
+          </a:p>
+        </p:txBody>
+      </p:sp>
+      <p:sp>
+        <p:nvSpPr>
+          <p:cNvPr id="35" name="手繪多邊形 34">
+            <a:extLst>
+              <a:ext uri="{FF2B5EF4-FFF2-40B4-BE49-F238E27FC236}">
+                <a16:creationId xmlns:a16="http://schemas.microsoft.com/office/drawing/2014/main" id="{19BEE921-62CC-3848-9B8E-02505D2CEB0B}"/>
+              </a:ext>
+            </a:extLst>
+          </p:cNvPr>
+          <p:cNvSpPr/>
+          <p:nvPr/>
+        </p:nvSpPr>
+        <p:spPr>
+          <a:xfrm>
+            <a:off x="10041627" y="2345657"/>
+            <a:ext cx="500752" cy="2296886"/>
+          </a:xfrm>
+          <a:custGeom>
+            <a:avLst/>
+            <a:gdLst>
+              <a:gd name="connsiteX0" fmla="*/ 0 w 500752"/>
+              <a:gd name="connsiteY0" fmla="*/ 0 h 2296886"/>
+              <a:gd name="connsiteX1" fmla="*/ 500743 w 500752"/>
+              <a:gd name="connsiteY1" fmla="*/ 1077686 h 2296886"/>
+              <a:gd name="connsiteX2" fmla="*/ 10886 w 500752"/>
+              <a:gd name="connsiteY2" fmla="*/ 2296886 h 2296886"/>
+            </a:gdLst>
+            <a:ahLst/>
+            <a:cxnLst>
+              <a:cxn ang="0">
+                <a:pos x="connsiteX0" y="connsiteY0"/>
+              </a:cxn>
+              <a:cxn ang="0">
+                <a:pos x="connsiteX1" y="connsiteY1"/>
+              </a:cxn>
+              <a:cxn ang="0">
+                <a:pos x="connsiteX2" y="connsiteY2"/>
+              </a:cxn>
+            </a:cxnLst>
+            <a:rect l="l" t="t" r="r" b="b"/>
+            <a:pathLst>
+              <a:path w="500752" h="2296886">
+                <a:moveTo>
+                  <a:pt x="0" y="0"/>
+                </a:moveTo>
+                <a:cubicBezTo>
+                  <a:pt x="249464" y="347436"/>
+                  <a:pt x="498929" y="694872"/>
+                  <a:pt x="500743" y="1077686"/>
+                </a:cubicBezTo>
+                <a:cubicBezTo>
+                  <a:pt x="502557" y="1460500"/>
+                  <a:pt x="256721" y="1878693"/>
+                  <a:pt x="10886" y="2296886"/>
+                </a:cubicBezTo>
+              </a:path>
+            </a:pathLst>
+          </a:custGeom>
+          <a:noFill/>
+          <a:ln w="57150">
+            <a:solidFill>
+              <a:srgbClr val="FF0000"/>
+            </a:solidFill>
+            <a:prstDash val="dash"/>
+            <a:headEnd type="none" w="med" len="med"/>
+            <a:tailEnd type="triangle" w="med" len="med"/>
+          </a:ln>
+        </p:spPr>
+        <p:style>
+          <a:lnRef idx="2">
+            <a:schemeClr val="accent1">
+              <a:shade val="50000"/>
+            </a:schemeClr>
+          </a:lnRef>
+          <a:fillRef idx="1">
+            <a:schemeClr val="accent1"/>
+          </a:fillRef>
+          <a:effectRef idx="0">
+            <a:schemeClr val="accent1"/>
+          </a:effectRef>
+          <a:fontRef idx="minor">
+            <a:schemeClr val="lt1"/>
+          </a:fontRef>
+        </p:style>
+        <p:txBody>
+          <a:bodyPr rtlCol="0" anchor="ctr"/>
+          <a:lstStyle/>
+          <a:p>
+            <a:pPr algn="ctr"/>
+            <a:endParaRPr kumimoji="1" lang="zh-TW" altLang="en-US"/>
+          </a:p>
+        </p:txBody>
+      </p:sp>
+    </p:spTree>
+    <p:extLst>
+      <p:ext uri="{BB962C8B-B14F-4D97-AF65-F5344CB8AC3E}">
+        <p14:creationId xmlns:p14="http://schemas.microsoft.com/office/powerpoint/2010/main" val="2054838090"/>
       </p:ext>
     </p:extLst>
   </p:cSld>
